--- a/Project2_Review/Figure만들기.pptx
+++ b/Project2_Review/Figure만들기.pptx
@@ -9,6 +9,8 @@
   </p:notesMasterIdLst>
   <p:sldIdLst>
     <p:sldId id="256" r:id="rId3"/>
+    <p:sldId id="257" r:id="rId4"/>
+    <p:sldId id="258" r:id="rId5"/>
   </p:sldIdLst>
   <p:sldSz cx="12192000" cy="6858000"/>
   <p:notesSz cx="6858000" cy="9144000"/>
@@ -3854,33 +3856,6 @@
       </p:sp>
       <p:sp>
         <p:nvSpPr>
-          <p:cNvPr id="5" name="가로 글상자 4"/>
-          <p:cNvSpPr txBox="1"/>
-          <p:nvPr/>
-        </p:nvSpPr>
-        <p:spPr>
-          <a:xfrm>
-            <a:off x="1479578" y="1328743"/>
-            <a:ext cx="1303422" cy="366897"/>
-          </a:xfrm>
-          <a:prstGeom prst="rect">
-            <a:avLst/>
-          </a:prstGeom>
-        </p:spPr>
-        <p:txBody>
-          <a:bodyPr wrap="square">
-            <a:spAutoFit/>
-          </a:bodyPr>
-          <a:p>
-            <a:pPr lvl="0">
-              <a:defRPr/>
-            </a:pPr>
-            <a:endParaRPr lang="en-US" altLang="ko-KR"/>
-          </a:p>
-        </p:txBody>
-      </p:sp>
-      <p:sp>
-        <p:nvSpPr>
           <p:cNvPr id="10" name="모서리가 둥근 직사각형 9"/>
           <p:cNvSpPr/>
           <p:nvPr/>
@@ -4111,10 +4086,10 @@
               <a:defRPr/>
             </a:pPr>
             <a:r>
-              <a:rPr lang="en-US" altLang="ko-KR"/>
+              <a:rPr lang="en-US" altLang="ko-KR" i="1"/>
               <a:t>Embedding</a:t>
             </a:r>
-            <a:endParaRPr lang="en-US" altLang="ko-KR"/>
+            <a:endParaRPr lang="en-US" altLang="ko-KR" i="1"/>
           </a:p>
         </p:txBody>
       </p:sp>
@@ -4161,10 +4136,10 @@
               <a:defRPr/>
             </a:pPr>
             <a:r>
-              <a:rPr lang="en-US" altLang="ko-KR"/>
+              <a:rPr lang="en-US" altLang="ko-KR" i="1"/>
               <a:t>Embedding</a:t>
             </a:r>
-            <a:endParaRPr lang="en-US" altLang="ko-KR"/>
+            <a:endParaRPr lang="en-US" altLang="ko-KR" i="1"/>
           </a:p>
         </p:txBody>
       </p:sp>
@@ -4211,10 +4186,10 @@
               <a:defRPr/>
             </a:pPr>
             <a:r>
-              <a:rPr lang="en-US" altLang="ko-KR"/>
+              <a:rPr lang="en-US" altLang="ko-KR" i="1"/>
               <a:t>Embedding</a:t>
             </a:r>
-            <a:endParaRPr lang="en-US" altLang="ko-KR"/>
+            <a:endParaRPr lang="en-US" altLang="ko-KR" i="1"/>
           </a:p>
         </p:txBody>
       </p:sp>
@@ -4434,10 +4409,10 @@
               <a:defRPr/>
             </a:pPr>
             <a:r>
-              <a:rPr lang="en-US" altLang="ko-KR"/>
+              <a:rPr lang="en-US" altLang="ko-KR" i="1"/>
               <a:t>Embedding</a:t>
             </a:r>
-            <a:endParaRPr lang="en-US" altLang="ko-KR"/>
+            <a:endParaRPr lang="en-US" altLang="ko-KR" i="1"/>
           </a:p>
         </p:txBody>
       </p:sp>
@@ -4641,318 +4616,6 @@
           </a:fontRef>
         </p:style>
       </p:cxnSp>
-      <p:cxnSp>
-        <p:nvCxnSpPr>
-          <p:cNvPr id="37" name="선 36"/>
-          <p:cNvCxnSpPr>
-            <a:endCxn id="41" idx="0"/>
-          </p:cNvCxnSpPr>
-          <p:nvPr/>
-        </p:nvCxnSpPr>
-        <p:spPr>
-          <a:xfrm rot="5400000" flipH="1" flipV="1">
-            <a:off x="218199" y="1211907"/>
-            <a:ext cx="850112" cy="728"/>
-          </a:xfrm>
-          <a:prstGeom prst="line">
-            <a:avLst/>
-          </a:prstGeom>
-          <a:ln w="28575">
-            <a:solidFill>
-              <a:schemeClr val="dk1"/>
-            </a:solidFill>
-          </a:ln>
-        </p:spPr>
-        <p:style>
-          <a:lnRef idx="1">
-            <a:schemeClr val="accent1"/>
-          </a:lnRef>
-          <a:fillRef idx="0">
-            <a:schemeClr val="accent1"/>
-          </a:fillRef>
-          <a:effectRef idx="0">
-            <a:schemeClr val="accent1"/>
-          </a:effectRef>
-          <a:fontRef idx="minor">
-            <a:schemeClr val="tx1"/>
-          </a:fontRef>
-        </p:style>
-      </p:cxnSp>
-      <p:sp>
-        <p:nvSpPr>
-          <p:cNvPr id="41" name="타원 40"/>
-          <p:cNvSpPr/>
-          <p:nvPr/>
-        </p:nvSpPr>
-        <p:spPr>
-          <a:xfrm>
-            <a:off x="491522" y="787216"/>
-            <a:ext cx="304195" cy="295169"/>
-          </a:xfrm>
-          <a:prstGeom prst="ellipse">
-            <a:avLst/>
-          </a:prstGeom>
-        </p:spPr>
-        <p:style>
-          <a:lnRef idx="2">
-            <a:schemeClr val="accent1">
-              <a:shade val="20000"/>
-            </a:schemeClr>
-          </a:lnRef>
-          <a:fillRef idx="1">
-            <a:schemeClr val="accent1"/>
-          </a:fillRef>
-          <a:effectRef idx="0">
-            <a:schemeClr val="accent1"/>
-          </a:effectRef>
-          <a:fontRef idx="minor">
-            <a:schemeClr val="lt1"/>
-          </a:fontRef>
-        </p:style>
-        <p:txBody>
-          <a:bodyPr anchor="ctr"/>
-          <a:p>
-            <a:pPr lvl="0" algn="ctr">
-              <a:defRPr/>
-            </a:pPr>
-            <a:endParaRPr lang="ko-KR" altLang="en-US"/>
-          </a:p>
-        </p:txBody>
-      </p:sp>
-      <p:cxnSp>
-        <p:nvCxnSpPr>
-          <p:cNvPr id="48" name="선 47"/>
-          <p:cNvCxnSpPr>
-            <a:endCxn id="49" idx="0"/>
-          </p:cNvCxnSpPr>
-          <p:nvPr/>
-        </p:nvCxnSpPr>
-        <p:spPr>
-          <a:xfrm rot="5400000" flipH="1" flipV="1">
-            <a:off x="1612580" y="1211907"/>
-            <a:ext cx="850112" cy="728"/>
-          </a:xfrm>
-          <a:prstGeom prst="line">
-            <a:avLst/>
-          </a:prstGeom>
-          <a:ln w="28575">
-            <a:solidFill>
-              <a:schemeClr val="dk1"/>
-            </a:solidFill>
-          </a:ln>
-        </p:spPr>
-        <p:style>
-          <a:lnRef idx="1">
-            <a:schemeClr val="accent1"/>
-          </a:lnRef>
-          <a:fillRef idx="0">
-            <a:schemeClr val="accent1"/>
-          </a:fillRef>
-          <a:effectRef idx="0">
-            <a:schemeClr val="accent1"/>
-          </a:effectRef>
-          <a:fontRef idx="minor">
-            <a:schemeClr val="tx1"/>
-          </a:fontRef>
-        </p:style>
-      </p:cxnSp>
-      <p:sp>
-        <p:nvSpPr>
-          <p:cNvPr id="49" name="타원 48"/>
-          <p:cNvSpPr/>
-          <p:nvPr/>
-        </p:nvSpPr>
-        <p:spPr>
-          <a:xfrm>
-            <a:off x="1885903" y="787216"/>
-            <a:ext cx="304195" cy="295169"/>
-          </a:xfrm>
-          <a:prstGeom prst="ellipse">
-            <a:avLst/>
-          </a:prstGeom>
-        </p:spPr>
-        <p:style>
-          <a:lnRef idx="2">
-            <a:schemeClr val="accent1">
-              <a:shade val="20000"/>
-            </a:schemeClr>
-          </a:lnRef>
-          <a:fillRef idx="1">
-            <a:schemeClr val="accent1"/>
-          </a:fillRef>
-          <a:effectRef idx="0">
-            <a:schemeClr val="accent1"/>
-          </a:effectRef>
-          <a:fontRef idx="minor">
-            <a:schemeClr val="lt1"/>
-          </a:fontRef>
-        </p:style>
-        <p:txBody>
-          <a:bodyPr anchor="ctr"/>
-          <a:p>
-            <a:pPr lvl="0" algn="ctr">
-              <a:defRPr/>
-            </a:pPr>
-            <a:endParaRPr lang="ko-KR" altLang="en-US"/>
-          </a:p>
-        </p:txBody>
-      </p:sp>
-      <p:cxnSp>
-        <p:nvCxnSpPr>
-          <p:cNvPr id="50" name="선 49"/>
-          <p:cNvCxnSpPr>
-            <a:endCxn id="51" idx="0"/>
-          </p:cNvCxnSpPr>
-          <p:nvPr/>
-        </p:nvCxnSpPr>
-        <p:spPr>
-          <a:xfrm rot="5400000" flipH="1" flipV="1">
-            <a:off x="3006962" y="1211907"/>
-            <a:ext cx="850112" cy="728"/>
-          </a:xfrm>
-          <a:prstGeom prst="line">
-            <a:avLst/>
-          </a:prstGeom>
-          <a:ln w="28575">
-            <a:solidFill>
-              <a:schemeClr val="dk1"/>
-            </a:solidFill>
-          </a:ln>
-        </p:spPr>
-        <p:style>
-          <a:lnRef idx="1">
-            <a:schemeClr val="accent1"/>
-          </a:lnRef>
-          <a:fillRef idx="0">
-            <a:schemeClr val="accent1"/>
-          </a:fillRef>
-          <a:effectRef idx="0">
-            <a:schemeClr val="accent1"/>
-          </a:effectRef>
-          <a:fontRef idx="minor">
-            <a:schemeClr val="tx1"/>
-          </a:fontRef>
-        </p:style>
-      </p:cxnSp>
-      <p:sp>
-        <p:nvSpPr>
-          <p:cNvPr id="51" name="타원 50"/>
-          <p:cNvSpPr/>
-          <p:nvPr/>
-        </p:nvSpPr>
-        <p:spPr>
-          <a:xfrm>
-            <a:off x="3280285" y="787216"/>
-            <a:ext cx="304195" cy="295169"/>
-          </a:xfrm>
-          <a:prstGeom prst="ellipse">
-            <a:avLst/>
-          </a:prstGeom>
-        </p:spPr>
-        <p:style>
-          <a:lnRef idx="2">
-            <a:schemeClr val="accent1">
-              <a:shade val="20000"/>
-            </a:schemeClr>
-          </a:lnRef>
-          <a:fillRef idx="1">
-            <a:schemeClr val="accent1"/>
-          </a:fillRef>
-          <a:effectRef idx="0">
-            <a:schemeClr val="accent1"/>
-          </a:effectRef>
-          <a:fontRef idx="minor">
-            <a:schemeClr val="lt1"/>
-          </a:fontRef>
-        </p:style>
-        <p:txBody>
-          <a:bodyPr anchor="ctr"/>
-          <a:p>
-            <a:pPr lvl="0" algn="ctr">
-              <a:defRPr/>
-            </a:pPr>
-            <a:endParaRPr lang="ko-KR" altLang="en-US"/>
-          </a:p>
-        </p:txBody>
-      </p:sp>
-      <p:cxnSp>
-        <p:nvCxnSpPr>
-          <p:cNvPr id="52" name="선 51"/>
-          <p:cNvCxnSpPr>
-            <a:endCxn id="53" idx="0"/>
-          </p:cNvCxnSpPr>
-          <p:nvPr/>
-        </p:nvCxnSpPr>
-        <p:spPr>
-          <a:xfrm rot="5400000" flipH="1" flipV="1">
-            <a:off x="4466775" y="1211907"/>
-            <a:ext cx="850112" cy="728"/>
-          </a:xfrm>
-          <a:prstGeom prst="line">
-            <a:avLst/>
-          </a:prstGeom>
-          <a:ln w="28575">
-            <a:solidFill>
-              <a:schemeClr val="dk1"/>
-            </a:solidFill>
-          </a:ln>
-        </p:spPr>
-        <p:style>
-          <a:lnRef idx="1">
-            <a:schemeClr val="accent1"/>
-          </a:lnRef>
-          <a:fillRef idx="0">
-            <a:schemeClr val="accent1"/>
-          </a:fillRef>
-          <a:effectRef idx="0">
-            <a:schemeClr val="accent1"/>
-          </a:effectRef>
-          <a:fontRef idx="minor">
-            <a:schemeClr val="tx1"/>
-          </a:fontRef>
-        </p:style>
-      </p:cxnSp>
-      <p:sp>
-        <p:nvSpPr>
-          <p:cNvPr id="53" name="타원 52"/>
-          <p:cNvSpPr/>
-          <p:nvPr/>
-        </p:nvSpPr>
-        <p:spPr>
-          <a:xfrm>
-            <a:off x="4740098" y="787216"/>
-            <a:ext cx="304195" cy="295169"/>
-          </a:xfrm>
-          <a:prstGeom prst="ellipse">
-            <a:avLst/>
-          </a:prstGeom>
-        </p:spPr>
-        <p:style>
-          <a:lnRef idx="2">
-            <a:schemeClr val="accent1">
-              <a:shade val="20000"/>
-            </a:schemeClr>
-          </a:lnRef>
-          <a:fillRef idx="1">
-            <a:schemeClr val="accent1"/>
-          </a:fillRef>
-          <a:effectRef idx="0">
-            <a:schemeClr val="accent1"/>
-          </a:effectRef>
-          <a:fontRef idx="minor">
-            <a:schemeClr val="lt1"/>
-          </a:fontRef>
-        </p:style>
-        <p:txBody>
-          <a:bodyPr anchor="ctr"/>
-          <a:p>
-            <a:pPr lvl="0" algn="ctr">
-              <a:defRPr/>
-            </a:pPr>
-            <a:endParaRPr lang="ko-KR" altLang="en-US"/>
-          </a:p>
-        </p:txBody>
-      </p:sp>
       <p:cxnSp>
         <p:nvCxnSpPr>
           <p:cNvPr id="54" name="화살표 53"/>
@@ -5447,10 +5110,10 @@
               <a:defRPr/>
             </a:pPr>
             <a:r>
-              <a:rPr lang="en-US" altLang="ko-KR"/>
+              <a:rPr lang="en-US" altLang="ko-KR" i="1"/>
               <a:t>Embedding</a:t>
             </a:r>
-            <a:endParaRPr lang="en-US" altLang="ko-KR"/>
+            <a:endParaRPr lang="en-US" altLang="ko-KR" i="1"/>
           </a:p>
         </p:txBody>
       </p:sp>
@@ -5497,10 +5160,10 @@
               <a:defRPr/>
             </a:pPr>
             <a:r>
-              <a:rPr lang="en-US" altLang="ko-KR"/>
+              <a:rPr lang="en-US" altLang="ko-KR" i="1"/>
               <a:t>Embedding</a:t>
             </a:r>
-            <a:endParaRPr lang="en-US" altLang="ko-KR"/>
+            <a:endParaRPr lang="en-US" altLang="ko-KR" i="1"/>
           </a:p>
         </p:txBody>
       </p:sp>
@@ -5547,10 +5210,10 @@
               <a:defRPr/>
             </a:pPr>
             <a:r>
-              <a:rPr lang="en-US" altLang="ko-KR"/>
+              <a:rPr lang="en-US" altLang="ko-KR" i="1"/>
               <a:t>Embedding</a:t>
             </a:r>
-            <a:endParaRPr lang="en-US" altLang="ko-KR"/>
+            <a:endParaRPr lang="en-US" altLang="ko-KR" i="1"/>
           </a:p>
         </p:txBody>
       </p:sp>
@@ -6711,12 +6374,12 @@
               <a:defRPr/>
             </a:pPr>
             <a:r>
-              <a:rPr lang="en-US" altLang="ko-KR" b="1">
+              <a:rPr lang="en-US" altLang="ko-KR" i="1">
                 <a:effectLst/>
               </a:rPr>
               <a:t>Dense</a:t>
             </a:r>
-            <a:endParaRPr lang="en-US" altLang="ko-KR" b="1">
+            <a:endParaRPr lang="en-US" altLang="ko-KR" i="1">
               <a:effectLst/>
             </a:endParaRPr>
           </a:p>
@@ -6774,12 +6437,12 @@
               <a:defRPr/>
             </a:pPr>
             <a:r>
-              <a:rPr lang="en-US" altLang="ko-KR" b="1">
+              <a:rPr lang="en-US" altLang="ko-KR" i="1">
                 <a:effectLst/>
               </a:rPr>
               <a:t>Dense</a:t>
             </a:r>
-            <a:endParaRPr lang="en-US" altLang="ko-KR" b="1">
+            <a:endParaRPr lang="en-US" altLang="ko-KR" i="1">
               <a:effectLst/>
             </a:endParaRPr>
           </a:p>
@@ -6837,12 +6500,12 @@
               <a:defRPr/>
             </a:pPr>
             <a:r>
-              <a:rPr lang="en-US" altLang="ko-KR" b="1">
+              <a:rPr lang="en-US" altLang="ko-KR" i="1">
                 <a:effectLst/>
               </a:rPr>
               <a:t>Dense</a:t>
             </a:r>
-            <a:endParaRPr lang="en-US" altLang="ko-KR" b="1">
+            <a:endParaRPr lang="en-US" altLang="ko-KR" i="1">
               <a:effectLst/>
             </a:endParaRPr>
           </a:p>
@@ -6900,12 +6563,12 @@
               <a:defRPr/>
             </a:pPr>
             <a:r>
-              <a:rPr lang="en-US" altLang="ko-KR" b="1">
+              <a:rPr lang="en-US" altLang="ko-KR" i="1">
                 <a:effectLst/>
               </a:rPr>
               <a:t>Softmax</a:t>
             </a:r>
-            <a:endParaRPr lang="en-US" altLang="ko-KR" b="1">
+            <a:endParaRPr lang="en-US" altLang="ko-KR" i="1">
               <a:effectLst/>
             </a:endParaRPr>
           </a:p>
@@ -6963,12 +6626,12 @@
               <a:defRPr/>
             </a:pPr>
             <a:r>
-              <a:rPr lang="en-US" altLang="ko-KR" b="1">
+              <a:rPr lang="en-US" altLang="ko-KR" i="1">
                 <a:effectLst/>
               </a:rPr>
               <a:t>Softmax</a:t>
             </a:r>
-            <a:endParaRPr lang="en-US" altLang="ko-KR" b="1">
+            <a:endParaRPr lang="en-US" altLang="ko-KR" i="1">
               <a:effectLst/>
             </a:endParaRPr>
           </a:p>
@@ -7026,12 +6689,12 @@
               <a:defRPr/>
             </a:pPr>
             <a:r>
-              <a:rPr lang="en-US" altLang="ko-KR" b="1">
+              <a:rPr lang="en-US" altLang="ko-KR" i="1">
                 <a:effectLst/>
               </a:rPr>
               <a:t>Softmax</a:t>
             </a:r>
-            <a:endParaRPr lang="en-US" altLang="ko-KR" b="1">
+            <a:endParaRPr lang="en-US" altLang="ko-KR" i="1">
               <a:effectLst/>
             </a:endParaRPr>
           </a:p>
@@ -7076,10 +6739,4885 @@
           </a:p>
         </p:txBody>
       </p:sp>
+      <p:sp>
+        <p:nvSpPr>
+          <p:cNvPr id="125" name="가로 글상자 124"/>
+          <p:cNvSpPr txBox="1"/>
+          <p:nvPr/>
+        </p:nvSpPr>
+        <p:spPr>
+          <a:xfrm>
+            <a:off x="6088505" y="5804450"/>
+            <a:ext cx="892968" cy="643890"/>
+          </a:xfrm>
+          <a:prstGeom prst="rect">
+            <a:avLst/>
+          </a:prstGeom>
+        </p:spPr>
+        <p:txBody>
+          <a:bodyPr vert="horz" wrap="square" anchor="ctr" anchorCtr="0">
+            <a:spAutoFit/>
+          </a:bodyPr>
+          <a:p>
+            <a:pPr lvl="0" algn="ctr">
+              <a:defRPr/>
+            </a:pPr>
+            <a:r>
+              <a:rPr lang="en-US" altLang="ko-KR">
+                <a:solidFill>
+                  <a:srgbClr val="ff0000"/>
+                </a:solidFill>
+              </a:rPr>
+              <a:t>fixed size</a:t>
+            </a:r>
+            <a:endParaRPr lang="en-US" altLang="ko-KR">
+              <a:solidFill>
+                <a:srgbClr val="ff0000"/>
+              </a:solidFill>
+            </a:endParaRPr>
+          </a:p>
+        </p:txBody>
+      </p:sp>
+      <p:cxnSp>
+        <p:nvCxnSpPr>
+          <p:cNvPr id="126" name="화살표 125"/>
+          <p:cNvCxnSpPr>
+            <a:stCxn id="125" idx="0"/>
+            <a:endCxn id="55" idx="2"/>
+          </p:cNvCxnSpPr>
+          <p:nvPr/>
+        </p:nvCxnSpPr>
+        <p:spPr>
+          <a:xfrm rot="16200000" flipV="1">
+            <a:off x="6357382" y="5626845"/>
+            <a:ext cx="354418" cy="794"/>
+          </a:xfrm>
+          <a:prstGeom prst="straightConnector1">
+            <a:avLst/>
+          </a:prstGeom>
+          <a:ln w="19050">
+            <a:solidFill>
+              <a:schemeClr val="accent1"/>
+            </a:solidFill>
+            <a:prstDash val="sysDot"/>
+            <a:tailEnd type="arrow"/>
+          </a:ln>
+        </p:spPr>
+        <p:style>
+          <a:lnRef idx="1">
+            <a:schemeClr val="accent1"/>
+          </a:lnRef>
+          <a:fillRef idx="0">
+            <a:schemeClr val="accent1"/>
+          </a:fillRef>
+          <a:effectRef idx="0">
+            <a:schemeClr val="accent1"/>
+          </a:effectRef>
+          <a:fontRef idx="minor">
+            <a:schemeClr val="tx1"/>
+          </a:fontRef>
+        </p:style>
+      </p:cxnSp>
     </p:spTree>
     <p:extLst>
       <p:ext uri="{BB962C8B-B14F-4D97-AF65-F5344CB8AC3E}">
         <p14:creationId xmlns:p14="http://schemas.microsoft.com/office/powerpoint/2010/main" val="319186269"/>
+      </p:ext>
+    </p:extLst>
+  </p:cSld>
+  <p:clrMapOvr>
+    <a:masterClrMapping/>
+  </p:clrMapOvr>
+</p:sld>
+</file>
+
+<file path=ppt/slides/slide2.xml><?xml version="1.0" encoding="utf-8"?>
+<p:sld xmlns:r="http://schemas.openxmlformats.org/officeDocument/2006/relationships" xmlns:c="http://schemas.openxmlformats.org/drawingml/2006/chart" xmlns:a="http://schemas.openxmlformats.org/drawingml/2006/main" xmlns:dgm="http://schemas.openxmlformats.org/drawingml/2006/diagram" xmlns:dsp="http://schemas.microsoft.com/office/drawing/2008/diagram" xmlns:p="http://schemas.openxmlformats.org/presentationml/2006/main">
+  <p:cSld>
+    <p:spTree>
+      <p:nvGrpSpPr>
+        <p:cNvPr id="1" name=""/>
+        <p:cNvGrpSpPr/>
+        <p:nvPr/>
+      </p:nvGrpSpPr>
+      <p:grpSpPr>
+        <a:xfrm>
+          <a:off x="0" y="0"/>
+          <a:ext cx="0" cy="0"/>
+          <a:chOff x="0" y="0"/>
+          <a:chExt cx="0" cy="0"/>
+        </a:xfrm>
+      </p:grpSpPr>
+      <p:sp>
+        <p:nvSpPr>
+          <p:cNvPr id="4" name="모서리가 둥근 직사각형 3"/>
+          <p:cNvSpPr/>
+          <p:nvPr/>
+        </p:nvSpPr>
+        <p:spPr>
+          <a:xfrm>
+            <a:off x="7196129" y="3456873"/>
+            <a:ext cx="4995871" cy="2518063"/>
+          </a:xfrm>
+          <a:prstGeom prst="roundRect">
+            <a:avLst>
+              <a:gd name="adj" fmla="val 16667"/>
+            </a:avLst>
+          </a:prstGeom>
+          <a:solidFill>
+            <a:schemeClr val="lt1"/>
+          </a:solidFill>
+          <a:scene3d>
+            <a:camera prst="orthographicFront"/>
+            <a:lightRig rig="threePt" dir="t"/>
+          </a:scene3d>
+          <a:sp3d>
+            <a:bevelT/>
+          </a:sp3d>
+        </p:spPr>
+        <p:style>
+          <a:lnRef idx="2">
+            <a:schemeClr val="accent1">
+              <a:shade val="20000"/>
+            </a:schemeClr>
+          </a:lnRef>
+          <a:fillRef idx="1">
+            <a:schemeClr val="accent1"/>
+          </a:fillRef>
+          <a:effectRef idx="0">
+            <a:schemeClr val="accent1"/>
+          </a:effectRef>
+          <a:fontRef idx="minor">
+            <a:schemeClr val="lt1"/>
+          </a:fontRef>
+        </p:style>
+        <p:txBody>
+          <a:bodyPr anchor="ctr"/>
+          <a:p>
+            <a:pPr lvl="0" algn="ctr">
+              <a:defRPr/>
+            </a:pPr>
+            <a:endParaRPr lang="en-US" altLang="ko-KR"/>
+          </a:p>
+        </p:txBody>
+      </p:sp>
+      <p:sp>
+        <p:nvSpPr>
+          <p:cNvPr id="5" name="모서리가 둥근 직사각형 4"/>
+          <p:cNvSpPr/>
+          <p:nvPr/>
+        </p:nvSpPr>
+        <p:spPr>
+          <a:xfrm>
+            <a:off x="19737" y="3446317"/>
+            <a:ext cx="5888181" cy="2518063"/>
+          </a:xfrm>
+          <a:prstGeom prst="roundRect">
+            <a:avLst>
+              <a:gd name="adj" fmla="val 16667"/>
+            </a:avLst>
+          </a:prstGeom>
+          <a:solidFill>
+            <a:schemeClr val="lt1"/>
+          </a:solidFill>
+          <a:scene3d>
+            <a:camera prst="orthographicFront"/>
+            <a:lightRig rig="threePt" dir="t"/>
+          </a:scene3d>
+          <a:sp3d>
+            <a:bevelT/>
+          </a:sp3d>
+        </p:spPr>
+        <p:style>
+          <a:lnRef idx="2">
+            <a:schemeClr val="accent1">
+              <a:shade val="20000"/>
+            </a:schemeClr>
+          </a:lnRef>
+          <a:fillRef idx="1">
+            <a:schemeClr val="accent1"/>
+          </a:fillRef>
+          <a:effectRef idx="0">
+            <a:schemeClr val="accent1"/>
+          </a:effectRef>
+          <a:fontRef idx="minor">
+            <a:schemeClr val="lt1"/>
+          </a:fontRef>
+        </p:style>
+        <p:txBody>
+          <a:bodyPr anchor="ctr"/>
+          <a:p>
+            <a:pPr lvl="0" algn="ctr">
+              <a:defRPr/>
+            </a:pPr>
+            <a:endParaRPr lang="en-US" altLang="ko-KR"/>
+          </a:p>
+        </p:txBody>
+      </p:sp>
+      <p:sp>
+        <p:nvSpPr>
+          <p:cNvPr id="6" name="모서리가 둥근 직사각형 5"/>
+          <p:cNvSpPr/>
+          <p:nvPr/>
+        </p:nvSpPr>
+        <p:spPr>
+          <a:xfrm>
+            <a:off x="307991" y="4052453"/>
+            <a:ext cx="1000684" cy="703499"/>
+          </a:xfrm>
+          <a:prstGeom prst="roundRect">
+            <a:avLst>
+              <a:gd name="adj" fmla="val 16667"/>
+            </a:avLst>
+          </a:prstGeom>
+          <a:solidFill>
+            <a:srgbClr val="203a7b"/>
+          </a:solidFill>
+          <a:scene3d>
+            <a:camera prst="orthographicFront"/>
+            <a:lightRig rig="threePt" dir="t"/>
+          </a:scene3d>
+          <a:sp3d>
+            <a:bevelT/>
+          </a:sp3d>
+        </p:spPr>
+        <p:style>
+          <a:lnRef idx="2">
+            <a:schemeClr val="accent3">
+              <a:shade val="20000"/>
+            </a:schemeClr>
+          </a:lnRef>
+          <a:fillRef idx="1">
+            <a:schemeClr val="accent3"/>
+          </a:fillRef>
+          <a:effectRef idx="0">
+            <a:schemeClr val="accent3"/>
+          </a:effectRef>
+          <a:fontRef idx="minor">
+            <a:schemeClr val="lt1"/>
+          </a:fontRef>
+        </p:style>
+        <p:txBody>
+          <a:bodyPr wrap="square" anchor="ctr">
+            <a:normAutofit/>
+          </a:bodyPr>
+          <a:p>
+            <a:pPr lvl="0" algn="ctr">
+              <a:defRPr/>
+            </a:pPr>
+            <a:r>
+              <a:rPr lang="en-US" altLang="ko-KR" b="1">
+                <a:effectLst/>
+              </a:rPr>
+              <a:t>LSTM</a:t>
+            </a:r>
+            <a:endParaRPr lang="en-US" altLang="ko-KR" b="1">
+              <a:effectLst/>
+            </a:endParaRPr>
+          </a:p>
+        </p:txBody>
+      </p:sp>
+      <p:sp>
+        <p:nvSpPr>
+          <p:cNvPr id="7" name="모서리가 둥근 직사각형 6"/>
+          <p:cNvSpPr/>
+          <p:nvPr/>
+        </p:nvSpPr>
+        <p:spPr>
+          <a:xfrm>
+            <a:off x="1716266" y="4052453"/>
+            <a:ext cx="1000684" cy="703499"/>
+          </a:xfrm>
+          <a:prstGeom prst="roundRect">
+            <a:avLst>
+              <a:gd name="adj" fmla="val 16667"/>
+            </a:avLst>
+          </a:prstGeom>
+          <a:solidFill>
+            <a:srgbClr val="203a7b"/>
+          </a:solidFill>
+          <a:scene3d>
+            <a:camera prst="orthographicFront"/>
+            <a:lightRig rig="threePt" dir="t"/>
+          </a:scene3d>
+          <a:sp3d>
+            <a:bevelT/>
+          </a:sp3d>
+        </p:spPr>
+        <p:style>
+          <a:lnRef idx="2">
+            <a:schemeClr val="accent3">
+              <a:shade val="20000"/>
+            </a:schemeClr>
+          </a:lnRef>
+          <a:fillRef idx="1">
+            <a:schemeClr val="accent3"/>
+          </a:fillRef>
+          <a:effectRef idx="0">
+            <a:schemeClr val="accent3"/>
+          </a:effectRef>
+          <a:fontRef idx="minor">
+            <a:schemeClr val="lt1"/>
+          </a:fontRef>
+        </p:style>
+        <p:txBody>
+          <a:bodyPr wrap="square" anchor="ctr">
+            <a:normAutofit/>
+          </a:bodyPr>
+          <a:p>
+            <a:pPr lvl="0" algn="ctr">
+              <a:defRPr/>
+            </a:pPr>
+            <a:r>
+              <a:rPr lang="en-US" altLang="ko-KR" b="1">
+                <a:effectLst/>
+              </a:rPr>
+              <a:t>LSTM</a:t>
+            </a:r>
+            <a:endParaRPr lang="en-US" altLang="ko-KR" b="1">
+              <a:effectLst/>
+            </a:endParaRPr>
+          </a:p>
+        </p:txBody>
+      </p:sp>
+      <p:sp>
+        <p:nvSpPr>
+          <p:cNvPr id="8" name="모서리가 둥근 직사각형 7"/>
+          <p:cNvSpPr/>
+          <p:nvPr/>
+        </p:nvSpPr>
+        <p:spPr>
+          <a:xfrm>
+            <a:off x="3098211" y="4052453"/>
+            <a:ext cx="1000684" cy="703499"/>
+          </a:xfrm>
+          <a:prstGeom prst="roundRect">
+            <a:avLst>
+              <a:gd name="adj" fmla="val 16667"/>
+            </a:avLst>
+          </a:prstGeom>
+          <a:solidFill>
+            <a:srgbClr val="203a7b"/>
+          </a:solidFill>
+          <a:scene3d>
+            <a:camera prst="orthographicFront"/>
+            <a:lightRig rig="threePt" dir="t"/>
+          </a:scene3d>
+          <a:sp3d>
+            <a:bevelT/>
+          </a:sp3d>
+        </p:spPr>
+        <p:style>
+          <a:lnRef idx="2">
+            <a:schemeClr val="accent3">
+              <a:shade val="20000"/>
+            </a:schemeClr>
+          </a:lnRef>
+          <a:fillRef idx="1">
+            <a:schemeClr val="accent3"/>
+          </a:fillRef>
+          <a:effectRef idx="0">
+            <a:schemeClr val="accent3"/>
+          </a:effectRef>
+          <a:fontRef idx="minor">
+            <a:schemeClr val="lt1"/>
+          </a:fontRef>
+        </p:style>
+        <p:txBody>
+          <a:bodyPr wrap="square" anchor="ctr">
+            <a:normAutofit/>
+          </a:bodyPr>
+          <a:p>
+            <a:pPr lvl="0" algn="ctr">
+              <a:defRPr/>
+            </a:pPr>
+            <a:r>
+              <a:rPr lang="en-US" altLang="ko-KR" b="1">
+                <a:effectLst/>
+              </a:rPr>
+              <a:t>LSTM</a:t>
+            </a:r>
+            <a:endParaRPr lang="en-US" altLang="ko-KR" b="1">
+              <a:effectLst/>
+            </a:endParaRPr>
+          </a:p>
+        </p:txBody>
+      </p:sp>
+      <p:sp>
+        <p:nvSpPr>
+          <p:cNvPr id="9" name="모서리가 둥근 직사각형 8"/>
+          <p:cNvSpPr/>
+          <p:nvPr/>
+        </p:nvSpPr>
+        <p:spPr>
+          <a:xfrm>
+            <a:off x="136541" y="5059507"/>
+            <a:ext cx="1290204" cy="390525"/>
+          </a:xfrm>
+          <a:prstGeom prst="roundRect">
+            <a:avLst>
+              <a:gd name="adj" fmla="val 16667"/>
+            </a:avLst>
+          </a:prstGeom>
+          <a:solidFill>
+            <a:schemeClr val="accent3"/>
+          </a:solidFill>
+        </p:spPr>
+        <p:style>
+          <a:lnRef idx="2">
+            <a:schemeClr val="accent1">
+              <a:shade val="20000"/>
+            </a:schemeClr>
+          </a:lnRef>
+          <a:fillRef idx="1">
+            <a:schemeClr val="accent1"/>
+          </a:fillRef>
+          <a:effectRef idx="0">
+            <a:schemeClr val="accent1"/>
+          </a:effectRef>
+          <a:fontRef idx="minor">
+            <a:schemeClr val="lt1"/>
+          </a:fontRef>
+        </p:style>
+        <p:txBody>
+          <a:bodyPr wrap="square" anchor="ctr"/>
+          <a:p>
+            <a:pPr lvl="0" algn="ctr">
+              <a:defRPr/>
+            </a:pPr>
+            <a:r>
+              <a:rPr lang="en-US" altLang="ko-KR" i="1"/>
+              <a:t>Embedding</a:t>
+            </a:r>
+            <a:endParaRPr lang="en-US" altLang="ko-KR" i="1"/>
+          </a:p>
+        </p:txBody>
+      </p:sp>
+      <p:sp>
+        <p:nvSpPr>
+          <p:cNvPr id="10" name="모서리가 둥근 직사각형 9"/>
+          <p:cNvSpPr/>
+          <p:nvPr/>
+        </p:nvSpPr>
+        <p:spPr>
+          <a:xfrm>
+            <a:off x="1558161" y="5059507"/>
+            <a:ext cx="1290204" cy="390525"/>
+          </a:xfrm>
+          <a:prstGeom prst="roundRect">
+            <a:avLst>
+              <a:gd name="adj" fmla="val 16667"/>
+            </a:avLst>
+          </a:prstGeom>
+          <a:solidFill>
+            <a:schemeClr val="accent3"/>
+          </a:solidFill>
+        </p:spPr>
+        <p:style>
+          <a:lnRef idx="2">
+            <a:schemeClr val="accent1">
+              <a:shade val="20000"/>
+            </a:schemeClr>
+          </a:lnRef>
+          <a:fillRef idx="1">
+            <a:schemeClr val="accent1"/>
+          </a:fillRef>
+          <a:effectRef idx="0">
+            <a:schemeClr val="accent1"/>
+          </a:effectRef>
+          <a:fontRef idx="minor">
+            <a:schemeClr val="lt1"/>
+          </a:fontRef>
+        </p:style>
+        <p:txBody>
+          <a:bodyPr wrap="square" anchor="ctr"/>
+          <a:p>
+            <a:pPr lvl="0" algn="ctr">
+              <a:defRPr/>
+            </a:pPr>
+            <a:r>
+              <a:rPr lang="en-US" altLang="ko-KR" i="1"/>
+              <a:t>Embedding</a:t>
+            </a:r>
+            <a:endParaRPr lang="en-US" altLang="ko-KR" i="1"/>
+          </a:p>
+        </p:txBody>
+      </p:sp>
+      <p:sp>
+        <p:nvSpPr>
+          <p:cNvPr id="11" name="모서리가 둥근 직사각형 10"/>
+          <p:cNvSpPr/>
+          <p:nvPr/>
+        </p:nvSpPr>
+        <p:spPr>
+          <a:xfrm>
+            <a:off x="2979781" y="5059507"/>
+            <a:ext cx="1290204" cy="390525"/>
+          </a:xfrm>
+          <a:prstGeom prst="roundRect">
+            <a:avLst>
+              <a:gd name="adj" fmla="val 16667"/>
+            </a:avLst>
+          </a:prstGeom>
+          <a:solidFill>
+            <a:schemeClr val="accent3"/>
+          </a:solidFill>
+        </p:spPr>
+        <p:style>
+          <a:lnRef idx="2">
+            <a:schemeClr val="accent1">
+              <a:shade val="20000"/>
+            </a:schemeClr>
+          </a:lnRef>
+          <a:fillRef idx="1">
+            <a:schemeClr val="accent1"/>
+          </a:fillRef>
+          <a:effectRef idx="0">
+            <a:schemeClr val="accent1"/>
+          </a:effectRef>
+          <a:fontRef idx="minor">
+            <a:schemeClr val="lt1"/>
+          </a:fontRef>
+        </p:style>
+        <p:txBody>
+          <a:bodyPr wrap="square" anchor="ctr"/>
+          <a:p>
+            <a:pPr lvl="0" algn="ctr">
+              <a:defRPr/>
+            </a:pPr>
+            <a:r>
+              <a:rPr lang="en-US" altLang="ko-KR" i="1"/>
+              <a:t>Embedding</a:t>
+            </a:r>
+            <a:endParaRPr lang="en-US" altLang="ko-KR" i="1"/>
+          </a:p>
+        </p:txBody>
+      </p:sp>
+      <p:cxnSp>
+        <p:nvCxnSpPr>
+          <p:cNvPr id="12" name="화살표 11"/>
+          <p:cNvCxnSpPr>
+            <a:stCxn id="9" idx="0"/>
+          </p:cNvCxnSpPr>
+          <p:nvPr/>
+        </p:nvCxnSpPr>
+        <p:spPr>
+          <a:xfrm rot="5400000" flipH="1" flipV="1">
+            <a:off x="656376" y="4907550"/>
+            <a:ext cx="303554" cy="360"/>
+          </a:xfrm>
+          <a:prstGeom prst="straightConnector1">
+            <a:avLst/>
+          </a:prstGeom>
+          <a:ln w="28575">
+            <a:solidFill>
+              <a:schemeClr val="dk1"/>
+            </a:solidFill>
+            <a:tailEnd type="arrow"/>
+          </a:ln>
+        </p:spPr>
+        <p:style>
+          <a:lnRef idx="1">
+            <a:schemeClr val="accent1"/>
+          </a:lnRef>
+          <a:fillRef idx="0">
+            <a:schemeClr val="accent1"/>
+          </a:fillRef>
+          <a:effectRef idx="0">
+            <a:schemeClr val="accent1"/>
+          </a:effectRef>
+          <a:fontRef idx="minor">
+            <a:schemeClr val="tx1"/>
+          </a:fontRef>
+        </p:style>
+      </p:cxnSp>
+      <p:cxnSp>
+        <p:nvCxnSpPr>
+          <p:cNvPr id="13" name="화살표 12"/>
+          <p:cNvCxnSpPr/>
+          <p:nvPr/>
+        </p:nvCxnSpPr>
+        <p:spPr>
+          <a:xfrm rot="5400000" flipH="1" flipV="1">
+            <a:off x="2051486" y="4907550"/>
+            <a:ext cx="303554" cy="360"/>
+          </a:xfrm>
+          <a:prstGeom prst="straightConnector1">
+            <a:avLst/>
+          </a:prstGeom>
+          <a:ln w="28575">
+            <a:solidFill>
+              <a:schemeClr val="dk1"/>
+            </a:solidFill>
+            <a:tailEnd type="arrow"/>
+          </a:ln>
+        </p:spPr>
+        <p:style>
+          <a:lnRef idx="1">
+            <a:schemeClr val="accent1"/>
+          </a:lnRef>
+          <a:fillRef idx="0">
+            <a:schemeClr val="accent1"/>
+          </a:fillRef>
+          <a:effectRef idx="0">
+            <a:schemeClr val="accent1"/>
+          </a:effectRef>
+          <a:fontRef idx="minor">
+            <a:schemeClr val="tx1"/>
+          </a:fontRef>
+        </p:style>
+      </p:cxnSp>
+      <p:cxnSp>
+        <p:nvCxnSpPr>
+          <p:cNvPr id="14" name="화살표 13"/>
+          <p:cNvCxnSpPr/>
+          <p:nvPr/>
+        </p:nvCxnSpPr>
+        <p:spPr>
+          <a:xfrm rot="5400000" flipH="1" flipV="1">
+            <a:off x="3446596" y="4907550"/>
+            <a:ext cx="303554" cy="360"/>
+          </a:xfrm>
+          <a:prstGeom prst="straightConnector1">
+            <a:avLst/>
+          </a:prstGeom>
+          <a:ln w="28575">
+            <a:solidFill>
+              <a:schemeClr val="dk1"/>
+            </a:solidFill>
+            <a:tailEnd type="arrow"/>
+          </a:ln>
+        </p:spPr>
+        <p:style>
+          <a:lnRef idx="1">
+            <a:schemeClr val="accent1"/>
+          </a:lnRef>
+          <a:fillRef idx="0">
+            <a:schemeClr val="accent1"/>
+          </a:fillRef>
+          <a:effectRef idx="0">
+            <a:schemeClr val="accent1"/>
+          </a:effectRef>
+          <a:fontRef idx="minor">
+            <a:schemeClr val="tx1"/>
+          </a:fontRef>
+        </p:style>
+      </p:cxnSp>
+      <p:sp>
+        <p:nvSpPr>
+          <p:cNvPr id="15" name="모서리가 둥근 직사각형 14"/>
+          <p:cNvSpPr/>
+          <p:nvPr/>
+        </p:nvSpPr>
+        <p:spPr>
+          <a:xfrm>
+            <a:off x="4499206" y="4052453"/>
+            <a:ext cx="1000684" cy="703499"/>
+          </a:xfrm>
+          <a:prstGeom prst="roundRect">
+            <a:avLst>
+              <a:gd name="adj" fmla="val 16667"/>
+            </a:avLst>
+          </a:prstGeom>
+          <a:solidFill>
+            <a:srgbClr val="203a7b"/>
+          </a:solidFill>
+          <a:scene3d>
+            <a:camera prst="orthographicFront"/>
+            <a:lightRig rig="threePt" dir="t"/>
+          </a:scene3d>
+          <a:sp3d>
+            <a:bevelT/>
+          </a:sp3d>
+        </p:spPr>
+        <p:style>
+          <a:lnRef idx="2">
+            <a:schemeClr val="accent3">
+              <a:shade val="20000"/>
+            </a:schemeClr>
+          </a:lnRef>
+          <a:fillRef idx="1">
+            <a:schemeClr val="accent3"/>
+          </a:fillRef>
+          <a:effectRef idx="0">
+            <a:schemeClr val="accent3"/>
+          </a:effectRef>
+          <a:fontRef idx="minor">
+            <a:schemeClr val="lt1"/>
+          </a:fontRef>
+        </p:style>
+        <p:txBody>
+          <a:bodyPr wrap="square" anchor="ctr">
+            <a:normAutofit/>
+          </a:bodyPr>
+          <a:p>
+            <a:pPr lvl="0" algn="ctr">
+              <a:defRPr/>
+            </a:pPr>
+            <a:r>
+              <a:rPr lang="en-US" altLang="ko-KR" b="1">
+                <a:effectLst/>
+              </a:rPr>
+              <a:t>LSTM</a:t>
+            </a:r>
+            <a:endParaRPr lang="en-US" altLang="ko-KR" b="1">
+              <a:effectLst/>
+            </a:endParaRPr>
+          </a:p>
+        </p:txBody>
+      </p:sp>
+      <p:sp>
+        <p:nvSpPr>
+          <p:cNvPr id="16" name="모서리가 둥근 직사각형 15"/>
+          <p:cNvSpPr/>
+          <p:nvPr/>
+        </p:nvSpPr>
+        <p:spPr>
+          <a:xfrm>
+            <a:off x="4389170" y="5059506"/>
+            <a:ext cx="1290204" cy="390525"/>
+          </a:xfrm>
+          <a:prstGeom prst="roundRect">
+            <a:avLst>
+              <a:gd name="adj" fmla="val 16667"/>
+            </a:avLst>
+          </a:prstGeom>
+          <a:solidFill>
+            <a:schemeClr val="accent3"/>
+          </a:solidFill>
+        </p:spPr>
+        <p:style>
+          <a:lnRef idx="2">
+            <a:schemeClr val="accent1">
+              <a:shade val="20000"/>
+            </a:schemeClr>
+          </a:lnRef>
+          <a:fillRef idx="1">
+            <a:schemeClr val="accent1"/>
+          </a:fillRef>
+          <a:effectRef idx="0">
+            <a:schemeClr val="accent1"/>
+          </a:effectRef>
+          <a:fontRef idx="minor">
+            <a:schemeClr val="lt1"/>
+          </a:fontRef>
+        </p:style>
+        <p:txBody>
+          <a:bodyPr wrap="square" anchor="ctr"/>
+          <a:p>
+            <a:pPr lvl="0" algn="ctr">
+              <a:defRPr/>
+            </a:pPr>
+            <a:r>
+              <a:rPr lang="en-US" altLang="ko-KR" i="1"/>
+              <a:t>Embedding</a:t>
+            </a:r>
+            <a:endParaRPr lang="en-US" altLang="ko-KR" i="1"/>
+          </a:p>
+        </p:txBody>
+      </p:sp>
+      <p:cxnSp>
+        <p:nvCxnSpPr>
+          <p:cNvPr id="17" name="화살표 16"/>
+          <p:cNvCxnSpPr/>
+          <p:nvPr/>
+        </p:nvCxnSpPr>
+        <p:spPr>
+          <a:xfrm rot="5400000" flipH="1" flipV="1">
+            <a:off x="4872090" y="4907549"/>
+            <a:ext cx="303554" cy="360"/>
+          </a:xfrm>
+          <a:prstGeom prst="straightConnector1">
+            <a:avLst/>
+          </a:prstGeom>
+          <a:ln w="28575">
+            <a:solidFill>
+              <a:schemeClr val="dk1"/>
+            </a:solidFill>
+            <a:tailEnd type="arrow"/>
+          </a:ln>
+        </p:spPr>
+        <p:style>
+          <a:lnRef idx="1">
+            <a:schemeClr val="accent1"/>
+          </a:lnRef>
+          <a:fillRef idx="0">
+            <a:schemeClr val="accent1"/>
+          </a:fillRef>
+          <a:effectRef idx="0">
+            <a:schemeClr val="accent1"/>
+          </a:effectRef>
+          <a:fontRef idx="minor">
+            <a:schemeClr val="tx1"/>
+          </a:fontRef>
+        </p:style>
+      </p:cxnSp>
+      <p:sp>
+        <p:nvSpPr>
+          <p:cNvPr id="18" name="가로 글상자 17"/>
+          <p:cNvSpPr txBox="1"/>
+          <p:nvPr/>
+        </p:nvSpPr>
+        <p:spPr>
+          <a:xfrm>
+            <a:off x="346710" y="6267936"/>
+            <a:ext cx="868680" cy="359558"/>
+          </a:xfrm>
+          <a:prstGeom prst="rect">
+            <a:avLst/>
+          </a:prstGeom>
+        </p:spPr>
+        <p:txBody>
+          <a:bodyPr wrap="square">
+            <a:spAutoFit/>
+          </a:bodyPr>
+          <a:p>
+            <a:pPr lvl="0" algn="ctr">
+              <a:defRPr/>
+            </a:pPr>
+            <a:r>
+              <a:rPr lang="ko-KR" altLang="en-US" b="1"/>
+              <a:t> </a:t>
+            </a:r>
+            <a:r>
+              <a:rPr lang="en-US" altLang="ko-KR" b="1"/>
+              <a:t>&lt;SOS&gt;</a:t>
+            </a:r>
+            <a:endParaRPr lang="en-US" altLang="ko-KR" b="1"/>
+          </a:p>
+        </p:txBody>
+      </p:sp>
+      <p:sp>
+        <p:nvSpPr>
+          <p:cNvPr id="19" name="가로 글상자 18"/>
+          <p:cNvSpPr txBox="1"/>
+          <p:nvPr/>
+        </p:nvSpPr>
+        <p:spPr>
+          <a:xfrm>
+            <a:off x="1851660" y="6267936"/>
+            <a:ext cx="678180" cy="359558"/>
+          </a:xfrm>
+          <a:prstGeom prst="rect">
+            <a:avLst/>
+          </a:prstGeom>
+        </p:spPr>
+        <p:txBody>
+          <a:bodyPr wrap="square">
+            <a:spAutoFit/>
+          </a:bodyPr>
+          <a:p>
+            <a:pPr lvl="0" algn="ctr">
+              <a:defRPr/>
+            </a:pPr>
+            <a:r>
+              <a:rPr lang="ko-KR" altLang="en-US" b="1"/>
+              <a:t>좋은</a:t>
+            </a:r>
+            <a:endParaRPr lang="ko-KR" altLang="en-US" b="1"/>
+          </a:p>
+        </p:txBody>
+      </p:sp>
+      <p:sp>
+        <p:nvSpPr>
+          <p:cNvPr id="20" name="가로 글상자 19"/>
+          <p:cNvSpPr txBox="1"/>
+          <p:nvPr/>
+        </p:nvSpPr>
+        <p:spPr>
+          <a:xfrm>
+            <a:off x="3251835" y="6267936"/>
+            <a:ext cx="678180" cy="359558"/>
+          </a:xfrm>
+          <a:prstGeom prst="rect">
+            <a:avLst/>
+          </a:prstGeom>
+        </p:spPr>
+        <p:txBody>
+          <a:bodyPr wrap="square">
+            <a:spAutoFit/>
+          </a:bodyPr>
+          <a:p>
+            <a:pPr lvl="0" algn="ctr">
+              <a:defRPr/>
+            </a:pPr>
+            <a:r>
+              <a:rPr lang="ko-KR" altLang="en-US" b="1"/>
+              <a:t>아침</a:t>
+            </a:r>
+            <a:endParaRPr lang="ko-KR" altLang="en-US" b="1"/>
+          </a:p>
+        </p:txBody>
+      </p:sp>
+      <p:sp>
+        <p:nvSpPr>
+          <p:cNvPr id="21" name="가로 글상자 20"/>
+          <p:cNvSpPr txBox="1"/>
+          <p:nvPr/>
+        </p:nvSpPr>
+        <p:spPr>
+          <a:xfrm>
+            <a:off x="4613909" y="6267935"/>
+            <a:ext cx="811530" cy="359559"/>
+          </a:xfrm>
+          <a:prstGeom prst="rect">
+            <a:avLst/>
+          </a:prstGeom>
+        </p:spPr>
+        <p:txBody>
+          <a:bodyPr wrap="square">
+            <a:spAutoFit/>
+          </a:bodyPr>
+          <a:p>
+            <a:pPr lvl="0" algn="ctr">
+              <a:defRPr/>
+            </a:pPr>
+            <a:r>
+              <a:rPr lang="en-US" altLang="ko-KR" b="1"/>
+              <a:t>&lt;EOS&gt;</a:t>
+            </a:r>
+            <a:endParaRPr lang="en-US" altLang="ko-KR" b="1"/>
+          </a:p>
+        </p:txBody>
+      </p:sp>
+      <p:cxnSp>
+        <p:nvCxnSpPr>
+          <p:cNvPr id="22" name="화살표 21"/>
+          <p:cNvCxnSpPr/>
+          <p:nvPr/>
+        </p:nvCxnSpPr>
+        <p:spPr>
+          <a:xfrm rot="16200000" flipV="1">
+            <a:off x="382395" y="5858805"/>
+            <a:ext cx="817906" cy="360"/>
+          </a:xfrm>
+          <a:prstGeom prst="straightConnector1">
+            <a:avLst/>
+          </a:prstGeom>
+          <a:ln w="28575">
+            <a:solidFill>
+              <a:schemeClr val="dk1"/>
+            </a:solidFill>
+            <a:tailEnd type="arrow"/>
+          </a:ln>
+        </p:spPr>
+        <p:style>
+          <a:lnRef idx="1">
+            <a:schemeClr val="accent1"/>
+          </a:lnRef>
+          <a:fillRef idx="0">
+            <a:schemeClr val="accent1"/>
+          </a:fillRef>
+          <a:effectRef idx="0">
+            <a:schemeClr val="accent1"/>
+          </a:effectRef>
+          <a:fontRef idx="minor">
+            <a:schemeClr val="tx1"/>
+          </a:fontRef>
+        </p:style>
+      </p:cxnSp>
+      <p:cxnSp>
+        <p:nvCxnSpPr>
+          <p:cNvPr id="23" name="화살표 22"/>
+          <p:cNvCxnSpPr>
+            <a:stCxn id="15" idx="3"/>
+          </p:cNvCxnSpPr>
+          <p:nvPr/>
+        </p:nvCxnSpPr>
+        <p:spPr>
+          <a:xfrm>
+            <a:off x="5499890" y="4404203"/>
+            <a:ext cx="773727" cy="2"/>
+          </a:xfrm>
+          <a:prstGeom prst="straightConnector1">
+            <a:avLst/>
+          </a:prstGeom>
+          <a:ln w="28575">
+            <a:solidFill>
+              <a:schemeClr val="dk1"/>
+            </a:solidFill>
+            <a:tailEnd type="arrow"/>
+          </a:ln>
+        </p:spPr>
+        <p:style>
+          <a:lnRef idx="1">
+            <a:schemeClr val="accent1"/>
+          </a:lnRef>
+          <a:fillRef idx="0">
+            <a:schemeClr val="accent1"/>
+          </a:fillRef>
+          <a:effectRef idx="0">
+            <a:schemeClr val="accent1"/>
+          </a:effectRef>
+          <a:fontRef idx="minor">
+            <a:schemeClr val="tx1"/>
+          </a:fontRef>
+        </p:style>
+      </p:cxnSp>
+      <p:sp>
+        <p:nvSpPr>
+          <p:cNvPr id="24" name="직사각형 23"/>
+          <p:cNvSpPr/>
+          <p:nvPr/>
+        </p:nvSpPr>
+        <p:spPr>
+          <a:xfrm>
+            <a:off x="6278751" y="3286474"/>
+            <a:ext cx="510885" cy="2163559"/>
+          </a:xfrm>
+          <a:prstGeom prst="rect">
+            <a:avLst/>
+          </a:prstGeom>
+        </p:spPr>
+        <p:style>
+          <a:lnRef idx="2">
+            <a:schemeClr val="accent3">
+              <a:shade val="20000"/>
+            </a:schemeClr>
+          </a:lnRef>
+          <a:fillRef idx="1">
+            <a:schemeClr val="accent3"/>
+          </a:fillRef>
+          <a:effectRef idx="0">
+            <a:schemeClr val="accent3"/>
+          </a:effectRef>
+          <a:fontRef idx="minor">
+            <a:schemeClr val="lt1"/>
+          </a:fontRef>
+        </p:style>
+        <p:txBody>
+          <a:bodyPr wrap="square" anchor="ctr" anchorCtr="0"/>
+          <a:p>
+            <a:pPr lvl="0" algn="ctr">
+              <a:defRPr/>
+            </a:pPr>
+            <a:endParaRPr lang="en-US" altLang="ko-KR"/>
+          </a:p>
+        </p:txBody>
+      </p:sp>
+      <p:sp>
+        <p:nvSpPr>
+          <p:cNvPr id="25" name="세로 글상자 24"/>
+          <p:cNvSpPr txBox="1"/>
+          <p:nvPr/>
+        </p:nvSpPr>
+        <p:spPr>
+          <a:xfrm>
+            <a:off x="6318885" y="3391249"/>
+            <a:ext cx="471274" cy="1968296"/>
+          </a:xfrm>
+          <a:prstGeom prst="rect">
+            <a:avLst/>
+          </a:prstGeom>
+        </p:spPr>
+        <p:txBody>
+          <a:bodyPr vert="eaVert" wrap="square">
+            <a:spAutoFit/>
+          </a:bodyPr>
+          <a:p>
+            <a:pPr lvl="0" algn="ctr">
+              <a:defRPr/>
+            </a:pPr>
+            <a:r>
+              <a:rPr lang="en-US" altLang="ko-KR" b="1">
+                <a:solidFill>
+                  <a:schemeClr val="dk1"/>
+                </a:solidFill>
+              </a:rPr>
+              <a:t>CONTEXT VECTOR</a:t>
+            </a:r>
+            <a:endParaRPr lang="en-US" altLang="ko-KR" b="1">
+              <a:solidFill>
+                <a:schemeClr val="dk1"/>
+              </a:solidFill>
+            </a:endParaRPr>
+          </a:p>
+        </p:txBody>
+      </p:sp>
+      <p:sp>
+        <p:nvSpPr>
+          <p:cNvPr id="26" name="모서리가 둥근 직사각형 25"/>
+          <p:cNvSpPr/>
+          <p:nvPr/>
+        </p:nvSpPr>
+        <p:spPr>
+          <a:xfrm>
+            <a:off x="7546854" y="4052455"/>
+            <a:ext cx="1000684" cy="703499"/>
+          </a:xfrm>
+          <a:prstGeom prst="roundRect">
+            <a:avLst>
+              <a:gd name="adj" fmla="val 16667"/>
+            </a:avLst>
+          </a:prstGeom>
+          <a:solidFill>
+            <a:srgbClr val="203a7b"/>
+          </a:solidFill>
+          <a:scene3d>
+            <a:camera prst="orthographicFront"/>
+            <a:lightRig rig="threePt" dir="t"/>
+          </a:scene3d>
+          <a:sp3d>
+            <a:bevelT/>
+          </a:sp3d>
+        </p:spPr>
+        <p:style>
+          <a:lnRef idx="2">
+            <a:schemeClr val="accent3">
+              <a:shade val="20000"/>
+            </a:schemeClr>
+          </a:lnRef>
+          <a:fillRef idx="1">
+            <a:schemeClr val="accent3"/>
+          </a:fillRef>
+          <a:effectRef idx="0">
+            <a:schemeClr val="accent3"/>
+          </a:effectRef>
+          <a:fontRef idx="minor">
+            <a:schemeClr val="lt1"/>
+          </a:fontRef>
+        </p:style>
+        <p:txBody>
+          <a:bodyPr wrap="square" anchor="ctr">
+            <a:normAutofit/>
+          </a:bodyPr>
+          <a:p>
+            <a:pPr lvl="0" algn="ctr">
+              <a:defRPr/>
+            </a:pPr>
+            <a:r>
+              <a:rPr lang="en-US" altLang="ko-KR" b="1">
+                <a:effectLst/>
+              </a:rPr>
+              <a:t>LSTM</a:t>
+            </a:r>
+            <a:endParaRPr lang="en-US" altLang="ko-KR" b="1">
+              <a:effectLst/>
+            </a:endParaRPr>
+          </a:p>
+        </p:txBody>
+      </p:sp>
+      <p:sp>
+        <p:nvSpPr>
+          <p:cNvPr id="27" name="모서리가 둥근 직사각형 26"/>
+          <p:cNvSpPr/>
+          <p:nvPr/>
+        </p:nvSpPr>
+        <p:spPr>
+          <a:xfrm>
+            <a:off x="8955129" y="4052455"/>
+            <a:ext cx="1000684" cy="703499"/>
+          </a:xfrm>
+          <a:prstGeom prst="roundRect">
+            <a:avLst>
+              <a:gd name="adj" fmla="val 16667"/>
+            </a:avLst>
+          </a:prstGeom>
+          <a:solidFill>
+            <a:srgbClr val="203a7b"/>
+          </a:solidFill>
+          <a:scene3d>
+            <a:camera prst="orthographicFront"/>
+            <a:lightRig rig="threePt" dir="t"/>
+          </a:scene3d>
+          <a:sp3d>
+            <a:bevelT/>
+          </a:sp3d>
+        </p:spPr>
+        <p:style>
+          <a:lnRef idx="2">
+            <a:schemeClr val="accent3">
+              <a:shade val="20000"/>
+            </a:schemeClr>
+          </a:lnRef>
+          <a:fillRef idx="1">
+            <a:schemeClr val="accent3"/>
+          </a:fillRef>
+          <a:effectRef idx="0">
+            <a:schemeClr val="accent3"/>
+          </a:effectRef>
+          <a:fontRef idx="minor">
+            <a:schemeClr val="lt1"/>
+          </a:fontRef>
+        </p:style>
+        <p:txBody>
+          <a:bodyPr wrap="square" anchor="ctr">
+            <a:normAutofit/>
+          </a:bodyPr>
+          <a:p>
+            <a:pPr lvl="0" algn="ctr">
+              <a:defRPr/>
+            </a:pPr>
+            <a:r>
+              <a:rPr lang="en-US" altLang="ko-KR" b="1">
+                <a:effectLst/>
+              </a:rPr>
+              <a:t>LSTM</a:t>
+            </a:r>
+            <a:endParaRPr lang="en-US" altLang="ko-KR" b="1">
+              <a:effectLst/>
+            </a:endParaRPr>
+          </a:p>
+        </p:txBody>
+      </p:sp>
+      <p:sp>
+        <p:nvSpPr>
+          <p:cNvPr id="28" name="모서리가 둥근 직사각형 27"/>
+          <p:cNvSpPr/>
+          <p:nvPr/>
+        </p:nvSpPr>
+        <p:spPr>
+          <a:xfrm>
+            <a:off x="10337074" y="4052455"/>
+            <a:ext cx="1000684" cy="703499"/>
+          </a:xfrm>
+          <a:prstGeom prst="roundRect">
+            <a:avLst>
+              <a:gd name="adj" fmla="val 16667"/>
+            </a:avLst>
+          </a:prstGeom>
+          <a:solidFill>
+            <a:srgbClr val="203a7b"/>
+          </a:solidFill>
+          <a:scene3d>
+            <a:camera prst="orthographicFront"/>
+            <a:lightRig rig="threePt" dir="t"/>
+          </a:scene3d>
+          <a:sp3d>
+            <a:bevelT/>
+          </a:sp3d>
+        </p:spPr>
+        <p:style>
+          <a:lnRef idx="2">
+            <a:schemeClr val="accent3">
+              <a:shade val="20000"/>
+            </a:schemeClr>
+          </a:lnRef>
+          <a:fillRef idx="1">
+            <a:schemeClr val="accent3"/>
+          </a:fillRef>
+          <a:effectRef idx="0">
+            <a:schemeClr val="accent3"/>
+          </a:effectRef>
+          <a:fontRef idx="minor">
+            <a:schemeClr val="lt1"/>
+          </a:fontRef>
+        </p:style>
+        <p:txBody>
+          <a:bodyPr wrap="square" anchor="ctr">
+            <a:normAutofit/>
+          </a:bodyPr>
+          <a:p>
+            <a:pPr lvl="0" algn="ctr">
+              <a:defRPr/>
+            </a:pPr>
+            <a:r>
+              <a:rPr lang="en-US" altLang="ko-KR" b="1">
+                <a:effectLst/>
+              </a:rPr>
+              <a:t>LSTM</a:t>
+            </a:r>
+            <a:endParaRPr lang="en-US" altLang="ko-KR" b="1">
+              <a:effectLst/>
+            </a:endParaRPr>
+          </a:p>
+        </p:txBody>
+      </p:sp>
+      <p:cxnSp>
+        <p:nvCxnSpPr>
+          <p:cNvPr id="29" name="화살표 28"/>
+          <p:cNvCxnSpPr/>
+          <p:nvPr/>
+        </p:nvCxnSpPr>
+        <p:spPr>
+          <a:xfrm>
+            <a:off x="6839944" y="4420120"/>
+            <a:ext cx="692241" cy="2"/>
+          </a:xfrm>
+          <a:prstGeom prst="straightConnector1">
+            <a:avLst/>
+          </a:prstGeom>
+          <a:ln w="28575">
+            <a:solidFill>
+              <a:schemeClr val="dk1"/>
+            </a:solidFill>
+            <a:tailEnd type="arrow"/>
+          </a:ln>
+        </p:spPr>
+        <p:style>
+          <a:lnRef idx="1">
+            <a:schemeClr val="accent1"/>
+          </a:lnRef>
+          <a:fillRef idx="0">
+            <a:schemeClr val="accent1"/>
+          </a:fillRef>
+          <a:effectRef idx="0">
+            <a:schemeClr val="accent1"/>
+          </a:effectRef>
+          <a:fontRef idx="minor">
+            <a:schemeClr val="tx1"/>
+          </a:fontRef>
+        </p:style>
+      </p:cxnSp>
+      <p:cxnSp>
+        <p:nvCxnSpPr>
+          <p:cNvPr id="30" name="화살표 29"/>
+          <p:cNvCxnSpPr/>
+          <p:nvPr/>
+        </p:nvCxnSpPr>
+        <p:spPr>
+          <a:xfrm>
+            <a:off x="4113555" y="4404205"/>
+            <a:ext cx="341515" cy="0"/>
+          </a:xfrm>
+          <a:prstGeom prst="straightConnector1">
+            <a:avLst/>
+          </a:prstGeom>
+          <a:ln w="28575">
+            <a:solidFill>
+              <a:schemeClr val="dk1"/>
+            </a:solidFill>
+            <a:tailEnd type="arrow"/>
+          </a:ln>
+        </p:spPr>
+        <p:style>
+          <a:lnRef idx="1">
+            <a:schemeClr val="accent1"/>
+          </a:lnRef>
+          <a:fillRef idx="0">
+            <a:schemeClr val="accent1"/>
+          </a:fillRef>
+          <a:effectRef idx="0">
+            <a:schemeClr val="accent1"/>
+          </a:effectRef>
+          <a:fontRef idx="minor">
+            <a:schemeClr val="tx1"/>
+          </a:fontRef>
+        </p:style>
+      </p:cxnSp>
+      <p:cxnSp>
+        <p:nvCxnSpPr>
+          <p:cNvPr id="31" name="화살표 30"/>
+          <p:cNvCxnSpPr/>
+          <p:nvPr/>
+        </p:nvCxnSpPr>
+        <p:spPr>
+          <a:xfrm>
+            <a:off x="2749988" y="4404204"/>
+            <a:ext cx="341515" cy="0"/>
+          </a:xfrm>
+          <a:prstGeom prst="straightConnector1">
+            <a:avLst/>
+          </a:prstGeom>
+          <a:ln w="28575">
+            <a:solidFill>
+              <a:schemeClr val="dk1"/>
+            </a:solidFill>
+            <a:tailEnd type="arrow"/>
+          </a:ln>
+        </p:spPr>
+        <p:style>
+          <a:lnRef idx="1">
+            <a:schemeClr val="accent1"/>
+          </a:lnRef>
+          <a:fillRef idx="0">
+            <a:schemeClr val="accent1"/>
+          </a:fillRef>
+          <a:effectRef idx="0">
+            <a:schemeClr val="accent1"/>
+          </a:effectRef>
+          <a:fontRef idx="minor">
+            <a:schemeClr val="tx1"/>
+          </a:fontRef>
+        </p:style>
+      </p:cxnSp>
+      <p:cxnSp>
+        <p:nvCxnSpPr>
+          <p:cNvPr id="32" name="화살표 31"/>
+          <p:cNvCxnSpPr/>
+          <p:nvPr/>
+        </p:nvCxnSpPr>
+        <p:spPr>
+          <a:xfrm>
+            <a:off x="1341713" y="4404204"/>
+            <a:ext cx="341515" cy="0"/>
+          </a:xfrm>
+          <a:prstGeom prst="straightConnector1">
+            <a:avLst/>
+          </a:prstGeom>
+          <a:ln w="28575">
+            <a:solidFill>
+              <a:schemeClr val="dk1"/>
+            </a:solidFill>
+            <a:tailEnd type="arrow"/>
+          </a:ln>
+        </p:spPr>
+        <p:style>
+          <a:lnRef idx="1">
+            <a:schemeClr val="accent1"/>
+          </a:lnRef>
+          <a:fillRef idx="0">
+            <a:schemeClr val="accent1"/>
+          </a:fillRef>
+          <a:effectRef idx="0">
+            <a:schemeClr val="accent1"/>
+          </a:effectRef>
+          <a:fontRef idx="minor">
+            <a:schemeClr val="tx1"/>
+          </a:fontRef>
+        </p:style>
+      </p:cxnSp>
+      <p:sp>
+        <p:nvSpPr>
+          <p:cNvPr id="33" name="모서리가 둥근 직사각형 32"/>
+          <p:cNvSpPr/>
+          <p:nvPr/>
+        </p:nvSpPr>
+        <p:spPr>
+          <a:xfrm>
+            <a:off x="7402094" y="5060028"/>
+            <a:ext cx="1290204" cy="390525"/>
+          </a:xfrm>
+          <a:prstGeom prst="roundRect">
+            <a:avLst>
+              <a:gd name="adj" fmla="val 16667"/>
+            </a:avLst>
+          </a:prstGeom>
+          <a:solidFill>
+            <a:schemeClr val="accent3"/>
+          </a:solidFill>
+        </p:spPr>
+        <p:style>
+          <a:lnRef idx="2">
+            <a:schemeClr val="accent1">
+              <a:shade val="20000"/>
+            </a:schemeClr>
+          </a:lnRef>
+          <a:fillRef idx="1">
+            <a:schemeClr val="accent1"/>
+          </a:fillRef>
+          <a:effectRef idx="0">
+            <a:schemeClr val="accent1"/>
+          </a:effectRef>
+          <a:fontRef idx="minor">
+            <a:schemeClr val="lt1"/>
+          </a:fontRef>
+        </p:style>
+        <p:txBody>
+          <a:bodyPr wrap="square" anchor="ctr"/>
+          <a:p>
+            <a:pPr lvl="0" algn="ctr">
+              <a:defRPr/>
+            </a:pPr>
+            <a:r>
+              <a:rPr lang="en-US" altLang="ko-KR" i="1"/>
+              <a:t>Embedding</a:t>
+            </a:r>
+            <a:endParaRPr lang="en-US" altLang="ko-KR" i="1"/>
+          </a:p>
+        </p:txBody>
+      </p:sp>
+      <p:sp>
+        <p:nvSpPr>
+          <p:cNvPr id="34" name="모서리가 둥근 직사각형 33"/>
+          <p:cNvSpPr/>
+          <p:nvPr/>
+        </p:nvSpPr>
+        <p:spPr>
+          <a:xfrm>
+            <a:off x="8823714" y="5060028"/>
+            <a:ext cx="1290204" cy="390525"/>
+          </a:xfrm>
+          <a:prstGeom prst="roundRect">
+            <a:avLst>
+              <a:gd name="adj" fmla="val 16667"/>
+            </a:avLst>
+          </a:prstGeom>
+          <a:solidFill>
+            <a:schemeClr val="accent3"/>
+          </a:solidFill>
+        </p:spPr>
+        <p:style>
+          <a:lnRef idx="2">
+            <a:schemeClr val="accent1">
+              <a:shade val="20000"/>
+            </a:schemeClr>
+          </a:lnRef>
+          <a:fillRef idx="1">
+            <a:schemeClr val="accent1"/>
+          </a:fillRef>
+          <a:effectRef idx="0">
+            <a:schemeClr val="accent1"/>
+          </a:effectRef>
+          <a:fontRef idx="minor">
+            <a:schemeClr val="lt1"/>
+          </a:fontRef>
+        </p:style>
+        <p:txBody>
+          <a:bodyPr wrap="square" anchor="ctr"/>
+          <a:p>
+            <a:pPr lvl="0" algn="ctr">
+              <a:defRPr/>
+            </a:pPr>
+            <a:r>
+              <a:rPr lang="en-US" altLang="ko-KR" i="1"/>
+              <a:t>Embedding</a:t>
+            </a:r>
+            <a:endParaRPr lang="en-US" altLang="ko-KR" i="1"/>
+          </a:p>
+        </p:txBody>
+      </p:sp>
+      <p:sp>
+        <p:nvSpPr>
+          <p:cNvPr id="35" name="모서리가 둥근 직사각형 34"/>
+          <p:cNvSpPr/>
+          <p:nvPr/>
+        </p:nvSpPr>
+        <p:spPr>
+          <a:xfrm>
+            <a:off x="10245335" y="5060028"/>
+            <a:ext cx="1290204" cy="390525"/>
+          </a:xfrm>
+          <a:prstGeom prst="roundRect">
+            <a:avLst>
+              <a:gd name="adj" fmla="val 16667"/>
+            </a:avLst>
+          </a:prstGeom>
+          <a:solidFill>
+            <a:schemeClr val="accent3"/>
+          </a:solidFill>
+        </p:spPr>
+        <p:style>
+          <a:lnRef idx="2">
+            <a:schemeClr val="accent1">
+              <a:shade val="20000"/>
+            </a:schemeClr>
+          </a:lnRef>
+          <a:fillRef idx="1">
+            <a:schemeClr val="accent1"/>
+          </a:fillRef>
+          <a:effectRef idx="0">
+            <a:schemeClr val="accent1"/>
+          </a:effectRef>
+          <a:fontRef idx="minor">
+            <a:schemeClr val="lt1"/>
+          </a:fontRef>
+        </p:style>
+        <p:txBody>
+          <a:bodyPr wrap="square" anchor="ctr"/>
+          <a:p>
+            <a:pPr lvl="0" algn="ctr">
+              <a:defRPr/>
+            </a:pPr>
+            <a:r>
+              <a:rPr lang="en-US" altLang="ko-KR" i="1"/>
+              <a:t>Embedding</a:t>
+            </a:r>
+            <a:endParaRPr lang="en-US" altLang="ko-KR" i="1"/>
+          </a:p>
+        </p:txBody>
+      </p:sp>
+      <p:cxnSp>
+        <p:nvCxnSpPr>
+          <p:cNvPr id="36" name="화살표 35"/>
+          <p:cNvCxnSpPr>
+            <a:stCxn id="33" idx="0"/>
+          </p:cNvCxnSpPr>
+          <p:nvPr/>
+        </p:nvCxnSpPr>
+        <p:spPr>
+          <a:xfrm rot="5400000" flipH="1" flipV="1">
+            <a:off x="7921929" y="4908071"/>
+            <a:ext cx="303554" cy="360"/>
+          </a:xfrm>
+          <a:prstGeom prst="straightConnector1">
+            <a:avLst/>
+          </a:prstGeom>
+          <a:ln w="28575">
+            <a:solidFill>
+              <a:schemeClr val="dk1"/>
+            </a:solidFill>
+            <a:tailEnd type="arrow"/>
+          </a:ln>
+        </p:spPr>
+        <p:style>
+          <a:lnRef idx="1">
+            <a:schemeClr val="accent1"/>
+          </a:lnRef>
+          <a:fillRef idx="0">
+            <a:schemeClr val="accent1"/>
+          </a:fillRef>
+          <a:effectRef idx="0">
+            <a:schemeClr val="accent1"/>
+          </a:effectRef>
+          <a:fontRef idx="minor">
+            <a:schemeClr val="tx1"/>
+          </a:fontRef>
+        </p:style>
+      </p:cxnSp>
+      <p:cxnSp>
+        <p:nvCxnSpPr>
+          <p:cNvPr id="37" name="화살표 36"/>
+          <p:cNvCxnSpPr/>
+          <p:nvPr/>
+        </p:nvCxnSpPr>
+        <p:spPr>
+          <a:xfrm rot="5400000" flipH="1" flipV="1">
+            <a:off x="9317039" y="4908071"/>
+            <a:ext cx="303554" cy="360"/>
+          </a:xfrm>
+          <a:prstGeom prst="straightConnector1">
+            <a:avLst/>
+          </a:prstGeom>
+          <a:ln w="28575">
+            <a:solidFill>
+              <a:schemeClr val="dk1"/>
+            </a:solidFill>
+            <a:tailEnd type="arrow"/>
+          </a:ln>
+        </p:spPr>
+        <p:style>
+          <a:lnRef idx="1">
+            <a:schemeClr val="accent1"/>
+          </a:lnRef>
+          <a:fillRef idx="0">
+            <a:schemeClr val="accent1"/>
+          </a:fillRef>
+          <a:effectRef idx="0">
+            <a:schemeClr val="accent1"/>
+          </a:effectRef>
+          <a:fontRef idx="minor">
+            <a:schemeClr val="tx1"/>
+          </a:fontRef>
+        </p:style>
+      </p:cxnSp>
+      <p:cxnSp>
+        <p:nvCxnSpPr>
+          <p:cNvPr id="38" name="화살표 37"/>
+          <p:cNvCxnSpPr/>
+          <p:nvPr/>
+        </p:nvCxnSpPr>
+        <p:spPr>
+          <a:xfrm rot="5400000" flipH="1" flipV="1">
+            <a:off x="10721674" y="4908071"/>
+            <a:ext cx="303554" cy="360"/>
+          </a:xfrm>
+          <a:prstGeom prst="straightConnector1">
+            <a:avLst/>
+          </a:prstGeom>
+          <a:ln w="28575">
+            <a:solidFill>
+              <a:schemeClr val="dk1"/>
+            </a:solidFill>
+            <a:tailEnd type="arrow"/>
+          </a:ln>
+        </p:spPr>
+        <p:style>
+          <a:lnRef idx="1">
+            <a:schemeClr val="accent1"/>
+          </a:lnRef>
+          <a:fillRef idx="0">
+            <a:schemeClr val="accent1"/>
+          </a:fillRef>
+          <a:effectRef idx="0">
+            <a:schemeClr val="accent1"/>
+          </a:effectRef>
+          <a:fontRef idx="minor">
+            <a:schemeClr val="tx1"/>
+          </a:fontRef>
+        </p:style>
+      </p:cxnSp>
+      <p:sp>
+        <p:nvSpPr>
+          <p:cNvPr id="39" name="가로 글상자 38"/>
+          <p:cNvSpPr txBox="1"/>
+          <p:nvPr/>
+        </p:nvSpPr>
+        <p:spPr>
+          <a:xfrm>
+            <a:off x="7604760" y="6268457"/>
+            <a:ext cx="868680" cy="359037"/>
+          </a:xfrm>
+          <a:prstGeom prst="rect">
+            <a:avLst/>
+          </a:prstGeom>
+        </p:spPr>
+        <p:txBody>
+          <a:bodyPr wrap="square">
+            <a:spAutoFit/>
+          </a:bodyPr>
+          <a:p>
+            <a:pPr lvl="0" algn="ctr">
+              <a:defRPr/>
+            </a:pPr>
+            <a:r>
+              <a:rPr lang="ko-KR" altLang="en-US" b="1"/>
+              <a:t> </a:t>
+            </a:r>
+            <a:r>
+              <a:rPr lang="en-US" altLang="ko-KR" b="1"/>
+              <a:t>&lt;SOS&gt;</a:t>
+            </a:r>
+            <a:endParaRPr lang="en-US" altLang="ko-KR" b="1"/>
+          </a:p>
+        </p:txBody>
+      </p:sp>
+      <p:sp>
+        <p:nvSpPr>
+          <p:cNvPr id="40" name="가로 글상자 39"/>
+          <p:cNvSpPr txBox="1"/>
+          <p:nvPr/>
+        </p:nvSpPr>
+        <p:spPr>
+          <a:xfrm>
+            <a:off x="9109710" y="6268457"/>
+            <a:ext cx="678180" cy="359037"/>
+          </a:xfrm>
+          <a:prstGeom prst="rect">
+            <a:avLst/>
+          </a:prstGeom>
+        </p:spPr>
+        <p:txBody>
+          <a:bodyPr wrap="square">
+            <a:spAutoFit/>
+          </a:bodyPr>
+          <a:p>
+            <a:pPr lvl="0" algn="ctr">
+              <a:defRPr/>
+            </a:pPr>
+            <a:r>
+              <a:rPr lang="en-US" altLang="ko-KR" b="1"/>
+              <a:t>good</a:t>
+            </a:r>
+            <a:endParaRPr lang="en-US" altLang="ko-KR" b="1"/>
+          </a:p>
+        </p:txBody>
+      </p:sp>
+      <p:sp>
+        <p:nvSpPr>
+          <p:cNvPr id="41" name="가로 글상자 40"/>
+          <p:cNvSpPr txBox="1"/>
+          <p:nvPr/>
+        </p:nvSpPr>
+        <p:spPr>
+          <a:xfrm>
+            <a:off x="10370368" y="6268822"/>
+            <a:ext cx="1021080" cy="358672"/>
+          </a:xfrm>
+          <a:prstGeom prst="rect">
+            <a:avLst/>
+          </a:prstGeom>
+        </p:spPr>
+        <p:txBody>
+          <a:bodyPr wrap="square">
+            <a:spAutoFit/>
+          </a:bodyPr>
+          <a:p>
+            <a:pPr lvl="0" algn="ctr">
+              <a:defRPr/>
+            </a:pPr>
+            <a:r>
+              <a:rPr lang="en-US" altLang="ko-KR" b="1"/>
+              <a:t>morning</a:t>
+            </a:r>
+            <a:endParaRPr lang="en-US" altLang="ko-KR" b="1"/>
+          </a:p>
+        </p:txBody>
+      </p:sp>
+      <p:sp>
+        <p:nvSpPr>
+          <p:cNvPr id="42" name="가로 글상자 41"/>
+          <p:cNvSpPr txBox="1"/>
+          <p:nvPr/>
+        </p:nvSpPr>
+        <p:spPr>
+          <a:xfrm>
+            <a:off x="7383043" y="2037209"/>
+            <a:ext cx="1343851" cy="361186"/>
+          </a:xfrm>
+          <a:prstGeom prst="rect">
+            <a:avLst/>
+          </a:prstGeom>
+        </p:spPr>
+        <p:txBody>
+          <a:bodyPr wrap="square">
+            <a:spAutoFit/>
+          </a:bodyPr>
+          <a:p>
+            <a:pPr lvl="0" algn="ctr">
+              <a:defRPr/>
+            </a:pPr>
+            <a:r>
+              <a:rPr lang="ko-KR" altLang="en-US" b="1"/>
+              <a:t> </a:t>
+            </a:r>
+            <a:r>
+              <a:rPr lang="en-US" altLang="ko-KR" b="1"/>
+              <a:t>y1: good</a:t>
+            </a:r>
+            <a:endParaRPr lang="en-US" altLang="ko-KR" b="1"/>
+          </a:p>
+        </p:txBody>
+      </p:sp>
+      <p:sp>
+        <p:nvSpPr>
+          <p:cNvPr id="43" name="가로 글상자 42"/>
+          <p:cNvSpPr txBox="1"/>
+          <p:nvPr/>
+        </p:nvSpPr>
+        <p:spPr>
+          <a:xfrm>
+            <a:off x="8692298" y="2037209"/>
+            <a:ext cx="1553037" cy="361186"/>
+          </a:xfrm>
+          <a:prstGeom prst="rect">
+            <a:avLst/>
+          </a:prstGeom>
+        </p:spPr>
+        <p:txBody>
+          <a:bodyPr wrap="square">
+            <a:spAutoFit/>
+          </a:bodyPr>
+          <a:p>
+            <a:pPr lvl="0" algn="ctr">
+              <a:defRPr/>
+            </a:pPr>
+            <a:r>
+              <a:rPr lang="en-US" altLang="ko-KR" b="1"/>
+              <a:t>y2: morning</a:t>
+            </a:r>
+            <a:endParaRPr lang="en-US" altLang="ko-KR" b="1"/>
+          </a:p>
+        </p:txBody>
+      </p:sp>
+      <p:sp>
+        <p:nvSpPr>
+          <p:cNvPr id="44" name="가로 글상자 43"/>
+          <p:cNvSpPr txBox="1"/>
+          <p:nvPr/>
+        </p:nvSpPr>
+        <p:spPr>
+          <a:xfrm>
+            <a:off x="10104393" y="2027684"/>
+            <a:ext cx="1526395" cy="361186"/>
+          </a:xfrm>
+          <a:prstGeom prst="rect">
+            <a:avLst/>
+          </a:prstGeom>
+        </p:spPr>
+        <p:txBody>
+          <a:bodyPr wrap="square">
+            <a:spAutoFit/>
+          </a:bodyPr>
+          <a:p>
+            <a:pPr lvl="0" algn="ctr">
+              <a:defRPr/>
+            </a:pPr>
+            <a:r>
+              <a:rPr lang="en-US" altLang="ko-KR" b="1"/>
+              <a:t>y3: &lt;EOS&gt;</a:t>
+            </a:r>
+            <a:endParaRPr lang="en-US" altLang="ko-KR" b="1"/>
+          </a:p>
+        </p:txBody>
+      </p:sp>
+      <p:cxnSp>
+        <p:nvCxnSpPr>
+          <p:cNvPr id="45" name="화살표 44"/>
+          <p:cNvCxnSpPr/>
+          <p:nvPr/>
+        </p:nvCxnSpPr>
+        <p:spPr>
+          <a:xfrm>
+            <a:off x="8575187" y="4404205"/>
+            <a:ext cx="341515" cy="0"/>
+          </a:xfrm>
+          <a:prstGeom prst="straightConnector1">
+            <a:avLst/>
+          </a:prstGeom>
+          <a:ln w="28575">
+            <a:solidFill>
+              <a:schemeClr val="dk1"/>
+            </a:solidFill>
+            <a:tailEnd type="arrow"/>
+          </a:ln>
+        </p:spPr>
+        <p:style>
+          <a:lnRef idx="1">
+            <a:schemeClr val="accent1"/>
+          </a:lnRef>
+          <a:fillRef idx="0">
+            <a:schemeClr val="accent1"/>
+          </a:fillRef>
+          <a:effectRef idx="0">
+            <a:schemeClr val="accent1"/>
+          </a:effectRef>
+          <a:fontRef idx="minor">
+            <a:schemeClr val="tx1"/>
+          </a:fontRef>
+        </p:style>
+      </p:cxnSp>
+      <p:cxnSp>
+        <p:nvCxnSpPr>
+          <p:cNvPr id="46" name="화살표 45"/>
+          <p:cNvCxnSpPr/>
+          <p:nvPr/>
+        </p:nvCxnSpPr>
+        <p:spPr>
+          <a:xfrm>
+            <a:off x="9984715" y="4404205"/>
+            <a:ext cx="341515" cy="0"/>
+          </a:xfrm>
+          <a:prstGeom prst="straightConnector1">
+            <a:avLst/>
+          </a:prstGeom>
+          <a:ln w="28575">
+            <a:solidFill>
+              <a:schemeClr val="dk1"/>
+            </a:solidFill>
+            <a:tailEnd type="arrow"/>
+          </a:ln>
+        </p:spPr>
+        <p:style>
+          <a:lnRef idx="1">
+            <a:schemeClr val="accent1"/>
+          </a:lnRef>
+          <a:fillRef idx="0">
+            <a:schemeClr val="accent1"/>
+          </a:fillRef>
+          <a:effectRef idx="0">
+            <a:schemeClr val="accent1"/>
+          </a:effectRef>
+          <a:fontRef idx="minor">
+            <a:schemeClr val="tx1"/>
+          </a:fontRef>
+        </p:style>
+      </p:cxnSp>
+      <p:cxnSp>
+        <p:nvCxnSpPr>
+          <p:cNvPr id="47" name="화살표 46"/>
+          <p:cNvCxnSpPr/>
+          <p:nvPr/>
+        </p:nvCxnSpPr>
+        <p:spPr>
+          <a:xfrm rot="16200000" flipV="1">
+            <a:off x="1794310" y="5858802"/>
+            <a:ext cx="817906" cy="360"/>
+          </a:xfrm>
+          <a:prstGeom prst="straightConnector1">
+            <a:avLst/>
+          </a:prstGeom>
+          <a:ln w="28575">
+            <a:solidFill>
+              <a:schemeClr val="dk1"/>
+            </a:solidFill>
+            <a:tailEnd type="arrow"/>
+          </a:ln>
+        </p:spPr>
+        <p:style>
+          <a:lnRef idx="1">
+            <a:schemeClr val="accent1"/>
+          </a:lnRef>
+          <a:fillRef idx="0">
+            <a:schemeClr val="accent1"/>
+          </a:fillRef>
+          <a:effectRef idx="0">
+            <a:schemeClr val="accent1"/>
+          </a:effectRef>
+          <a:fontRef idx="minor">
+            <a:schemeClr val="tx1"/>
+          </a:fontRef>
+        </p:style>
+      </p:cxnSp>
+      <p:cxnSp>
+        <p:nvCxnSpPr>
+          <p:cNvPr id="48" name="화살표 47"/>
+          <p:cNvCxnSpPr/>
+          <p:nvPr/>
+        </p:nvCxnSpPr>
+        <p:spPr>
+          <a:xfrm rot="16200000" flipV="1">
+            <a:off x="4598208" y="5858802"/>
+            <a:ext cx="817906" cy="360"/>
+          </a:xfrm>
+          <a:prstGeom prst="straightConnector1">
+            <a:avLst/>
+          </a:prstGeom>
+          <a:ln w="28575">
+            <a:solidFill>
+              <a:schemeClr val="dk1"/>
+            </a:solidFill>
+            <a:tailEnd type="arrow"/>
+          </a:ln>
+        </p:spPr>
+        <p:style>
+          <a:lnRef idx="1">
+            <a:schemeClr val="accent1"/>
+          </a:lnRef>
+          <a:fillRef idx="0">
+            <a:schemeClr val="accent1"/>
+          </a:fillRef>
+          <a:effectRef idx="0">
+            <a:schemeClr val="accent1"/>
+          </a:effectRef>
+          <a:fontRef idx="minor">
+            <a:schemeClr val="tx1"/>
+          </a:fontRef>
+        </p:style>
+      </p:cxnSp>
+      <p:cxnSp>
+        <p:nvCxnSpPr>
+          <p:cNvPr id="49" name="화살표 48"/>
+          <p:cNvCxnSpPr/>
+          <p:nvPr/>
+        </p:nvCxnSpPr>
+        <p:spPr>
+          <a:xfrm rot="16200000" flipV="1">
+            <a:off x="3181971" y="5859326"/>
+            <a:ext cx="817906" cy="360"/>
+          </a:xfrm>
+          <a:prstGeom prst="straightConnector1">
+            <a:avLst/>
+          </a:prstGeom>
+          <a:ln w="28575">
+            <a:solidFill>
+              <a:schemeClr val="dk1"/>
+            </a:solidFill>
+            <a:tailEnd type="arrow"/>
+          </a:ln>
+        </p:spPr>
+        <p:style>
+          <a:lnRef idx="1">
+            <a:schemeClr val="accent1"/>
+          </a:lnRef>
+          <a:fillRef idx="0">
+            <a:schemeClr val="accent1"/>
+          </a:fillRef>
+          <a:effectRef idx="0">
+            <a:schemeClr val="accent1"/>
+          </a:effectRef>
+          <a:fontRef idx="minor">
+            <a:schemeClr val="tx1"/>
+          </a:fontRef>
+        </p:style>
+      </p:cxnSp>
+      <p:cxnSp>
+        <p:nvCxnSpPr>
+          <p:cNvPr id="50" name="화살표 49"/>
+          <p:cNvCxnSpPr/>
+          <p:nvPr/>
+        </p:nvCxnSpPr>
+        <p:spPr>
+          <a:xfrm rot="16200000" flipV="1">
+            <a:off x="7653865" y="5859171"/>
+            <a:ext cx="817906" cy="360"/>
+          </a:xfrm>
+          <a:prstGeom prst="straightConnector1">
+            <a:avLst/>
+          </a:prstGeom>
+          <a:ln w="28575">
+            <a:solidFill>
+              <a:schemeClr val="dk1"/>
+            </a:solidFill>
+            <a:tailEnd type="arrow"/>
+          </a:ln>
+        </p:spPr>
+        <p:style>
+          <a:lnRef idx="1">
+            <a:schemeClr val="accent1"/>
+          </a:lnRef>
+          <a:fillRef idx="0">
+            <a:schemeClr val="accent1"/>
+          </a:fillRef>
+          <a:effectRef idx="0">
+            <a:schemeClr val="accent1"/>
+          </a:effectRef>
+          <a:fontRef idx="minor">
+            <a:schemeClr val="tx1"/>
+          </a:fontRef>
+        </p:style>
+      </p:cxnSp>
+      <p:cxnSp>
+        <p:nvCxnSpPr>
+          <p:cNvPr id="51" name="화살표 50"/>
+          <p:cNvCxnSpPr/>
+          <p:nvPr/>
+        </p:nvCxnSpPr>
+        <p:spPr>
+          <a:xfrm rot="16200000" flipV="1">
+            <a:off x="10457763" y="5859170"/>
+            <a:ext cx="817906" cy="360"/>
+          </a:xfrm>
+          <a:prstGeom prst="straightConnector1">
+            <a:avLst/>
+          </a:prstGeom>
+          <a:ln w="28575">
+            <a:solidFill>
+              <a:schemeClr val="dk1"/>
+            </a:solidFill>
+            <a:tailEnd type="arrow"/>
+          </a:ln>
+        </p:spPr>
+        <p:style>
+          <a:lnRef idx="1">
+            <a:schemeClr val="accent1"/>
+          </a:lnRef>
+          <a:fillRef idx="0">
+            <a:schemeClr val="accent1"/>
+          </a:fillRef>
+          <a:effectRef idx="0">
+            <a:schemeClr val="accent1"/>
+          </a:effectRef>
+          <a:fontRef idx="minor">
+            <a:schemeClr val="tx1"/>
+          </a:fontRef>
+        </p:style>
+      </p:cxnSp>
+      <p:cxnSp>
+        <p:nvCxnSpPr>
+          <p:cNvPr id="52" name="화살표 51"/>
+          <p:cNvCxnSpPr/>
+          <p:nvPr/>
+        </p:nvCxnSpPr>
+        <p:spPr>
+          <a:xfrm rot="16200000" flipV="1">
+            <a:off x="9041526" y="5859694"/>
+            <a:ext cx="817906" cy="360"/>
+          </a:xfrm>
+          <a:prstGeom prst="straightConnector1">
+            <a:avLst/>
+          </a:prstGeom>
+          <a:ln w="28575">
+            <a:solidFill>
+              <a:schemeClr val="dk1"/>
+            </a:solidFill>
+            <a:tailEnd type="arrow"/>
+          </a:ln>
+        </p:spPr>
+        <p:style>
+          <a:lnRef idx="1">
+            <a:schemeClr val="accent1"/>
+          </a:lnRef>
+          <a:fillRef idx="0">
+            <a:schemeClr val="accent1"/>
+          </a:fillRef>
+          <a:effectRef idx="0">
+            <a:schemeClr val="accent1"/>
+          </a:effectRef>
+          <a:fontRef idx="minor">
+            <a:schemeClr val="tx1"/>
+          </a:fontRef>
+        </p:style>
+      </p:cxnSp>
+      <p:cxnSp>
+        <p:nvCxnSpPr>
+          <p:cNvPr id="53" name="화살표 52"/>
+          <p:cNvCxnSpPr/>
+          <p:nvPr/>
+        </p:nvCxnSpPr>
+        <p:spPr>
+          <a:xfrm rot="16200000" flipV="1">
+            <a:off x="7650715" y="3626512"/>
+            <a:ext cx="817906" cy="360"/>
+          </a:xfrm>
+          <a:prstGeom prst="straightConnector1">
+            <a:avLst/>
+          </a:prstGeom>
+          <a:ln w="28575">
+            <a:solidFill>
+              <a:schemeClr val="dk1"/>
+            </a:solidFill>
+            <a:tailEnd type="arrow"/>
+          </a:ln>
+        </p:spPr>
+        <p:style>
+          <a:lnRef idx="1">
+            <a:schemeClr val="accent1"/>
+          </a:lnRef>
+          <a:fillRef idx="0">
+            <a:schemeClr val="accent1"/>
+          </a:fillRef>
+          <a:effectRef idx="0">
+            <a:schemeClr val="accent1"/>
+          </a:effectRef>
+          <a:fontRef idx="minor">
+            <a:schemeClr val="tx1"/>
+          </a:fontRef>
+        </p:style>
+      </p:cxnSp>
+      <p:cxnSp>
+        <p:nvCxnSpPr>
+          <p:cNvPr id="54" name="화살표 53"/>
+          <p:cNvCxnSpPr/>
+          <p:nvPr/>
+        </p:nvCxnSpPr>
+        <p:spPr>
+          <a:xfrm rot="16200000" flipV="1">
+            <a:off x="10445088" y="3626511"/>
+            <a:ext cx="817906" cy="360"/>
+          </a:xfrm>
+          <a:prstGeom prst="straightConnector1">
+            <a:avLst/>
+          </a:prstGeom>
+          <a:ln w="28575">
+            <a:solidFill>
+              <a:schemeClr val="dk1"/>
+            </a:solidFill>
+            <a:tailEnd type="arrow"/>
+          </a:ln>
+        </p:spPr>
+        <p:style>
+          <a:lnRef idx="1">
+            <a:schemeClr val="accent1"/>
+          </a:lnRef>
+          <a:fillRef idx="0">
+            <a:schemeClr val="accent1"/>
+          </a:fillRef>
+          <a:effectRef idx="0">
+            <a:schemeClr val="accent1"/>
+          </a:effectRef>
+          <a:fontRef idx="minor">
+            <a:schemeClr val="tx1"/>
+          </a:fontRef>
+        </p:style>
+      </p:cxnSp>
+      <p:cxnSp>
+        <p:nvCxnSpPr>
+          <p:cNvPr id="55" name="화살표 54"/>
+          <p:cNvCxnSpPr/>
+          <p:nvPr/>
+        </p:nvCxnSpPr>
+        <p:spPr>
+          <a:xfrm rot="16200000" flipV="1">
+            <a:off x="9047901" y="3627035"/>
+            <a:ext cx="817906" cy="360"/>
+          </a:xfrm>
+          <a:prstGeom prst="straightConnector1">
+            <a:avLst/>
+          </a:prstGeom>
+          <a:ln w="28575">
+            <a:solidFill>
+              <a:schemeClr val="dk1"/>
+            </a:solidFill>
+            <a:tailEnd type="arrow"/>
+          </a:ln>
+        </p:spPr>
+        <p:style>
+          <a:lnRef idx="1">
+            <a:schemeClr val="accent1"/>
+          </a:lnRef>
+          <a:fillRef idx="0">
+            <a:schemeClr val="accent1"/>
+          </a:fillRef>
+          <a:effectRef idx="0">
+            <a:schemeClr val="accent1"/>
+          </a:effectRef>
+          <a:fontRef idx="minor">
+            <a:schemeClr val="tx1"/>
+          </a:fontRef>
+        </p:style>
+      </p:cxnSp>
+      <p:sp>
+        <p:nvSpPr>
+          <p:cNvPr id="58" name="세로 글상자 108"/>
+          <p:cNvSpPr txBox="1"/>
+          <p:nvPr/>
+        </p:nvSpPr>
+        <p:spPr>
+          <a:xfrm>
+            <a:off x="1297407" y="4052455"/>
+            <a:ext cx="459105" cy="367665"/>
+          </a:xfrm>
+          <a:prstGeom prst="rect">
+            <a:avLst/>
+          </a:prstGeom>
+        </p:spPr>
+        <p:txBody>
+          <a:bodyPr vert="horz" wrap="square" anchor="ctr" anchorCtr="0">
+            <a:spAutoFit/>
+          </a:bodyPr>
+          <a:p>
+            <a:pPr lvl="0" algn="ctr">
+              <a:defRPr/>
+            </a:pPr>
+            <a:r>
+              <a:rPr lang="en-US" altLang="ko-KR" b="1">
+                <a:solidFill>
+                  <a:srgbClr val="ff0000"/>
+                </a:solidFill>
+              </a:rPr>
+              <a:t>h1</a:t>
+            </a:r>
+            <a:endParaRPr lang="en-US" altLang="ko-KR" b="1">
+              <a:solidFill>
+                <a:srgbClr val="ff0000"/>
+              </a:solidFill>
+            </a:endParaRPr>
+          </a:p>
+        </p:txBody>
+      </p:sp>
+      <p:sp>
+        <p:nvSpPr>
+          <p:cNvPr id="59" name="세로 글상자 108"/>
+          <p:cNvSpPr txBox="1"/>
+          <p:nvPr/>
+        </p:nvSpPr>
+        <p:spPr>
+          <a:xfrm>
+            <a:off x="2686431" y="4052455"/>
+            <a:ext cx="459105" cy="367665"/>
+          </a:xfrm>
+          <a:prstGeom prst="rect">
+            <a:avLst/>
+          </a:prstGeom>
+        </p:spPr>
+        <p:txBody>
+          <a:bodyPr vert="horz" wrap="square" anchor="ctr" anchorCtr="0">
+            <a:spAutoFit/>
+          </a:bodyPr>
+          <a:p>
+            <a:pPr lvl="0" algn="ctr">
+              <a:defRPr/>
+            </a:pPr>
+            <a:r>
+              <a:rPr lang="en-US" altLang="ko-KR" b="1">
+                <a:solidFill>
+                  <a:srgbClr val="ff0000"/>
+                </a:solidFill>
+              </a:rPr>
+              <a:t>h2</a:t>
+            </a:r>
+            <a:endParaRPr lang="en-US" altLang="ko-KR" b="1">
+              <a:solidFill>
+                <a:srgbClr val="ff0000"/>
+              </a:solidFill>
+            </a:endParaRPr>
+          </a:p>
+        </p:txBody>
+      </p:sp>
+      <p:sp>
+        <p:nvSpPr>
+          <p:cNvPr id="60" name="세로 글상자 108"/>
+          <p:cNvSpPr txBox="1"/>
+          <p:nvPr/>
+        </p:nvSpPr>
+        <p:spPr>
+          <a:xfrm>
+            <a:off x="4083635" y="4052455"/>
+            <a:ext cx="459105" cy="367665"/>
+          </a:xfrm>
+          <a:prstGeom prst="rect">
+            <a:avLst/>
+          </a:prstGeom>
+        </p:spPr>
+        <p:txBody>
+          <a:bodyPr vert="horz" wrap="square" anchor="ctr" anchorCtr="0">
+            <a:spAutoFit/>
+          </a:bodyPr>
+          <a:p>
+            <a:pPr lvl="0" algn="ctr">
+              <a:defRPr/>
+            </a:pPr>
+            <a:r>
+              <a:rPr lang="en-US" altLang="ko-KR" b="1">
+                <a:solidFill>
+                  <a:srgbClr val="ff0000"/>
+                </a:solidFill>
+              </a:rPr>
+              <a:t>h3</a:t>
+            </a:r>
+            <a:endParaRPr lang="en-US" altLang="ko-KR" b="1">
+              <a:solidFill>
+                <a:srgbClr val="ff0000"/>
+              </a:solidFill>
+            </a:endParaRPr>
+          </a:p>
+        </p:txBody>
+      </p:sp>
+      <p:sp>
+        <p:nvSpPr>
+          <p:cNvPr id="61" name="세로 글상자 108"/>
+          <p:cNvSpPr txBox="1"/>
+          <p:nvPr/>
+        </p:nvSpPr>
+        <p:spPr>
+          <a:xfrm>
+            <a:off x="5480840" y="4052455"/>
+            <a:ext cx="459105" cy="367665"/>
+          </a:xfrm>
+          <a:prstGeom prst="rect">
+            <a:avLst/>
+          </a:prstGeom>
+        </p:spPr>
+        <p:txBody>
+          <a:bodyPr vert="horz" wrap="square" anchor="ctr" anchorCtr="0">
+            <a:spAutoFit/>
+          </a:bodyPr>
+          <a:p>
+            <a:pPr lvl="0" algn="ctr">
+              <a:defRPr/>
+            </a:pPr>
+            <a:r>
+              <a:rPr lang="en-US" altLang="ko-KR" b="1">
+                <a:solidFill>
+                  <a:srgbClr val="ff0000"/>
+                </a:solidFill>
+              </a:rPr>
+              <a:t>h4</a:t>
+            </a:r>
+            <a:endParaRPr lang="en-US" altLang="ko-KR" b="1">
+              <a:solidFill>
+                <a:srgbClr val="ff0000"/>
+              </a:solidFill>
+            </a:endParaRPr>
+          </a:p>
+        </p:txBody>
+      </p:sp>
+      <p:sp>
+        <p:nvSpPr>
+          <p:cNvPr id="62" name="세로 글상자 108"/>
+          <p:cNvSpPr txBox="1"/>
+          <p:nvPr/>
+        </p:nvSpPr>
+        <p:spPr>
+          <a:xfrm>
+            <a:off x="8524317" y="4052456"/>
+            <a:ext cx="459105" cy="367665"/>
+          </a:xfrm>
+          <a:prstGeom prst="rect">
+            <a:avLst/>
+          </a:prstGeom>
+        </p:spPr>
+        <p:txBody>
+          <a:bodyPr vert="horz" wrap="square" anchor="ctr" anchorCtr="0">
+            <a:spAutoFit/>
+          </a:bodyPr>
+          <a:p>
+            <a:pPr lvl="0" algn="ctr">
+              <a:defRPr/>
+            </a:pPr>
+            <a:r>
+              <a:rPr lang="en-US" altLang="ko-KR" b="1">
+                <a:solidFill>
+                  <a:srgbClr val="ff0000"/>
+                </a:solidFill>
+              </a:rPr>
+              <a:t>s1</a:t>
+            </a:r>
+            <a:endParaRPr lang="en-US" altLang="ko-KR" b="1">
+              <a:solidFill>
+                <a:srgbClr val="ff0000"/>
+              </a:solidFill>
+            </a:endParaRPr>
+          </a:p>
+        </p:txBody>
+      </p:sp>
+      <p:sp>
+        <p:nvSpPr>
+          <p:cNvPr id="63" name="세로 글상자 108"/>
+          <p:cNvSpPr txBox="1"/>
+          <p:nvPr/>
+        </p:nvSpPr>
+        <p:spPr>
+          <a:xfrm>
+            <a:off x="9921521" y="4052457"/>
+            <a:ext cx="459105" cy="367665"/>
+          </a:xfrm>
+          <a:prstGeom prst="rect">
+            <a:avLst/>
+          </a:prstGeom>
+        </p:spPr>
+        <p:txBody>
+          <a:bodyPr vert="horz" wrap="square" anchor="ctr" anchorCtr="0">
+            <a:spAutoFit/>
+          </a:bodyPr>
+          <a:p>
+            <a:pPr lvl="0" algn="ctr">
+              <a:defRPr/>
+            </a:pPr>
+            <a:r>
+              <a:rPr lang="en-US" altLang="ko-KR" b="1">
+                <a:solidFill>
+                  <a:srgbClr val="ff0000"/>
+                </a:solidFill>
+              </a:rPr>
+              <a:t>s3</a:t>
+            </a:r>
+            <a:endParaRPr lang="en-US" altLang="ko-KR" b="1">
+              <a:solidFill>
+                <a:srgbClr val="ff0000"/>
+              </a:solidFill>
+            </a:endParaRPr>
+          </a:p>
+        </p:txBody>
+      </p:sp>
+      <p:sp>
+        <p:nvSpPr>
+          <p:cNvPr id="64" name="세로 글상자 108"/>
+          <p:cNvSpPr txBox="1"/>
+          <p:nvPr/>
+        </p:nvSpPr>
+        <p:spPr>
+          <a:xfrm>
+            <a:off x="7695992" y="3626692"/>
+            <a:ext cx="459105" cy="367665"/>
+          </a:xfrm>
+          <a:prstGeom prst="rect">
+            <a:avLst/>
+          </a:prstGeom>
+        </p:spPr>
+        <p:txBody>
+          <a:bodyPr vert="horz" wrap="square" anchor="ctr" anchorCtr="0">
+            <a:spAutoFit/>
+          </a:bodyPr>
+          <a:p>
+            <a:pPr lvl="0" algn="ctr">
+              <a:defRPr/>
+            </a:pPr>
+            <a:r>
+              <a:rPr lang="en-US" altLang="ko-KR" b="1">
+                <a:solidFill>
+                  <a:srgbClr val="ff0000"/>
+                </a:solidFill>
+              </a:rPr>
+              <a:t>s1</a:t>
+            </a:r>
+            <a:endParaRPr lang="en-US" altLang="ko-KR" b="1">
+              <a:solidFill>
+                <a:srgbClr val="ff0000"/>
+              </a:solidFill>
+            </a:endParaRPr>
+          </a:p>
+        </p:txBody>
+      </p:sp>
+      <p:sp>
+        <p:nvSpPr>
+          <p:cNvPr id="65" name="세로 글상자 108"/>
+          <p:cNvSpPr txBox="1"/>
+          <p:nvPr/>
+        </p:nvSpPr>
+        <p:spPr>
+          <a:xfrm>
+            <a:off x="9089730" y="3626692"/>
+            <a:ext cx="459105" cy="367665"/>
+          </a:xfrm>
+          <a:prstGeom prst="rect">
+            <a:avLst/>
+          </a:prstGeom>
+        </p:spPr>
+        <p:txBody>
+          <a:bodyPr vert="horz" wrap="square" anchor="ctr" anchorCtr="0">
+            <a:spAutoFit/>
+          </a:bodyPr>
+          <a:p>
+            <a:pPr lvl="0" algn="ctr">
+              <a:defRPr/>
+            </a:pPr>
+            <a:r>
+              <a:rPr lang="en-US" altLang="ko-KR" b="1">
+                <a:solidFill>
+                  <a:srgbClr val="ff0000"/>
+                </a:solidFill>
+              </a:rPr>
+              <a:t>s2</a:t>
+            </a:r>
+            <a:endParaRPr lang="en-US" altLang="ko-KR" b="1">
+              <a:solidFill>
+                <a:srgbClr val="ff0000"/>
+              </a:solidFill>
+            </a:endParaRPr>
+          </a:p>
+        </p:txBody>
+      </p:sp>
+      <p:sp>
+        <p:nvSpPr>
+          <p:cNvPr id="66" name="모서리가 둥근 직사각형 65"/>
+          <p:cNvSpPr/>
+          <p:nvPr/>
+        </p:nvSpPr>
+        <p:spPr>
+          <a:xfrm>
+            <a:off x="7546853" y="2844220"/>
+            <a:ext cx="1000684" cy="357135"/>
+          </a:xfrm>
+          <a:prstGeom prst="roundRect">
+            <a:avLst>
+              <a:gd name="adj" fmla="val 16667"/>
+            </a:avLst>
+          </a:prstGeom>
+          <a:solidFill>
+            <a:schemeClr val="accent1"/>
+          </a:solidFill>
+          <a:scene3d>
+            <a:camera prst="orthographicFront"/>
+            <a:lightRig rig="threePt" dir="t"/>
+          </a:scene3d>
+          <a:sp3d>
+            <a:bevelT/>
+          </a:sp3d>
+        </p:spPr>
+        <p:style>
+          <a:lnRef idx="2">
+            <a:schemeClr val="accent3">
+              <a:shade val="20000"/>
+            </a:schemeClr>
+          </a:lnRef>
+          <a:fillRef idx="1">
+            <a:schemeClr val="accent3"/>
+          </a:fillRef>
+          <a:effectRef idx="0">
+            <a:schemeClr val="accent3"/>
+          </a:effectRef>
+          <a:fontRef idx="minor">
+            <a:schemeClr val="lt1"/>
+          </a:fontRef>
+        </p:style>
+        <p:txBody>
+          <a:bodyPr wrap="square" anchor="ctr">
+            <a:normAutofit fontScale="92500" lnSpcReduction="10000"/>
+          </a:bodyPr>
+          <a:p>
+            <a:pPr lvl="0" algn="ctr">
+              <a:defRPr/>
+            </a:pPr>
+            <a:r>
+              <a:rPr lang="en-US" altLang="ko-KR" i="1">
+                <a:effectLst/>
+              </a:rPr>
+              <a:t>Dense</a:t>
+            </a:r>
+            <a:endParaRPr lang="en-US" altLang="ko-KR" i="1">
+              <a:effectLst/>
+            </a:endParaRPr>
+          </a:p>
+        </p:txBody>
+      </p:sp>
+      <p:sp>
+        <p:nvSpPr>
+          <p:cNvPr id="67" name="모서리가 둥근 직사각형 66"/>
+          <p:cNvSpPr/>
+          <p:nvPr/>
+        </p:nvSpPr>
+        <p:spPr>
+          <a:xfrm>
+            <a:off x="8949604" y="2834695"/>
+            <a:ext cx="1000684" cy="357135"/>
+          </a:xfrm>
+          <a:prstGeom prst="roundRect">
+            <a:avLst>
+              <a:gd name="adj" fmla="val 16667"/>
+            </a:avLst>
+          </a:prstGeom>
+          <a:solidFill>
+            <a:schemeClr val="accent1"/>
+          </a:solidFill>
+          <a:scene3d>
+            <a:camera prst="orthographicFront"/>
+            <a:lightRig rig="threePt" dir="t"/>
+          </a:scene3d>
+          <a:sp3d>
+            <a:bevelT/>
+          </a:sp3d>
+        </p:spPr>
+        <p:style>
+          <a:lnRef idx="2">
+            <a:schemeClr val="accent3">
+              <a:shade val="20000"/>
+            </a:schemeClr>
+          </a:lnRef>
+          <a:fillRef idx="1">
+            <a:schemeClr val="accent3"/>
+          </a:fillRef>
+          <a:effectRef idx="0">
+            <a:schemeClr val="accent3"/>
+          </a:effectRef>
+          <a:fontRef idx="minor">
+            <a:schemeClr val="lt1"/>
+          </a:fontRef>
+        </p:style>
+        <p:txBody>
+          <a:bodyPr wrap="square" anchor="ctr">
+            <a:normAutofit fontScale="92500" lnSpcReduction="10000"/>
+          </a:bodyPr>
+          <a:p>
+            <a:pPr lvl="0" algn="ctr">
+              <a:defRPr/>
+            </a:pPr>
+            <a:r>
+              <a:rPr lang="en-US" altLang="ko-KR" i="1">
+                <a:effectLst/>
+              </a:rPr>
+              <a:t>Dense</a:t>
+            </a:r>
+            <a:endParaRPr lang="en-US" altLang="ko-KR" i="1">
+              <a:effectLst/>
+            </a:endParaRPr>
+          </a:p>
+        </p:txBody>
+      </p:sp>
+      <p:sp>
+        <p:nvSpPr>
+          <p:cNvPr id="68" name="모서리가 둥근 직사각형 67"/>
+          <p:cNvSpPr/>
+          <p:nvPr/>
+        </p:nvSpPr>
+        <p:spPr>
+          <a:xfrm>
+            <a:off x="10352354" y="2834427"/>
+            <a:ext cx="1000684" cy="357135"/>
+          </a:xfrm>
+          <a:prstGeom prst="roundRect">
+            <a:avLst>
+              <a:gd name="adj" fmla="val 16667"/>
+            </a:avLst>
+          </a:prstGeom>
+          <a:solidFill>
+            <a:schemeClr val="accent1"/>
+          </a:solidFill>
+          <a:scene3d>
+            <a:camera prst="orthographicFront"/>
+            <a:lightRig rig="threePt" dir="t"/>
+          </a:scene3d>
+          <a:sp3d>
+            <a:bevelT/>
+          </a:sp3d>
+        </p:spPr>
+        <p:style>
+          <a:lnRef idx="2">
+            <a:schemeClr val="accent3">
+              <a:shade val="20000"/>
+            </a:schemeClr>
+          </a:lnRef>
+          <a:fillRef idx="1">
+            <a:schemeClr val="accent3"/>
+          </a:fillRef>
+          <a:effectRef idx="0">
+            <a:schemeClr val="accent3"/>
+          </a:effectRef>
+          <a:fontRef idx="minor">
+            <a:schemeClr val="lt1"/>
+          </a:fontRef>
+        </p:style>
+        <p:txBody>
+          <a:bodyPr wrap="square" anchor="ctr">
+            <a:normAutofit fontScale="92500" lnSpcReduction="10000"/>
+          </a:bodyPr>
+          <a:p>
+            <a:pPr lvl="0" algn="ctr">
+              <a:defRPr/>
+            </a:pPr>
+            <a:r>
+              <a:rPr lang="en-US" altLang="ko-KR" i="1">
+                <a:effectLst/>
+              </a:rPr>
+              <a:t>Dense</a:t>
+            </a:r>
+            <a:endParaRPr lang="en-US" altLang="ko-KR" i="1">
+              <a:effectLst/>
+            </a:endParaRPr>
+          </a:p>
+        </p:txBody>
+      </p:sp>
+      <p:sp>
+        <p:nvSpPr>
+          <p:cNvPr id="69" name="모서리가 둥근 직사각형 68"/>
+          <p:cNvSpPr/>
+          <p:nvPr/>
+        </p:nvSpPr>
+        <p:spPr>
+          <a:xfrm>
+            <a:off x="7546853" y="2457933"/>
+            <a:ext cx="1000684" cy="357135"/>
+          </a:xfrm>
+          <a:prstGeom prst="roundRect">
+            <a:avLst>
+              <a:gd name="adj" fmla="val 16667"/>
+            </a:avLst>
+          </a:prstGeom>
+          <a:solidFill>
+            <a:schemeClr val="accent1"/>
+          </a:solidFill>
+          <a:scene3d>
+            <a:camera prst="orthographicFront"/>
+            <a:lightRig rig="threePt" dir="t"/>
+          </a:scene3d>
+          <a:sp3d>
+            <a:bevelT/>
+          </a:sp3d>
+        </p:spPr>
+        <p:style>
+          <a:lnRef idx="2">
+            <a:schemeClr val="accent3">
+              <a:shade val="20000"/>
+            </a:schemeClr>
+          </a:lnRef>
+          <a:fillRef idx="1">
+            <a:schemeClr val="accent3"/>
+          </a:fillRef>
+          <a:effectRef idx="0">
+            <a:schemeClr val="accent3"/>
+          </a:effectRef>
+          <a:fontRef idx="minor">
+            <a:schemeClr val="lt1"/>
+          </a:fontRef>
+        </p:style>
+        <p:txBody>
+          <a:bodyPr wrap="square" anchor="ctr">
+            <a:normAutofit fontScale="92500" lnSpcReduction="10000"/>
+          </a:bodyPr>
+          <a:p>
+            <a:pPr lvl="0" algn="ctr">
+              <a:defRPr/>
+            </a:pPr>
+            <a:r>
+              <a:rPr lang="en-US" altLang="ko-KR" i="1">
+                <a:effectLst/>
+              </a:rPr>
+              <a:t>Softmax</a:t>
+            </a:r>
+            <a:endParaRPr lang="en-US" altLang="ko-KR" i="1">
+              <a:effectLst/>
+            </a:endParaRPr>
+          </a:p>
+        </p:txBody>
+      </p:sp>
+      <p:sp>
+        <p:nvSpPr>
+          <p:cNvPr id="70" name="모서리가 둥근 직사각형 69"/>
+          <p:cNvSpPr/>
+          <p:nvPr/>
+        </p:nvSpPr>
+        <p:spPr>
+          <a:xfrm>
+            <a:off x="8950366" y="2438697"/>
+            <a:ext cx="1000684" cy="357135"/>
+          </a:xfrm>
+          <a:prstGeom prst="roundRect">
+            <a:avLst>
+              <a:gd name="adj" fmla="val 16667"/>
+            </a:avLst>
+          </a:prstGeom>
+          <a:solidFill>
+            <a:schemeClr val="accent1"/>
+          </a:solidFill>
+          <a:scene3d>
+            <a:camera prst="orthographicFront"/>
+            <a:lightRig rig="threePt" dir="t"/>
+          </a:scene3d>
+          <a:sp3d>
+            <a:bevelT/>
+          </a:sp3d>
+        </p:spPr>
+        <p:style>
+          <a:lnRef idx="2">
+            <a:schemeClr val="accent3">
+              <a:shade val="20000"/>
+            </a:schemeClr>
+          </a:lnRef>
+          <a:fillRef idx="1">
+            <a:schemeClr val="accent3"/>
+          </a:fillRef>
+          <a:effectRef idx="0">
+            <a:schemeClr val="accent3"/>
+          </a:effectRef>
+          <a:fontRef idx="minor">
+            <a:schemeClr val="lt1"/>
+          </a:fontRef>
+        </p:style>
+        <p:txBody>
+          <a:bodyPr wrap="square" anchor="ctr">
+            <a:normAutofit fontScale="92500" lnSpcReduction="10000"/>
+          </a:bodyPr>
+          <a:p>
+            <a:pPr lvl="0" algn="ctr">
+              <a:defRPr/>
+            </a:pPr>
+            <a:r>
+              <a:rPr lang="en-US" altLang="ko-KR" i="1">
+                <a:effectLst/>
+              </a:rPr>
+              <a:t>Softmax</a:t>
+            </a:r>
+            <a:endParaRPr lang="en-US" altLang="ko-KR" i="1">
+              <a:effectLst/>
+            </a:endParaRPr>
+          </a:p>
+        </p:txBody>
+      </p:sp>
+      <p:sp>
+        <p:nvSpPr>
+          <p:cNvPr id="71" name="모서리가 둥근 직사각형 70"/>
+          <p:cNvSpPr/>
+          <p:nvPr/>
+        </p:nvSpPr>
+        <p:spPr>
+          <a:xfrm>
+            <a:off x="10353878" y="2444170"/>
+            <a:ext cx="1000684" cy="357135"/>
+          </a:xfrm>
+          <a:prstGeom prst="roundRect">
+            <a:avLst>
+              <a:gd name="adj" fmla="val 16667"/>
+            </a:avLst>
+          </a:prstGeom>
+          <a:solidFill>
+            <a:schemeClr val="accent1"/>
+          </a:solidFill>
+          <a:scene3d>
+            <a:camera prst="orthographicFront"/>
+            <a:lightRig rig="threePt" dir="t"/>
+          </a:scene3d>
+          <a:sp3d>
+            <a:bevelT/>
+          </a:sp3d>
+        </p:spPr>
+        <p:style>
+          <a:lnRef idx="2">
+            <a:schemeClr val="accent3">
+              <a:shade val="20000"/>
+            </a:schemeClr>
+          </a:lnRef>
+          <a:fillRef idx="1">
+            <a:schemeClr val="accent3"/>
+          </a:fillRef>
+          <a:effectRef idx="0">
+            <a:schemeClr val="accent3"/>
+          </a:effectRef>
+          <a:fontRef idx="minor">
+            <a:schemeClr val="lt1"/>
+          </a:fontRef>
+        </p:style>
+        <p:txBody>
+          <a:bodyPr wrap="square" anchor="ctr">
+            <a:normAutofit fontScale="92500" lnSpcReduction="10000"/>
+          </a:bodyPr>
+          <a:p>
+            <a:pPr lvl="0" algn="ctr">
+              <a:defRPr/>
+            </a:pPr>
+            <a:r>
+              <a:rPr lang="en-US" altLang="ko-KR" i="1">
+                <a:effectLst/>
+              </a:rPr>
+              <a:t>Softmax</a:t>
+            </a:r>
+            <a:endParaRPr lang="en-US" altLang="ko-KR" i="1">
+              <a:effectLst/>
+            </a:endParaRPr>
+          </a:p>
+        </p:txBody>
+      </p:sp>
+      <p:sp>
+        <p:nvSpPr>
+          <p:cNvPr id="72" name="세로 글상자 108"/>
+          <p:cNvSpPr txBox="1"/>
+          <p:nvPr/>
+        </p:nvSpPr>
+        <p:spPr>
+          <a:xfrm>
+            <a:off x="10467642" y="3637120"/>
+            <a:ext cx="459105" cy="367665"/>
+          </a:xfrm>
+          <a:prstGeom prst="rect">
+            <a:avLst/>
+          </a:prstGeom>
+        </p:spPr>
+        <p:txBody>
+          <a:bodyPr vert="horz" wrap="square" anchor="ctr" anchorCtr="0">
+            <a:spAutoFit/>
+          </a:bodyPr>
+          <a:p>
+            <a:pPr lvl="0" algn="ctr">
+              <a:defRPr/>
+            </a:pPr>
+            <a:r>
+              <a:rPr lang="en-US" altLang="ko-KR" b="1">
+                <a:solidFill>
+                  <a:srgbClr val="ff0000"/>
+                </a:solidFill>
+              </a:rPr>
+              <a:t>s3</a:t>
+            </a:r>
+            <a:endParaRPr lang="en-US" altLang="ko-KR" b="1">
+              <a:solidFill>
+                <a:srgbClr val="ff0000"/>
+              </a:solidFill>
+            </a:endParaRPr>
+          </a:p>
+        </p:txBody>
+      </p:sp>
+      <p:sp>
+        <p:nvSpPr>
+          <p:cNvPr id="73" name="가로 글상자 72"/>
+          <p:cNvSpPr txBox="1"/>
+          <p:nvPr/>
+        </p:nvSpPr>
+        <p:spPr>
+          <a:xfrm>
+            <a:off x="1617008" y="3161577"/>
+            <a:ext cx="1303422" cy="366897"/>
+          </a:xfrm>
+          <a:prstGeom prst="rect">
+            <a:avLst/>
+          </a:prstGeom>
+        </p:spPr>
+        <p:txBody>
+          <a:bodyPr wrap="square">
+            <a:spAutoFit/>
+          </a:bodyPr>
+          <a:p>
+            <a:pPr lvl="0">
+              <a:defRPr/>
+            </a:pPr>
+            <a:endParaRPr lang="en-US" altLang="ko-KR"/>
+          </a:p>
+        </p:txBody>
+      </p:sp>
+      <p:cxnSp>
+        <p:nvCxnSpPr>
+          <p:cNvPr id="74" name="선 73"/>
+          <p:cNvCxnSpPr>
+            <a:endCxn id="75" idx="0"/>
+          </p:cNvCxnSpPr>
+          <p:nvPr/>
+        </p:nvCxnSpPr>
+        <p:spPr>
+          <a:xfrm rot="5400000" flipH="1" flipV="1">
+            <a:off x="355629" y="3044741"/>
+            <a:ext cx="850112" cy="728"/>
+          </a:xfrm>
+          <a:prstGeom prst="line">
+            <a:avLst/>
+          </a:prstGeom>
+          <a:ln w="28575">
+            <a:solidFill>
+              <a:schemeClr val="dk1"/>
+            </a:solidFill>
+          </a:ln>
+        </p:spPr>
+        <p:style>
+          <a:lnRef idx="1">
+            <a:schemeClr val="accent1"/>
+          </a:lnRef>
+          <a:fillRef idx="0">
+            <a:schemeClr val="accent1"/>
+          </a:fillRef>
+          <a:effectRef idx="0">
+            <a:schemeClr val="accent1"/>
+          </a:effectRef>
+          <a:fontRef idx="minor">
+            <a:schemeClr val="tx1"/>
+          </a:fontRef>
+        </p:style>
+      </p:cxnSp>
+      <p:sp>
+        <p:nvSpPr>
+          <p:cNvPr id="75" name="타원 74"/>
+          <p:cNvSpPr/>
+          <p:nvPr/>
+        </p:nvSpPr>
+        <p:spPr>
+          <a:xfrm>
+            <a:off x="628952" y="2620050"/>
+            <a:ext cx="304195" cy="295169"/>
+          </a:xfrm>
+          <a:prstGeom prst="ellipse">
+            <a:avLst/>
+          </a:prstGeom>
+        </p:spPr>
+        <p:style>
+          <a:lnRef idx="2">
+            <a:schemeClr val="accent1">
+              <a:shade val="20000"/>
+            </a:schemeClr>
+          </a:lnRef>
+          <a:fillRef idx="1">
+            <a:schemeClr val="accent1"/>
+          </a:fillRef>
+          <a:effectRef idx="0">
+            <a:schemeClr val="accent1"/>
+          </a:effectRef>
+          <a:fontRef idx="minor">
+            <a:schemeClr val="lt1"/>
+          </a:fontRef>
+        </p:style>
+        <p:txBody>
+          <a:bodyPr anchor="ctr"/>
+          <a:p>
+            <a:pPr lvl="0" algn="ctr">
+              <a:defRPr/>
+            </a:pPr>
+            <a:endParaRPr lang="ko-KR" altLang="en-US"/>
+          </a:p>
+        </p:txBody>
+      </p:sp>
+      <p:cxnSp>
+        <p:nvCxnSpPr>
+          <p:cNvPr id="76" name="선 75"/>
+          <p:cNvCxnSpPr>
+            <a:endCxn id="77" idx="0"/>
+          </p:cNvCxnSpPr>
+          <p:nvPr/>
+        </p:nvCxnSpPr>
+        <p:spPr>
+          <a:xfrm rot="5400000" flipH="1" flipV="1">
+            <a:off x="1750010" y="3044741"/>
+            <a:ext cx="850112" cy="728"/>
+          </a:xfrm>
+          <a:prstGeom prst="line">
+            <a:avLst/>
+          </a:prstGeom>
+          <a:ln w="28575">
+            <a:solidFill>
+              <a:schemeClr val="dk1"/>
+            </a:solidFill>
+          </a:ln>
+        </p:spPr>
+        <p:style>
+          <a:lnRef idx="1">
+            <a:schemeClr val="accent1"/>
+          </a:lnRef>
+          <a:fillRef idx="0">
+            <a:schemeClr val="accent1"/>
+          </a:fillRef>
+          <a:effectRef idx="0">
+            <a:schemeClr val="accent1"/>
+          </a:effectRef>
+          <a:fontRef idx="minor">
+            <a:schemeClr val="tx1"/>
+          </a:fontRef>
+        </p:style>
+      </p:cxnSp>
+      <p:sp>
+        <p:nvSpPr>
+          <p:cNvPr id="77" name="타원 76"/>
+          <p:cNvSpPr/>
+          <p:nvPr/>
+        </p:nvSpPr>
+        <p:spPr>
+          <a:xfrm>
+            <a:off x="2023333" y="2620050"/>
+            <a:ext cx="304195" cy="295169"/>
+          </a:xfrm>
+          <a:prstGeom prst="ellipse">
+            <a:avLst/>
+          </a:prstGeom>
+        </p:spPr>
+        <p:style>
+          <a:lnRef idx="2">
+            <a:schemeClr val="accent1">
+              <a:shade val="20000"/>
+            </a:schemeClr>
+          </a:lnRef>
+          <a:fillRef idx="1">
+            <a:schemeClr val="accent1"/>
+          </a:fillRef>
+          <a:effectRef idx="0">
+            <a:schemeClr val="accent1"/>
+          </a:effectRef>
+          <a:fontRef idx="minor">
+            <a:schemeClr val="lt1"/>
+          </a:fontRef>
+        </p:style>
+        <p:txBody>
+          <a:bodyPr anchor="ctr"/>
+          <a:p>
+            <a:pPr lvl="0" algn="ctr">
+              <a:defRPr/>
+            </a:pPr>
+            <a:endParaRPr lang="ko-KR" altLang="en-US"/>
+          </a:p>
+        </p:txBody>
+      </p:sp>
+      <p:cxnSp>
+        <p:nvCxnSpPr>
+          <p:cNvPr id="78" name="선 77"/>
+          <p:cNvCxnSpPr>
+            <a:endCxn id="79" idx="0"/>
+          </p:cNvCxnSpPr>
+          <p:nvPr/>
+        </p:nvCxnSpPr>
+        <p:spPr>
+          <a:xfrm rot="5400000" flipH="1" flipV="1">
+            <a:off x="3144392" y="3044741"/>
+            <a:ext cx="850112" cy="728"/>
+          </a:xfrm>
+          <a:prstGeom prst="line">
+            <a:avLst/>
+          </a:prstGeom>
+          <a:ln w="28575">
+            <a:solidFill>
+              <a:schemeClr val="dk1"/>
+            </a:solidFill>
+          </a:ln>
+        </p:spPr>
+        <p:style>
+          <a:lnRef idx="1">
+            <a:schemeClr val="accent1"/>
+          </a:lnRef>
+          <a:fillRef idx="0">
+            <a:schemeClr val="accent1"/>
+          </a:fillRef>
+          <a:effectRef idx="0">
+            <a:schemeClr val="accent1"/>
+          </a:effectRef>
+          <a:fontRef idx="minor">
+            <a:schemeClr val="tx1"/>
+          </a:fontRef>
+        </p:style>
+      </p:cxnSp>
+      <p:sp>
+        <p:nvSpPr>
+          <p:cNvPr id="79" name="타원 78"/>
+          <p:cNvSpPr/>
+          <p:nvPr/>
+        </p:nvSpPr>
+        <p:spPr>
+          <a:xfrm>
+            <a:off x="3417715" y="2620050"/>
+            <a:ext cx="304195" cy="295169"/>
+          </a:xfrm>
+          <a:prstGeom prst="ellipse">
+            <a:avLst/>
+          </a:prstGeom>
+        </p:spPr>
+        <p:style>
+          <a:lnRef idx="2">
+            <a:schemeClr val="accent1">
+              <a:shade val="20000"/>
+            </a:schemeClr>
+          </a:lnRef>
+          <a:fillRef idx="1">
+            <a:schemeClr val="accent1"/>
+          </a:fillRef>
+          <a:effectRef idx="0">
+            <a:schemeClr val="accent1"/>
+          </a:effectRef>
+          <a:fontRef idx="minor">
+            <a:schemeClr val="lt1"/>
+          </a:fontRef>
+        </p:style>
+        <p:txBody>
+          <a:bodyPr anchor="ctr"/>
+          <a:p>
+            <a:pPr lvl="0" algn="ctr">
+              <a:defRPr/>
+            </a:pPr>
+            <a:endParaRPr lang="ko-KR" altLang="en-US"/>
+          </a:p>
+        </p:txBody>
+      </p:sp>
+      <p:cxnSp>
+        <p:nvCxnSpPr>
+          <p:cNvPr id="80" name="선 79"/>
+          <p:cNvCxnSpPr>
+            <a:endCxn id="81" idx="0"/>
+          </p:cNvCxnSpPr>
+          <p:nvPr/>
+        </p:nvCxnSpPr>
+        <p:spPr>
+          <a:xfrm rot="5400000" flipH="1" flipV="1">
+            <a:off x="4604205" y="3044741"/>
+            <a:ext cx="850112" cy="728"/>
+          </a:xfrm>
+          <a:prstGeom prst="line">
+            <a:avLst/>
+          </a:prstGeom>
+          <a:ln w="28575">
+            <a:solidFill>
+              <a:schemeClr val="dk1"/>
+            </a:solidFill>
+          </a:ln>
+        </p:spPr>
+        <p:style>
+          <a:lnRef idx="1">
+            <a:schemeClr val="accent1"/>
+          </a:lnRef>
+          <a:fillRef idx="0">
+            <a:schemeClr val="accent1"/>
+          </a:fillRef>
+          <a:effectRef idx="0">
+            <a:schemeClr val="accent1"/>
+          </a:effectRef>
+          <a:fontRef idx="minor">
+            <a:schemeClr val="tx1"/>
+          </a:fontRef>
+        </p:style>
+      </p:cxnSp>
+      <p:sp>
+        <p:nvSpPr>
+          <p:cNvPr id="81" name="타원 80"/>
+          <p:cNvSpPr/>
+          <p:nvPr/>
+        </p:nvSpPr>
+        <p:spPr>
+          <a:xfrm>
+            <a:off x="4877528" y="2620050"/>
+            <a:ext cx="304195" cy="295169"/>
+          </a:xfrm>
+          <a:prstGeom prst="ellipse">
+            <a:avLst/>
+          </a:prstGeom>
+        </p:spPr>
+        <p:style>
+          <a:lnRef idx="2">
+            <a:schemeClr val="accent1">
+              <a:shade val="20000"/>
+            </a:schemeClr>
+          </a:lnRef>
+          <a:fillRef idx="1">
+            <a:schemeClr val="accent1"/>
+          </a:fillRef>
+          <a:effectRef idx="0">
+            <a:schemeClr val="accent1"/>
+          </a:effectRef>
+          <a:fontRef idx="minor">
+            <a:schemeClr val="lt1"/>
+          </a:fontRef>
+        </p:style>
+        <p:txBody>
+          <a:bodyPr anchor="ctr"/>
+          <a:p>
+            <a:pPr lvl="0" algn="ctr">
+              <a:defRPr/>
+            </a:pPr>
+            <a:endParaRPr lang="ko-KR" altLang="en-US"/>
+          </a:p>
+        </p:txBody>
+      </p:sp>
+    </p:spTree>
+    <p:extLst>
+      <p:ext uri="{BB962C8B-B14F-4D97-AF65-F5344CB8AC3E}">
+        <p14:creationId xmlns:p14="http://schemas.microsoft.com/office/powerpoint/2010/main" val="3986229063"/>
+      </p:ext>
+    </p:extLst>
+  </p:cSld>
+  <p:clrMapOvr>
+    <a:masterClrMapping/>
+  </p:clrMapOvr>
+</p:sld>
+</file>
+
+<file path=ppt/slides/slide3.xml><?xml version="1.0" encoding="utf-8"?>
+<p:sld xmlns:r="http://schemas.openxmlformats.org/officeDocument/2006/relationships" xmlns:c="http://schemas.openxmlformats.org/drawingml/2006/chart" xmlns:a="http://schemas.openxmlformats.org/drawingml/2006/main" xmlns:dgm="http://schemas.openxmlformats.org/drawingml/2006/diagram" xmlns:dsp="http://schemas.microsoft.com/office/drawing/2008/diagram" xmlns:p="http://schemas.openxmlformats.org/presentationml/2006/main">
+  <p:cSld>
+    <p:spTree>
+      <p:nvGrpSpPr>
+        <p:cNvPr id="1" name=""/>
+        <p:cNvGrpSpPr/>
+        <p:nvPr/>
+      </p:nvGrpSpPr>
+      <p:grpSpPr>
+        <a:xfrm>
+          <a:off x="0" y="0"/>
+          <a:ext cx="0" cy="0"/>
+          <a:chOff x="0" y="0"/>
+          <a:chExt cx="0" cy="0"/>
+        </a:xfrm>
+      </p:grpSpPr>
+      <p:sp>
+        <p:nvSpPr>
+          <p:cNvPr id="3" name="모서리가 둥근 직사각형 2"/>
+          <p:cNvSpPr/>
+          <p:nvPr/>
+        </p:nvSpPr>
+        <p:spPr>
+          <a:xfrm>
+            <a:off x="870059" y="4077301"/>
+            <a:ext cx="1000684" cy="703499"/>
+          </a:xfrm>
+          <a:prstGeom prst="roundRect">
+            <a:avLst>
+              <a:gd name="adj" fmla="val 16667"/>
+            </a:avLst>
+          </a:prstGeom>
+          <a:solidFill>
+            <a:srgbClr val="203a7b"/>
+          </a:solidFill>
+          <a:scene3d>
+            <a:camera prst="orthographicFront"/>
+            <a:lightRig rig="threePt" dir="t"/>
+          </a:scene3d>
+          <a:sp3d>
+            <a:bevelT/>
+          </a:sp3d>
+        </p:spPr>
+        <p:style>
+          <a:lnRef idx="2">
+            <a:schemeClr val="accent3">
+              <a:shade val="20000"/>
+            </a:schemeClr>
+          </a:lnRef>
+          <a:fillRef idx="1">
+            <a:schemeClr val="accent3"/>
+          </a:fillRef>
+          <a:effectRef idx="0">
+            <a:schemeClr val="accent3"/>
+          </a:effectRef>
+          <a:fontRef idx="minor">
+            <a:schemeClr val="lt1"/>
+          </a:fontRef>
+        </p:style>
+        <p:txBody>
+          <a:bodyPr wrap="square" anchor="ctr">
+            <a:normAutofit/>
+          </a:bodyPr>
+          <a:p>
+            <a:pPr lvl="0" algn="ctr">
+              <a:defRPr/>
+            </a:pPr>
+            <a:r>
+              <a:rPr lang="en-US" altLang="ko-KR" b="1">
+                <a:effectLst/>
+              </a:rPr>
+              <a:t>RNN</a:t>
+            </a:r>
+            <a:endParaRPr lang="en-US" altLang="ko-KR" b="1">
+              <a:effectLst/>
+            </a:endParaRPr>
+          </a:p>
+        </p:txBody>
+      </p:sp>
+      <p:sp>
+        <p:nvSpPr>
+          <p:cNvPr id="4" name="모서리가 둥근 직사각형 3"/>
+          <p:cNvSpPr/>
+          <p:nvPr/>
+        </p:nvSpPr>
+        <p:spPr>
+          <a:xfrm>
+            <a:off x="2278334" y="4077301"/>
+            <a:ext cx="1000684" cy="703499"/>
+          </a:xfrm>
+          <a:prstGeom prst="roundRect">
+            <a:avLst>
+              <a:gd name="adj" fmla="val 16667"/>
+            </a:avLst>
+          </a:prstGeom>
+          <a:solidFill>
+            <a:srgbClr val="203a7b"/>
+          </a:solidFill>
+          <a:scene3d>
+            <a:camera prst="orthographicFront"/>
+            <a:lightRig rig="threePt" dir="t"/>
+          </a:scene3d>
+          <a:sp3d>
+            <a:bevelT/>
+          </a:sp3d>
+        </p:spPr>
+        <p:style>
+          <a:lnRef idx="2">
+            <a:schemeClr val="accent3">
+              <a:shade val="20000"/>
+            </a:schemeClr>
+          </a:lnRef>
+          <a:fillRef idx="1">
+            <a:schemeClr val="accent3"/>
+          </a:fillRef>
+          <a:effectRef idx="0">
+            <a:schemeClr val="accent3"/>
+          </a:effectRef>
+          <a:fontRef idx="minor">
+            <a:schemeClr val="lt1"/>
+          </a:fontRef>
+        </p:style>
+        <p:txBody>
+          <a:bodyPr wrap="square" anchor="ctr">
+            <a:normAutofit/>
+          </a:bodyPr>
+          <a:p>
+            <a:pPr lvl="0" algn="ctr">
+              <a:defRPr/>
+            </a:pPr>
+            <a:r>
+              <a:rPr lang="en-US" altLang="ko-KR" b="1">
+                <a:effectLst/>
+              </a:rPr>
+              <a:t>RNN</a:t>
+            </a:r>
+            <a:endParaRPr lang="en-US" altLang="ko-KR" b="1">
+              <a:effectLst/>
+            </a:endParaRPr>
+          </a:p>
+        </p:txBody>
+      </p:sp>
+      <p:sp>
+        <p:nvSpPr>
+          <p:cNvPr id="5" name="모서리가 둥근 직사각형 4"/>
+          <p:cNvSpPr/>
+          <p:nvPr/>
+        </p:nvSpPr>
+        <p:spPr>
+          <a:xfrm>
+            <a:off x="3660279" y="4077301"/>
+            <a:ext cx="1000684" cy="703499"/>
+          </a:xfrm>
+          <a:prstGeom prst="roundRect">
+            <a:avLst>
+              <a:gd name="adj" fmla="val 16667"/>
+            </a:avLst>
+          </a:prstGeom>
+          <a:solidFill>
+            <a:srgbClr val="203a7b"/>
+          </a:solidFill>
+          <a:scene3d>
+            <a:camera prst="orthographicFront"/>
+            <a:lightRig rig="threePt" dir="t"/>
+          </a:scene3d>
+          <a:sp3d>
+            <a:bevelT/>
+          </a:sp3d>
+        </p:spPr>
+        <p:style>
+          <a:lnRef idx="2">
+            <a:schemeClr val="accent3">
+              <a:shade val="20000"/>
+            </a:schemeClr>
+          </a:lnRef>
+          <a:fillRef idx="1">
+            <a:schemeClr val="accent3"/>
+          </a:fillRef>
+          <a:effectRef idx="0">
+            <a:schemeClr val="accent3"/>
+          </a:effectRef>
+          <a:fontRef idx="minor">
+            <a:schemeClr val="lt1"/>
+          </a:fontRef>
+        </p:style>
+        <p:txBody>
+          <a:bodyPr wrap="square" anchor="ctr">
+            <a:normAutofit/>
+          </a:bodyPr>
+          <a:p>
+            <a:pPr lvl="0" algn="ctr">
+              <a:defRPr/>
+            </a:pPr>
+            <a:r>
+              <a:rPr lang="en-US" altLang="ko-KR" b="1">
+                <a:effectLst/>
+              </a:rPr>
+              <a:t>RNN</a:t>
+            </a:r>
+            <a:endParaRPr lang="en-US" altLang="ko-KR" b="1">
+              <a:effectLst/>
+            </a:endParaRPr>
+          </a:p>
+        </p:txBody>
+      </p:sp>
+      <p:sp>
+        <p:nvSpPr>
+          <p:cNvPr id="6" name="모서리가 둥근 직사각형 5"/>
+          <p:cNvSpPr/>
+          <p:nvPr/>
+        </p:nvSpPr>
+        <p:spPr>
+          <a:xfrm>
+            <a:off x="698609" y="5084355"/>
+            <a:ext cx="1290204" cy="390525"/>
+          </a:xfrm>
+          <a:prstGeom prst="roundRect">
+            <a:avLst>
+              <a:gd name="adj" fmla="val 16667"/>
+            </a:avLst>
+          </a:prstGeom>
+          <a:solidFill>
+            <a:schemeClr val="accent3"/>
+          </a:solidFill>
+        </p:spPr>
+        <p:style>
+          <a:lnRef idx="2">
+            <a:schemeClr val="accent1">
+              <a:shade val="20000"/>
+            </a:schemeClr>
+          </a:lnRef>
+          <a:fillRef idx="1">
+            <a:schemeClr val="accent1"/>
+          </a:fillRef>
+          <a:effectRef idx="0">
+            <a:schemeClr val="accent1"/>
+          </a:effectRef>
+          <a:fontRef idx="minor">
+            <a:schemeClr val="lt1"/>
+          </a:fontRef>
+        </p:style>
+        <p:txBody>
+          <a:bodyPr wrap="square" anchor="ctr"/>
+          <a:p>
+            <a:pPr lvl="0" algn="ctr">
+              <a:defRPr/>
+            </a:pPr>
+            <a:r>
+              <a:rPr lang="en-US" altLang="ko-KR" i="1"/>
+              <a:t>Embedding</a:t>
+            </a:r>
+            <a:endParaRPr lang="en-US" altLang="ko-KR" i="1"/>
+          </a:p>
+        </p:txBody>
+      </p:sp>
+      <p:sp>
+        <p:nvSpPr>
+          <p:cNvPr id="7" name="모서리가 둥근 직사각형 6"/>
+          <p:cNvSpPr/>
+          <p:nvPr/>
+        </p:nvSpPr>
+        <p:spPr>
+          <a:xfrm>
+            <a:off x="2120229" y="5084355"/>
+            <a:ext cx="1290204" cy="390525"/>
+          </a:xfrm>
+          <a:prstGeom prst="roundRect">
+            <a:avLst>
+              <a:gd name="adj" fmla="val 16667"/>
+            </a:avLst>
+          </a:prstGeom>
+          <a:solidFill>
+            <a:schemeClr val="accent3"/>
+          </a:solidFill>
+        </p:spPr>
+        <p:style>
+          <a:lnRef idx="2">
+            <a:schemeClr val="accent1">
+              <a:shade val="20000"/>
+            </a:schemeClr>
+          </a:lnRef>
+          <a:fillRef idx="1">
+            <a:schemeClr val="accent1"/>
+          </a:fillRef>
+          <a:effectRef idx="0">
+            <a:schemeClr val="accent1"/>
+          </a:effectRef>
+          <a:fontRef idx="minor">
+            <a:schemeClr val="lt1"/>
+          </a:fontRef>
+        </p:style>
+        <p:txBody>
+          <a:bodyPr wrap="square" anchor="ctr"/>
+          <a:p>
+            <a:pPr lvl="0" algn="ctr">
+              <a:defRPr/>
+            </a:pPr>
+            <a:r>
+              <a:rPr lang="en-US" altLang="ko-KR" i="1"/>
+              <a:t>Embedding</a:t>
+            </a:r>
+            <a:endParaRPr lang="en-US" altLang="ko-KR" i="1"/>
+          </a:p>
+        </p:txBody>
+      </p:sp>
+      <p:sp>
+        <p:nvSpPr>
+          <p:cNvPr id="8" name="모서리가 둥근 직사각형 7"/>
+          <p:cNvSpPr/>
+          <p:nvPr/>
+        </p:nvSpPr>
+        <p:spPr>
+          <a:xfrm>
+            <a:off x="3541849" y="5084355"/>
+            <a:ext cx="1290204" cy="390525"/>
+          </a:xfrm>
+          <a:prstGeom prst="roundRect">
+            <a:avLst>
+              <a:gd name="adj" fmla="val 16667"/>
+            </a:avLst>
+          </a:prstGeom>
+          <a:solidFill>
+            <a:schemeClr val="accent3"/>
+          </a:solidFill>
+        </p:spPr>
+        <p:style>
+          <a:lnRef idx="2">
+            <a:schemeClr val="accent1">
+              <a:shade val="20000"/>
+            </a:schemeClr>
+          </a:lnRef>
+          <a:fillRef idx="1">
+            <a:schemeClr val="accent1"/>
+          </a:fillRef>
+          <a:effectRef idx="0">
+            <a:schemeClr val="accent1"/>
+          </a:effectRef>
+          <a:fontRef idx="minor">
+            <a:schemeClr val="lt1"/>
+          </a:fontRef>
+        </p:style>
+        <p:txBody>
+          <a:bodyPr wrap="square" anchor="ctr"/>
+          <a:p>
+            <a:pPr lvl="0" algn="ctr">
+              <a:defRPr/>
+            </a:pPr>
+            <a:r>
+              <a:rPr lang="en-US" altLang="ko-KR" i="1"/>
+              <a:t>Embedding</a:t>
+            </a:r>
+            <a:endParaRPr lang="en-US" altLang="ko-KR" i="1"/>
+          </a:p>
+        </p:txBody>
+      </p:sp>
+      <p:cxnSp>
+        <p:nvCxnSpPr>
+          <p:cNvPr id="9" name="화살표 8"/>
+          <p:cNvCxnSpPr>
+            <a:stCxn id="6" idx="0"/>
+          </p:cNvCxnSpPr>
+          <p:nvPr/>
+        </p:nvCxnSpPr>
+        <p:spPr>
+          <a:xfrm rot="5400000" flipH="1" flipV="1">
+            <a:off x="1218444" y="4932398"/>
+            <a:ext cx="303554" cy="360"/>
+          </a:xfrm>
+          <a:prstGeom prst="straightConnector1">
+            <a:avLst/>
+          </a:prstGeom>
+          <a:ln w="28575">
+            <a:solidFill>
+              <a:schemeClr val="dk1"/>
+            </a:solidFill>
+            <a:tailEnd type="arrow"/>
+          </a:ln>
+        </p:spPr>
+        <p:style>
+          <a:lnRef idx="1">
+            <a:schemeClr val="accent1"/>
+          </a:lnRef>
+          <a:fillRef idx="0">
+            <a:schemeClr val="accent1"/>
+          </a:fillRef>
+          <a:effectRef idx="0">
+            <a:schemeClr val="accent1"/>
+          </a:effectRef>
+          <a:fontRef idx="minor">
+            <a:schemeClr val="tx1"/>
+          </a:fontRef>
+        </p:style>
+      </p:cxnSp>
+      <p:cxnSp>
+        <p:nvCxnSpPr>
+          <p:cNvPr id="10" name="화살표 9"/>
+          <p:cNvCxnSpPr/>
+          <p:nvPr/>
+        </p:nvCxnSpPr>
+        <p:spPr>
+          <a:xfrm rot="5400000" flipH="1" flipV="1">
+            <a:off x="2613554" y="4932398"/>
+            <a:ext cx="303554" cy="360"/>
+          </a:xfrm>
+          <a:prstGeom prst="straightConnector1">
+            <a:avLst/>
+          </a:prstGeom>
+          <a:ln w="28575">
+            <a:solidFill>
+              <a:schemeClr val="dk1"/>
+            </a:solidFill>
+            <a:tailEnd type="arrow"/>
+          </a:ln>
+        </p:spPr>
+        <p:style>
+          <a:lnRef idx="1">
+            <a:schemeClr val="accent1"/>
+          </a:lnRef>
+          <a:fillRef idx="0">
+            <a:schemeClr val="accent1"/>
+          </a:fillRef>
+          <a:effectRef idx="0">
+            <a:schemeClr val="accent1"/>
+          </a:effectRef>
+          <a:fontRef idx="minor">
+            <a:schemeClr val="tx1"/>
+          </a:fontRef>
+        </p:style>
+      </p:cxnSp>
+      <p:cxnSp>
+        <p:nvCxnSpPr>
+          <p:cNvPr id="11" name="화살표 10"/>
+          <p:cNvCxnSpPr/>
+          <p:nvPr/>
+        </p:nvCxnSpPr>
+        <p:spPr>
+          <a:xfrm rot="5400000" flipH="1" flipV="1">
+            <a:off x="4008664" y="4932398"/>
+            <a:ext cx="303554" cy="360"/>
+          </a:xfrm>
+          <a:prstGeom prst="straightConnector1">
+            <a:avLst/>
+          </a:prstGeom>
+          <a:ln w="28575">
+            <a:solidFill>
+              <a:schemeClr val="dk1"/>
+            </a:solidFill>
+            <a:tailEnd type="arrow"/>
+          </a:ln>
+        </p:spPr>
+        <p:style>
+          <a:lnRef idx="1">
+            <a:schemeClr val="accent1"/>
+          </a:lnRef>
+          <a:fillRef idx="0">
+            <a:schemeClr val="accent1"/>
+          </a:fillRef>
+          <a:effectRef idx="0">
+            <a:schemeClr val="accent1"/>
+          </a:effectRef>
+          <a:fontRef idx="minor">
+            <a:schemeClr val="tx1"/>
+          </a:fontRef>
+        </p:style>
+      </p:cxnSp>
+      <p:cxnSp>
+        <p:nvCxnSpPr>
+          <p:cNvPr id="17" name="화살표 16"/>
+          <p:cNvCxnSpPr/>
+          <p:nvPr/>
+        </p:nvCxnSpPr>
+        <p:spPr>
+          <a:xfrm>
+            <a:off x="3312056" y="4429052"/>
+            <a:ext cx="341515" cy="0"/>
+          </a:xfrm>
+          <a:prstGeom prst="straightConnector1">
+            <a:avLst/>
+          </a:prstGeom>
+          <a:ln w="28575">
+            <a:solidFill>
+              <a:schemeClr val="dk1"/>
+            </a:solidFill>
+            <a:tailEnd type="arrow"/>
+          </a:ln>
+        </p:spPr>
+        <p:style>
+          <a:lnRef idx="1">
+            <a:schemeClr val="accent1"/>
+          </a:lnRef>
+          <a:fillRef idx="0">
+            <a:schemeClr val="accent1"/>
+          </a:fillRef>
+          <a:effectRef idx="0">
+            <a:schemeClr val="accent1"/>
+          </a:effectRef>
+          <a:fontRef idx="minor">
+            <a:schemeClr val="tx1"/>
+          </a:fontRef>
+        </p:style>
+      </p:cxnSp>
+      <p:cxnSp>
+        <p:nvCxnSpPr>
+          <p:cNvPr id="18" name="화살표 17"/>
+          <p:cNvCxnSpPr/>
+          <p:nvPr/>
+        </p:nvCxnSpPr>
+        <p:spPr>
+          <a:xfrm>
+            <a:off x="1903781" y="4429052"/>
+            <a:ext cx="341515" cy="0"/>
+          </a:xfrm>
+          <a:prstGeom prst="straightConnector1">
+            <a:avLst/>
+          </a:prstGeom>
+          <a:ln w="28575">
+            <a:solidFill>
+              <a:schemeClr val="dk1"/>
+            </a:solidFill>
+            <a:tailEnd type="arrow"/>
+          </a:ln>
+        </p:spPr>
+        <p:style>
+          <a:lnRef idx="1">
+            <a:schemeClr val="accent1"/>
+          </a:lnRef>
+          <a:fillRef idx="0">
+            <a:schemeClr val="accent1"/>
+          </a:fillRef>
+          <a:effectRef idx="0">
+            <a:schemeClr val="accent1"/>
+          </a:effectRef>
+          <a:fontRef idx="minor">
+            <a:schemeClr val="tx1"/>
+          </a:fontRef>
+        </p:style>
+      </p:cxnSp>
+      <p:sp>
+        <p:nvSpPr>
+          <p:cNvPr id="22" name="세로 글상자 108"/>
+          <p:cNvSpPr txBox="1"/>
+          <p:nvPr/>
+        </p:nvSpPr>
+        <p:spPr>
+          <a:xfrm>
+            <a:off x="1859475" y="4077303"/>
+            <a:ext cx="459105" cy="367665"/>
+          </a:xfrm>
+          <a:prstGeom prst="rect">
+            <a:avLst/>
+          </a:prstGeom>
+        </p:spPr>
+        <p:txBody>
+          <a:bodyPr vert="horz" wrap="square" anchor="ctr" anchorCtr="0">
+            <a:spAutoFit/>
+          </a:bodyPr>
+          <a:p>
+            <a:pPr lvl="0" algn="ctr">
+              <a:defRPr/>
+            </a:pPr>
+            <a:r>
+              <a:rPr lang="en-US" altLang="ko-KR" b="1">
+                <a:solidFill>
+                  <a:srgbClr val="ff0000"/>
+                </a:solidFill>
+              </a:rPr>
+              <a:t>h1</a:t>
+            </a:r>
+            <a:endParaRPr lang="en-US" altLang="ko-KR" b="1">
+              <a:solidFill>
+                <a:srgbClr val="ff0000"/>
+              </a:solidFill>
+            </a:endParaRPr>
+          </a:p>
+        </p:txBody>
+      </p:sp>
+      <p:sp>
+        <p:nvSpPr>
+          <p:cNvPr id="23" name="세로 글상자 108"/>
+          <p:cNvSpPr txBox="1"/>
+          <p:nvPr/>
+        </p:nvSpPr>
+        <p:spPr>
+          <a:xfrm>
+            <a:off x="3248499" y="4077303"/>
+            <a:ext cx="459105" cy="367665"/>
+          </a:xfrm>
+          <a:prstGeom prst="rect">
+            <a:avLst/>
+          </a:prstGeom>
+        </p:spPr>
+        <p:txBody>
+          <a:bodyPr vert="horz" wrap="square" anchor="ctr" anchorCtr="0">
+            <a:spAutoFit/>
+          </a:bodyPr>
+          <a:p>
+            <a:pPr lvl="0" algn="ctr">
+              <a:defRPr/>
+            </a:pPr>
+            <a:r>
+              <a:rPr lang="en-US" altLang="ko-KR" b="1">
+                <a:solidFill>
+                  <a:srgbClr val="ff0000"/>
+                </a:solidFill>
+              </a:rPr>
+              <a:t>h2</a:t>
+            </a:r>
+            <a:endParaRPr lang="en-US" altLang="ko-KR" b="1">
+              <a:solidFill>
+                <a:srgbClr val="ff0000"/>
+              </a:solidFill>
+            </a:endParaRPr>
+          </a:p>
+        </p:txBody>
+      </p:sp>
+      <p:sp>
+        <p:nvSpPr>
+          <p:cNvPr id="26" name="가로 글상자 25"/>
+          <p:cNvSpPr txBox="1"/>
+          <p:nvPr/>
+        </p:nvSpPr>
+        <p:spPr>
+          <a:xfrm>
+            <a:off x="830508" y="5801610"/>
+            <a:ext cx="997454" cy="366224"/>
+          </a:xfrm>
+          <a:prstGeom prst="rect">
+            <a:avLst/>
+          </a:prstGeom>
+        </p:spPr>
+        <p:txBody>
+          <a:bodyPr wrap="square">
+            <a:spAutoFit/>
+          </a:bodyPr>
+          <a:p>
+            <a:pPr lvl="0" algn="ctr">
+              <a:defRPr/>
+            </a:pPr>
+            <a:r>
+              <a:rPr lang="en-US" altLang="ko-KR" b="1"/>
+              <a:t>x1: </a:t>
+            </a:r>
+            <a:r>
+              <a:rPr lang="ko-KR" altLang="en-US" b="1"/>
+              <a:t>그는</a:t>
+            </a:r>
+            <a:endParaRPr lang="ko-KR" altLang="en-US" b="1"/>
+          </a:p>
+        </p:txBody>
+      </p:sp>
+      <p:sp>
+        <p:nvSpPr>
+          <p:cNvPr id="27" name="가로 글상자 26"/>
+          <p:cNvSpPr txBox="1"/>
+          <p:nvPr/>
+        </p:nvSpPr>
+        <p:spPr>
+          <a:xfrm>
+            <a:off x="2245296" y="5811135"/>
+            <a:ext cx="1003202" cy="366224"/>
+          </a:xfrm>
+          <a:prstGeom prst="rect">
+            <a:avLst/>
+          </a:prstGeom>
+        </p:spPr>
+        <p:txBody>
+          <a:bodyPr wrap="square">
+            <a:spAutoFit/>
+          </a:bodyPr>
+          <a:p>
+            <a:pPr lvl="0" algn="ctr">
+              <a:defRPr/>
+            </a:pPr>
+            <a:r>
+              <a:rPr lang="en-US" altLang="ko-KR" b="1"/>
+              <a:t>x2: </a:t>
+            </a:r>
+            <a:r>
+              <a:rPr lang="ko-KR" altLang="en-US" b="1"/>
+              <a:t>집에</a:t>
+            </a:r>
+            <a:endParaRPr lang="ko-KR" altLang="en-US" b="1"/>
+          </a:p>
+        </p:txBody>
+      </p:sp>
+      <p:sp>
+        <p:nvSpPr>
+          <p:cNvPr id="28" name="가로 글상자 27"/>
+          <p:cNvSpPr txBox="1"/>
+          <p:nvPr/>
+        </p:nvSpPr>
+        <p:spPr>
+          <a:xfrm>
+            <a:off x="3665832" y="5811403"/>
+            <a:ext cx="1021080" cy="364111"/>
+          </a:xfrm>
+          <a:prstGeom prst="rect">
+            <a:avLst/>
+          </a:prstGeom>
+        </p:spPr>
+        <p:txBody>
+          <a:bodyPr wrap="square">
+            <a:spAutoFit/>
+          </a:bodyPr>
+          <a:p>
+            <a:pPr lvl="0" algn="ctr">
+              <a:defRPr/>
+            </a:pPr>
+            <a:r>
+              <a:rPr lang="en-US" altLang="ko-KR" b="1"/>
+              <a:t>x3: </a:t>
+            </a:r>
+            <a:r>
+              <a:rPr lang="ko-KR" altLang="en-US" b="1"/>
+              <a:t>갔다</a:t>
+            </a:r>
+            <a:endParaRPr lang="ko-KR" altLang="en-US" b="1"/>
+          </a:p>
+        </p:txBody>
+      </p:sp>
+      <p:cxnSp>
+        <p:nvCxnSpPr>
+          <p:cNvPr id="31" name="화살표 30"/>
+          <p:cNvCxnSpPr/>
+          <p:nvPr/>
+        </p:nvCxnSpPr>
+        <p:spPr>
+          <a:xfrm rot="5400000" flipH="1" flipV="1">
+            <a:off x="1231969" y="5638008"/>
+            <a:ext cx="303554" cy="360"/>
+          </a:xfrm>
+          <a:prstGeom prst="straightConnector1">
+            <a:avLst/>
+          </a:prstGeom>
+          <a:ln w="28575">
+            <a:solidFill>
+              <a:schemeClr val="dk1"/>
+            </a:solidFill>
+            <a:tailEnd type="arrow"/>
+          </a:ln>
+        </p:spPr>
+        <p:style>
+          <a:lnRef idx="1">
+            <a:schemeClr val="accent1"/>
+          </a:lnRef>
+          <a:fillRef idx="0">
+            <a:schemeClr val="accent1"/>
+          </a:fillRef>
+          <a:effectRef idx="0">
+            <a:schemeClr val="accent1"/>
+          </a:effectRef>
+          <a:fontRef idx="minor">
+            <a:schemeClr val="tx1"/>
+          </a:fontRef>
+        </p:style>
+      </p:cxnSp>
+      <p:cxnSp>
+        <p:nvCxnSpPr>
+          <p:cNvPr id="32" name="화살표 31"/>
+          <p:cNvCxnSpPr/>
+          <p:nvPr/>
+        </p:nvCxnSpPr>
+        <p:spPr>
+          <a:xfrm rot="5400000" flipH="1" flipV="1">
+            <a:off x="2627079" y="5638008"/>
+            <a:ext cx="303554" cy="360"/>
+          </a:xfrm>
+          <a:prstGeom prst="straightConnector1">
+            <a:avLst/>
+          </a:prstGeom>
+          <a:ln w="28575">
+            <a:solidFill>
+              <a:schemeClr val="dk1"/>
+            </a:solidFill>
+            <a:tailEnd type="arrow"/>
+          </a:ln>
+        </p:spPr>
+        <p:style>
+          <a:lnRef idx="1">
+            <a:schemeClr val="accent1"/>
+          </a:lnRef>
+          <a:fillRef idx="0">
+            <a:schemeClr val="accent1"/>
+          </a:fillRef>
+          <a:effectRef idx="0">
+            <a:schemeClr val="accent1"/>
+          </a:effectRef>
+          <a:fontRef idx="minor">
+            <a:schemeClr val="tx1"/>
+          </a:fontRef>
+        </p:style>
+      </p:cxnSp>
+      <p:cxnSp>
+        <p:nvCxnSpPr>
+          <p:cNvPr id="33" name="화살표 32"/>
+          <p:cNvCxnSpPr/>
+          <p:nvPr/>
+        </p:nvCxnSpPr>
+        <p:spPr>
+          <a:xfrm rot="5400000" flipH="1" flipV="1">
+            <a:off x="4022189" y="5638008"/>
+            <a:ext cx="303554" cy="360"/>
+          </a:xfrm>
+          <a:prstGeom prst="straightConnector1">
+            <a:avLst/>
+          </a:prstGeom>
+          <a:ln w="28575">
+            <a:solidFill>
+              <a:schemeClr val="dk1"/>
+            </a:solidFill>
+            <a:tailEnd type="arrow"/>
+          </a:ln>
+        </p:spPr>
+        <p:style>
+          <a:lnRef idx="1">
+            <a:schemeClr val="accent1"/>
+          </a:lnRef>
+          <a:fillRef idx="0">
+            <a:schemeClr val="accent1"/>
+          </a:fillRef>
+          <a:effectRef idx="0">
+            <a:schemeClr val="accent1"/>
+          </a:effectRef>
+          <a:fontRef idx="minor">
+            <a:schemeClr val="tx1"/>
+          </a:fontRef>
+        </p:style>
+      </p:cxnSp>
+      <p:cxnSp>
+        <p:nvCxnSpPr>
+          <p:cNvPr id="34" name="화살표 33"/>
+          <p:cNvCxnSpPr/>
+          <p:nvPr/>
+        </p:nvCxnSpPr>
+        <p:spPr>
+          <a:xfrm rot="5400000" flipH="1" flipV="1">
+            <a:off x="1231609" y="3964120"/>
+            <a:ext cx="303554" cy="360"/>
+          </a:xfrm>
+          <a:prstGeom prst="straightConnector1">
+            <a:avLst/>
+          </a:prstGeom>
+          <a:ln w="28575">
+            <a:solidFill>
+              <a:schemeClr val="dk1"/>
+            </a:solidFill>
+            <a:tailEnd type="arrow"/>
+          </a:ln>
+        </p:spPr>
+        <p:style>
+          <a:lnRef idx="1">
+            <a:schemeClr val="accent1"/>
+          </a:lnRef>
+          <a:fillRef idx="0">
+            <a:schemeClr val="accent1"/>
+          </a:fillRef>
+          <a:effectRef idx="0">
+            <a:schemeClr val="accent1"/>
+          </a:effectRef>
+          <a:fontRef idx="minor">
+            <a:schemeClr val="tx1"/>
+          </a:fontRef>
+        </p:style>
+      </p:cxnSp>
+      <p:cxnSp>
+        <p:nvCxnSpPr>
+          <p:cNvPr id="35" name="화살표 34"/>
+          <p:cNvCxnSpPr/>
+          <p:nvPr/>
+        </p:nvCxnSpPr>
+        <p:spPr>
+          <a:xfrm rot="5400000" flipH="1" flipV="1">
+            <a:off x="2626718" y="3964120"/>
+            <a:ext cx="303554" cy="360"/>
+          </a:xfrm>
+          <a:prstGeom prst="straightConnector1">
+            <a:avLst/>
+          </a:prstGeom>
+          <a:ln w="28575">
+            <a:solidFill>
+              <a:schemeClr val="dk1"/>
+            </a:solidFill>
+            <a:tailEnd type="arrow"/>
+          </a:ln>
+        </p:spPr>
+        <p:style>
+          <a:lnRef idx="1">
+            <a:schemeClr val="accent1"/>
+          </a:lnRef>
+          <a:fillRef idx="0">
+            <a:schemeClr val="accent1"/>
+          </a:fillRef>
+          <a:effectRef idx="0">
+            <a:schemeClr val="accent1"/>
+          </a:effectRef>
+          <a:fontRef idx="minor">
+            <a:schemeClr val="tx1"/>
+          </a:fontRef>
+        </p:style>
+      </p:cxnSp>
+      <p:cxnSp>
+        <p:nvCxnSpPr>
+          <p:cNvPr id="36" name="화살표 35"/>
+          <p:cNvCxnSpPr/>
+          <p:nvPr/>
+        </p:nvCxnSpPr>
+        <p:spPr>
+          <a:xfrm rot="5400000" flipH="1" flipV="1">
+            <a:off x="4021829" y="3964120"/>
+            <a:ext cx="303554" cy="360"/>
+          </a:xfrm>
+          <a:prstGeom prst="straightConnector1">
+            <a:avLst/>
+          </a:prstGeom>
+          <a:ln w="28575">
+            <a:solidFill>
+              <a:schemeClr val="dk1"/>
+            </a:solidFill>
+            <a:tailEnd type="arrow"/>
+          </a:ln>
+        </p:spPr>
+        <p:style>
+          <a:lnRef idx="1">
+            <a:schemeClr val="accent1"/>
+          </a:lnRef>
+          <a:fillRef idx="0">
+            <a:schemeClr val="accent1"/>
+          </a:fillRef>
+          <a:effectRef idx="0">
+            <a:schemeClr val="accent1"/>
+          </a:effectRef>
+          <a:fontRef idx="minor">
+            <a:schemeClr val="tx1"/>
+          </a:fontRef>
+        </p:style>
+      </p:cxnSp>
+      <p:sp>
+        <p:nvSpPr>
+          <p:cNvPr id="37" name="가로 글상자 36"/>
+          <p:cNvSpPr txBox="1"/>
+          <p:nvPr/>
+        </p:nvSpPr>
+        <p:spPr>
+          <a:xfrm>
+            <a:off x="957601" y="2386451"/>
+            <a:ext cx="824158" cy="367450"/>
+          </a:xfrm>
+          <a:prstGeom prst="rect">
+            <a:avLst/>
+          </a:prstGeom>
+        </p:spPr>
+        <p:txBody>
+          <a:bodyPr wrap="square">
+            <a:spAutoFit/>
+          </a:bodyPr>
+          <a:p>
+            <a:pPr lvl="0" algn="ctr">
+              <a:defRPr/>
+            </a:pPr>
+            <a:r>
+              <a:rPr lang="en-US" altLang="ko-KR" b="1"/>
+              <a:t>y1: he</a:t>
+            </a:r>
+            <a:endParaRPr lang="en-US" altLang="ko-KR" b="1"/>
+          </a:p>
+        </p:txBody>
+      </p:sp>
+      <p:sp>
+        <p:nvSpPr>
+          <p:cNvPr id="38" name="가로 글상자 37"/>
+          <p:cNvSpPr txBox="1"/>
+          <p:nvPr/>
+        </p:nvSpPr>
+        <p:spPr>
+          <a:xfrm>
+            <a:off x="2232066" y="2375574"/>
+            <a:ext cx="1128269" cy="358843"/>
+          </a:xfrm>
+          <a:prstGeom prst="rect">
+            <a:avLst/>
+          </a:prstGeom>
+        </p:spPr>
+        <p:txBody>
+          <a:bodyPr wrap="square">
+            <a:spAutoFit/>
+          </a:bodyPr>
+          <a:p>
+            <a:pPr lvl="0" algn="ctr">
+              <a:defRPr/>
+            </a:pPr>
+            <a:r>
+              <a:rPr lang="en-US" altLang="ko-KR" b="1"/>
+              <a:t>y2: went</a:t>
+            </a:r>
+            <a:endParaRPr lang="en-US" altLang="ko-KR" b="1"/>
+          </a:p>
+        </p:txBody>
+      </p:sp>
+      <p:sp>
+        <p:nvSpPr>
+          <p:cNvPr id="39" name="가로 글상자 38"/>
+          <p:cNvSpPr txBox="1"/>
+          <p:nvPr/>
+        </p:nvSpPr>
+        <p:spPr>
+          <a:xfrm>
+            <a:off x="3449091" y="2373883"/>
+            <a:ext cx="1421620" cy="366255"/>
+          </a:xfrm>
+          <a:prstGeom prst="rect">
+            <a:avLst/>
+          </a:prstGeom>
+        </p:spPr>
+        <p:txBody>
+          <a:bodyPr wrap="square">
+            <a:spAutoFit/>
+          </a:bodyPr>
+          <a:p>
+            <a:pPr lvl="0" algn="ctr">
+              <a:defRPr/>
+            </a:pPr>
+            <a:r>
+              <a:rPr lang="en-US" altLang="ko-KR" b="1"/>
+              <a:t>y3: home</a:t>
+            </a:r>
+            <a:endParaRPr lang="en-US" altLang="ko-KR" b="1"/>
+          </a:p>
+        </p:txBody>
+      </p:sp>
+      <p:sp>
+        <p:nvSpPr>
+          <p:cNvPr id="40" name="모서리가 둥근 직사각형 39"/>
+          <p:cNvSpPr/>
+          <p:nvPr/>
+        </p:nvSpPr>
+        <p:spPr>
+          <a:xfrm>
+            <a:off x="870529" y="3443743"/>
+            <a:ext cx="1000684" cy="357135"/>
+          </a:xfrm>
+          <a:prstGeom prst="roundRect">
+            <a:avLst>
+              <a:gd name="adj" fmla="val 16667"/>
+            </a:avLst>
+          </a:prstGeom>
+          <a:solidFill>
+            <a:schemeClr val="accent1"/>
+          </a:solidFill>
+          <a:scene3d>
+            <a:camera prst="orthographicFront"/>
+            <a:lightRig rig="threePt" dir="t"/>
+          </a:scene3d>
+          <a:sp3d>
+            <a:bevelT/>
+          </a:sp3d>
+        </p:spPr>
+        <p:style>
+          <a:lnRef idx="2">
+            <a:schemeClr val="accent3">
+              <a:shade val="20000"/>
+            </a:schemeClr>
+          </a:lnRef>
+          <a:fillRef idx="1">
+            <a:schemeClr val="accent3"/>
+          </a:fillRef>
+          <a:effectRef idx="0">
+            <a:schemeClr val="accent3"/>
+          </a:effectRef>
+          <a:fontRef idx="minor">
+            <a:schemeClr val="lt1"/>
+          </a:fontRef>
+        </p:style>
+        <p:txBody>
+          <a:bodyPr wrap="square" anchor="ctr">
+            <a:normAutofit fontScale="92500" lnSpcReduction="10000"/>
+          </a:bodyPr>
+          <a:p>
+            <a:pPr lvl="0" algn="ctr">
+              <a:defRPr/>
+            </a:pPr>
+            <a:r>
+              <a:rPr lang="en-US" altLang="ko-KR" i="1">
+                <a:effectLst/>
+              </a:rPr>
+              <a:t>Dense</a:t>
+            </a:r>
+            <a:endParaRPr lang="en-US" altLang="ko-KR" i="1">
+              <a:effectLst/>
+            </a:endParaRPr>
+          </a:p>
+        </p:txBody>
+      </p:sp>
+      <p:sp>
+        <p:nvSpPr>
+          <p:cNvPr id="41" name="모서리가 둥근 직사각형 40"/>
+          <p:cNvSpPr/>
+          <p:nvPr/>
+        </p:nvSpPr>
+        <p:spPr>
+          <a:xfrm>
+            <a:off x="2273280" y="3434218"/>
+            <a:ext cx="1000684" cy="357135"/>
+          </a:xfrm>
+          <a:prstGeom prst="roundRect">
+            <a:avLst>
+              <a:gd name="adj" fmla="val 16667"/>
+            </a:avLst>
+          </a:prstGeom>
+          <a:solidFill>
+            <a:schemeClr val="accent1"/>
+          </a:solidFill>
+          <a:scene3d>
+            <a:camera prst="orthographicFront"/>
+            <a:lightRig rig="threePt" dir="t"/>
+          </a:scene3d>
+          <a:sp3d>
+            <a:bevelT/>
+          </a:sp3d>
+        </p:spPr>
+        <p:style>
+          <a:lnRef idx="2">
+            <a:schemeClr val="accent3">
+              <a:shade val="20000"/>
+            </a:schemeClr>
+          </a:lnRef>
+          <a:fillRef idx="1">
+            <a:schemeClr val="accent3"/>
+          </a:fillRef>
+          <a:effectRef idx="0">
+            <a:schemeClr val="accent3"/>
+          </a:effectRef>
+          <a:fontRef idx="minor">
+            <a:schemeClr val="lt1"/>
+          </a:fontRef>
+        </p:style>
+        <p:txBody>
+          <a:bodyPr wrap="square" anchor="ctr">
+            <a:normAutofit fontScale="92500" lnSpcReduction="10000"/>
+          </a:bodyPr>
+          <a:p>
+            <a:pPr lvl="0" algn="ctr">
+              <a:defRPr/>
+            </a:pPr>
+            <a:r>
+              <a:rPr lang="en-US" altLang="ko-KR" i="1">
+                <a:effectLst/>
+              </a:rPr>
+              <a:t>Dense</a:t>
+            </a:r>
+            <a:endParaRPr lang="en-US" altLang="ko-KR" i="1">
+              <a:effectLst/>
+            </a:endParaRPr>
+          </a:p>
+        </p:txBody>
+      </p:sp>
+      <p:sp>
+        <p:nvSpPr>
+          <p:cNvPr id="42" name="모서리가 둥근 직사각형 41"/>
+          <p:cNvSpPr/>
+          <p:nvPr/>
+        </p:nvSpPr>
+        <p:spPr>
+          <a:xfrm>
+            <a:off x="3676030" y="3433950"/>
+            <a:ext cx="1000684" cy="357135"/>
+          </a:xfrm>
+          <a:prstGeom prst="roundRect">
+            <a:avLst>
+              <a:gd name="adj" fmla="val 16667"/>
+            </a:avLst>
+          </a:prstGeom>
+          <a:solidFill>
+            <a:schemeClr val="accent1"/>
+          </a:solidFill>
+          <a:scene3d>
+            <a:camera prst="orthographicFront"/>
+            <a:lightRig rig="threePt" dir="t"/>
+          </a:scene3d>
+          <a:sp3d>
+            <a:bevelT/>
+          </a:sp3d>
+        </p:spPr>
+        <p:style>
+          <a:lnRef idx="2">
+            <a:schemeClr val="accent3">
+              <a:shade val="20000"/>
+            </a:schemeClr>
+          </a:lnRef>
+          <a:fillRef idx="1">
+            <a:schemeClr val="accent3"/>
+          </a:fillRef>
+          <a:effectRef idx="0">
+            <a:schemeClr val="accent3"/>
+          </a:effectRef>
+          <a:fontRef idx="minor">
+            <a:schemeClr val="lt1"/>
+          </a:fontRef>
+        </p:style>
+        <p:txBody>
+          <a:bodyPr wrap="square" anchor="ctr">
+            <a:normAutofit fontScale="92500" lnSpcReduction="10000"/>
+          </a:bodyPr>
+          <a:p>
+            <a:pPr lvl="0" algn="ctr">
+              <a:defRPr/>
+            </a:pPr>
+            <a:r>
+              <a:rPr lang="en-US" altLang="ko-KR" i="1">
+                <a:effectLst/>
+              </a:rPr>
+              <a:t>Dense</a:t>
+            </a:r>
+            <a:endParaRPr lang="en-US" altLang="ko-KR" i="1">
+              <a:effectLst/>
+            </a:endParaRPr>
+          </a:p>
+        </p:txBody>
+      </p:sp>
+      <p:sp>
+        <p:nvSpPr>
+          <p:cNvPr id="43" name="모서리가 둥근 직사각형 42"/>
+          <p:cNvSpPr/>
+          <p:nvPr/>
+        </p:nvSpPr>
+        <p:spPr>
+          <a:xfrm>
+            <a:off x="870529" y="3057456"/>
+            <a:ext cx="1000684" cy="357135"/>
+          </a:xfrm>
+          <a:prstGeom prst="roundRect">
+            <a:avLst>
+              <a:gd name="adj" fmla="val 16667"/>
+            </a:avLst>
+          </a:prstGeom>
+          <a:solidFill>
+            <a:schemeClr val="accent1"/>
+          </a:solidFill>
+          <a:scene3d>
+            <a:camera prst="orthographicFront"/>
+            <a:lightRig rig="threePt" dir="t"/>
+          </a:scene3d>
+          <a:sp3d>
+            <a:bevelT/>
+          </a:sp3d>
+        </p:spPr>
+        <p:style>
+          <a:lnRef idx="2">
+            <a:schemeClr val="accent3">
+              <a:shade val="20000"/>
+            </a:schemeClr>
+          </a:lnRef>
+          <a:fillRef idx="1">
+            <a:schemeClr val="accent3"/>
+          </a:fillRef>
+          <a:effectRef idx="0">
+            <a:schemeClr val="accent3"/>
+          </a:effectRef>
+          <a:fontRef idx="minor">
+            <a:schemeClr val="lt1"/>
+          </a:fontRef>
+        </p:style>
+        <p:txBody>
+          <a:bodyPr wrap="square" anchor="ctr">
+            <a:normAutofit fontScale="92500" lnSpcReduction="10000"/>
+          </a:bodyPr>
+          <a:p>
+            <a:pPr lvl="0" algn="ctr">
+              <a:defRPr/>
+            </a:pPr>
+            <a:r>
+              <a:rPr lang="en-US" altLang="ko-KR" i="1">
+                <a:effectLst/>
+              </a:rPr>
+              <a:t>Softmax</a:t>
+            </a:r>
+            <a:endParaRPr lang="en-US" altLang="ko-KR" i="1">
+              <a:effectLst/>
+            </a:endParaRPr>
+          </a:p>
+        </p:txBody>
+      </p:sp>
+      <p:sp>
+        <p:nvSpPr>
+          <p:cNvPr id="44" name="모서리가 둥근 직사각형 43"/>
+          <p:cNvSpPr/>
+          <p:nvPr/>
+        </p:nvSpPr>
+        <p:spPr>
+          <a:xfrm>
+            <a:off x="2274042" y="3047745"/>
+            <a:ext cx="1000684" cy="357135"/>
+          </a:xfrm>
+          <a:prstGeom prst="roundRect">
+            <a:avLst>
+              <a:gd name="adj" fmla="val 16667"/>
+            </a:avLst>
+          </a:prstGeom>
+          <a:solidFill>
+            <a:schemeClr val="accent1"/>
+          </a:solidFill>
+          <a:scene3d>
+            <a:camera prst="orthographicFront"/>
+            <a:lightRig rig="threePt" dir="t"/>
+          </a:scene3d>
+          <a:sp3d>
+            <a:bevelT/>
+          </a:sp3d>
+        </p:spPr>
+        <p:style>
+          <a:lnRef idx="2">
+            <a:schemeClr val="accent3">
+              <a:shade val="20000"/>
+            </a:schemeClr>
+          </a:lnRef>
+          <a:fillRef idx="1">
+            <a:schemeClr val="accent3"/>
+          </a:fillRef>
+          <a:effectRef idx="0">
+            <a:schemeClr val="accent3"/>
+          </a:effectRef>
+          <a:fontRef idx="minor">
+            <a:schemeClr val="lt1"/>
+          </a:fontRef>
+        </p:style>
+        <p:txBody>
+          <a:bodyPr wrap="square" anchor="ctr">
+            <a:normAutofit fontScale="92500" lnSpcReduction="10000"/>
+          </a:bodyPr>
+          <a:p>
+            <a:pPr lvl="0" algn="ctr">
+              <a:defRPr/>
+            </a:pPr>
+            <a:r>
+              <a:rPr lang="en-US" altLang="ko-KR" i="1">
+                <a:effectLst/>
+              </a:rPr>
+              <a:t>Softmax</a:t>
+            </a:r>
+            <a:endParaRPr lang="en-US" altLang="ko-KR" i="1">
+              <a:effectLst/>
+            </a:endParaRPr>
+          </a:p>
+        </p:txBody>
+      </p:sp>
+      <p:sp>
+        <p:nvSpPr>
+          <p:cNvPr id="45" name="모서리가 둥근 직사각형 44"/>
+          <p:cNvSpPr/>
+          <p:nvPr/>
+        </p:nvSpPr>
+        <p:spPr>
+          <a:xfrm>
+            <a:off x="3668029" y="3043693"/>
+            <a:ext cx="1000684" cy="357135"/>
+          </a:xfrm>
+          <a:prstGeom prst="roundRect">
+            <a:avLst>
+              <a:gd name="adj" fmla="val 16667"/>
+            </a:avLst>
+          </a:prstGeom>
+          <a:solidFill>
+            <a:schemeClr val="accent1"/>
+          </a:solidFill>
+          <a:scene3d>
+            <a:camera prst="orthographicFront"/>
+            <a:lightRig rig="threePt" dir="t"/>
+          </a:scene3d>
+          <a:sp3d>
+            <a:bevelT/>
+          </a:sp3d>
+        </p:spPr>
+        <p:style>
+          <a:lnRef idx="2">
+            <a:schemeClr val="accent3">
+              <a:shade val="20000"/>
+            </a:schemeClr>
+          </a:lnRef>
+          <a:fillRef idx="1">
+            <a:schemeClr val="accent3"/>
+          </a:fillRef>
+          <a:effectRef idx="0">
+            <a:schemeClr val="accent3"/>
+          </a:effectRef>
+          <a:fontRef idx="minor">
+            <a:schemeClr val="lt1"/>
+          </a:fontRef>
+        </p:style>
+        <p:txBody>
+          <a:bodyPr wrap="square" anchor="ctr">
+            <a:normAutofit fontScale="92500" lnSpcReduction="10000"/>
+          </a:bodyPr>
+          <a:p>
+            <a:pPr lvl="0" algn="ctr">
+              <a:defRPr/>
+            </a:pPr>
+            <a:r>
+              <a:rPr lang="en-US" altLang="ko-KR" i="1">
+                <a:effectLst/>
+              </a:rPr>
+              <a:t>Softmax</a:t>
+            </a:r>
+            <a:endParaRPr lang="en-US" altLang="ko-KR" i="1">
+              <a:effectLst/>
+            </a:endParaRPr>
+          </a:p>
+        </p:txBody>
+      </p:sp>
+      <p:cxnSp>
+        <p:nvCxnSpPr>
+          <p:cNvPr id="46" name="화살표 45"/>
+          <p:cNvCxnSpPr/>
+          <p:nvPr/>
+        </p:nvCxnSpPr>
+        <p:spPr>
+          <a:xfrm rot="5400000" flipH="1" flipV="1">
+            <a:off x="1218083" y="2876347"/>
+            <a:ext cx="303554" cy="360"/>
+          </a:xfrm>
+          <a:prstGeom prst="straightConnector1">
+            <a:avLst/>
+          </a:prstGeom>
+          <a:ln w="28575">
+            <a:solidFill>
+              <a:schemeClr val="dk1"/>
+            </a:solidFill>
+            <a:tailEnd type="arrow"/>
+          </a:ln>
+        </p:spPr>
+        <p:style>
+          <a:lnRef idx="1">
+            <a:schemeClr val="accent1"/>
+          </a:lnRef>
+          <a:fillRef idx="0">
+            <a:schemeClr val="accent1"/>
+          </a:fillRef>
+          <a:effectRef idx="0">
+            <a:schemeClr val="accent1"/>
+          </a:effectRef>
+          <a:fontRef idx="minor">
+            <a:schemeClr val="tx1"/>
+          </a:fontRef>
+        </p:style>
+      </p:cxnSp>
+      <p:cxnSp>
+        <p:nvCxnSpPr>
+          <p:cNvPr id="47" name="화살표 46"/>
+          <p:cNvCxnSpPr/>
+          <p:nvPr/>
+        </p:nvCxnSpPr>
+        <p:spPr>
+          <a:xfrm rot="5400000" flipH="1" flipV="1">
+            <a:off x="2613193" y="2876347"/>
+            <a:ext cx="303554" cy="360"/>
+          </a:xfrm>
+          <a:prstGeom prst="straightConnector1">
+            <a:avLst/>
+          </a:prstGeom>
+          <a:ln w="28575">
+            <a:solidFill>
+              <a:schemeClr val="dk1"/>
+            </a:solidFill>
+            <a:tailEnd type="arrow"/>
+          </a:ln>
+        </p:spPr>
+        <p:style>
+          <a:lnRef idx="1">
+            <a:schemeClr val="accent1"/>
+          </a:lnRef>
+          <a:fillRef idx="0">
+            <a:schemeClr val="accent1"/>
+          </a:fillRef>
+          <a:effectRef idx="0">
+            <a:schemeClr val="accent1"/>
+          </a:effectRef>
+          <a:fontRef idx="minor">
+            <a:schemeClr val="tx1"/>
+          </a:fontRef>
+        </p:style>
+      </p:cxnSp>
+      <p:cxnSp>
+        <p:nvCxnSpPr>
+          <p:cNvPr id="48" name="화살표 47"/>
+          <p:cNvCxnSpPr/>
+          <p:nvPr/>
+        </p:nvCxnSpPr>
+        <p:spPr>
+          <a:xfrm rot="5400000" flipH="1" flipV="1">
+            <a:off x="4008304" y="2876347"/>
+            <a:ext cx="303554" cy="360"/>
+          </a:xfrm>
+          <a:prstGeom prst="straightConnector1">
+            <a:avLst/>
+          </a:prstGeom>
+          <a:ln w="28575">
+            <a:solidFill>
+              <a:schemeClr val="dk1"/>
+            </a:solidFill>
+            <a:tailEnd type="arrow"/>
+          </a:ln>
+        </p:spPr>
+        <p:style>
+          <a:lnRef idx="1">
+            <a:schemeClr val="accent1"/>
+          </a:lnRef>
+          <a:fillRef idx="0">
+            <a:schemeClr val="accent1"/>
+          </a:fillRef>
+          <a:effectRef idx="0">
+            <a:schemeClr val="accent1"/>
+          </a:effectRef>
+          <a:fontRef idx="minor">
+            <a:schemeClr val="tx1"/>
+          </a:fontRef>
+        </p:style>
+      </p:cxnSp>
+    </p:spTree>
+    <p:extLst>
+      <p:ext uri="{BB962C8B-B14F-4D97-AF65-F5344CB8AC3E}">
+        <p14:creationId xmlns:p14="http://schemas.microsoft.com/office/powerpoint/2010/main" val="2109038036"/>
       </p:ext>
     </p:extLst>
   </p:cSld>

--- a/Project2_Review/Figure만들기.pptx
+++ b/Project2_Review/Figure만들기.pptx
@@ -14,6 +14,8 @@
     <p:sldId id="260" r:id="rId6"/>
     <p:sldId id="258" r:id="rId7"/>
     <p:sldId id="261" r:id="rId8"/>
+    <p:sldId id="262" r:id="rId9"/>
+    <p:sldId id="263" r:id="rId10"/>
   </p:sldIdLst>
   <p:sldSz cx="12192000" cy="6858000"/>
   <p:notesSz cx="6858000" cy="9144000"/>
@@ -4159,7 +4161,7 @@
         </p:nvSpPr>
         <p:spPr>
           <a:xfrm>
-            <a:off x="7196129" y="3456873"/>
+            <a:off x="7185041" y="2180524"/>
             <a:ext cx="4995871" cy="2518063"/>
           </a:xfrm>
           <a:prstGeom prst="roundRect">
@@ -4212,7 +4214,7 @@
         </p:nvSpPr>
         <p:spPr>
           <a:xfrm>
-            <a:off x="19737" y="3446317"/>
+            <a:off x="8649" y="2169968"/>
             <a:ext cx="5888181" cy="2518063"/>
           </a:xfrm>
           <a:prstGeom prst="roundRect">
@@ -4265,7 +4267,7 @@
         </p:nvSpPr>
         <p:spPr>
           <a:xfrm>
-            <a:off x="307991" y="4052453"/>
+            <a:off x="296903" y="2776104"/>
             <a:ext cx="1000684" cy="703499"/>
           </a:xfrm>
           <a:prstGeom prst="roundRect">
@@ -4328,7 +4330,7 @@
         </p:nvSpPr>
         <p:spPr>
           <a:xfrm>
-            <a:off x="1716266" y="4052453"/>
+            <a:off x="1705178" y="2776104"/>
             <a:ext cx="1000684" cy="703499"/>
           </a:xfrm>
           <a:prstGeom prst="roundRect">
@@ -4391,7 +4393,7 @@
         </p:nvSpPr>
         <p:spPr>
           <a:xfrm>
-            <a:off x="3098211" y="4052453"/>
+            <a:off x="3087123" y="2776104"/>
             <a:ext cx="1000684" cy="703499"/>
           </a:xfrm>
           <a:prstGeom prst="roundRect">
@@ -4454,7 +4456,7 @@
         </p:nvSpPr>
         <p:spPr>
           <a:xfrm>
-            <a:off x="136541" y="5059507"/>
+            <a:off x="125453" y="3783158"/>
             <a:ext cx="1290204" cy="390525"/>
           </a:xfrm>
           <a:prstGeom prst="roundRect">
@@ -4504,7 +4506,7 @@
         </p:nvSpPr>
         <p:spPr>
           <a:xfrm>
-            <a:off x="1558161" y="5059507"/>
+            <a:off x="1547073" y="3783158"/>
             <a:ext cx="1290204" cy="390525"/>
           </a:xfrm>
           <a:prstGeom prst="roundRect">
@@ -4554,7 +4556,7 @@
         </p:nvSpPr>
         <p:spPr>
           <a:xfrm>
-            <a:off x="2979781" y="5059507"/>
+            <a:off x="2968693" y="3783158"/>
             <a:ext cx="1290204" cy="390525"/>
           </a:xfrm>
           <a:prstGeom prst="roundRect">
@@ -4606,7 +4608,7 @@
         </p:nvCxnSpPr>
         <p:spPr>
           <a:xfrm rot="5400000" flipH="1" flipV="1">
-            <a:off x="656376" y="4907550"/>
+            <a:off x="645288" y="3631201"/>
             <a:ext cx="303554" cy="360"/>
           </a:xfrm>
           <a:prstGeom prst="straightConnector1">
@@ -4642,7 +4644,7 @@
         </p:nvCxnSpPr>
         <p:spPr>
           <a:xfrm rot="5400000" flipH="1" flipV="1">
-            <a:off x="2051486" y="4907550"/>
+            <a:off x="2040398" y="3631201"/>
             <a:ext cx="303554" cy="360"/>
           </a:xfrm>
           <a:prstGeom prst="straightConnector1">
@@ -4678,7 +4680,7 @@
         </p:nvCxnSpPr>
         <p:spPr>
           <a:xfrm rot="5400000" flipH="1" flipV="1">
-            <a:off x="3446596" y="4907550"/>
+            <a:off x="3435508" y="3631201"/>
             <a:ext cx="303554" cy="360"/>
           </a:xfrm>
           <a:prstGeom prst="straightConnector1">
@@ -4714,7 +4716,7 @@
         </p:nvSpPr>
         <p:spPr>
           <a:xfrm>
-            <a:off x="4499206" y="4052453"/>
+            <a:off x="4488118" y="2776104"/>
             <a:ext cx="1000684" cy="703499"/>
           </a:xfrm>
           <a:prstGeom prst="roundRect">
@@ -4777,7 +4779,7 @@
         </p:nvSpPr>
         <p:spPr>
           <a:xfrm>
-            <a:off x="4389170" y="5059506"/>
+            <a:off x="4378082" y="3783157"/>
             <a:ext cx="1290204" cy="390525"/>
           </a:xfrm>
           <a:prstGeom prst="roundRect">
@@ -4827,7 +4829,7 @@
         </p:nvCxnSpPr>
         <p:spPr>
           <a:xfrm rot="5400000" flipH="1" flipV="1">
-            <a:off x="4872090" y="4907549"/>
+            <a:off x="4861002" y="3631200"/>
             <a:ext cx="303554" cy="360"/>
           </a:xfrm>
           <a:prstGeom prst="straightConnector1">
@@ -4863,7 +4865,7 @@
         </p:nvSpPr>
         <p:spPr>
           <a:xfrm>
-            <a:off x="346710" y="6267936"/>
+            <a:off x="335622" y="4991587"/>
             <a:ext cx="868680" cy="359558"/>
           </a:xfrm>
           <a:prstGeom prst="rect">
@@ -4898,7 +4900,7 @@
         </p:nvSpPr>
         <p:spPr>
           <a:xfrm>
-            <a:off x="1851660" y="6267936"/>
+            <a:off x="1840572" y="4991587"/>
             <a:ext cx="678180" cy="359558"/>
           </a:xfrm>
           <a:prstGeom prst="rect">
@@ -4929,7 +4931,7 @@
         </p:nvSpPr>
         <p:spPr>
           <a:xfrm>
-            <a:off x="3251835" y="6267936"/>
+            <a:off x="3240747" y="4991587"/>
             <a:ext cx="678180" cy="359558"/>
           </a:xfrm>
           <a:prstGeom prst="rect">
@@ -4960,7 +4962,7 @@
         </p:nvSpPr>
         <p:spPr>
           <a:xfrm>
-            <a:off x="4613909" y="6267935"/>
+            <a:off x="4602821" y="4991586"/>
             <a:ext cx="811530" cy="359559"/>
           </a:xfrm>
           <a:prstGeom prst="rect">
@@ -4991,7 +4993,7 @@
         </p:nvCxnSpPr>
         <p:spPr>
           <a:xfrm rot="16200000" flipV="1">
-            <a:off x="382395" y="5858805"/>
+            <a:off x="371307" y="4582456"/>
             <a:ext cx="817906" cy="360"/>
           </a:xfrm>
           <a:prstGeom prst="straightConnector1">
@@ -5029,7 +5031,7 @@
         </p:nvCxnSpPr>
         <p:spPr>
           <a:xfrm>
-            <a:off x="5499890" y="4404203"/>
+            <a:off x="5488802" y="3127854"/>
             <a:ext cx="773727" cy="2"/>
           </a:xfrm>
           <a:prstGeom prst="straightConnector1">
@@ -5065,7 +5067,7 @@
         </p:nvSpPr>
         <p:spPr>
           <a:xfrm>
-            <a:off x="6278751" y="3286474"/>
+            <a:off x="6267663" y="2010125"/>
             <a:ext cx="510885" cy="2163559"/>
           </a:xfrm>
           <a:prstGeom prst="rect">
@@ -5106,7 +5108,7 @@
         </p:nvSpPr>
         <p:spPr>
           <a:xfrm>
-            <a:off x="6318885" y="3391249"/>
+            <a:off x="6307797" y="2114900"/>
             <a:ext cx="471274" cy="1968296"/>
           </a:xfrm>
           <a:prstGeom prst="rect">
@@ -5145,7 +5147,7 @@
         </p:nvSpPr>
         <p:spPr>
           <a:xfrm>
-            <a:off x="7546854" y="4052455"/>
+            <a:off x="7535766" y="2776106"/>
             <a:ext cx="1000684" cy="703499"/>
           </a:xfrm>
           <a:prstGeom prst="roundRect">
@@ -5208,7 +5210,7 @@
         </p:nvSpPr>
         <p:spPr>
           <a:xfrm>
-            <a:off x="8955129" y="4052455"/>
+            <a:off x="8944041" y="2776106"/>
             <a:ext cx="1000684" cy="703499"/>
           </a:xfrm>
           <a:prstGeom prst="roundRect">
@@ -5271,7 +5273,7 @@
         </p:nvSpPr>
         <p:spPr>
           <a:xfrm>
-            <a:off x="10337074" y="4052455"/>
+            <a:off x="10325986" y="2776106"/>
             <a:ext cx="1000684" cy="703499"/>
           </a:xfrm>
           <a:prstGeom prst="roundRect">
@@ -5334,7 +5336,7 @@
         </p:nvCxnSpPr>
         <p:spPr>
           <a:xfrm>
-            <a:off x="6839944" y="4420120"/>
+            <a:off x="6828856" y="3143771"/>
             <a:ext cx="692241" cy="2"/>
           </a:xfrm>
           <a:prstGeom prst="straightConnector1">
@@ -5370,7 +5372,7 @@
         </p:nvCxnSpPr>
         <p:spPr>
           <a:xfrm>
-            <a:off x="4113555" y="4404205"/>
+            <a:off x="4102467" y="3127856"/>
             <a:ext cx="341515" cy="0"/>
           </a:xfrm>
           <a:prstGeom prst="straightConnector1">
@@ -5406,7 +5408,7 @@
         </p:nvCxnSpPr>
         <p:spPr>
           <a:xfrm>
-            <a:off x="2749988" y="4404204"/>
+            <a:off x="2738900" y="3127855"/>
             <a:ext cx="341515" cy="0"/>
           </a:xfrm>
           <a:prstGeom prst="straightConnector1">
@@ -5442,7 +5444,7 @@
         </p:nvCxnSpPr>
         <p:spPr>
           <a:xfrm>
-            <a:off x="1341713" y="4404204"/>
+            <a:off x="1330625" y="3127855"/>
             <a:ext cx="341515" cy="0"/>
           </a:xfrm>
           <a:prstGeom prst="straightConnector1">
@@ -5478,7 +5480,7 @@
         </p:nvSpPr>
         <p:spPr>
           <a:xfrm>
-            <a:off x="7402094" y="5060028"/>
+            <a:off x="7391006" y="3783679"/>
             <a:ext cx="1290204" cy="390525"/>
           </a:xfrm>
           <a:prstGeom prst="roundRect">
@@ -5528,7 +5530,7 @@
         </p:nvSpPr>
         <p:spPr>
           <a:xfrm>
-            <a:off x="8823714" y="5060028"/>
+            <a:off x="8812626" y="3783679"/>
             <a:ext cx="1290204" cy="390525"/>
           </a:xfrm>
           <a:prstGeom prst="roundRect">
@@ -5578,7 +5580,7 @@
         </p:nvSpPr>
         <p:spPr>
           <a:xfrm>
-            <a:off x="10245335" y="5060028"/>
+            <a:off x="10234247" y="3783679"/>
             <a:ext cx="1290204" cy="390525"/>
           </a:xfrm>
           <a:prstGeom prst="roundRect">
@@ -5630,7 +5632,7 @@
         </p:nvCxnSpPr>
         <p:spPr>
           <a:xfrm rot="5400000" flipH="1" flipV="1">
-            <a:off x="7921929" y="4908071"/>
+            <a:off x="7910841" y="3631722"/>
             <a:ext cx="303554" cy="360"/>
           </a:xfrm>
           <a:prstGeom prst="straightConnector1">
@@ -5666,7 +5668,7 @@
         </p:nvCxnSpPr>
         <p:spPr>
           <a:xfrm rot="5400000" flipH="1" flipV="1">
-            <a:off x="9317039" y="4908071"/>
+            <a:off x="9305951" y="3631722"/>
             <a:ext cx="303554" cy="360"/>
           </a:xfrm>
           <a:prstGeom prst="straightConnector1">
@@ -5702,7 +5704,7 @@
         </p:nvCxnSpPr>
         <p:spPr>
           <a:xfrm rot="5400000" flipH="1" flipV="1">
-            <a:off x="10721674" y="4908071"/>
+            <a:off x="10710586" y="3631722"/>
             <a:ext cx="303554" cy="360"/>
           </a:xfrm>
           <a:prstGeom prst="straightConnector1">
@@ -5738,7 +5740,7 @@
         </p:nvSpPr>
         <p:spPr>
           <a:xfrm>
-            <a:off x="7604760" y="6268457"/>
+            <a:off x="7593672" y="4992108"/>
             <a:ext cx="868680" cy="359037"/>
           </a:xfrm>
           <a:prstGeom prst="rect">
@@ -5773,7 +5775,7 @@
         </p:nvSpPr>
         <p:spPr>
           <a:xfrm>
-            <a:off x="9109710" y="6268457"/>
+            <a:off x="9098622" y="4992108"/>
             <a:ext cx="678180" cy="359180"/>
           </a:xfrm>
           <a:prstGeom prst="rect">
@@ -5804,7 +5806,7 @@
         </p:nvSpPr>
         <p:spPr>
           <a:xfrm>
-            <a:off x="10370368" y="6268822"/>
+            <a:off x="10359280" y="4992473"/>
             <a:ext cx="1021080" cy="359037"/>
           </a:xfrm>
           <a:prstGeom prst="rect">
@@ -5835,7 +5837,7 @@
         </p:nvSpPr>
         <p:spPr>
           <a:xfrm>
-            <a:off x="7383043" y="2037209"/>
+            <a:off x="7371955" y="760860"/>
             <a:ext cx="1343851" cy="361186"/>
           </a:xfrm>
           <a:prstGeom prst="rect">
@@ -5870,7 +5872,7 @@
         </p:nvSpPr>
         <p:spPr>
           <a:xfrm>
-            <a:off x="8692298" y="2037209"/>
+            <a:off x="8681210" y="760860"/>
             <a:ext cx="1553037" cy="361186"/>
           </a:xfrm>
           <a:prstGeom prst="rect">
@@ -5901,7 +5903,7 @@
         </p:nvSpPr>
         <p:spPr>
           <a:xfrm>
-            <a:off x="10104393" y="2027684"/>
+            <a:off x="10093305" y="751335"/>
             <a:ext cx="1526395" cy="361186"/>
           </a:xfrm>
           <a:prstGeom prst="rect">
@@ -5932,7 +5934,7 @@
         </p:nvCxnSpPr>
         <p:spPr>
           <a:xfrm>
-            <a:off x="8575187" y="4404205"/>
+            <a:off x="8564099" y="3127856"/>
             <a:ext cx="341515" cy="0"/>
           </a:xfrm>
           <a:prstGeom prst="straightConnector1">
@@ -5968,7 +5970,7 @@
         </p:nvCxnSpPr>
         <p:spPr>
           <a:xfrm>
-            <a:off x="9984715" y="4404205"/>
+            <a:off x="9973627" y="3127856"/>
             <a:ext cx="341515" cy="0"/>
           </a:xfrm>
           <a:prstGeom prst="straightConnector1">
@@ -6004,7 +6006,7 @@
         </p:nvCxnSpPr>
         <p:spPr>
           <a:xfrm rot="16200000" flipV="1">
-            <a:off x="1794310" y="5858802"/>
+            <a:off x="1783222" y="4582453"/>
             <a:ext cx="817906" cy="360"/>
           </a:xfrm>
           <a:prstGeom prst="straightConnector1">
@@ -6040,7 +6042,7 @@
         </p:nvCxnSpPr>
         <p:spPr>
           <a:xfrm rot="16200000" flipV="1">
-            <a:off x="4598208" y="5858802"/>
+            <a:off x="4587120" y="4582453"/>
             <a:ext cx="817906" cy="360"/>
           </a:xfrm>
           <a:prstGeom prst="straightConnector1">
@@ -6076,7 +6078,7 @@
         </p:nvCxnSpPr>
         <p:spPr>
           <a:xfrm rot="16200000" flipV="1">
-            <a:off x="3181971" y="5859326"/>
+            <a:off x="3170883" y="4582977"/>
             <a:ext cx="817906" cy="360"/>
           </a:xfrm>
           <a:prstGeom prst="straightConnector1">
@@ -6112,7 +6114,7 @@
         </p:nvCxnSpPr>
         <p:spPr>
           <a:xfrm rot="16200000" flipV="1">
-            <a:off x="7653865" y="5859171"/>
+            <a:off x="7642777" y="4582822"/>
             <a:ext cx="817906" cy="360"/>
           </a:xfrm>
           <a:prstGeom prst="straightConnector1">
@@ -6148,7 +6150,7 @@
         </p:nvCxnSpPr>
         <p:spPr>
           <a:xfrm rot="16200000" flipV="1">
-            <a:off x="10457763" y="5859170"/>
+            <a:off x="10446675" y="4582821"/>
             <a:ext cx="817906" cy="360"/>
           </a:xfrm>
           <a:prstGeom prst="straightConnector1">
@@ -6184,7 +6186,7 @@
         </p:nvCxnSpPr>
         <p:spPr>
           <a:xfrm rot="16200000" flipV="1">
-            <a:off x="9041526" y="5859694"/>
+            <a:off x="9030438" y="4583345"/>
             <a:ext cx="817906" cy="360"/>
           </a:xfrm>
           <a:prstGeom prst="straightConnector1">
@@ -6220,7 +6222,7 @@
         </p:nvCxnSpPr>
         <p:spPr>
           <a:xfrm rot="16200000" flipV="1">
-            <a:off x="7650715" y="3626512"/>
+            <a:off x="7639627" y="2350163"/>
             <a:ext cx="817906" cy="360"/>
           </a:xfrm>
           <a:prstGeom prst="straightConnector1">
@@ -6256,7 +6258,7 @@
         </p:nvCxnSpPr>
         <p:spPr>
           <a:xfrm rot="16200000" flipV="1">
-            <a:off x="10445088" y="3626511"/>
+            <a:off x="10434000" y="2350162"/>
             <a:ext cx="817906" cy="360"/>
           </a:xfrm>
           <a:prstGeom prst="straightConnector1">
@@ -6292,7 +6294,7 @@
         </p:nvCxnSpPr>
         <p:spPr>
           <a:xfrm rot="16200000" flipV="1">
-            <a:off x="9047901" y="3627035"/>
+            <a:off x="9036813" y="2350686"/>
             <a:ext cx="817906" cy="360"/>
           </a:xfrm>
           <a:prstGeom prst="straightConnector1">
@@ -6328,7 +6330,7 @@
         </p:nvSpPr>
         <p:spPr>
           <a:xfrm>
-            <a:off x="127016" y="3535680"/>
+            <a:off x="115928" y="2259331"/>
             <a:ext cx="1343037" cy="377190"/>
           </a:xfrm>
           <a:prstGeom prst="rect">
@@ -6378,7 +6380,7 @@
         </p:nvSpPr>
         <p:spPr>
           <a:xfrm>
-            <a:off x="10823691" y="3554730"/>
+            <a:off x="10812603" y="2278381"/>
             <a:ext cx="1377834" cy="377190"/>
           </a:xfrm>
           <a:prstGeom prst="rect">
@@ -6421,7 +6423,7 @@
         </p:nvSpPr>
         <p:spPr>
           <a:xfrm>
-            <a:off x="1297407" y="4052455"/>
+            <a:off x="1286319" y="2776106"/>
             <a:ext cx="459105" cy="367665"/>
           </a:xfrm>
           <a:prstGeom prst="rect">
@@ -6460,7 +6462,7 @@
         </p:nvSpPr>
         <p:spPr>
           <a:xfrm>
-            <a:off x="2686431" y="4052455"/>
+            <a:off x="2675343" y="2776106"/>
             <a:ext cx="459105" cy="367665"/>
           </a:xfrm>
           <a:prstGeom prst="rect">
@@ -6499,7 +6501,7 @@
         </p:nvSpPr>
         <p:spPr>
           <a:xfrm>
-            <a:off x="4083635" y="4052455"/>
+            <a:off x="4072547" y="2776106"/>
             <a:ext cx="459105" cy="367665"/>
           </a:xfrm>
           <a:prstGeom prst="rect">
@@ -6538,7 +6540,7 @@
         </p:nvSpPr>
         <p:spPr>
           <a:xfrm>
-            <a:off x="5480840" y="4052455"/>
+            <a:off x="5469752" y="2776106"/>
             <a:ext cx="459105" cy="367665"/>
           </a:xfrm>
           <a:prstGeom prst="rect">
@@ -6577,7 +6579,7 @@
         </p:nvSpPr>
         <p:spPr>
           <a:xfrm>
-            <a:off x="8524317" y="4052456"/>
+            <a:off x="8513229" y="2776107"/>
             <a:ext cx="459105" cy="367665"/>
           </a:xfrm>
           <a:prstGeom prst="rect">
@@ -6616,7 +6618,7 @@
         </p:nvSpPr>
         <p:spPr>
           <a:xfrm>
-            <a:off x="9921521" y="4052457"/>
+            <a:off x="9910433" y="2776108"/>
             <a:ext cx="459105" cy="367665"/>
           </a:xfrm>
           <a:prstGeom prst="rect">
@@ -6655,7 +6657,7 @@
         </p:nvSpPr>
         <p:spPr>
           <a:xfrm>
-            <a:off x="7695992" y="3626692"/>
+            <a:off x="7684904" y="2350343"/>
             <a:ext cx="459105" cy="367665"/>
           </a:xfrm>
           <a:prstGeom prst="rect">
@@ -6694,7 +6696,7 @@
         </p:nvSpPr>
         <p:spPr>
           <a:xfrm>
-            <a:off x="9089730" y="3626692"/>
+            <a:off x="9078642" y="2350343"/>
             <a:ext cx="459105" cy="367665"/>
           </a:xfrm>
           <a:prstGeom prst="rect">
@@ -6733,7 +6735,7 @@
         </p:nvSpPr>
         <p:spPr>
           <a:xfrm>
-            <a:off x="10467642" y="3637120"/>
+            <a:off x="10456554" y="2360771"/>
             <a:ext cx="459105" cy="367665"/>
           </a:xfrm>
           <a:prstGeom prst="rect">
@@ -6772,7 +6774,7 @@
         </p:nvSpPr>
         <p:spPr>
           <a:xfrm>
-            <a:off x="6088505" y="5804450"/>
+            <a:off x="6077417" y="4528101"/>
             <a:ext cx="892968" cy="643890"/>
           </a:xfrm>
           <a:prstGeom prst="rect">
@@ -6814,7 +6816,7 @@
         </p:nvCxnSpPr>
         <p:spPr>
           <a:xfrm rot="16200000" flipV="1">
-            <a:off x="6357382" y="5626845"/>
+            <a:off x="6346294" y="4350496"/>
             <a:ext cx="354418" cy="794"/>
           </a:xfrm>
           <a:prstGeom prst="straightConnector1">
@@ -6851,7 +6853,7 @@
         </p:nvSpPr>
         <p:spPr>
           <a:xfrm>
-            <a:off x="7546853" y="2834695"/>
+            <a:off x="7535765" y="1558346"/>
             <a:ext cx="1000684" cy="357135"/>
           </a:xfrm>
           <a:prstGeom prst="roundRect">
@@ -6914,7 +6916,7 @@
         </p:nvSpPr>
         <p:spPr>
           <a:xfrm>
-            <a:off x="8949604" y="2834695"/>
+            <a:off x="8938516" y="1558346"/>
             <a:ext cx="1000684" cy="357135"/>
           </a:xfrm>
           <a:prstGeom prst="roundRect">
@@ -6977,7 +6979,7 @@
         </p:nvSpPr>
         <p:spPr>
           <a:xfrm>
-            <a:off x="10352354" y="2824902"/>
+            <a:off x="10341266" y="1548553"/>
             <a:ext cx="1000684" cy="357135"/>
           </a:xfrm>
           <a:prstGeom prst="roundRect">
@@ -7040,7 +7042,7 @@
         </p:nvSpPr>
         <p:spPr>
           <a:xfrm>
-            <a:off x="7546853" y="2457933"/>
+            <a:off x="7535765" y="1181584"/>
             <a:ext cx="1000685" cy="357135"/>
           </a:xfrm>
           <a:prstGeom prst="roundRect">
@@ -7103,7 +7105,7 @@
         </p:nvSpPr>
         <p:spPr>
           <a:xfrm>
-            <a:off x="8949351" y="2457027"/>
+            <a:off x="8938263" y="1180678"/>
             <a:ext cx="1000685" cy="357135"/>
           </a:xfrm>
           <a:prstGeom prst="roundRect">
@@ -7166,7 +7168,7 @@
         </p:nvSpPr>
         <p:spPr>
           <a:xfrm>
-            <a:off x="10342323" y="2458242"/>
+            <a:off x="10331235" y="1181893"/>
             <a:ext cx="1000685" cy="357135"/>
           </a:xfrm>
           <a:prstGeom prst="roundRect">
@@ -7218,6 +7220,83 @@
             <a:endParaRPr lang="en-US" altLang="ko-KR" i="1">
               <a:effectLst/>
             </a:endParaRPr>
+          </a:p>
+        </p:txBody>
+      </p:sp>
+      <p:sp>
+        <p:nvSpPr>
+          <p:cNvPr id="147" name="왼쪽 중괄호 146"/>
+          <p:cNvSpPr/>
+          <p:nvPr/>
+        </p:nvSpPr>
+        <p:spPr>
+          <a:xfrm rot="16208928">
+            <a:off x="9379510" y="3835405"/>
+            <a:ext cx="290450" cy="3572565"/>
+          </a:xfrm>
+          <a:prstGeom prst="leftBrace">
+            <a:avLst>
+              <a:gd name="adj1" fmla="val 8333"/>
+              <a:gd name="adj2" fmla="val 50000"/>
+            </a:avLst>
+          </a:prstGeom>
+        </p:spPr>
+        <p:style>
+          <a:lnRef idx="1">
+            <a:schemeClr val="accent1"/>
+          </a:lnRef>
+          <a:fillRef idx="0">
+            <a:schemeClr val="accent1"/>
+          </a:fillRef>
+          <a:effectRef idx="0">
+            <a:schemeClr val="accent1"/>
+          </a:effectRef>
+          <a:fontRef idx="minor">
+            <a:schemeClr val="tx1"/>
+          </a:fontRef>
+        </p:style>
+        <p:txBody>
+          <a:bodyPr/>
+          <a:p>
+            <a:pPr lvl="0">
+              <a:defRPr/>
+            </a:pPr>
+            <a:endParaRPr>
+              <a:solidFill>
+                <a:schemeClr val="tx1"/>
+              </a:solidFill>
+            </a:endParaRPr>
+          </a:p>
+        </p:txBody>
+      </p:sp>
+      <p:sp>
+        <p:nvSpPr>
+          <p:cNvPr id="148" name="가로 글상자 147"/>
+          <p:cNvSpPr txBox="1"/>
+          <p:nvPr/>
+        </p:nvSpPr>
+        <p:spPr>
+          <a:xfrm>
+            <a:off x="7684904" y="5787199"/>
+            <a:ext cx="3641766" cy="367665"/>
+          </a:xfrm>
+          <a:prstGeom prst="rect">
+            <a:avLst/>
+          </a:prstGeom>
+        </p:spPr>
+        <p:txBody>
+          <a:bodyPr vert="horz" wrap="square" anchor="ctr" anchorCtr="0">
+            <a:spAutoFit/>
+          </a:bodyPr>
+          <a:p>
+            <a:pPr lvl="0" algn="ctr">
+              <a:defRPr/>
+            </a:pPr>
+            <a:r>
+              <a:rPr lang="en-US" altLang="ko-KR" i="1"/>
+              <a:t>Teacher Forcing</a:t>
+            </a:r>
+            <a:endParaRPr lang="en-US" altLang="ko-KR" i="1"/>
           </a:p>
         </p:txBody>
       </p:sp>
@@ -13525,8 +13604,8 @@
         </p:nvSpPr>
         <p:spPr>
           <a:xfrm>
-            <a:off x="5393968" y="2297430"/>
-            <a:ext cx="1221123" cy="320040"/>
+            <a:off x="5393968" y="2287905"/>
+            <a:ext cx="1221123" cy="339090"/>
           </a:xfrm>
           <a:prstGeom prst="rect">
             <a:avLst/>
@@ -13541,10 +13620,10 @@
               <a:defRPr/>
             </a:pPr>
             <a:r>
-              <a:rPr lang="en-US" altLang="ko-KR" sz="1500" b="1"/>
+              <a:rPr lang="en-US" altLang="ko-KR" sz="1600" b="1"/>
               <a:t>dot-product</a:t>
             </a:r>
-            <a:endParaRPr lang="en-US" altLang="ko-KR" sz="1500" b="1"/>
+            <a:endParaRPr lang="en-US" altLang="ko-KR" sz="1600" b="1"/>
           </a:p>
         </p:txBody>
       </p:sp>
@@ -14190,6 +14269,566 @@
             <a:endParaRPr lang="en-US" altLang="ko-KR" i="1">
               <a:effectLst/>
             </a:endParaRPr>
+          </a:p>
+        </p:txBody>
+      </p:sp>
+      <p:sp>
+        <p:nvSpPr>
+          <p:cNvPr id="120" name="세로 글상자 108"/>
+          <p:cNvSpPr txBox="1"/>
+          <p:nvPr/>
+        </p:nvSpPr>
+        <p:spPr>
+          <a:xfrm>
+            <a:off x="4614267" y="3604917"/>
+            <a:ext cx="459105" cy="367665"/>
+          </a:xfrm>
+          <a:prstGeom prst="rect">
+            <a:avLst/>
+          </a:prstGeom>
+        </p:spPr>
+        <p:txBody>
+          <a:bodyPr vert="horz" wrap="square" anchor="ctr" anchorCtr="0">
+            <a:spAutoFit/>
+          </a:bodyPr>
+          <a:p>
+            <a:pPr lvl="0" algn="ctr">
+              <a:defRPr/>
+            </a:pPr>
+            <a:r>
+              <a:rPr lang="en-US" altLang="ko-KR" b="1">
+                <a:solidFill>
+                  <a:srgbClr val="ff0000"/>
+                </a:solidFill>
+              </a:rPr>
+              <a:t>h4</a:t>
+            </a:r>
+            <a:endParaRPr lang="en-US" altLang="ko-KR" b="1">
+              <a:solidFill>
+                <a:srgbClr val="ff0000"/>
+              </a:solidFill>
+            </a:endParaRPr>
+          </a:p>
+        </p:txBody>
+      </p:sp>
+      <p:sp>
+        <p:nvSpPr>
+          <p:cNvPr id="122" name="오른쪽 중괄호 121"/>
+          <p:cNvSpPr/>
+          <p:nvPr/>
+        </p:nvSpPr>
+        <p:spPr>
+          <a:xfrm>
+            <a:off x="5593166" y="390446"/>
+            <a:ext cx="250933" cy="1338223"/>
+          </a:xfrm>
+          <a:prstGeom prst="rightBrace">
+            <a:avLst>
+              <a:gd name="adj1" fmla="val 8333"/>
+              <a:gd name="adj2" fmla="val 50000"/>
+            </a:avLst>
+          </a:prstGeom>
+        </p:spPr>
+        <p:style>
+          <a:lnRef idx="1">
+            <a:schemeClr val="accent1"/>
+          </a:lnRef>
+          <a:fillRef idx="0">
+            <a:schemeClr val="accent1"/>
+          </a:fillRef>
+          <a:effectRef idx="0">
+            <a:schemeClr val="accent1"/>
+          </a:effectRef>
+          <a:fontRef idx="minor">
+            <a:schemeClr val="tx1"/>
+          </a:fontRef>
+        </p:style>
+        <p:txBody>
+          <a:bodyPr/>
+          <a:p>
+            <a:pPr lvl="0">
+              <a:defRPr/>
+            </a:pPr>
+            <a:endParaRPr>
+              <a:solidFill>
+                <a:schemeClr val="tx1"/>
+              </a:solidFill>
+            </a:endParaRPr>
+          </a:p>
+        </p:txBody>
+      </p:sp>
+      <p:sp>
+        <p:nvSpPr>
+          <p:cNvPr id="123" name="가로 글상자 122"/>
+          <p:cNvSpPr txBox="1"/>
+          <p:nvPr/>
+        </p:nvSpPr>
+        <p:spPr>
+          <a:xfrm>
+            <a:off x="5717474" y="879028"/>
+            <a:ext cx="1116966" cy="339090"/>
+          </a:xfrm>
+          <a:prstGeom prst="rect">
+            <a:avLst/>
+          </a:prstGeom>
+        </p:spPr>
+        <p:txBody>
+          <a:bodyPr vert="horz" wrap="square" anchor="ctr" anchorCtr="0">
+            <a:spAutoFit/>
+          </a:bodyPr>
+          <a:p>
+            <a:pPr lvl="0" algn="ctr">
+              <a:defRPr/>
+            </a:pPr>
+            <a:r>
+              <a:rPr lang="en-US" altLang="ko-KR" sz="1600" b="1"/>
+              <a:t>weights</a:t>
+            </a:r>
+            <a:endParaRPr lang="en-US" altLang="ko-KR" sz="1600" b="1"/>
+          </a:p>
+        </p:txBody>
+      </p:sp>
+      <p:sp>
+        <p:nvSpPr>
+          <p:cNvPr id="131" name="직사각형 130"/>
+          <p:cNvSpPr/>
+          <p:nvPr/>
+        </p:nvSpPr>
+        <p:spPr>
+          <a:xfrm>
+            <a:off x="7688961" y="391230"/>
+            <a:ext cx="306916" cy="1148796"/>
+          </a:xfrm>
+          <a:prstGeom prst="rect">
+            <a:avLst/>
+          </a:prstGeom>
+          <a:solidFill>
+            <a:schemeClr val="accent3"/>
+          </a:solidFill>
+        </p:spPr>
+        <p:style>
+          <a:lnRef idx="2">
+            <a:schemeClr val="accent3">
+              <a:shade val="20000"/>
+            </a:schemeClr>
+          </a:lnRef>
+          <a:fillRef idx="1">
+            <a:schemeClr val="accent3"/>
+          </a:fillRef>
+          <a:effectRef idx="0">
+            <a:schemeClr val="accent3"/>
+          </a:effectRef>
+          <a:fontRef idx="minor">
+            <a:schemeClr val="lt1"/>
+          </a:fontRef>
+        </p:style>
+        <p:txBody>
+          <a:bodyPr/>
+          <a:p>
+            <a:pPr lvl="0">
+              <a:defRPr/>
+            </a:pPr>
+            <a:endParaRPr/>
+          </a:p>
+        </p:txBody>
+      </p:sp>
+      <p:cxnSp>
+        <p:nvCxnSpPr>
+          <p:cNvPr id="132" name="선 131"/>
+          <p:cNvCxnSpPr>
+            <a:stCxn id="131" idx="1"/>
+            <a:endCxn id="131" idx="3"/>
+          </p:cNvCxnSpPr>
+          <p:nvPr/>
+        </p:nvCxnSpPr>
+        <p:spPr>
+          <a:xfrm>
+            <a:off x="7688961" y="965628"/>
+            <a:ext cx="306916" cy="0"/>
+          </a:xfrm>
+          <a:prstGeom prst="line">
+            <a:avLst/>
+          </a:prstGeom>
+          <a:ln>
+            <a:solidFill>
+              <a:schemeClr val="dk1"/>
+            </a:solidFill>
+          </a:ln>
+        </p:spPr>
+        <p:style>
+          <a:lnRef idx="1">
+            <a:schemeClr val="accent1"/>
+          </a:lnRef>
+          <a:fillRef idx="0">
+            <a:schemeClr val="accent1"/>
+          </a:fillRef>
+          <a:effectRef idx="0">
+            <a:schemeClr val="accent1"/>
+          </a:effectRef>
+          <a:fontRef idx="minor">
+            <a:schemeClr val="tx1"/>
+          </a:fontRef>
+        </p:style>
+      </p:cxnSp>
+      <p:cxnSp>
+        <p:nvCxnSpPr>
+          <p:cNvPr id="133" name="선 132"/>
+          <p:cNvCxnSpPr/>
+          <p:nvPr/>
+        </p:nvCxnSpPr>
+        <p:spPr>
+          <a:xfrm>
+            <a:off x="7689067" y="678429"/>
+            <a:ext cx="306916" cy="0"/>
+          </a:xfrm>
+          <a:prstGeom prst="line">
+            <a:avLst/>
+          </a:prstGeom>
+          <a:ln>
+            <a:solidFill>
+              <a:schemeClr val="dk1"/>
+            </a:solidFill>
+          </a:ln>
+        </p:spPr>
+        <p:style>
+          <a:lnRef idx="1">
+            <a:schemeClr val="accent1"/>
+          </a:lnRef>
+          <a:fillRef idx="0">
+            <a:schemeClr val="accent1"/>
+          </a:fillRef>
+          <a:effectRef idx="0">
+            <a:schemeClr val="accent1"/>
+          </a:effectRef>
+          <a:fontRef idx="minor">
+            <a:schemeClr val="tx1"/>
+          </a:fontRef>
+        </p:style>
+      </p:cxnSp>
+      <p:cxnSp>
+        <p:nvCxnSpPr>
+          <p:cNvPr id="134" name="선 133"/>
+          <p:cNvCxnSpPr/>
+          <p:nvPr/>
+        </p:nvCxnSpPr>
+        <p:spPr>
+          <a:xfrm>
+            <a:off x="7689067" y="1252827"/>
+            <a:ext cx="306916" cy="0"/>
+          </a:xfrm>
+          <a:prstGeom prst="line">
+            <a:avLst/>
+          </a:prstGeom>
+          <a:ln>
+            <a:solidFill>
+              <a:schemeClr val="dk1"/>
+            </a:solidFill>
+          </a:ln>
+        </p:spPr>
+        <p:style>
+          <a:lnRef idx="1">
+            <a:schemeClr val="accent1"/>
+          </a:lnRef>
+          <a:fillRef idx="0">
+            <a:schemeClr val="accent1"/>
+          </a:fillRef>
+          <a:effectRef idx="0">
+            <a:schemeClr val="accent1"/>
+          </a:effectRef>
+          <a:fontRef idx="minor">
+            <a:schemeClr val="tx1"/>
+          </a:fontRef>
+        </p:style>
+      </p:cxnSp>
+      <p:sp>
+        <p:nvSpPr>
+          <p:cNvPr id="135" name="세로 글상자 108"/>
+          <p:cNvSpPr txBox="1"/>
+          <p:nvPr/>
+        </p:nvSpPr>
+        <p:spPr>
+          <a:xfrm>
+            <a:off x="7607422" y="23565"/>
+            <a:ext cx="459105" cy="367665"/>
+          </a:xfrm>
+          <a:prstGeom prst="rect">
+            <a:avLst/>
+          </a:prstGeom>
+        </p:spPr>
+        <p:txBody>
+          <a:bodyPr vert="horz" wrap="square" anchor="ctr" anchorCtr="0">
+            <a:spAutoFit/>
+          </a:bodyPr>
+          <a:p>
+            <a:pPr lvl="0" algn="ctr">
+              <a:defRPr/>
+            </a:pPr>
+            <a:r>
+              <a:rPr lang="en-US" altLang="ko-KR" b="1">
+                <a:solidFill>
+                  <a:srgbClr val="ff0000"/>
+                </a:solidFill>
+              </a:rPr>
+              <a:t>s2</a:t>
+            </a:r>
+            <a:endParaRPr lang="en-US" altLang="ko-KR" b="1">
+              <a:solidFill>
+                <a:srgbClr val="ff0000"/>
+              </a:solidFill>
+            </a:endParaRPr>
+          </a:p>
+        </p:txBody>
+      </p:sp>
+      <p:sp>
+        <p:nvSpPr>
+          <p:cNvPr id="137" name="가로 글상자 136"/>
+          <p:cNvSpPr txBox="1"/>
+          <p:nvPr/>
+        </p:nvSpPr>
+        <p:spPr>
+          <a:xfrm>
+            <a:off x="7846550" y="805608"/>
+            <a:ext cx="1435576" cy="320040"/>
+          </a:xfrm>
+          <a:prstGeom prst="rect">
+            <a:avLst/>
+          </a:prstGeom>
+        </p:spPr>
+        <p:txBody>
+          <a:bodyPr vert="horz" wrap="square" anchor="ctr" anchorCtr="0">
+            <a:spAutoFit/>
+          </a:bodyPr>
+          <a:p>
+            <a:pPr lvl="0" algn="ctr">
+              <a:defRPr/>
+            </a:pPr>
+            <a:r>
+              <a:rPr lang="en-US" altLang="ko-KR" sz="1500" b="1"/>
+              <a:t>: my interest</a:t>
+            </a:r>
+            <a:endParaRPr lang="en-US" altLang="ko-KR" sz="1500" b="1"/>
+          </a:p>
+        </p:txBody>
+      </p:sp>
+      <p:sp>
+        <p:nvSpPr>
+          <p:cNvPr id="138" name="직사각형 137"/>
+          <p:cNvSpPr/>
+          <p:nvPr/>
+        </p:nvSpPr>
+        <p:spPr>
+          <a:xfrm>
+            <a:off x="9540501" y="391230"/>
+            <a:ext cx="306916" cy="1148796"/>
+          </a:xfrm>
+          <a:prstGeom prst="rect">
+            <a:avLst/>
+          </a:prstGeom>
+          <a:solidFill>
+            <a:schemeClr val="accent2"/>
+          </a:solidFill>
+        </p:spPr>
+        <p:style>
+          <a:lnRef idx="2">
+            <a:schemeClr val="accent3">
+              <a:shade val="20000"/>
+            </a:schemeClr>
+          </a:lnRef>
+          <a:fillRef idx="1">
+            <a:schemeClr val="accent3"/>
+          </a:fillRef>
+          <a:effectRef idx="0">
+            <a:schemeClr val="accent3"/>
+          </a:effectRef>
+          <a:fontRef idx="minor">
+            <a:schemeClr val="lt1"/>
+          </a:fontRef>
+        </p:style>
+        <p:txBody>
+          <a:bodyPr/>
+          <a:p>
+            <a:pPr lvl="0">
+              <a:defRPr/>
+            </a:pPr>
+            <a:endParaRPr/>
+          </a:p>
+        </p:txBody>
+      </p:sp>
+      <p:cxnSp>
+        <p:nvCxnSpPr>
+          <p:cNvPr id="139" name="선 138"/>
+          <p:cNvCxnSpPr>
+            <a:stCxn id="138" idx="1"/>
+            <a:endCxn id="138" idx="3"/>
+          </p:cNvCxnSpPr>
+          <p:nvPr/>
+        </p:nvCxnSpPr>
+        <p:spPr>
+          <a:xfrm>
+            <a:off x="9540501" y="965628"/>
+            <a:ext cx="306916" cy="0"/>
+          </a:xfrm>
+          <a:prstGeom prst="line">
+            <a:avLst/>
+          </a:prstGeom>
+          <a:ln>
+            <a:solidFill>
+              <a:schemeClr val="dk1"/>
+            </a:solidFill>
+          </a:ln>
+        </p:spPr>
+        <p:style>
+          <a:lnRef idx="1">
+            <a:schemeClr val="accent1"/>
+          </a:lnRef>
+          <a:fillRef idx="0">
+            <a:schemeClr val="accent1"/>
+          </a:fillRef>
+          <a:effectRef idx="0">
+            <a:schemeClr val="accent1"/>
+          </a:effectRef>
+          <a:fontRef idx="minor">
+            <a:schemeClr val="tx1"/>
+          </a:fontRef>
+        </p:style>
+      </p:cxnSp>
+      <p:cxnSp>
+        <p:nvCxnSpPr>
+          <p:cNvPr id="140" name="선 139"/>
+          <p:cNvCxnSpPr/>
+          <p:nvPr/>
+        </p:nvCxnSpPr>
+        <p:spPr>
+          <a:xfrm>
+            <a:off x="9540606" y="678429"/>
+            <a:ext cx="306916" cy="0"/>
+          </a:xfrm>
+          <a:prstGeom prst="line">
+            <a:avLst/>
+          </a:prstGeom>
+          <a:ln>
+            <a:solidFill>
+              <a:schemeClr val="dk1"/>
+            </a:solidFill>
+          </a:ln>
+        </p:spPr>
+        <p:style>
+          <a:lnRef idx="1">
+            <a:schemeClr val="accent1"/>
+          </a:lnRef>
+          <a:fillRef idx="0">
+            <a:schemeClr val="accent1"/>
+          </a:fillRef>
+          <a:effectRef idx="0">
+            <a:schemeClr val="accent1"/>
+          </a:effectRef>
+          <a:fontRef idx="minor">
+            <a:schemeClr val="tx1"/>
+          </a:fontRef>
+        </p:style>
+      </p:cxnSp>
+      <p:cxnSp>
+        <p:nvCxnSpPr>
+          <p:cNvPr id="141" name="선 140"/>
+          <p:cNvCxnSpPr/>
+          <p:nvPr/>
+        </p:nvCxnSpPr>
+        <p:spPr>
+          <a:xfrm>
+            <a:off x="9540606" y="1252827"/>
+            <a:ext cx="306916" cy="0"/>
+          </a:xfrm>
+          <a:prstGeom prst="line">
+            <a:avLst/>
+          </a:prstGeom>
+          <a:ln>
+            <a:solidFill>
+              <a:schemeClr val="dk1"/>
+            </a:solidFill>
+          </a:ln>
+        </p:spPr>
+        <p:style>
+          <a:lnRef idx="1">
+            <a:schemeClr val="accent1"/>
+          </a:lnRef>
+          <a:fillRef idx="0">
+            <a:schemeClr val="accent1"/>
+          </a:fillRef>
+          <a:effectRef idx="0">
+            <a:schemeClr val="accent1"/>
+          </a:effectRef>
+          <a:fontRef idx="minor">
+            <a:schemeClr val="tx1"/>
+          </a:fontRef>
+        </p:style>
+      </p:cxnSp>
+      <p:sp>
+        <p:nvSpPr>
+          <p:cNvPr id="142" name="세로 글상자 108"/>
+          <p:cNvSpPr txBox="1"/>
+          <p:nvPr/>
+        </p:nvSpPr>
+        <p:spPr>
+          <a:xfrm>
+            <a:off x="9459219" y="33090"/>
+            <a:ext cx="459105" cy="367665"/>
+          </a:xfrm>
+          <a:prstGeom prst="rect">
+            <a:avLst/>
+          </a:prstGeom>
+        </p:spPr>
+        <p:txBody>
+          <a:bodyPr vert="horz" wrap="square" anchor="ctr" anchorCtr="0">
+            <a:spAutoFit/>
+          </a:bodyPr>
+          <a:p>
+            <a:pPr lvl="0" algn="ctr">
+              <a:defRPr/>
+            </a:pPr>
+            <a:r>
+              <a:rPr lang="en-US" altLang="ko-KR" b="1">
+                <a:solidFill>
+                  <a:srgbClr val="ff0000"/>
+                </a:solidFill>
+              </a:rPr>
+              <a:t>h</a:t>
+            </a:r>
+            <a:endParaRPr lang="en-US" altLang="ko-KR" b="1">
+              <a:solidFill>
+                <a:srgbClr val="ff0000"/>
+              </a:solidFill>
+            </a:endParaRPr>
+          </a:p>
+        </p:txBody>
+      </p:sp>
+      <p:sp>
+        <p:nvSpPr>
+          <p:cNvPr id="143" name="가로 글상자 142"/>
+          <p:cNvSpPr txBox="1"/>
+          <p:nvPr/>
+        </p:nvSpPr>
+        <p:spPr>
+          <a:xfrm>
+            <a:off x="9711754" y="802005"/>
+            <a:ext cx="1435576" cy="320040"/>
+          </a:xfrm>
+          <a:prstGeom prst="rect">
+            <a:avLst/>
+          </a:prstGeom>
+        </p:spPr>
+        <p:txBody>
+          <a:bodyPr vert="horz" wrap="square" anchor="ctr" anchorCtr="0">
+            <a:spAutoFit/>
+          </a:bodyPr>
+          <a:p>
+            <a:pPr lvl="0" algn="ctr">
+              <a:defRPr/>
+            </a:pPr>
+            <a:r>
+              <a:rPr lang="en-US" altLang="ko-KR" sz="1500" b="1"/>
+              <a:t>: information</a:t>
+            </a:r>
+            <a:endParaRPr lang="en-US" altLang="ko-KR" sz="1500" b="1"/>
           </a:p>
         </p:txBody>
       </p:sp>
@@ -14225,14 +14864,14 @@
       </p:grpSpPr>
       <p:sp>
         <p:nvSpPr>
-          <p:cNvPr id="4" name="모서리가 둥근 직사각형 3"/>
+          <p:cNvPr id="127" name="모서리가 둥근 직사각형 126"/>
           <p:cNvSpPr/>
           <p:nvPr/>
         </p:nvSpPr>
         <p:spPr>
           <a:xfrm>
-            <a:off x="312085" y="5204836"/>
-            <a:ext cx="5542833" cy="397053"/>
+            <a:off x="4838603" y="147204"/>
+            <a:ext cx="1215653" cy="1710526"/>
           </a:xfrm>
           <a:prstGeom prst="roundRect">
             <a:avLst>
@@ -14240,69 +14879,11 @@
             </a:avLst>
           </a:prstGeom>
           <a:solidFill>
-            <a:schemeClr val="accent1"/>
+            <a:schemeClr val="lt1"/>
           </a:solidFill>
-          <a:scene3d>
-            <a:camera prst="orthographicFront"/>
-            <a:lightRig rig="threePt" dir="t"/>
-          </a:scene3d>
-          <a:sp3d>
-            <a:bevelT/>
-          </a:sp3d>
-        </p:spPr>
-        <p:style>
-          <a:lnRef idx="2">
-            <a:schemeClr val="accent3">
-              <a:shade val="20000"/>
-            </a:schemeClr>
-          </a:lnRef>
-          <a:fillRef idx="1">
-            <a:schemeClr val="accent3"/>
-          </a:fillRef>
-          <a:effectRef idx="0">
-            <a:schemeClr val="accent3"/>
-          </a:effectRef>
-          <a:fontRef idx="minor">
-            <a:schemeClr val="lt1"/>
-          </a:fontRef>
-        </p:style>
-        <p:txBody>
-          <a:bodyPr wrap="square" anchor="ctr">
-            <a:normAutofit lnSpcReduction="10000"/>
-          </a:bodyPr>
-          <a:p>
-            <a:pPr lvl="0" algn="ctr">
-              <a:defRPr/>
-            </a:pPr>
-            <a:r>
-              <a:rPr lang="en-US" altLang="ko-KR" i="1">
-                <a:effectLst/>
-              </a:rPr>
-              <a:t>Softmax</a:t>
-            </a:r>
-            <a:endParaRPr lang="en-US" altLang="ko-KR" i="1">
-              <a:effectLst/>
-            </a:endParaRPr>
-          </a:p>
-        </p:txBody>
-      </p:sp>
-      <p:sp>
-        <p:nvSpPr>
-          <p:cNvPr id="5" name="직사각형 4"/>
-          <p:cNvSpPr/>
-          <p:nvPr/>
-        </p:nvSpPr>
-        <p:spPr>
-          <a:xfrm>
-            <a:off x="3619654" y="4054475"/>
-            <a:ext cx="304195" cy="1140836"/>
-          </a:xfrm>
-          <a:prstGeom prst="rect">
-            <a:avLst/>
-          </a:prstGeom>
           <a:ln>
             <a:solidFill>
-              <a:schemeClr val="accent3">
+              <a:schemeClr val="accent1">
                 <a:shade val="20000"/>
               </a:schemeClr>
             </a:solidFill>
@@ -14311,15 +14892,15 @@
         </p:spPr>
         <p:style>
           <a:lnRef idx="2">
-            <a:schemeClr val="accent3">
+            <a:schemeClr val="accent1">
               <a:shade val="20000"/>
             </a:schemeClr>
           </a:lnRef>
           <a:fillRef idx="1">
-            <a:schemeClr val="accent3"/>
-          </a:fillRef>
-          <a:effectRef idx="0">
-            <a:schemeClr val="accent3"/>
+            <a:schemeClr val="accent1"/>
+          </a:fillRef>
+          <a:effectRef idx="0">
+            <a:schemeClr val="accent1"/>
           </a:effectRef>
           <a:fontRef idx="minor">
             <a:schemeClr val="lt1"/>
@@ -14337,21 +14918,26 @@
       </p:sp>
       <p:sp>
         <p:nvSpPr>
-          <p:cNvPr id="6" name="직사각형 5"/>
+          <p:cNvPr id="126" name="모서리가 둥근 직사각형 125"/>
           <p:cNvSpPr/>
           <p:nvPr/>
         </p:nvSpPr>
         <p:spPr>
           <a:xfrm>
-            <a:off x="2226890" y="4362878"/>
-            <a:ext cx="304195" cy="833919"/>
-          </a:xfrm>
-          <a:prstGeom prst="rect">
-            <a:avLst/>
-          </a:prstGeom>
+            <a:off x="3261824" y="147204"/>
+            <a:ext cx="1215653" cy="1710526"/>
+          </a:xfrm>
+          <a:prstGeom prst="roundRect">
+            <a:avLst>
+              <a:gd name="adj" fmla="val 16667"/>
+            </a:avLst>
+          </a:prstGeom>
+          <a:solidFill>
+            <a:schemeClr val="lt1"/>
+          </a:solidFill>
           <a:ln>
             <a:solidFill>
-              <a:schemeClr val="accent3">
+              <a:schemeClr val="accent1">
                 <a:shade val="20000"/>
               </a:schemeClr>
             </a:solidFill>
@@ -14360,15 +14946,15 @@
         </p:spPr>
         <p:style>
           <a:lnRef idx="2">
-            <a:schemeClr val="accent3">
+            <a:schemeClr val="accent1">
               <a:shade val="20000"/>
             </a:schemeClr>
           </a:lnRef>
           <a:fillRef idx="1">
-            <a:schemeClr val="accent3"/>
-          </a:fillRef>
-          <a:effectRef idx="0">
-            <a:schemeClr val="accent3"/>
+            <a:schemeClr val="accent1"/>
+          </a:fillRef>
+          <a:effectRef idx="0">
+            <a:schemeClr val="accent1"/>
           </a:effectRef>
           <a:fontRef idx="minor">
             <a:schemeClr val="lt1"/>
@@ -14386,21 +14972,26 @@
       </p:sp>
       <p:sp>
         <p:nvSpPr>
-          <p:cNvPr id="7" name="직사각형 6"/>
+          <p:cNvPr id="125" name="모서리가 둥근 직사각형 124"/>
           <p:cNvSpPr/>
           <p:nvPr/>
         </p:nvSpPr>
         <p:spPr>
           <a:xfrm>
-            <a:off x="824600" y="4789116"/>
-            <a:ext cx="304195" cy="403195"/>
-          </a:xfrm>
-          <a:prstGeom prst="rect">
-            <a:avLst/>
-          </a:prstGeom>
+            <a:off x="1689885" y="147204"/>
+            <a:ext cx="1215653" cy="1710526"/>
+          </a:xfrm>
+          <a:prstGeom prst="roundRect">
+            <a:avLst>
+              <a:gd name="adj" fmla="val 16667"/>
+            </a:avLst>
+          </a:prstGeom>
+          <a:solidFill>
+            <a:schemeClr val="lt1"/>
+          </a:solidFill>
           <a:ln>
             <a:solidFill>
-              <a:schemeClr val="accent3">
+              <a:schemeClr val="accent1">
                 <a:shade val="20000"/>
               </a:schemeClr>
             </a:solidFill>
@@ -14409,15 +15000,15 @@
         </p:spPr>
         <p:style>
           <a:lnRef idx="2">
-            <a:schemeClr val="accent3">
+            <a:schemeClr val="accent1">
               <a:shade val="20000"/>
             </a:schemeClr>
           </a:lnRef>
           <a:fillRef idx="1">
-            <a:schemeClr val="accent3"/>
-          </a:fillRef>
-          <a:effectRef idx="0">
-            <a:schemeClr val="accent3"/>
+            <a:schemeClr val="accent1"/>
+          </a:fillRef>
+          <a:effectRef idx="0">
+            <a:schemeClr val="accent1"/>
           </a:effectRef>
           <a:fontRef idx="minor">
             <a:schemeClr val="lt1"/>
@@ -14435,21 +15026,26 @@
       </p:sp>
       <p:sp>
         <p:nvSpPr>
-          <p:cNvPr id="8" name="직사각형 7"/>
+          <p:cNvPr id="124" name="모서리가 둥근 직사각형 123"/>
           <p:cNvSpPr/>
           <p:nvPr/>
         </p:nvSpPr>
         <p:spPr>
           <a:xfrm>
-            <a:off x="5012419" y="4558663"/>
-            <a:ext cx="304195" cy="643419"/>
-          </a:xfrm>
-          <a:prstGeom prst="rect">
-            <a:avLst/>
-          </a:prstGeom>
+            <a:off x="145473" y="147204"/>
+            <a:ext cx="1215653" cy="1710526"/>
+          </a:xfrm>
+          <a:prstGeom prst="roundRect">
+            <a:avLst>
+              <a:gd name="adj" fmla="val 16667"/>
+            </a:avLst>
+          </a:prstGeom>
+          <a:solidFill>
+            <a:schemeClr val="lt1"/>
+          </a:solidFill>
           <a:ln>
             <a:solidFill>
-              <a:schemeClr val="accent3">
+              <a:schemeClr val="accent1">
                 <a:shade val="20000"/>
               </a:schemeClr>
             </a:solidFill>
@@ -14458,15 +15054,15 @@
         </p:spPr>
         <p:style>
           <a:lnRef idx="2">
-            <a:schemeClr val="accent3">
+            <a:schemeClr val="accent1">
               <a:shade val="20000"/>
             </a:schemeClr>
           </a:lnRef>
           <a:fillRef idx="1">
-            <a:schemeClr val="accent3"/>
-          </a:fillRef>
-          <a:effectRef idx="0">
-            <a:schemeClr val="accent3"/>
+            <a:schemeClr val="accent1"/>
+          </a:fillRef>
+          <a:effectRef idx="0">
+            <a:schemeClr val="accent1"/>
           </a:effectRef>
           <a:fontRef idx="minor">
             <a:schemeClr val="lt1"/>
@@ -14484,137 +15080,13 @@
       </p:sp>
       <p:sp>
         <p:nvSpPr>
-          <p:cNvPr id="9" name="가로 글상자 8"/>
+          <p:cNvPr id="20" name="세로 글상자 108"/>
           <p:cNvSpPr txBox="1"/>
           <p:nvPr/>
         </p:nvSpPr>
         <p:spPr>
           <a:xfrm>
-            <a:off x="771737" y="4457045"/>
-            <a:ext cx="448022" cy="339090"/>
-          </a:xfrm>
-          <a:prstGeom prst="rect">
-            <a:avLst/>
-          </a:prstGeom>
-        </p:spPr>
-        <p:txBody>
-          <a:bodyPr vert="horz" wrap="square" anchor="ctr" anchorCtr="0">
-            <a:spAutoFit/>
-          </a:bodyPr>
-          <a:p>
-            <a:pPr lvl="0" algn="ctr">
-              <a:defRPr/>
-            </a:pPr>
-            <a:r>
-              <a:rPr lang="en-US" altLang="ko-KR" sz="1600" b="1"/>
-              <a:t>0.1</a:t>
-            </a:r>
-            <a:endParaRPr lang="en-US" altLang="ko-KR" sz="1600" b="1"/>
-          </a:p>
-        </p:txBody>
-      </p:sp>
-      <p:sp>
-        <p:nvSpPr>
-          <p:cNvPr id="10" name="가로 글상자 9"/>
-          <p:cNvSpPr txBox="1"/>
-          <p:nvPr/>
-        </p:nvSpPr>
-        <p:spPr>
-          <a:xfrm>
-            <a:off x="4978605" y="4216820"/>
-            <a:ext cx="448022" cy="339090"/>
-          </a:xfrm>
-          <a:prstGeom prst="rect">
-            <a:avLst/>
-          </a:prstGeom>
-        </p:spPr>
-        <p:txBody>
-          <a:bodyPr vert="horz" wrap="square" anchor="ctr" anchorCtr="0">
-            <a:spAutoFit/>
-          </a:bodyPr>
-          <a:p>
-            <a:pPr lvl="0" algn="ctr">
-              <a:defRPr/>
-            </a:pPr>
-            <a:r>
-              <a:rPr lang="en-US" altLang="ko-KR" sz="1600" b="1"/>
-              <a:t>0.2</a:t>
-            </a:r>
-            <a:endParaRPr lang="en-US" altLang="ko-KR" sz="1600" b="1"/>
-          </a:p>
-        </p:txBody>
-      </p:sp>
-      <p:sp>
-        <p:nvSpPr>
-          <p:cNvPr id="11" name="가로 글상자 10"/>
-          <p:cNvSpPr txBox="1"/>
-          <p:nvPr/>
-        </p:nvSpPr>
-        <p:spPr>
-          <a:xfrm>
-            <a:off x="2188098" y="4042838"/>
-            <a:ext cx="448022" cy="339090"/>
-          </a:xfrm>
-          <a:prstGeom prst="rect">
-            <a:avLst/>
-          </a:prstGeom>
-        </p:spPr>
-        <p:txBody>
-          <a:bodyPr vert="horz" wrap="square" anchor="ctr" anchorCtr="0">
-            <a:spAutoFit/>
-          </a:bodyPr>
-          <a:p>
-            <a:pPr lvl="0" algn="ctr">
-              <a:defRPr/>
-            </a:pPr>
-            <a:r>
-              <a:rPr lang="en-US" altLang="ko-KR" sz="1600" b="1"/>
-              <a:t>0.3</a:t>
-            </a:r>
-            <a:endParaRPr lang="en-US" altLang="ko-KR" sz="1600" b="1"/>
-          </a:p>
-        </p:txBody>
-      </p:sp>
-      <p:sp>
-        <p:nvSpPr>
-          <p:cNvPr id="12" name="가로 글상자 11"/>
-          <p:cNvSpPr txBox="1"/>
-          <p:nvPr/>
-        </p:nvSpPr>
-        <p:spPr>
-          <a:xfrm>
-            <a:off x="3576416" y="3724910"/>
-            <a:ext cx="448022" cy="339090"/>
-          </a:xfrm>
-          <a:prstGeom prst="rect">
-            <a:avLst/>
-          </a:prstGeom>
-        </p:spPr>
-        <p:txBody>
-          <a:bodyPr vert="horz" wrap="square" anchor="ctr" anchorCtr="0">
-            <a:spAutoFit/>
-          </a:bodyPr>
-          <a:p>
-            <a:pPr lvl="0" algn="ctr">
-              <a:defRPr/>
-            </a:pPr>
-            <a:r>
-              <a:rPr lang="en-US" altLang="ko-KR" sz="1600" b="1"/>
-              <a:t>0.4</a:t>
-            </a:r>
-            <a:endParaRPr lang="en-US" altLang="ko-KR" sz="1600" b="1"/>
-          </a:p>
-        </p:txBody>
-      </p:sp>
-      <p:sp>
-        <p:nvSpPr>
-          <p:cNvPr id="13" name="세로 글상자 108"/>
-          <p:cNvSpPr txBox="1"/>
-          <p:nvPr/>
-        </p:nvSpPr>
-        <p:spPr>
-          <a:xfrm>
-            <a:off x="766195" y="5675973"/>
+            <a:off x="236626" y="207086"/>
             <a:ext cx="459105" cy="367665"/>
           </a:xfrm>
           <a:prstGeom prst="rect">
@@ -14636,361 +15108,6 @@
                 </a:solidFill>
               </a:rPr>
               <a:t>h1</a:t>
-            </a:r>
-            <a:endParaRPr lang="en-US" altLang="ko-KR" b="1">
-              <a:solidFill>
-                <a:srgbClr val="ff0000"/>
-              </a:solidFill>
-            </a:endParaRPr>
-          </a:p>
-        </p:txBody>
-      </p:sp>
-      <p:sp>
-        <p:nvSpPr>
-          <p:cNvPr id="14" name="가로 글상자 13"/>
-          <p:cNvSpPr txBox="1"/>
-          <p:nvPr/>
-        </p:nvSpPr>
-        <p:spPr>
-          <a:xfrm>
-            <a:off x="2531085" y="6280496"/>
-            <a:ext cx="1126095" cy="367665"/>
-          </a:xfrm>
-          <a:prstGeom prst="rect">
-            <a:avLst/>
-          </a:prstGeom>
-        </p:spPr>
-        <p:txBody>
-          <a:bodyPr vert="horz" wrap="square" anchor="ctr" anchorCtr="0">
-            <a:spAutoFit/>
-          </a:bodyPr>
-          <a:p>
-            <a:pPr lvl="0" algn="ctr">
-              <a:defRPr/>
-            </a:pPr>
-            <a:r>
-              <a:rPr lang="en-US" altLang="ko-KR" b="1"/>
-              <a:t>Source</a:t>
-            </a:r>
-            <a:endParaRPr lang="en-US" altLang="ko-KR" b="1"/>
-          </a:p>
-        </p:txBody>
-      </p:sp>
-      <p:sp>
-        <p:nvSpPr>
-          <p:cNvPr id="15" name="세로 글상자 108"/>
-          <p:cNvSpPr txBox="1"/>
-          <p:nvPr/>
-        </p:nvSpPr>
-        <p:spPr>
-          <a:xfrm>
-            <a:off x="2149435" y="5675973"/>
-            <a:ext cx="459105" cy="367665"/>
-          </a:xfrm>
-          <a:prstGeom prst="rect">
-            <a:avLst/>
-          </a:prstGeom>
-        </p:spPr>
-        <p:txBody>
-          <a:bodyPr vert="horz" wrap="square" anchor="ctr" anchorCtr="0">
-            <a:spAutoFit/>
-          </a:bodyPr>
-          <a:p>
-            <a:pPr lvl="0" algn="ctr">
-              <a:defRPr/>
-            </a:pPr>
-            <a:r>
-              <a:rPr lang="en-US" altLang="ko-KR" b="1">
-                <a:solidFill>
-                  <a:srgbClr val="ff0000"/>
-                </a:solidFill>
-              </a:rPr>
-              <a:t>h2</a:t>
-            </a:r>
-            <a:endParaRPr lang="en-US" altLang="ko-KR" b="1">
-              <a:solidFill>
-                <a:srgbClr val="ff0000"/>
-              </a:solidFill>
-            </a:endParaRPr>
-          </a:p>
-        </p:txBody>
-      </p:sp>
-      <p:sp>
-        <p:nvSpPr>
-          <p:cNvPr id="16" name="세로 글상자 108"/>
-          <p:cNvSpPr txBox="1"/>
-          <p:nvPr/>
-        </p:nvSpPr>
-        <p:spPr>
-          <a:xfrm>
-            <a:off x="3551724" y="5675973"/>
-            <a:ext cx="459105" cy="367665"/>
-          </a:xfrm>
-          <a:prstGeom prst="rect">
-            <a:avLst/>
-          </a:prstGeom>
-        </p:spPr>
-        <p:txBody>
-          <a:bodyPr vert="horz" wrap="square" anchor="ctr" anchorCtr="0">
-            <a:spAutoFit/>
-          </a:bodyPr>
-          <a:p>
-            <a:pPr lvl="0" algn="ctr">
-              <a:defRPr/>
-            </a:pPr>
-            <a:r>
-              <a:rPr lang="en-US" altLang="ko-KR" b="1">
-                <a:solidFill>
-                  <a:srgbClr val="ff0000"/>
-                </a:solidFill>
-              </a:rPr>
-              <a:t>h3</a:t>
-            </a:r>
-            <a:endParaRPr lang="en-US" altLang="ko-KR" b="1">
-              <a:solidFill>
-                <a:srgbClr val="ff0000"/>
-              </a:solidFill>
-            </a:endParaRPr>
-          </a:p>
-        </p:txBody>
-      </p:sp>
-      <p:sp>
-        <p:nvSpPr>
-          <p:cNvPr id="17" name="세로 글상자 108"/>
-          <p:cNvSpPr txBox="1"/>
-          <p:nvPr/>
-        </p:nvSpPr>
-        <p:spPr>
-          <a:xfrm>
-            <a:off x="4954014" y="5675973"/>
-            <a:ext cx="459105" cy="367665"/>
-          </a:xfrm>
-          <a:prstGeom prst="rect">
-            <a:avLst/>
-          </a:prstGeom>
-        </p:spPr>
-        <p:txBody>
-          <a:bodyPr vert="horz" wrap="square" anchor="ctr" anchorCtr="0">
-            <a:spAutoFit/>
-          </a:bodyPr>
-          <a:p>
-            <a:pPr lvl="0" algn="ctr">
-              <a:defRPr/>
-            </a:pPr>
-            <a:r>
-              <a:rPr lang="en-US" altLang="ko-KR" b="1">
-                <a:solidFill>
-                  <a:srgbClr val="ff0000"/>
-                </a:solidFill>
-              </a:rPr>
-              <a:t>h4</a:t>
-            </a:r>
-            <a:endParaRPr lang="en-US" altLang="ko-KR" b="1">
-              <a:solidFill>
-                <a:srgbClr val="ff0000"/>
-              </a:solidFill>
-            </a:endParaRPr>
-          </a:p>
-        </p:txBody>
-      </p:sp>
-      <p:sp>
-        <p:nvSpPr>
-          <p:cNvPr id="19" name="왼쪽 중괄호 18"/>
-          <p:cNvSpPr/>
-          <p:nvPr/>
-        </p:nvSpPr>
-        <p:spPr>
-          <a:xfrm rot="16200000">
-            <a:off x="2916739" y="3951499"/>
-            <a:ext cx="307737" cy="4492014"/>
-          </a:xfrm>
-          <a:prstGeom prst="leftBrace">
-            <a:avLst>
-              <a:gd name="adj1" fmla="val 8333"/>
-              <a:gd name="adj2" fmla="val 50000"/>
-            </a:avLst>
-          </a:prstGeom>
-          <a:ln>
-            <a:solidFill>
-              <a:schemeClr val="accent3"/>
-            </a:solidFill>
-          </a:ln>
-        </p:spPr>
-        <p:style>
-          <a:lnRef idx="1">
-            <a:schemeClr val="accent1"/>
-          </a:lnRef>
-          <a:fillRef idx="0">
-            <a:schemeClr val="accent1"/>
-          </a:fillRef>
-          <a:effectRef idx="0">
-            <a:schemeClr val="accent1"/>
-          </a:effectRef>
-          <a:fontRef idx="minor">
-            <a:schemeClr val="tx1"/>
-          </a:fontRef>
-        </p:style>
-        <p:txBody>
-          <a:bodyPr/>
-          <a:p>
-            <a:pPr lvl="0">
-              <a:defRPr/>
-            </a:pPr>
-            <a:endParaRPr>
-              <a:solidFill>
-                <a:schemeClr val="tx1"/>
-              </a:solidFill>
-            </a:endParaRPr>
-          </a:p>
-        </p:txBody>
-      </p:sp>
-      <p:sp>
-        <p:nvSpPr>
-          <p:cNvPr id="20" name="세로 글상자 108"/>
-          <p:cNvSpPr txBox="1"/>
-          <p:nvPr/>
-        </p:nvSpPr>
-        <p:spPr>
-          <a:xfrm>
-            <a:off x="236626" y="207086"/>
-            <a:ext cx="459105" cy="367665"/>
-          </a:xfrm>
-          <a:prstGeom prst="rect">
-            <a:avLst/>
-          </a:prstGeom>
-        </p:spPr>
-        <p:txBody>
-          <a:bodyPr vert="horz" wrap="square" anchor="ctr" anchorCtr="0">
-            <a:spAutoFit/>
-          </a:bodyPr>
-          <a:p>
-            <a:pPr lvl="0" algn="ctr">
-              <a:defRPr/>
-            </a:pPr>
-            <a:r>
-              <a:rPr lang="en-US" altLang="ko-KR" b="1">
-                <a:solidFill>
-                  <a:srgbClr val="ff0000"/>
-                </a:solidFill>
-              </a:rPr>
-              <a:t>h1</a:t>
-            </a:r>
-            <a:endParaRPr lang="en-US" altLang="ko-KR" b="1">
-              <a:solidFill>
-                <a:srgbClr val="ff0000"/>
-              </a:solidFill>
-            </a:endParaRPr>
-          </a:p>
-        </p:txBody>
-      </p:sp>
-      <p:sp>
-        <p:nvSpPr>
-          <p:cNvPr id="21" name="세로 글상자 108"/>
-          <p:cNvSpPr txBox="1"/>
-          <p:nvPr/>
-        </p:nvSpPr>
-        <p:spPr>
-          <a:xfrm>
-            <a:off x="1638915" y="207086"/>
-            <a:ext cx="459105" cy="367665"/>
-          </a:xfrm>
-          <a:prstGeom prst="rect">
-            <a:avLst/>
-          </a:prstGeom>
-        </p:spPr>
-        <p:txBody>
-          <a:bodyPr vert="horz" wrap="square" anchor="ctr" anchorCtr="0">
-            <a:spAutoFit/>
-          </a:bodyPr>
-          <a:p>
-            <a:pPr lvl="0" algn="ctr">
-              <a:defRPr/>
-            </a:pPr>
-            <a:r>
-              <a:rPr lang="en-US" altLang="ko-KR" b="1">
-                <a:solidFill>
-                  <a:srgbClr val="ff0000"/>
-                </a:solidFill>
-              </a:rPr>
-              <a:t>h2</a:t>
-            </a:r>
-            <a:endParaRPr lang="en-US" altLang="ko-KR" b="1">
-              <a:solidFill>
-                <a:srgbClr val="ff0000"/>
-              </a:solidFill>
-            </a:endParaRPr>
-          </a:p>
-        </p:txBody>
-      </p:sp>
-      <p:sp>
-        <p:nvSpPr>
-          <p:cNvPr id="22" name="세로 글상자 108"/>
-          <p:cNvSpPr txBox="1"/>
-          <p:nvPr/>
-        </p:nvSpPr>
-        <p:spPr>
-          <a:xfrm>
-            <a:off x="3041205" y="207086"/>
-            <a:ext cx="459105" cy="367665"/>
-          </a:xfrm>
-          <a:prstGeom prst="rect">
-            <a:avLst/>
-          </a:prstGeom>
-        </p:spPr>
-        <p:txBody>
-          <a:bodyPr vert="horz" wrap="square" anchor="ctr" anchorCtr="0">
-            <a:spAutoFit/>
-          </a:bodyPr>
-          <a:p>
-            <a:pPr lvl="0" algn="ctr">
-              <a:defRPr/>
-            </a:pPr>
-            <a:r>
-              <a:rPr lang="en-US" altLang="ko-KR" b="1">
-                <a:solidFill>
-                  <a:srgbClr val="ff0000"/>
-                </a:solidFill>
-              </a:rPr>
-              <a:t>h3</a:t>
-            </a:r>
-            <a:endParaRPr lang="en-US" altLang="ko-KR" b="1">
-              <a:solidFill>
-                <a:srgbClr val="ff0000"/>
-              </a:solidFill>
-            </a:endParaRPr>
-          </a:p>
-        </p:txBody>
-      </p:sp>
-      <p:sp>
-        <p:nvSpPr>
-          <p:cNvPr id="23" name="세로 글상자 108"/>
-          <p:cNvSpPr txBox="1"/>
-          <p:nvPr/>
-        </p:nvSpPr>
-        <p:spPr>
-          <a:xfrm>
-            <a:off x="4443494" y="207086"/>
-            <a:ext cx="459105" cy="367665"/>
-          </a:xfrm>
-          <a:prstGeom prst="rect">
-            <a:avLst/>
-          </a:prstGeom>
-        </p:spPr>
-        <p:txBody>
-          <a:bodyPr vert="horz" wrap="square" anchor="ctr" anchorCtr="0">
-            <a:spAutoFit/>
-          </a:bodyPr>
-          <a:p>
-            <a:pPr lvl="0" algn="ctr">
-              <a:defRPr/>
-            </a:pPr>
-            <a:r>
-              <a:rPr lang="en-US" altLang="ko-KR" b="1">
-                <a:solidFill>
-                  <a:srgbClr val="ff0000"/>
-                </a:solidFill>
-              </a:rPr>
-              <a:t>h4</a:t>
             </a:r>
             <a:endParaRPr lang="en-US" altLang="ko-KR" b="1">
               <a:solidFill>
@@ -15154,462 +15271,6 @@
       </p:cxnSp>
       <p:sp>
         <p:nvSpPr>
-          <p:cNvPr id="29" name="직사각형 28"/>
-          <p:cNvSpPr/>
-          <p:nvPr/>
-        </p:nvSpPr>
-        <p:spPr>
-          <a:xfrm>
-            <a:off x="1695960" y="592352"/>
-            <a:ext cx="306916" cy="1148796"/>
-          </a:xfrm>
-          <a:prstGeom prst="rect">
-            <a:avLst/>
-          </a:prstGeom>
-          <a:solidFill>
-            <a:schemeClr val="accent2"/>
-          </a:solidFill>
-        </p:spPr>
-        <p:style>
-          <a:lnRef idx="2">
-            <a:schemeClr val="accent3">
-              <a:shade val="20000"/>
-            </a:schemeClr>
-          </a:lnRef>
-          <a:fillRef idx="1">
-            <a:schemeClr val="accent3"/>
-          </a:fillRef>
-          <a:effectRef idx="0">
-            <a:schemeClr val="accent3"/>
-          </a:effectRef>
-          <a:fontRef idx="minor">
-            <a:schemeClr val="lt1"/>
-          </a:fontRef>
-        </p:style>
-        <p:txBody>
-          <a:bodyPr/>
-          <a:p>
-            <a:pPr lvl="0">
-              <a:defRPr/>
-            </a:pPr>
-            <a:endParaRPr/>
-          </a:p>
-        </p:txBody>
-      </p:sp>
-      <p:cxnSp>
-        <p:nvCxnSpPr>
-          <p:cNvPr id="30" name="선 29"/>
-          <p:cNvCxnSpPr>
-            <a:stCxn id="29" idx="1"/>
-            <a:endCxn id="29" idx="3"/>
-          </p:cNvCxnSpPr>
-          <p:nvPr/>
-        </p:nvCxnSpPr>
-        <p:spPr>
-          <a:xfrm>
-            <a:off x="1695960" y="1166750"/>
-            <a:ext cx="306916" cy="0"/>
-          </a:xfrm>
-          <a:prstGeom prst="line">
-            <a:avLst/>
-          </a:prstGeom>
-          <a:ln>
-            <a:solidFill>
-              <a:schemeClr val="dk1"/>
-            </a:solidFill>
-          </a:ln>
-        </p:spPr>
-        <p:style>
-          <a:lnRef idx="1">
-            <a:schemeClr val="accent1"/>
-          </a:lnRef>
-          <a:fillRef idx="0">
-            <a:schemeClr val="accent1"/>
-          </a:fillRef>
-          <a:effectRef idx="0">
-            <a:schemeClr val="accent1"/>
-          </a:effectRef>
-          <a:fontRef idx="minor">
-            <a:schemeClr val="tx1"/>
-          </a:fontRef>
-        </p:style>
-      </p:cxnSp>
-      <p:cxnSp>
-        <p:nvCxnSpPr>
-          <p:cNvPr id="31" name="선 30"/>
-          <p:cNvCxnSpPr/>
-          <p:nvPr/>
-        </p:nvCxnSpPr>
-        <p:spPr>
-          <a:xfrm>
-            <a:off x="1696065" y="879551"/>
-            <a:ext cx="306916" cy="0"/>
-          </a:xfrm>
-          <a:prstGeom prst="line">
-            <a:avLst/>
-          </a:prstGeom>
-          <a:ln>
-            <a:solidFill>
-              <a:schemeClr val="dk1"/>
-            </a:solidFill>
-          </a:ln>
-        </p:spPr>
-        <p:style>
-          <a:lnRef idx="1">
-            <a:schemeClr val="accent1"/>
-          </a:lnRef>
-          <a:fillRef idx="0">
-            <a:schemeClr val="accent1"/>
-          </a:fillRef>
-          <a:effectRef idx="0">
-            <a:schemeClr val="accent1"/>
-          </a:effectRef>
-          <a:fontRef idx="minor">
-            <a:schemeClr val="tx1"/>
-          </a:fontRef>
-        </p:style>
-      </p:cxnSp>
-      <p:cxnSp>
-        <p:nvCxnSpPr>
-          <p:cNvPr id="32" name="선 31"/>
-          <p:cNvCxnSpPr/>
-          <p:nvPr/>
-        </p:nvCxnSpPr>
-        <p:spPr>
-          <a:xfrm>
-            <a:off x="1696065" y="1453949"/>
-            <a:ext cx="306916" cy="0"/>
-          </a:xfrm>
-          <a:prstGeom prst="line">
-            <a:avLst/>
-          </a:prstGeom>
-          <a:ln>
-            <a:solidFill>
-              <a:schemeClr val="dk1"/>
-            </a:solidFill>
-          </a:ln>
-        </p:spPr>
-        <p:style>
-          <a:lnRef idx="1">
-            <a:schemeClr val="accent1"/>
-          </a:lnRef>
-          <a:fillRef idx="0">
-            <a:schemeClr val="accent1"/>
-          </a:fillRef>
-          <a:effectRef idx="0">
-            <a:schemeClr val="accent1"/>
-          </a:effectRef>
-          <a:fontRef idx="minor">
-            <a:schemeClr val="tx1"/>
-          </a:fontRef>
-        </p:style>
-      </p:cxnSp>
-      <p:sp>
-        <p:nvSpPr>
-          <p:cNvPr id="33" name="직사각형 32"/>
-          <p:cNvSpPr/>
-          <p:nvPr/>
-        </p:nvSpPr>
-        <p:spPr>
-          <a:xfrm>
-            <a:off x="3098144" y="592352"/>
-            <a:ext cx="306916" cy="1148796"/>
-          </a:xfrm>
-          <a:prstGeom prst="rect">
-            <a:avLst/>
-          </a:prstGeom>
-          <a:solidFill>
-            <a:schemeClr val="accent2"/>
-          </a:solidFill>
-        </p:spPr>
-        <p:style>
-          <a:lnRef idx="2">
-            <a:schemeClr val="accent3">
-              <a:shade val="20000"/>
-            </a:schemeClr>
-          </a:lnRef>
-          <a:fillRef idx="1">
-            <a:schemeClr val="accent3"/>
-          </a:fillRef>
-          <a:effectRef idx="0">
-            <a:schemeClr val="accent3"/>
-          </a:effectRef>
-          <a:fontRef idx="minor">
-            <a:schemeClr val="lt1"/>
-          </a:fontRef>
-        </p:style>
-        <p:txBody>
-          <a:bodyPr/>
-          <a:p>
-            <a:pPr lvl="0">
-              <a:defRPr/>
-            </a:pPr>
-            <a:endParaRPr/>
-          </a:p>
-        </p:txBody>
-      </p:sp>
-      <p:cxnSp>
-        <p:nvCxnSpPr>
-          <p:cNvPr id="34" name="선 33"/>
-          <p:cNvCxnSpPr>
-            <a:stCxn id="33" idx="1"/>
-            <a:endCxn id="33" idx="3"/>
-          </p:cNvCxnSpPr>
-          <p:nvPr/>
-        </p:nvCxnSpPr>
-        <p:spPr>
-          <a:xfrm>
-            <a:off x="3098144" y="1166750"/>
-            <a:ext cx="306916" cy="0"/>
-          </a:xfrm>
-          <a:prstGeom prst="line">
-            <a:avLst/>
-          </a:prstGeom>
-          <a:ln>
-            <a:solidFill>
-              <a:schemeClr val="dk1"/>
-            </a:solidFill>
-          </a:ln>
-        </p:spPr>
-        <p:style>
-          <a:lnRef idx="1">
-            <a:schemeClr val="accent1"/>
-          </a:lnRef>
-          <a:fillRef idx="0">
-            <a:schemeClr val="accent1"/>
-          </a:fillRef>
-          <a:effectRef idx="0">
-            <a:schemeClr val="accent1"/>
-          </a:effectRef>
-          <a:fontRef idx="minor">
-            <a:schemeClr val="tx1"/>
-          </a:fontRef>
-        </p:style>
-      </p:cxnSp>
-      <p:cxnSp>
-        <p:nvCxnSpPr>
-          <p:cNvPr id="35" name="선 34"/>
-          <p:cNvCxnSpPr/>
-          <p:nvPr/>
-        </p:nvCxnSpPr>
-        <p:spPr>
-          <a:xfrm>
-            <a:off x="3098249" y="879551"/>
-            <a:ext cx="306916" cy="0"/>
-          </a:xfrm>
-          <a:prstGeom prst="line">
-            <a:avLst/>
-          </a:prstGeom>
-          <a:ln>
-            <a:solidFill>
-              <a:schemeClr val="dk1"/>
-            </a:solidFill>
-          </a:ln>
-        </p:spPr>
-        <p:style>
-          <a:lnRef idx="1">
-            <a:schemeClr val="accent1"/>
-          </a:lnRef>
-          <a:fillRef idx="0">
-            <a:schemeClr val="accent1"/>
-          </a:fillRef>
-          <a:effectRef idx="0">
-            <a:schemeClr val="accent1"/>
-          </a:effectRef>
-          <a:fontRef idx="minor">
-            <a:schemeClr val="tx1"/>
-          </a:fontRef>
-        </p:style>
-      </p:cxnSp>
-      <p:cxnSp>
-        <p:nvCxnSpPr>
-          <p:cNvPr id="36" name="선 35"/>
-          <p:cNvCxnSpPr/>
-          <p:nvPr/>
-        </p:nvCxnSpPr>
-        <p:spPr>
-          <a:xfrm>
-            <a:off x="3098249" y="1453949"/>
-            <a:ext cx="306916" cy="0"/>
-          </a:xfrm>
-          <a:prstGeom prst="line">
-            <a:avLst/>
-          </a:prstGeom>
-          <a:ln>
-            <a:solidFill>
-              <a:schemeClr val="dk1"/>
-            </a:solidFill>
-          </a:ln>
-        </p:spPr>
-        <p:style>
-          <a:lnRef idx="1">
-            <a:schemeClr val="accent1"/>
-          </a:lnRef>
-          <a:fillRef idx="0">
-            <a:schemeClr val="accent1"/>
-          </a:fillRef>
-          <a:effectRef idx="0">
-            <a:schemeClr val="accent1"/>
-          </a:effectRef>
-          <a:fontRef idx="minor">
-            <a:schemeClr val="tx1"/>
-          </a:fontRef>
-        </p:style>
-      </p:cxnSp>
-      <p:sp>
-        <p:nvSpPr>
-          <p:cNvPr id="37" name="직사각형 36"/>
-          <p:cNvSpPr/>
-          <p:nvPr/>
-        </p:nvSpPr>
-        <p:spPr>
-          <a:xfrm>
-            <a:off x="4500539" y="592352"/>
-            <a:ext cx="306916" cy="1148796"/>
-          </a:xfrm>
-          <a:prstGeom prst="rect">
-            <a:avLst/>
-          </a:prstGeom>
-          <a:solidFill>
-            <a:schemeClr val="accent2"/>
-          </a:solidFill>
-        </p:spPr>
-        <p:style>
-          <a:lnRef idx="2">
-            <a:schemeClr val="accent3">
-              <a:shade val="20000"/>
-            </a:schemeClr>
-          </a:lnRef>
-          <a:fillRef idx="1">
-            <a:schemeClr val="accent3"/>
-          </a:fillRef>
-          <a:effectRef idx="0">
-            <a:schemeClr val="accent3"/>
-          </a:effectRef>
-          <a:fontRef idx="minor">
-            <a:schemeClr val="lt1"/>
-          </a:fontRef>
-        </p:style>
-        <p:txBody>
-          <a:bodyPr/>
-          <a:p>
-            <a:pPr lvl="0">
-              <a:defRPr/>
-            </a:pPr>
-            <a:endParaRPr/>
-          </a:p>
-        </p:txBody>
-      </p:sp>
-      <p:cxnSp>
-        <p:nvCxnSpPr>
-          <p:cNvPr id="38" name="선 37"/>
-          <p:cNvCxnSpPr>
-            <a:stCxn id="37" idx="1"/>
-            <a:endCxn id="37" idx="3"/>
-          </p:cNvCxnSpPr>
-          <p:nvPr/>
-        </p:nvCxnSpPr>
-        <p:spPr>
-          <a:xfrm>
-            <a:off x="4500539" y="1166750"/>
-            <a:ext cx="306916" cy="0"/>
-          </a:xfrm>
-          <a:prstGeom prst="line">
-            <a:avLst/>
-          </a:prstGeom>
-          <a:ln>
-            <a:solidFill>
-              <a:schemeClr val="dk1"/>
-            </a:solidFill>
-          </a:ln>
-        </p:spPr>
-        <p:style>
-          <a:lnRef idx="1">
-            <a:schemeClr val="accent1"/>
-          </a:lnRef>
-          <a:fillRef idx="0">
-            <a:schemeClr val="accent1"/>
-          </a:fillRef>
-          <a:effectRef idx="0">
-            <a:schemeClr val="accent1"/>
-          </a:effectRef>
-          <a:fontRef idx="minor">
-            <a:schemeClr val="tx1"/>
-          </a:fontRef>
-        </p:style>
-      </p:cxnSp>
-      <p:cxnSp>
-        <p:nvCxnSpPr>
-          <p:cNvPr id="39" name="선 38"/>
-          <p:cNvCxnSpPr/>
-          <p:nvPr/>
-        </p:nvCxnSpPr>
-        <p:spPr>
-          <a:xfrm>
-            <a:off x="4500644" y="879551"/>
-            <a:ext cx="306916" cy="0"/>
-          </a:xfrm>
-          <a:prstGeom prst="line">
-            <a:avLst/>
-          </a:prstGeom>
-          <a:ln>
-            <a:solidFill>
-              <a:schemeClr val="dk1"/>
-            </a:solidFill>
-          </a:ln>
-        </p:spPr>
-        <p:style>
-          <a:lnRef idx="1">
-            <a:schemeClr val="accent1"/>
-          </a:lnRef>
-          <a:fillRef idx="0">
-            <a:schemeClr val="accent1"/>
-          </a:fillRef>
-          <a:effectRef idx="0">
-            <a:schemeClr val="accent1"/>
-          </a:effectRef>
-          <a:fontRef idx="minor">
-            <a:schemeClr val="tx1"/>
-          </a:fontRef>
-        </p:style>
-      </p:cxnSp>
-      <p:cxnSp>
-        <p:nvCxnSpPr>
-          <p:cNvPr id="40" name="선 39"/>
-          <p:cNvCxnSpPr/>
-          <p:nvPr/>
-        </p:nvCxnSpPr>
-        <p:spPr>
-          <a:xfrm>
-            <a:off x="4500644" y="1453949"/>
-            <a:ext cx="306916" cy="0"/>
-          </a:xfrm>
-          <a:prstGeom prst="line">
-            <a:avLst/>
-          </a:prstGeom>
-          <a:ln>
-            <a:solidFill>
-              <a:schemeClr val="dk1"/>
-            </a:solidFill>
-          </a:ln>
-        </p:spPr>
-        <p:style>
-          <a:lnRef idx="1">
-            <a:schemeClr val="accent1"/>
-          </a:lnRef>
-          <a:fillRef idx="0">
-            <a:schemeClr val="accent1"/>
-          </a:fillRef>
-          <a:effectRef idx="0">
-            <a:schemeClr val="accent1"/>
-          </a:effectRef>
-          <a:fontRef idx="minor">
-            <a:schemeClr val="tx1"/>
-          </a:fontRef>
-        </p:style>
-      </p:cxnSp>
-      <p:sp>
-        <p:nvSpPr>
           <p:cNvPr id="41" name="곱셈 기호 40"/>
           <p:cNvSpPr/>
           <p:nvPr/>
@@ -15617,17 +15278,17 @@
         <p:spPr>
           <a:xfrm>
             <a:off x="695731" y="1035516"/>
-            <a:ext cx="219958" cy="227264"/>
+            <a:ext cx="216027" cy="216027"/>
           </a:xfrm>
           <a:prstGeom prst="mathMultiply">
             <a:avLst>
-              <a:gd name="adj1" fmla="val 23520"/>
+              <a:gd name="adj1" fmla="val 12991"/>
             </a:avLst>
           </a:prstGeom>
           <a:solidFill>
             <a:schemeClr val="dk1"/>
           </a:solidFill>
-          <a:ln w="9525">
+          <a:ln w="3175">
             <a:solidFill>
               <a:schemeClr val="accent1">
                 <a:shade val="20000"/>
@@ -15669,7 +15330,7 @@
         </p:nvSpPr>
         <p:spPr>
           <a:xfrm>
-            <a:off x="952890" y="979604"/>
+            <a:off x="930597" y="989129"/>
             <a:ext cx="448022" cy="339090"/>
           </a:xfrm>
           <a:prstGeom prst="rect">
@@ -15700,18 +15361,18 @@
         </p:nvSpPr>
         <p:spPr>
           <a:xfrm>
-            <a:off x="1372337" y="1035516"/>
-            <a:ext cx="228584" cy="227264"/>
+            <a:off x="1418277" y="1035516"/>
+            <a:ext cx="216027" cy="216027"/>
           </a:xfrm>
           <a:prstGeom prst="mathPlus">
             <a:avLst>
-              <a:gd name="adj1" fmla="val 23520"/>
+              <a:gd name="adj1" fmla="val 12725"/>
             </a:avLst>
           </a:prstGeom>
           <a:solidFill>
             <a:schemeClr val="dk1"/>
           </a:solidFill>
-          <a:ln w="12700">
+          <a:ln w="3175">
             <a:solidFill>
               <a:schemeClr val="accent1">
                 <a:shade val="20000"/>
@@ -15747,24 +15408,25 @@
       </p:sp>
       <p:sp>
         <p:nvSpPr>
-          <p:cNvPr id="44" name="곱셈 기호 43"/>
+          <p:cNvPr id="52" name="등호 51"/>
           <p:cNvSpPr/>
           <p:nvPr/>
         </p:nvSpPr>
         <p:spPr>
           <a:xfrm>
-            <a:off x="2097915" y="1035516"/>
-            <a:ext cx="219958" cy="227264"/>
-          </a:xfrm>
-          <a:prstGeom prst="mathMultiply">
+            <a:off x="6191283" y="980013"/>
+            <a:ext cx="344737" cy="331732"/>
+          </a:xfrm>
+          <a:prstGeom prst="mathEqual">
             <a:avLst>
-              <a:gd name="adj1" fmla="val 23520"/>
+              <a:gd name="adj1" fmla="val 12862"/>
+              <a:gd name="adj2" fmla="val 11760"/>
             </a:avLst>
           </a:prstGeom>
           <a:solidFill>
             <a:schemeClr val="dk1"/>
           </a:solidFill>
-          <a:ln w="9525">
+          <a:ln w="3175">
             <a:solidFill>
               <a:schemeClr val="accent1">
                 <a:shade val="20000"/>
@@ -15794,358 +15456,6 @@
             <a:pPr lvl="0">
               <a:defRPr/>
             </a:pPr>
-            <a:endParaRPr/>
-          </a:p>
-        </p:txBody>
-      </p:sp>
-      <p:sp>
-        <p:nvSpPr>
-          <p:cNvPr id="45" name="가로 글상자 44"/>
-          <p:cNvSpPr txBox="1"/>
-          <p:nvPr/>
-        </p:nvSpPr>
-        <p:spPr>
-          <a:xfrm>
-            <a:off x="2355074" y="979603"/>
-            <a:ext cx="448022" cy="339090"/>
-          </a:xfrm>
-          <a:prstGeom prst="rect">
-            <a:avLst/>
-          </a:prstGeom>
-        </p:spPr>
-        <p:txBody>
-          <a:bodyPr vert="horz" wrap="square" anchor="ctr" anchorCtr="0">
-            <a:spAutoFit/>
-          </a:bodyPr>
-          <a:p>
-            <a:pPr lvl="0" algn="ctr">
-              <a:defRPr/>
-            </a:pPr>
-            <a:r>
-              <a:rPr lang="en-US" altLang="ko-KR" sz="1600" b="1"/>
-              <a:t>0.3</a:t>
-            </a:r>
-            <a:endParaRPr lang="en-US" altLang="ko-KR" sz="1600" b="1"/>
-          </a:p>
-        </p:txBody>
-      </p:sp>
-      <p:sp>
-        <p:nvSpPr>
-          <p:cNvPr id="46" name="덧셈 기호 45"/>
-          <p:cNvSpPr/>
-          <p:nvPr/>
-        </p:nvSpPr>
-        <p:spPr>
-          <a:xfrm>
-            <a:off x="2774521" y="1035516"/>
-            <a:ext cx="228584" cy="227264"/>
-          </a:xfrm>
-          <a:prstGeom prst="mathPlus">
-            <a:avLst>
-              <a:gd name="adj1" fmla="val 23520"/>
-            </a:avLst>
-          </a:prstGeom>
-          <a:solidFill>
-            <a:schemeClr val="dk1"/>
-          </a:solidFill>
-          <a:ln w="12700">
-            <a:solidFill>
-              <a:schemeClr val="accent1">
-                <a:shade val="20000"/>
-              </a:schemeClr>
-            </a:solidFill>
-          </a:ln>
-        </p:spPr>
-        <p:style>
-          <a:lnRef idx="2">
-            <a:schemeClr val="accent1">
-              <a:shade val="20000"/>
-            </a:schemeClr>
-          </a:lnRef>
-          <a:fillRef idx="1">
-            <a:schemeClr val="accent1"/>
-          </a:fillRef>
-          <a:effectRef idx="0">
-            <a:schemeClr val="accent1"/>
-          </a:effectRef>
-          <a:fontRef idx="minor">
-            <a:schemeClr val="lt1"/>
-          </a:fontRef>
-        </p:style>
-        <p:txBody>
-          <a:bodyPr/>
-          <a:p>
-            <a:pPr lvl="0">
-              <a:defRPr/>
-            </a:pPr>
-            <a:endParaRPr/>
-          </a:p>
-        </p:txBody>
-      </p:sp>
-      <p:sp>
-        <p:nvSpPr>
-          <p:cNvPr id="47" name="곱셈 기호 46"/>
-          <p:cNvSpPr/>
-          <p:nvPr/>
-        </p:nvSpPr>
-        <p:spPr>
-          <a:xfrm>
-            <a:off x="3500099" y="1035516"/>
-            <a:ext cx="219958" cy="227264"/>
-          </a:xfrm>
-          <a:prstGeom prst="mathMultiply">
-            <a:avLst>
-              <a:gd name="adj1" fmla="val 23520"/>
-            </a:avLst>
-          </a:prstGeom>
-          <a:solidFill>
-            <a:schemeClr val="dk1"/>
-          </a:solidFill>
-          <a:ln w="9525">
-            <a:solidFill>
-              <a:schemeClr val="accent1">
-                <a:shade val="20000"/>
-              </a:schemeClr>
-            </a:solidFill>
-          </a:ln>
-        </p:spPr>
-        <p:style>
-          <a:lnRef idx="2">
-            <a:schemeClr val="accent1">
-              <a:shade val="20000"/>
-            </a:schemeClr>
-          </a:lnRef>
-          <a:fillRef idx="1">
-            <a:schemeClr val="accent1"/>
-          </a:fillRef>
-          <a:effectRef idx="0">
-            <a:schemeClr val="accent1"/>
-          </a:effectRef>
-          <a:fontRef idx="minor">
-            <a:schemeClr val="lt1"/>
-          </a:fontRef>
-        </p:style>
-        <p:txBody>
-          <a:bodyPr/>
-          <a:p>
-            <a:pPr lvl="0">
-              <a:defRPr/>
-            </a:pPr>
-            <a:endParaRPr/>
-          </a:p>
-        </p:txBody>
-      </p:sp>
-      <p:sp>
-        <p:nvSpPr>
-          <p:cNvPr id="48" name="가로 글상자 47"/>
-          <p:cNvSpPr txBox="1"/>
-          <p:nvPr/>
-        </p:nvSpPr>
-        <p:spPr>
-          <a:xfrm>
-            <a:off x="3757258" y="979603"/>
-            <a:ext cx="448022" cy="339090"/>
-          </a:xfrm>
-          <a:prstGeom prst="rect">
-            <a:avLst/>
-          </a:prstGeom>
-        </p:spPr>
-        <p:txBody>
-          <a:bodyPr vert="horz" wrap="square" anchor="ctr" anchorCtr="0">
-            <a:spAutoFit/>
-          </a:bodyPr>
-          <a:p>
-            <a:pPr lvl="0" algn="ctr">
-              <a:defRPr/>
-            </a:pPr>
-            <a:r>
-              <a:rPr lang="en-US" altLang="ko-KR" sz="1600" b="1"/>
-              <a:t>0.4</a:t>
-            </a:r>
-            <a:endParaRPr lang="en-US" altLang="ko-KR" sz="1600" b="1"/>
-          </a:p>
-        </p:txBody>
-      </p:sp>
-      <p:sp>
-        <p:nvSpPr>
-          <p:cNvPr id="49" name="덧셈 기호 48"/>
-          <p:cNvSpPr/>
-          <p:nvPr/>
-        </p:nvSpPr>
-        <p:spPr>
-          <a:xfrm>
-            <a:off x="4176705" y="1035516"/>
-            <a:ext cx="228584" cy="227264"/>
-          </a:xfrm>
-          <a:prstGeom prst="mathPlus">
-            <a:avLst>
-              <a:gd name="adj1" fmla="val 23520"/>
-            </a:avLst>
-          </a:prstGeom>
-          <a:solidFill>
-            <a:schemeClr val="dk1"/>
-          </a:solidFill>
-          <a:ln w="12700">
-            <a:solidFill>
-              <a:schemeClr val="accent1">
-                <a:shade val="20000"/>
-              </a:schemeClr>
-            </a:solidFill>
-          </a:ln>
-        </p:spPr>
-        <p:style>
-          <a:lnRef idx="2">
-            <a:schemeClr val="accent1">
-              <a:shade val="20000"/>
-            </a:schemeClr>
-          </a:lnRef>
-          <a:fillRef idx="1">
-            <a:schemeClr val="accent1"/>
-          </a:fillRef>
-          <a:effectRef idx="0">
-            <a:schemeClr val="accent1"/>
-          </a:effectRef>
-          <a:fontRef idx="minor">
-            <a:schemeClr val="lt1"/>
-          </a:fontRef>
-        </p:style>
-        <p:txBody>
-          <a:bodyPr/>
-          <a:p>
-            <a:pPr lvl="0">
-              <a:defRPr/>
-            </a:pPr>
-            <a:endParaRPr/>
-          </a:p>
-        </p:txBody>
-      </p:sp>
-      <p:sp>
-        <p:nvSpPr>
-          <p:cNvPr id="50" name="곱셈 기호 49"/>
-          <p:cNvSpPr/>
-          <p:nvPr/>
-        </p:nvSpPr>
-        <p:spPr>
-          <a:xfrm>
-            <a:off x="4902705" y="1035516"/>
-            <a:ext cx="219958" cy="227264"/>
-          </a:xfrm>
-          <a:prstGeom prst="mathMultiply">
-            <a:avLst>
-              <a:gd name="adj1" fmla="val 23520"/>
-            </a:avLst>
-          </a:prstGeom>
-          <a:solidFill>
-            <a:schemeClr val="dk1"/>
-          </a:solidFill>
-          <a:ln w="9525">
-            <a:solidFill>
-              <a:schemeClr val="accent1">
-                <a:shade val="20000"/>
-              </a:schemeClr>
-            </a:solidFill>
-          </a:ln>
-        </p:spPr>
-        <p:style>
-          <a:lnRef idx="2">
-            <a:schemeClr val="accent1">
-              <a:shade val="20000"/>
-            </a:schemeClr>
-          </a:lnRef>
-          <a:fillRef idx="1">
-            <a:schemeClr val="accent1"/>
-          </a:fillRef>
-          <a:effectRef idx="0">
-            <a:schemeClr val="accent1"/>
-          </a:effectRef>
-          <a:fontRef idx="minor">
-            <a:schemeClr val="lt1"/>
-          </a:fontRef>
-        </p:style>
-        <p:txBody>
-          <a:bodyPr/>
-          <a:p>
-            <a:pPr lvl="0">
-              <a:defRPr/>
-            </a:pPr>
-            <a:endParaRPr/>
-          </a:p>
-        </p:txBody>
-      </p:sp>
-      <p:sp>
-        <p:nvSpPr>
-          <p:cNvPr id="51" name="가로 글상자 50"/>
-          <p:cNvSpPr txBox="1"/>
-          <p:nvPr/>
-        </p:nvSpPr>
-        <p:spPr>
-          <a:xfrm>
-            <a:off x="5159864" y="979603"/>
-            <a:ext cx="448022" cy="339090"/>
-          </a:xfrm>
-          <a:prstGeom prst="rect">
-            <a:avLst/>
-          </a:prstGeom>
-        </p:spPr>
-        <p:txBody>
-          <a:bodyPr vert="horz" wrap="square" anchor="ctr" anchorCtr="0">
-            <a:spAutoFit/>
-          </a:bodyPr>
-          <a:p>
-            <a:pPr lvl="0" algn="ctr">
-              <a:defRPr/>
-            </a:pPr>
-            <a:r>
-              <a:rPr lang="en-US" altLang="ko-KR" sz="1600" b="1"/>
-              <a:t>0.2</a:t>
-            </a:r>
-            <a:endParaRPr lang="en-US" altLang="ko-KR" sz="1600" b="1"/>
-          </a:p>
-        </p:txBody>
-      </p:sp>
-      <p:sp>
-        <p:nvSpPr>
-          <p:cNvPr id="52" name="등호 51"/>
-          <p:cNvSpPr/>
-          <p:nvPr/>
-        </p:nvSpPr>
-        <p:spPr>
-          <a:xfrm>
-            <a:off x="5645087" y="1000883"/>
-            <a:ext cx="654720" cy="331732"/>
-          </a:xfrm>
-          <a:prstGeom prst="mathEqual">
-            <a:avLst>
-              <a:gd name="adj1" fmla="val 23520"/>
-              <a:gd name="adj2" fmla="val 11760"/>
-            </a:avLst>
-          </a:prstGeom>
-          <a:solidFill>
-            <a:schemeClr val="dk1"/>
-          </a:solidFill>
-        </p:spPr>
-        <p:style>
-          <a:lnRef idx="2">
-            <a:schemeClr val="accent1">
-              <a:shade val="20000"/>
-            </a:schemeClr>
-          </a:lnRef>
-          <a:fillRef idx="1">
-            <a:schemeClr val="accent1"/>
-          </a:fillRef>
-          <a:effectRef idx="0">
-            <a:schemeClr val="accent1"/>
-          </a:effectRef>
-          <a:fontRef idx="minor">
-            <a:schemeClr val="lt1"/>
-          </a:fontRef>
-        </p:style>
-        <p:txBody>
-          <a:bodyPr/>
-          <a:p>
-            <a:pPr lvl="0">
-              <a:defRPr/>
-            </a:pPr>
             <a:endParaRPr>
               <a:solidFill>
                 <a:schemeClr val="tx1"/>
@@ -16162,7 +15472,7 @@
         </p:nvSpPr>
         <p:spPr>
           <a:xfrm>
-            <a:off x="5919639" y="224687"/>
+            <a:off x="7556234" y="973984"/>
             <a:ext cx="1706880" cy="367665"/>
           </a:xfrm>
           <a:prstGeom prst="rect">
@@ -16201,7 +15511,7 @@
         </p:nvSpPr>
         <p:spPr>
           <a:xfrm>
-            <a:off x="6619621" y="592352"/>
+            <a:off x="6948204" y="563512"/>
             <a:ext cx="306916" cy="1148796"/>
           </a:xfrm>
           <a:prstGeom prst="rect">
@@ -16248,7 +15558,7 @@
         </p:nvCxnSpPr>
         <p:spPr>
           <a:xfrm>
-            <a:off x="6619621" y="1166750"/>
+            <a:off x="6948204" y="1137910"/>
             <a:ext cx="306916" cy="0"/>
           </a:xfrm>
           <a:prstGeom prst="line">
@@ -16283,7 +15593,7 @@
         </p:nvCxnSpPr>
         <p:spPr>
           <a:xfrm>
-            <a:off x="6619726" y="879551"/>
+            <a:off x="6948309" y="850711"/>
             <a:ext cx="306916" cy="0"/>
           </a:xfrm>
           <a:prstGeom prst="line">
@@ -16318,7 +15628,7 @@
         </p:nvCxnSpPr>
         <p:spPr>
           <a:xfrm>
-            <a:off x="6619726" y="1453949"/>
+            <a:off x="6948309" y="1425109"/>
             <a:ext cx="306916" cy="0"/>
           </a:xfrm>
           <a:prstGeom prst="line">
@@ -16353,7 +15663,7 @@
         </p:nvSpPr>
         <p:spPr>
           <a:xfrm>
-            <a:off x="6619726" y="1741148"/>
+            <a:off x="6948309" y="1712308"/>
             <a:ext cx="306916" cy="1148796"/>
           </a:xfrm>
           <a:prstGeom prst="rect">
@@ -16400,7 +15710,7 @@
         </p:nvCxnSpPr>
         <p:spPr>
           <a:xfrm>
-            <a:off x="6619726" y="2315546"/>
+            <a:off x="6948309" y="2286705"/>
             <a:ext cx="306916" cy="0"/>
           </a:xfrm>
           <a:prstGeom prst="line">
@@ -16435,7 +15745,7 @@
         </p:nvCxnSpPr>
         <p:spPr>
           <a:xfrm>
-            <a:off x="6619832" y="2028347"/>
+            <a:off x="6948415" y="1999507"/>
             <a:ext cx="306916" cy="0"/>
           </a:xfrm>
           <a:prstGeom prst="line">
@@ -16470,7 +15780,7 @@
         </p:nvCxnSpPr>
         <p:spPr>
           <a:xfrm>
-            <a:off x="6619832" y="2602745"/>
+            <a:off x="6948415" y="2573904"/>
             <a:ext cx="306916" cy="0"/>
           </a:xfrm>
           <a:prstGeom prst="line">
@@ -16499,59 +15809,13 @@
       </p:cxnSp>
       <p:sp>
         <p:nvSpPr>
-          <p:cNvPr id="84" name="왼쪽 중괄호 83"/>
-          <p:cNvSpPr/>
-          <p:nvPr/>
-        </p:nvSpPr>
-        <p:spPr>
-          <a:xfrm>
-            <a:off x="6367861" y="1741148"/>
-            <a:ext cx="162136" cy="1157149"/>
-          </a:xfrm>
-          <a:prstGeom prst="leftBrace">
-            <a:avLst>
-              <a:gd name="adj1" fmla="val 8333"/>
-              <a:gd name="adj2" fmla="val 50000"/>
-            </a:avLst>
-          </a:prstGeom>
-        </p:spPr>
-        <p:style>
-          <a:lnRef idx="1">
-            <a:schemeClr val="accent1"/>
-          </a:lnRef>
-          <a:fillRef idx="0">
-            <a:schemeClr val="accent1"/>
-          </a:fillRef>
-          <a:effectRef idx="0">
-            <a:schemeClr val="accent1"/>
-          </a:effectRef>
-          <a:fontRef idx="minor">
-            <a:schemeClr val="tx1"/>
-          </a:fontRef>
-        </p:style>
-        <p:txBody>
-          <a:bodyPr/>
-          <a:p>
-            <a:pPr lvl="0">
-              <a:defRPr/>
-            </a:pPr>
-            <a:endParaRPr>
-              <a:solidFill>
-                <a:schemeClr val="tx1"/>
-              </a:solidFill>
-            </a:endParaRPr>
-          </a:p>
-        </p:txBody>
-      </p:sp>
-      <p:sp>
-        <p:nvSpPr>
           <p:cNvPr id="85" name="세로 글상자 108"/>
           <p:cNvSpPr txBox="1"/>
           <p:nvPr/>
         </p:nvSpPr>
         <p:spPr>
           <a:xfrm>
-            <a:off x="5989824" y="2135890"/>
+            <a:off x="7517130" y="2137249"/>
             <a:ext cx="459105" cy="367665"/>
           </a:xfrm>
           <a:prstGeom prst="rect">
@@ -16932,6 +16196,2929 @@
           </a:p>
         </p:txBody>
       </p:sp>
+      <p:sp>
+        <p:nvSpPr>
+          <p:cNvPr id="99" name="직사각형 98"/>
+          <p:cNvSpPr/>
+          <p:nvPr/>
+        </p:nvSpPr>
+        <p:spPr>
+          <a:xfrm>
+            <a:off x="1834013" y="574749"/>
+            <a:ext cx="306916" cy="1148796"/>
+          </a:xfrm>
+          <a:prstGeom prst="rect">
+            <a:avLst/>
+          </a:prstGeom>
+          <a:solidFill>
+            <a:schemeClr val="accent2"/>
+          </a:solidFill>
+        </p:spPr>
+        <p:style>
+          <a:lnRef idx="2">
+            <a:schemeClr val="accent3">
+              <a:shade val="20000"/>
+            </a:schemeClr>
+          </a:lnRef>
+          <a:fillRef idx="1">
+            <a:schemeClr val="accent3"/>
+          </a:fillRef>
+          <a:effectRef idx="0">
+            <a:schemeClr val="accent3"/>
+          </a:effectRef>
+          <a:fontRef idx="minor">
+            <a:schemeClr val="lt1"/>
+          </a:fontRef>
+        </p:style>
+        <p:txBody>
+          <a:bodyPr/>
+          <a:p>
+            <a:pPr lvl="0">
+              <a:defRPr/>
+            </a:pPr>
+            <a:endParaRPr/>
+          </a:p>
+        </p:txBody>
+      </p:sp>
+      <p:cxnSp>
+        <p:nvCxnSpPr>
+          <p:cNvPr id="100" name="선 99"/>
+          <p:cNvCxnSpPr>
+            <a:stCxn id="99" idx="1"/>
+            <a:endCxn id="99" idx="3"/>
+          </p:cNvCxnSpPr>
+          <p:nvPr/>
+        </p:nvCxnSpPr>
+        <p:spPr>
+          <a:xfrm>
+            <a:off x="1834013" y="1149147"/>
+            <a:ext cx="306916" cy="0"/>
+          </a:xfrm>
+          <a:prstGeom prst="line">
+            <a:avLst/>
+          </a:prstGeom>
+          <a:ln>
+            <a:solidFill>
+              <a:schemeClr val="dk1"/>
+            </a:solidFill>
+          </a:ln>
+        </p:spPr>
+        <p:style>
+          <a:lnRef idx="1">
+            <a:schemeClr val="accent1"/>
+          </a:lnRef>
+          <a:fillRef idx="0">
+            <a:schemeClr val="accent1"/>
+          </a:fillRef>
+          <a:effectRef idx="0">
+            <a:schemeClr val="accent1"/>
+          </a:effectRef>
+          <a:fontRef idx="minor">
+            <a:schemeClr val="tx1"/>
+          </a:fontRef>
+        </p:style>
+      </p:cxnSp>
+      <p:cxnSp>
+        <p:nvCxnSpPr>
+          <p:cNvPr id="101" name="선 100"/>
+          <p:cNvCxnSpPr/>
+          <p:nvPr/>
+        </p:nvCxnSpPr>
+        <p:spPr>
+          <a:xfrm>
+            <a:off x="1834118" y="861948"/>
+            <a:ext cx="306916" cy="0"/>
+          </a:xfrm>
+          <a:prstGeom prst="line">
+            <a:avLst/>
+          </a:prstGeom>
+          <a:ln>
+            <a:solidFill>
+              <a:schemeClr val="dk1"/>
+            </a:solidFill>
+          </a:ln>
+        </p:spPr>
+        <p:style>
+          <a:lnRef idx="1">
+            <a:schemeClr val="accent1"/>
+          </a:lnRef>
+          <a:fillRef idx="0">
+            <a:schemeClr val="accent1"/>
+          </a:fillRef>
+          <a:effectRef idx="0">
+            <a:schemeClr val="accent1"/>
+          </a:effectRef>
+          <a:fontRef idx="minor">
+            <a:schemeClr val="tx1"/>
+          </a:fontRef>
+        </p:style>
+      </p:cxnSp>
+      <p:cxnSp>
+        <p:nvCxnSpPr>
+          <p:cNvPr id="102" name="선 101"/>
+          <p:cNvCxnSpPr/>
+          <p:nvPr/>
+        </p:nvCxnSpPr>
+        <p:spPr>
+          <a:xfrm>
+            <a:off x="1834118" y="1436346"/>
+            <a:ext cx="306916" cy="0"/>
+          </a:xfrm>
+          <a:prstGeom prst="line">
+            <a:avLst/>
+          </a:prstGeom>
+          <a:ln>
+            <a:solidFill>
+              <a:schemeClr val="dk1"/>
+            </a:solidFill>
+          </a:ln>
+        </p:spPr>
+        <p:style>
+          <a:lnRef idx="1">
+            <a:schemeClr val="accent1"/>
+          </a:lnRef>
+          <a:fillRef idx="0">
+            <a:schemeClr val="accent1"/>
+          </a:fillRef>
+          <a:effectRef idx="0">
+            <a:schemeClr val="accent1"/>
+          </a:effectRef>
+          <a:fontRef idx="minor">
+            <a:schemeClr val="tx1"/>
+          </a:fontRef>
+        </p:style>
+      </p:cxnSp>
+      <p:sp>
+        <p:nvSpPr>
+          <p:cNvPr id="103" name="곱셈 기호 102"/>
+          <p:cNvSpPr/>
+          <p:nvPr/>
+        </p:nvSpPr>
+        <p:spPr>
+          <a:xfrm>
+            <a:off x="2235968" y="1035514"/>
+            <a:ext cx="216027" cy="216027"/>
+          </a:xfrm>
+          <a:prstGeom prst="mathMultiply">
+            <a:avLst>
+              <a:gd name="adj1" fmla="val 12991"/>
+            </a:avLst>
+          </a:prstGeom>
+          <a:solidFill>
+            <a:schemeClr val="dk1"/>
+          </a:solidFill>
+          <a:ln w="3175">
+            <a:solidFill>
+              <a:schemeClr val="accent1">
+                <a:shade val="20000"/>
+              </a:schemeClr>
+            </a:solidFill>
+          </a:ln>
+        </p:spPr>
+        <p:style>
+          <a:lnRef idx="2">
+            <a:schemeClr val="accent1">
+              <a:shade val="20000"/>
+            </a:schemeClr>
+          </a:lnRef>
+          <a:fillRef idx="1">
+            <a:schemeClr val="accent1"/>
+          </a:fillRef>
+          <a:effectRef idx="0">
+            <a:schemeClr val="accent1"/>
+          </a:effectRef>
+          <a:fontRef idx="minor">
+            <a:schemeClr val="lt1"/>
+          </a:fontRef>
+        </p:style>
+        <p:txBody>
+          <a:bodyPr/>
+          <a:p>
+            <a:pPr lvl="0">
+              <a:defRPr/>
+            </a:pPr>
+            <a:endParaRPr/>
+          </a:p>
+        </p:txBody>
+      </p:sp>
+      <p:sp>
+        <p:nvSpPr>
+          <p:cNvPr id="104" name="가로 글상자 103"/>
+          <p:cNvSpPr txBox="1"/>
+          <p:nvPr/>
+        </p:nvSpPr>
+        <p:spPr>
+          <a:xfrm>
+            <a:off x="2470834" y="989127"/>
+            <a:ext cx="448022" cy="339090"/>
+          </a:xfrm>
+          <a:prstGeom prst="rect">
+            <a:avLst/>
+          </a:prstGeom>
+        </p:spPr>
+        <p:txBody>
+          <a:bodyPr vert="horz" wrap="square" anchor="ctr" anchorCtr="0">
+            <a:spAutoFit/>
+          </a:bodyPr>
+          <a:p>
+            <a:pPr lvl="0" algn="ctr">
+              <a:defRPr/>
+            </a:pPr>
+            <a:r>
+              <a:rPr lang="en-US" altLang="ko-KR" sz="1600" b="1"/>
+              <a:t>0.3</a:t>
+            </a:r>
+            <a:endParaRPr lang="en-US" altLang="ko-KR" sz="1600" b="1"/>
+          </a:p>
+        </p:txBody>
+      </p:sp>
+      <p:sp>
+        <p:nvSpPr>
+          <p:cNvPr id="105" name="덧셈 기호 104"/>
+          <p:cNvSpPr/>
+          <p:nvPr/>
+        </p:nvSpPr>
+        <p:spPr>
+          <a:xfrm>
+            <a:off x="2977564" y="1035514"/>
+            <a:ext cx="216027" cy="216027"/>
+          </a:xfrm>
+          <a:prstGeom prst="mathPlus">
+            <a:avLst>
+              <a:gd name="adj1" fmla="val 12725"/>
+            </a:avLst>
+          </a:prstGeom>
+          <a:solidFill>
+            <a:schemeClr val="dk1"/>
+          </a:solidFill>
+          <a:ln w="3175">
+            <a:solidFill>
+              <a:schemeClr val="accent1">
+                <a:shade val="20000"/>
+              </a:schemeClr>
+            </a:solidFill>
+          </a:ln>
+        </p:spPr>
+        <p:style>
+          <a:lnRef idx="2">
+            <a:schemeClr val="accent1">
+              <a:shade val="20000"/>
+            </a:schemeClr>
+          </a:lnRef>
+          <a:fillRef idx="1">
+            <a:schemeClr val="accent1"/>
+          </a:fillRef>
+          <a:effectRef idx="0">
+            <a:schemeClr val="accent1"/>
+          </a:effectRef>
+          <a:fontRef idx="minor">
+            <a:schemeClr val="lt1"/>
+          </a:fontRef>
+        </p:style>
+        <p:txBody>
+          <a:bodyPr/>
+          <a:p>
+            <a:pPr lvl="0">
+              <a:defRPr/>
+            </a:pPr>
+            <a:endParaRPr/>
+          </a:p>
+        </p:txBody>
+      </p:sp>
+      <p:sp>
+        <p:nvSpPr>
+          <p:cNvPr id="106" name="직사각형 105"/>
+          <p:cNvSpPr/>
+          <p:nvPr/>
+        </p:nvSpPr>
+        <p:spPr>
+          <a:xfrm>
+            <a:off x="3402825" y="574749"/>
+            <a:ext cx="306916" cy="1148796"/>
+          </a:xfrm>
+          <a:prstGeom prst="rect">
+            <a:avLst/>
+          </a:prstGeom>
+          <a:solidFill>
+            <a:schemeClr val="accent2"/>
+          </a:solidFill>
+        </p:spPr>
+        <p:style>
+          <a:lnRef idx="2">
+            <a:schemeClr val="accent3">
+              <a:shade val="20000"/>
+            </a:schemeClr>
+          </a:lnRef>
+          <a:fillRef idx="1">
+            <a:schemeClr val="accent3"/>
+          </a:fillRef>
+          <a:effectRef idx="0">
+            <a:schemeClr val="accent3"/>
+          </a:effectRef>
+          <a:fontRef idx="minor">
+            <a:schemeClr val="lt1"/>
+          </a:fontRef>
+        </p:style>
+        <p:txBody>
+          <a:bodyPr/>
+          <a:p>
+            <a:pPr lvl="0">
+              <a:defRPr/>
+            </a:pPr>
+            <a:endParaRPr/>
+          </a:p>
+        </p:txBody>
+      </p:sp>
+      <p:cxnSp>
+        <p:nvCxnSpPr>
+          <p:cNvPr id="107" name="선 106"/>
+          <p:cNvCxnSpPr>
+            <a:stCxn id="106" idx="1"/>
+            <a:endCxn id="106" idx="3"/>
+          </p:cNvCxnSpPr>
+          <p:nvPr/>
+        </p:nvCxnSpPr>
+        <p:spPr>
+          <a:xfrm>
+            <a:off x="3402825" y="1149147"/>
+            <a:ext cx="306916" cy="0"/>
+          </a:xfrm>
+          <a:prstGeom prst="line">
+            <a:avLst/>
+          </a:prstGeom>
+          <a:ln>
+            <a:solidFill>
+              <a:schemeClr val="dk1"/>
+            </a:solidFill>
+          </a:ln>
+        </p:spPr>
+        <p:style>
+          <a:lnRef idx="1">
+            <a:schemeClr val="accent1"/>
+          </a:lnRef>
+          <a:fillRef idx="0">
+            <a:schemeClr val="accent1"/>
+          </a:fillRef>
+          <a:effectRef idx="0">
+            <a:schemeClr val="accent1"/>
+          </a:effectRef>
+          <a:fontRef idx="minor">
+            <a:schemeClr val="tx1"/>
+          </a:fontRef>
+        </p:style>
+      </p:cxnSp>
+      <p:cxnSp>
+        <p:nvCxnSpPr>
+          <p:cNvPr id="108" name="선 107"/>
+          <p:cNvCxnSpPr/>
+          <p:nvPr/>
+        </p:nvCxnSpPr>
+        <p:spPr>
+          <a:xfrm>
+            <a:off x="3402930" y="861948"/>
+            <a:ext cx="306916" cy="0"/>
+          </a:xfrm>
+          <a:prstGeom prst="line">
+            <a:avLst/>
+          </a:prstGeom>
+          <a:ln>
+            <a:solidFill>
+              <a:schemeClr val="dk1"/>
+            </a:solidFill>
+          </a:ln>
+        </p:spPr>
+        <p:style>
+          <a:lnRef idx="1">
+            <a:schemeClr val="accent1"/>
+          </a:lnRef>
+          <a:fillRef idx="0">
+            <a:schemeClr val="accent1"/>
+          </a:fillRef>
+          <a:effectRef idx="0">
+            <a:schemeClr val="accent1"/>
+          </a:effectRef>
+          <a:fontRef idx="minor">
+            <a:schemeClr val="tx1"/>
+          </a:fontRef>
+        </p:style>
+      </p:cxnSp>
+      <p:cxnSp>
+        <p:nvCxnSpPr>
+          <p:cNvPr id="109" name="선 108"/>
+          <p:cNvCxnSpPr/>
+          <p:nvPr/>
+        </p:nvCxnSpPr>
+        <p:spPr>
+          <a:xfrm>
+            <a:off x="3402930" y="1436346"/>
+            <a:ext cx="306916" cy="0"/>
+          </a:xfrm>
+          <a:prstGeom prst="line">
+            <a:avLst/>
+          </a:prstGeom>
+          <a:ln>
+            <a:solidFill>
+              <a:schemeClr val="dk1"/>
+            </a:solidFill>
+          </a:ln>
+        </p:spPr>
+        <p:style>
+          <a:lnRef idx="1">
+            <a:schemeClr val="accent1"/>
+          </a:lnRef>
+          <a:fillRef idx="0">
+            <a:schemeClr val="accent1"/>
+          </a:fillRef>
+          <a:effectRef idx="0">
+            <a:schemeClr val="accent1"/>
+          </a:effectRef>
+          <a:fontRef idx="minor">
+            <a:schemeClr val="tx1"/>
+          </a:fontRef>
+        </p:style>
+      </p:cxnSp>
+      <p:sp>
+        <p:nvSpPr>
+          <p:cNvPr id="110" name="곱셈 기호 109"/>
+          <p:cNvSpPr/>
+          <p:nvPr/>
+        </p:nvSpPr>
+        <p:spPr>
+          <a:xfrm>
+            <a:off x="3804780" y="1035514"/>
+            <a:ext cx="216027" cy="216027"/>
+          </a:xfrm>
+          <a:prstGeom prst="mathMultiply">
+            <a:avLst>
+              <a:gd name="adj1" fmla="val 12991"/>
+            </a:avLst>
+          </a:prstGeom>
+          <a:solidFill>
+            <a:schemeClr val="dk1"/>
+          </a:solidFill>
+          <a:ln w="3175">
+            <a:solidFill>
+              <a:schemeClr val="accent1">
+                <a:shade val="20000"/>
+              </a:schemeClr>
+            </a:solidFill>
+          </a:ln>
+        </p:spPr>
+        <p:style>
+          <a:lnRef idx="2">
+            <a:schemeClr val="accent1">
+              <a:shade val="20000"/>
+            </a:schemeClr>
+          </a:lnRef>
+          <a:fillRef idx="1">
+            <a:schemeClr val="accent1"/>
+          </a:fillRef>
+          <a:effectRef idx="0">
+            <a:schemeClr val="accent1"/>
+          </a:effectRef>
+          <a:fontRef idx="minor">
+            <a:schemeClr val="lt1"/>
+          </a:fontRef>
+        </p:style>
+        <p:txBody>
+          <a:bodyPr/>
+          <a:p>
+            <a:pPr lvl="0">
+              <a:defRPr/>
+            </a:pPr>
+            <a:endParaRPr/>
+          </a:p>
+        </p:txBody>
+      </p:sp>
+      <p:sp>
+        <p:nvSpPr>
+          <p:cNvPr id="111" name="가로 글상자 110"/>
+          <p:cNvSpPr txBox="1"/>
+          <p:nvPr/>
+        </p:nvSpPr>
+        <p:spPr>
+          <a:xfrm>
+            <a:off x="4039646" y="989127"/>
+            <a:ext cx="448022" cy="339090"/>
+          </a:xfrm>
+          <a:prstGeom prst="rect">
+            <a:avLst/>
+          </a:prstGeom>
+        </p:spPr>
+        <p:txBody>
+          <a:bodyPr vert="horz" wrap="square" anchor="ctr" anchorCtr="0">
+            <a:spAutoFit/>
+          </a:bodyPr>
+          <a:p>
+            <a:pPr lvl="0" algn="ctr">
+              <a:defRPr/>
+            </a:pPr>
+            <a:r>
+              <a:rPr lang="en-US" altLang="ko-KR" sz="1600" b="1"/>
+              <a:t>0.4</a:t>
+            </a:r>
+            <a:endParaRPr lang="en-US" altLang="ko-KR" sz="1600" b="1"/>
+          </a:p>
+        </p:txBody>
+      </p:sp>
+      <p:sp>
+        <p:nvSpPr>
+          <p:cNvPr id="112" name="덧셈 기호 111"/>
+          <p:cNvSpPr/>
+          <p:nvPr/>
+        </p:nvSpPr>
+        <p:spPr>
+          <a:xfrm>
+            <a:off x="4546376" y="1035514"/>
+            <a:ext cx="216027" cy="216027"/>
+          </a:xfrm>
+          <a:prstGeom prst="mathPlus">
+            <a:avLst>
+              <a:gd name="adj1" fmla="val 12725"/>
+            </a:avLst>
+          </a:prstGeom>
+          <a:solidFill>
+            <a:schemeClr val="dk1"/>
+          </a:solidFill>
+          <a:ln w="3175">
+            <a:solidFill>
+              <a:schemeClr val="accent1">
+                <a:shade val="20000"/>
+              </a:schemeClr>
+            </a:solidFill>
+          </a:ln>
+        </p:spPr>
+        <p:style>
+          <a:lnRef idx="2">
+            <a:schemeClr val="accent1">
+              <a:shade val="20000"/>
+            </a:schemeClr>
+          </a:lnRef>
+          <a:fillRef idx="1">
+            <a:schemeClr val="accent1"/>
+          </a:fillRef>
+          <a:effectRef idx="0">
+            <a:schemeClr val="accent1"/>
+          </a:effectRef>
+          <a:fontRef idx="minor">
+            <a:schemeClr val="lt1"/>
+          </a:fontRef>
+        </p:style>
+        <p:txBody>
+          <a:bodyPr/>
+          <a:p>
+            <a:pPr lvl="0">
+              <a:defRPr/>
+            </a:pPr>
+            <a:endParaRPr/>
+          </a:p>
+        </p:txBody>
+      </p:sp>
+      <p:sp>
+        <p:nvSpPr>
+          <p:cNvPr id="113" name="직사각형 112"/>
+          <p:cNvSpPr/>
+          <p:nvPr/>
+        </p:nvSpPr>
+        <p:spPr>
+          <a:xfrm>
+            <a:off x="4962112" y="569131"/>
+            <a:ext cx="306916" cy="1148796"/>
+          </a:xfrm>
+          <a:prstGeom prst="rect">
+            <a:avLst/>
+          </a:prstGeom>
+          <a:solidFill>
+            <a:schemeClr val="accent2"/>
+          </a:solidFill>
+        </p:spPr>
+        <p:style>
+          <a:lnRef idx="2">
+            <a:schemeClr val="accent3">
+              <a:shade val="20000"/>
+            </a:schemeClr>
+          </a:lnRef>
+          <a:fillRef idx="1">
+            <a:schemeClr val="accent3"/>
+          </a:fillRef>
+          <a:effectRef idx="0">
+            <a:schemeClr val="accent3"/>
+          </a:effectRef>
+          <a:fontRef idx="minor">
+            <a:schemeClr val="lt1"/>
+          </a:fontRef>
+        </p:style>
+        <p:txBody>
+          <a:bodyPr/>
+          <a:p>
+            <a:pPr lvl="0">
+              <a:defRPr/>
+            </a:pPr>
+            <a:endParaRPr/>
+          </a:p>
+        </p:txBody>
+      </p:sp>
+      <p:cxnSp>
+        <p:nvCxnSpPr>
+          <p:cNvPr id="114" name="선 113"/>
+          <p:cNvCxnSpPr>
+            <a:stCxn id="113" idx="1"/>
+            <a:endCxn id="113" idx="3"/>
+          </p:cNvCxnSpPr>
+          <p:nvPr/>
+        </p:nvCxnSpPr>
+        <p:spPr>
+          <a:xfrm>
+            <a:off x="4962112" y="1143529"/>
+            <a:ext cx="306916" cy="0"/>
+          </a:xfrm>
+          <a:prstGeom prst="line">
+            <a:avLst/>
+          </a:prstGeom>
+          <a:ln>
+            <a:solidFill>
+              <a:schemeClr val="dk1"/>
+            </a:solidFill>
+          </a:ln>
+        </p:spPr>
+        <p:style>
+          <a:lnRef idx="1">
+            <a:schemeClr val="accent1"/>
+          </a:lnRef>
+          <a:fillRef idx="0">
+            <a:schemeClr val="accent1"/>
+          </a:fillRef>
+          <a:effectRef idx="0">
+            <a:schemeClr val="accent1"/>
+          </a:effectRef>
+          <a:fontRef idx="minor">
+            <a:schemeClr val="tx1"/>
+          </a:fontRef>
+        </p:style>
+      </p:cxnSp>
+      <p:cxnSp>
+        <p:nvCxnSpPr>
+          <p:cNvPr id="115" name="선 114"/>
+          <p:cNvCxnSpPr/>
+          <p:nvPr/>
+        </p:nvCxnSpPr>
+        <p:spPr>
+          <a:xfrm>
+            <a:off x="4962217" y="856330"/>
+            <a:ext cx="306916" cy="0"/>
+          </a:xfrm>
+          <a:prstGeom prst="line">
+            <a:avLst/>
+          </a:prstGeom>
+          <a:ln>
+            <a:solidFill>
+              <a:schemeClr val="dk1"/>
+            </a:solidFill>
+          </a:ln>
+        </p:spPr>
+        <p:style>
+          <a:lnRef idx="1">
+            <a:schemeClr val="accent1"/>
+          </a:lnRef>
+          <a:fillRef idx="0">
+            <a:schemeClr val="accent1"/>
+          </a:fillRef>
+          <a:effectRef idx="0">
+            <a:schemeClr val="accent1"/>
+          </a:effectRef>
+          <a:fontRef idx="minor">
+            <a:schemeClr val="tx1"/>
+          </a:fontRef>
+        </p:style>
+      </p:cxnSp>
+      <p:cxnSp>
+        <p:nvCxnSpPr>
+          <p:cNvPr id="116" name="선 115"/>
+          <p:cNvCxnSpPr/>
+          <p:nvPr/>
+        </p:nvCxnSpPr>
+        <p:spPr>
+          <a:xfrm>
+            <a:off x="4962217" y="1430728"/>
+            <a:ext cx="306916" cy="0"/>
+          </a:xfrm>
+          <a:prstGeom prst="line">
+            <a:avLst/>
+          </a:prstGeom>
+          <a:ln>
+            <a:solidFill>
+              <a:schemeClr val="dk1"/>
+            </a:solidFill>
+          </a:ln>
+        </p:spPr>
+        <p:style>
+          <a:lnRef idx="1">
+            <a:schemeClr val="accent1"/>
+          </a:lnRef>
+          <a:fillRef idx="0">
+            <a:schemeClr val="accent1"/>
+          </a:fillRef>
+          <a:effectRef idx="0">
+            <a:schemeClr val="accent1"/>
+          </a:effectRef>
+          <a:fontRef idx="minor">
+            <a:schemeClr val="tx1"/>
+          </a:fontRef>
+        </p:style>
+      </p:cxnSp>
+      <p:sp>
+        <p:nvSpPr>
+          <p:cNvPr id="117" name="곱셈 기호 116"/>
+          <p:cNvSpPr/>
+          <p:nvPr/>
+        </p:nvSpPr>
+        <p:spPr>
+          <a:xfrm>
+            <a:off x="5364067" y="1029896"/>
+            <a:ext cx="216027" cy="216027"/>
+          </a:xfrm>
+          <a:prstGeom prst="mathMultiply">
+            <a:avLst>
+              <a:gd name="adj1" fmla="val 12991"/>
+            </a:avLst>
+          </a:prstGeom>
+          <a:solidFill>
+            <a:schemeClr val="dk1"/>
+          </a:solidFill>
+          <a:ln w="3175">
+            <a:solidFill>
+              <a:schemeClr val="accent1">
+                <a:shade val="20000"/>
+              </a:schemeClr>
+            </a:solidFill>
+          </a:ln>
+        </p:spPr>
+        <p:style>
+          <a:lnRef idx="2">
+            <a:schemeClr val="accent1">
+              <a:shade val="20000"/>
+            </a:schemeClr>
+          </a:lnRef>
+          <a:fillRef idx="1">
+            <a:schemeClr val="accent1"/>
+          </a:fillRef>
+          <a:effectRef idx="0">
+            <a:schemeClr val="accent1"/>
+          </a:effectRef>
+          <a:fontRef idx="minor">
+            <a:schemeClr val="lt1"/>
+          </a:fontRef>
+        </p:style>
+        <p:txBody>
+          <a:bodyPr/>
+          <a:p>
+            <a:pPr lvl="0">
+              <a:defRPr/>
+            </a:pPr>
+            <a:endParaRPr/>
+          </a:p>
+        </p:txBody>
+      </p:sp>
+      <p:sp>
+        <p:nvSpPr>
+          <p:cNvPr id="118" name="가로 글상자 117"/>
+          <p:cNvSpPr txBox="1"/>
+          <p:nvPr/>
+        </p:nvSpPr>
+        <p:spPr>
+          <a:xfrm>
+            <a:off x="5598933" y="973984"/>
+            <a:ext cx="448022" cy="339090"/>
+          </a:xfrm>
+          <a:prstGeom prst="rect">
+            <a:avLst/>
+          </a:prstGeom>
+        </p:spPr>
+        <p:txBody>
+          <a:bodyPr vert="horz" wrap="square" anchor="ctr" anchorCtr="0">
+            <a:spAutoFit/>
+          </a:bodyPr>
+          <a:p>
+            <a:pPr lvl="0" algn="ctr">
+              <a:defRPr/>
+            </a:pPr>
+            <a:r>
+              <a:rPr lang="en-US" altLang="ko-KR" sz="1600" b="1"/>
+              <a:t>0.2</a:t>
+            </a:r>
+            <a:endParaRPr lang="en-US" altLang="ko-KR" sz="1600" b="1"/>
+          </a:p>
+        </p:txBody>
+      </p:sp>
+      <p:sp>
+        <p:nvSpPr>
+          <p:cNvPr id="119" name="세로 글상자 108"/>
+          <p:cNvSpPr txBox="1"/>
+          <p:nvPr/>
+        </p:nvSpPr>
+        <p:spPr>
+          <a:xfrm>
+            <a:off x="1767443" y="207084"/>
+            <a:ext cx="459105" cy="367665"/>
+          </a:xfrm>
+          <a:prstGeom prst="rect">
+            <a:avLst/>
+          </a:prstGeom>
+        </p:spPr>
+        <p:txBody>
+          <a:bodyPr vert="horz" wrap="square" anchor="ctr" anchorCtr="0">
+            <a:spAutoFit/>
+          </a:bodyPr>
+          <a:p>
+            <a:pPr lvl="0" algn="ctr">
+              <a:defRPr/>
+            </a:pPr>
+            <a:r>
+              <a:rPr lang="en-US" altLang="ko-KR" b="1">
+                <a:solidFill>
+                  <a:srgbClr val="ff0000"/>
+                </a:solidFill>
+              </a:rPr>
+              <a:t>h2</a:t>
+            </a:r>
+            <a:endParaRPr lang="en-US" altLang="ko-KR" b="1">
+              <a:solidFill>
+                <a:srgbClr val="ff0000"/>
+              </a:solidFill>
+            </a:endParaRPr>
+          </a:p>
+        </p:txBody>
+      </p:sp>
+      <p:sp>
+        <p:nvSpPr>
+          <p:cNvPr id="120" name="세로 글상자 108"/>
+          <p:cNvSpPr txBox="1"/>
+          <p:nvPr/>
+        </p:nvSpPr>
+        <p:spPr>
+          <a:xfrm>
+            <a:off x="3345675" y="207084"/>
+            <a:ext cx="459105" cy="367665"/>
+          </a:xfrm>
+          <a:prstGeom prst="rect">
+            <a:avLst/>
+          </a:prstGeom>
+        </p:spPr>
+        <p:txBody>
+          <a:bodyPr vert="horz" wrap="square" anchor="ctr" anchorCtr="0">
+            <a:spAutoFit/>
+          </a:bodyPr>
+          <a:p>
+            <a:pPr lvl="0" algn="ctr">
+              <a:defRPr/>
+            </a:pPr>
+            <a:r>
+              <a:rPr lang="en-US" altLang="ko-KR" b="1">
+                <a:solidFill>
+                  <a:srgbClr val="ff0000"/>
+                </a:solidFill>
+              </a:rPr>
+              <a:t>h3</a:t>
+            </a:r>
+            <a:endParaRPr lang="en-US" altLang="ko-KR" b="1">
+              <a:solidFill>
+                <a:srgbClr val="ff0000"/>
+              </a:solidFill>
+            </a:endParaRPr>
+          </a:p>
+        </p:txBody>
+      </p:sp>
+      <p:sp>
+        <p:nvSpPr>
+          <p:cNvPr id="121" name="세로 글상자 108"/>
+          <p:cNvSpPr txBox="1"/>
+          <p:nvPr/>
+        </p:nvSpPr>
+        <p:spPr>
+          <a:xfrm>
+            <a:off x="4857231" y="210991"/>
+            <a:ext cx="459105" cy="367665"/>
+          </a:xfrm>
+          <a:prstGeom prst="rect">
+            <a:avLst/>
+          </a:prstGeom>
+        </p:spPr>
+        <p:txBody>
+          <a:bodyPr vert="horz" wrap="square" anchor="ctr" anchorCtr="0">
+            <a:spAutoFit/>
+          </a:bodyPr>
+          <a:p>
+            <a:pPr lvl="0" algn="ctr">
+              <a:defRPr/>
+            </a:pPr>
+            <a:r>
+              <a:rPr lang="en-US" altLang="ko-KR" b="1">
+                <a:solidFill>
+                  <a:srgbClr val="ff0000"/>
+                </a:solidFill>
+              </a:rPr>
+              <a:t>h4</a:t>
+            </a:r>
+            <a:endParaRPr lang="en-US" altLang="ko-KR" b="1">
+              <a:solidFill>
+                <a:srgbClr val="ff0000"/>
+              </a:solidFill>
+            </a:endParaRPr>
+          </a:p>
+        </p:txBody>
+      </p:sp>
+      <p:sp>
+        <p:nvSpPr>
+          <p:cNvPr id="130" name="오른쪽 중괄호 129"/>
+          <p:cNvSpPr/>
+          <p:nvPr/>
+        </p:nvSpPr>
+        <p:spPr>
+          <a:xfrm>
+            <a:off x="7290901" y="574751"/>
+            <a:ext cx="229552" cy="1137557"/>
+          </a:xfrm>
+          <a:prstGeom prst="rightBrace">
+            <a:avLst>
+              <a:gd name="adj1" fmla="val 8333"/>
+              <a:gd name="adj2" fmla="val 50000"/>
+            </a:avLst>
+          </a:prstGeom>
+        </p:spPr>
+        <p:style>
+          <a:lnRef idx="1">
+            <a:schemeClr val="accent1"/>
+          </a:lnRef>
+          <a:fillRef idx="0">
+            <a:schemeClr val="accent1"/>
+          </a:fillRef>
+          <a:effectRef idx="0">
+            <a:schemeClr val="accent1"/>
+          </a:effectRef>
+          <a:fontRef idx="minor">
+            <a:schemeClr val="tx1"/>
+          </a:fontRef>
+        </p:style>
+        <p:txBody>
+          <a:bodyPr/>
+          <a:p>
+            <a:pPr lvl="0">
+              <a:defRPr/>
+            </a:pPr>
+            <a:endParaRPr>
+              <a:solidFill>
+                <a:schemeClr val="tx1"/>
+              </a:solidFill>
+            </a:endParaRPr>
+          </a:p>
+        </p:txBody>
+      </p:sp>
+      <p:sp>
+        <p:nvSpPr>
+          <p:cNvPr id="131" name="오른쪽 중괄호 130"/>
+          <p:cNvSpPr/>
+          <p:nvPr/>
+        </p:nvSpPr>
+        <p:spPr>
+          <a:xfrm>
+            <a:off x="7287578" y="1728595"/>
+            <a:ext cx="229552" cy="1137557"/>
+          </a:xfrm>
+          <a:prstGeom prst="rightBrace">
+            <a:avLst>
+              <a:gd name="adj1" fmla="val 8333"/>
+              <a:gd name="adj2" fmla="val 50000"/>
+            </a:avLst>
+          </a:prstGeom>
+        </p:spPr>
+        <p:style>
+          <a:lnRef idx="1">
+            <a:schemeClr val="accent1"/>
+          </a:lnRef>
+          <a:fillRef idx="0">
+            <a:schemeClr val="accent1"/>
+          </a:fillRef>
+          <a:effectRef idx="0">
+            <a:schemeClr val="accent1"/>
+          </a:effectRef>
+          <a:fontRef idx="minor">
+            <a:schemeClr val="tx1"/>
+          </a:fontRef>
+        </p:style>
+        <p:txBody>
+          <a:bodyPr/>
+          <a:p>
+            <a:pPr lvl="0">
+              <a:defRPr/>
+            </a:pPr>
+            <a:endParaRPr>
+              <a:solidFill>
+                <a:schemeClr val="tx1"/>
+              </a:solidFill>
+            </a:endParaRPr>
+          </a:p>
+        </p:txBody>
+      </p:sp>
+      <p:sp>
+        <p:nvSpPr>
+          <p:cNvPr id="132" name="세로 글상자 108"/>
+          <p:cNvSpPr txBox="1"/>
+          <p:nvPr/>
+        </p:nvSpPr>
+        <p:spPr>
+          <a:xfrm>
+            <a:off x="6872320" y="195847"/>
+            <a:ext cx="459105" cy="367665"/>
+          </a:xfrm>
+          <a:prstGeom prst="rect">
+            <a:avLst/>
+          </a:prstGeom>
+        </p:spPr>
+        <p:txBody>
+          <a:bodyPr vert="horz" wrap="square" anchor="ctr" anchorCtr="0">
+            <a:spAutoFit/>
+          </a:bodyPr>
+          <a:p>
+            <a:pPr lvl="0" algn="ctr">
+              <a:defRPr/>
+            </a:pPr>
+            <a:r>
+              <a:rPr lang="en-US" altLang="ko-KR" b="1">
+                <a:solidFill>
+                  <a:srgbClr val="ff0000"/>
+                </a:solidFill>
+              </a:rPr>
+              <a:t>v</a:t>
+            </a:r>
+            <a:endParaRPr lang="en-US" altLang="ko-KR" b="1">
+              <a:solidFill>
+                <a:srgbClr val="ff0000"/>
+              </a:solidFill>
+            </a:endParaRPr>
+          </a:p>
+        </p:txBody>
+      </p:sp>
+      <p:sp>
+        <p:nvSpPr>
+          <p:cNvPr id="133" name="직사각형 132"/>
+          <p:cNvSpPr/>
+          <p:nvPr/>
+        </p:nvSpPr>
+        <p:spPr>
+          <a:xfrm>
+            <a:off x="4004551" y="3582914"/>
+            <a:ext cx="306916" cy="1148796"/>
+          </a:xfrm>
+          <a:prstGeom prst="rect">
+            <a:avLst/>
+          </a:prstGeom>
+          <a:solidFill>
+            <a:schemeClr val="accent2"/>
+          </a:solidFill>
+        </p:spPr>
+        <p:style>
+          <a:lnRef idx="2">
+            <a:schemeClr val="accent3">
+              <a:shade val="20000"/>
+            </a:schemeClr>
+          </a:lnRef>
+          <a:fillRef idx="1">
+            <a:schemeClr val="accent3"/>
+          </a:fillRef>
+          <a:effectRef idx="0">
+            <a:schemeClr val="accent3"/>
+          </a:effectRef>
+          <a:fontRef idx="minor">
+            <a:schemeClr val="lt1"/>
+          </a:fontRef>
+        </p:style>
+        <p:txBody>
+          <a:bodyPr/>
+          <a:p>
+            <a:pPr lvl="0">
+              <a:defRPr/>
+            </a:pPr>
+            <a:endParaRPr/>
+          </a:p>
+        </p:txBody>
+      </p:sp>
+      <p:cxnSp>
+        <p:nvCxnSpPr>
+          <p:cNvPr id="134" name="선 133"/>
+          <p:cNvCxnSpPr>
+            <a:stCxn id="133" idx="1"/>
+            <a:endCxn id="133" idx="3"/>
+          </p:cNvCxnSpPr>
+          <p:nvPr/>
+        </p:nvCxnSpPr>
+        <p:spPr>
+          <a:xfrm>
+            <a:off x="4004551" y="4157312"/>
+            <a:ext cx="306916" cy="0"/>
+          </a:xfrm>
+          <a:prstGeom prst="line">
+            <a:avLst/>
+          </a:prstGeom>
+          <a:ln>
+            <a:solidFill>
+              <a:schemeClr val="dk1"/>
+            </a:solidFill>
+          </a:ln>
+        </p:spPr>
+        <p:style>
+          <a:lnRef idx="1">
+            <a:schemeClr val="accent1"/>
+          </a:lnRef>
+          <a:fillRef idx="0">
+            <a:schemeClr val="accent1"/>
+          </a:fillRef>
+          <a:effectRef idx="0">
+            <a:schemeClr val="accent1"/>
+          </a:effectRef>
+          <a:fontRef idx="minor">
+            <a:schemeClr val="tx1"/>
+          </a:fontRef>
+        </p:style>
+      </p:cxnSp>
+      <p:cxnSp>
+        <p:nvCxnSpPr>
+          <p:cNvPr id="135" name="선 134"/>
+          <p:cNvCxnSpPr/>
+          <p:nvPr/>
+        </p:nvCxnSpPr>
+        <p:spPr>
+          <a:xfrm>
+            <a:off x="4004656" y="3870113"/>
+            <a:ext cx="306916" cy="0"/>
+          </a:xfrm>
+          <a:prstGeom prst="line">
+            <a:avLst/>
+          </a:prstGeom>
+          <a:ln>
+            <a:solidFill>
+              <a:schemeClr val="dk1"/>
+            </a:solidFill>
+          </a:ln>
+        </p:spPr>
+        <p:style>
+          <a:lnRef idx="1">
+            <a:schemeClr val="accent1"/>
+          </a:lnRef>
+          <a:fillRef idx="0">
+            <a:schemeClr val="accent1"/>
+          </a:fillRef>
+          <a:effectRef idx="0">
+            <a:schemeClr val="accent1"/>
+          </a:effectRef>
+          <a:fontRef idx="minor">
+            <a:schemeClr val="tx1"/>
+          </a:fontRef>
+        </p:style>
+      </p:cxnSp>
+      <p:cxnSp>
+        <p:nvCxnSpPr>
+          <p:cNvPr id="136" name="선 135"/>
+          <p:cNvCxnSpPr/>
+          <p:nvPr/>
+        </p:nvCxnSpPr>
+        <p:spPr>
+          <a:xfrm>
+            <a:off x="4004656" y="4444511"/>
+            <a:ext cx="306916" cy="0"/>
+          </a:xfrm>
+          <a:prstGeom prst="line">
+            <a:avLst/>
+          </a:prstGeom>
+          <a:ln>
+            <a:solidFill>
+              <a:schemeClr val="dk1"/>
+            </a:solidFill>
+          </a:ln>
+        </p:spPr>
+        <p:style>
+          <a:lnRef idx="1">
+            <a:schemeClr val="accent1"/>
+          </a:lnRef>
+          <a:fillRef idx="0">
+            <a:schemeClr val="accent1"/>
+          </a:fillRef>
+          <a:effectRef idx="0">
+            <a:schemeClr val="accent1"/>
+          </a:effectRef>
+          <a:fontRef idx="minor">
+            <a:schemeClr val="tx1"/>
+          </a:fontRef>
+        </p:style>
+      </p:cxnSp>
+      <p:sp>
+        <p:nvSpPr>
+          <p:cNvPr id="137" name="직사각형 136"/>
+          <p:cNvSpPr/>
+          <p:nvPr/>
+        </p:nvSpPr>
+        <p:spPr>
+          <a:xfrm>
+            <a:off x="4004656" y="4731710"/>
+            <a:ext cx="306916" cy="1148796"/>
+          </a:xfrm>
+          <a:prstGeom prst="rect">
+            <a:avLst/>
+          </a:prstGeom>
+          <a:solidFill>
+            <a:schemeClr val="accent3"/>
+          </a:solidFill>
+        </p:spPr>
+        <p:style>
+          <a:lnRef idx="2">
+            <a:schemeClr val="accent3">
+              <a:shade val="20000"/>
+            </a:schemeClr>
+          </a:lnRef>
+          <a:fillRef idx="1">
+            <a:schemeClr val="accent3"/>
+          </a:fillRef>
+          <a:effectRef idx="0">
+            <a:schemeClr val="accent3"/>
+          </a:effectRef>
+          <a:fontRef idx="minor">
+            <a:schemeClr val="lt1"/>
+          </a:fontRef>
+        </p:style>
+        <p:txBody>
+          <a:bodyPr/>
+          <a:p>
+            <a:pPr lvl="0">
+              <a:defRPr/>
+            </a:pPr>
+            <a:endParaRPr/>
+          </a:p>
+        </p:txBody>
+      </p:sp>
+      <p:cxnSp>
+        <p:nvCxnSpPr>
+          <p:cNvPr id="138" name="선 137"/>
+          <p:cNvCxnSpPr>
+            <a:stCxn id="137" idx="1"/>
+            <a:endCxn id="137" idx="3"/>
+          </p:cNvCxnSpPr>
+          <p:nvPr/>
+        </p:nvCxnSpPr>
+        <p:spPr>
+          <a:xfrm>
+            <a:off x="4004656" y="5306108"/>
+            <a:ext cx="306916" cy="0"/>
+          </a:xfrm>
+          <a:prstGeom prst="line">
+            <a:avLst/>
+          </a:prstGeom>
+          <a:ln>
+            <a:solidFill>
+              <a:schemeClr val="dk1"/>
+            </a:solidFill>
+          </a:ln>
+        </p:spPr>
+        <p:style>
+          <a:lnRef idx="1">
+            <a:schemeClr val="accent1"/>
+          </a:lnRef>
+          <a:fillRef idx="0">
+            <a:schemeClr val="accent1"/>
+          </a:fillRef>
+          <a:effectRef idx="0">
+            <a:schemeClr val="accent1"/>
+          </a:effectRef>
+          <a:fontRef idx="minor">
+            <a:schemeClr val="tx1"/>
+          </a:fontRef>
+        </p:style>
+      </p:cxnSp>
+      <p:cxnSp>
+        <p:nvCxnSpPr>
+          <p:cNvPr id="139" name="선 138"/>
+          <p:cNvCxnSpPr/>
+          <p:nvPr/>
+        </p:nvCxnSpPr>
+        <p:spPr>
+          <a:xfrm>
+            <a:off x="4004762" y="5018909"/>
+            <a:ext cx="306916" cy="0"/>
+          </a:xfrm>
+          <a:prstGeom prst="line">
+            <a:avLst/>
+          </a:prstGeom>
+          <a:ln>
+            <a:solidFill>
+              <a:schemeClr val="dk1"/>
+            </a:solidFill>
+          </a:ln>
+        </p:spPr>
+        <p:style>
+          <a:lnRef idx="1">
+            <a:schemeClr val="accent1"/>
+          </a:lnRef>
+          <a:fillRef idx="0">
+            <a:schemeClr val="accent1"/>
+          </a:fillRef>
+          <a:effectRef idx="0">
+            <a:schemeClr val="accent1"/>
+          </a:effectRef>
+          <a:fontRef idx="minor">
+            <a:schemeClr val="tx1"/>
+          </a:fontRef>
+        </p:style>
+      </p:cxnSp>
+      <p:cxnSp>
+        <p:nvCxnSpPr>
+          <p:cNvPr id="140" name="선 139"/>
+          <p:cNvCxnSpPr/>
+          <p:nvPr/>
+        </p:nvCxnSpPr>
+        <p:spPr>
+          <a:xfrm>
+            <a:off x="4004762" y="5593307"/>
+            <a:ext cx="306916" cy="0"/>
+          </a:xfrm>
+          <a:prstGeom prst="line">
+            <a:avLst/>
+          </a:prstGeom>
+          <a:ln>
+            <a:solidFill>
+              <a:schemeClr val="dk1"/>
+            </a:solidFill>
+          </a:ln>
+        </p:spPr>
+        <p:style>
+          <a:lnRef idx="1">
+            <a:schemeClr val="accent1"/>
+          </a:lnRef>
+          <a:fillRef idx="0">
+            <a:schemeClr val="accent1"/>
+          </a:fillRef>
+          <a:effectRef idx="0">
+            <a:schemeClr val="accent1"/>
+          </a:effectRef>
+          <a:fontRef idx="minor">
+            <a:schemeClr val="tx1"/>
+          </a:fontRef>
+        </p:style>
+      </p:cxnSp>
+      <p:sp>
+        <p:nvSpPr>
+          <p:cNvPr id="141" name="세로 글상자 108"/>
+          <p:cNvSpPr txBox="1"/>
+          <p:nvPr/>
+        </p:nvSpPr>
+        <p:spPr>
+          <a:xfrm>
+            <a:off x="3928667" y="3215249"/>
+            <a:ext cx="459105" cy="367665"/>
+          </a:xfrm>
+          <a:prstGeom prst="rect">
+            <a:avLst/>
+          </a:prstGeom>
+        </p:spPr>
+        <p:txBody>
+          <a:bodyPr vert="horz" wrap="square" anchor="ctr" anchorCtr="0">
+            <a:spAutoFit/>
+          </a:bodyPr>
+          <a:p>
+            <a:pPr lvl="0" algn="ctr">
+              <a:defRPr/>
+            </a:pPr>
+            <a:r>
+              <a:rPr lang="en-US" altLang="ko-KR" b="1">
+                <a:solidFill>
+                  <a:srgbClr val="ff0000"/>
+                </a:solidFill>
+              </a:rPr>
+              <a:t>v</a:t>
+            </a:r>
+            <a:endParaRPr lang="en-US" altLang="ko-KR" b="1">
+              <a:solidFill>
+                <a:srgbClr val="ff0000"/>
+              </a:solidFill>
+            </a:endParaRPr>
+          </a:p>
+        </p:txBody>
+      </p:sp>
+      <p:sp>
+        <p:nvSpPr>
+          <p:cNvPr id="151" name="직사각형 150"/>
+          <p:cNvSpPr/>
+          <p:nvPr/>
+        </p:nvSpPr>
+        <p:spPr>
+          <a:xfrm>
+            <a:off x="691840" y="4162833"/>
+            <a:ext cx="306916" cy="1148796"/>
+          </a:xfrm>
+          <a:prstGeom prst="rect">
+            <a:avLst/>
+          </a:prstGeom>
+          <a:solidFill>
+            <a:schemeClr val="accent3"/>
+          </a:solidFill>
+        </p:spPr>
+        <p:style>
+          <a:lnRef idx="2">
+            <a:schemeClr val="accent3">
+              <a:shade val="20000"/>
+            </a:schemeClr>
+          </a:lnRef>
+          <a:fillRef idx="1">
+            <a:schemeClr val="accent3"/>
+          </a:fillRef>
+          <a:effectRef idx="0">
+            <a:schemeClr val="accent3"/>
+          </a:effectRef>
+          <a:fontRef idx="minor">
+            <a:schemeClr val="lt1"/>
+          </a:fontRef>
+        </p:style>
+        <p:txBody>
+          <a:bodyPr/>
+          <a:p>
+            <a:pPr lvl="0">
+              <a:defRPr/>
+            </a:pPr>
+            <a:endParaRPr/>
+          </a:p>
+        </p:txBody>
+      </p:sp>
+      <p:cxnSp>
+        <p:nvCxnSpPr>
+          <p:cNvPr id="152" name="선 151"/>
+          <p:cNvCxnSpPr>
+            <a:stCxn id="151" idx="1"/>
+            <a:endCxn id="151" idx="3"/>
+          </p:cNvCxnSpPr>
+          <p:nvPr/>
+        </p:nvCxnSpPr>
+        <p:spPr>
+          <a:xfrm>
+            <a:off x="691840" y="4737231"/>
+            <a:ext cx="306916" cy="0"/>
+          </a:xfrm>
+          <a:prstGeom prst="line">
+            <a:avLst/>
+          </a:prstGeom>
+          <a:ln>
+            <a:solidFill>
+              <a:schemeClr val="dk1"/>
+            </a:solidFill>
+          </a:ln>
+        </p:spPr>
+        <p:style>
+          <a:lnRef idx="1">
+            <a:schemeClr val="accent1"/>
+          </a:lnRef>
+          <a:fillRef idx="0">
+            <a:schemeClr val="accent1"/>
+          </a:fillRef>
+          <a:effectRef idx="0">
+            <a:schemeClr val="accent1"/>
+          </a:effectRef>
+          <a:fontRef idx="minor">
+            <a:schemeClr val="tx1"/>
+          </a:fontRef>
+        </p:style>
+      </p:cxnSp>
+      <p:cxnSp>
+        <p:nvCxnSpPr>
+          <p:cNvPr id="153" name="선 152"/>
+          <p:cNvCxnSpPr/>
+          <p:nvPr/>
+        </p:nvCxnSpPr>
+        <p:spPr>
+          <a:xfrm>
+            <a:off x="691945" y="4450032"/>
+            <a:ext cx="306916" cy="0"/>
+          </a:xfrm>
+          <a:prstGeom prst="line">
+            <a:avLst/>
+          </a:prstGeom>
+          <a:ln>
+            <a:solidFill>
+              <a:schemeClr val="dk1"/>
+            </a:solidFill>
+          </a:ln>
+        </p:spPr>
+        <p:style>
+          <a:lnRef idx="1">
+            <a:schemeClr val="accent1"/>
+          </a:lnRef>
+          <a:fillRef idx="0">
+            <a:schemeClr val="accent1"/>
+          </a:fillRef>
+          <a:effectRef idx="0">
+            <a:schemeClr val="accent1"/>
+          </a:effectRef>
+          <a:fontRef idx="minor">
+            <a:schemeClr val="tx1"/>
+          </a:fontRef>
+        </p:style>
+      </p:cxnSp>
+      <p:cxnSp>
+        <p:nvCxnSpPr>
+          <p:cNvPr id="154" name="선 153"/>
+          <p:cNvCxnSpPr/>
+          <p:nvPr/>
+        </p:nvCxnSpPr>
+        <p:spPr>
+          <a:xfrm>
+            <a:off x="691945" y="5024430"/>
+            <a:ext cx="306916" cy="0"/>
+          </a:xfrm>
+          <a:prstGeom prst="line">
+            <a:avLst/>
+          </a:prstGeom>
+          <a:ln>
+            <a:solidFill>
+              <a:schemeClr val="dk1"/>
+            </a:solidFill>
+          </a:ln>
+        </p:spPr>
+        <p:style>
+          <a:lnRef idx="1">
+            <a:schemeClr val="accent1"/>
+          </a:lnRef>
+          <a:fillRef idx="0">
+            <a:schemeClr val="accent1"/>
+          </a:fillRef>
+          <a:effectRef idx="0">
+            <a:schemeClr val="accent1"/>
+          </a:effectRef>
+          <a:fontRef idx="minor">
+            <a:schemeClr val="tx1"/>
+          </a:fontRef>
+        </p:style>
+      </p:cxnSp>
+      <p:sp>
+        <p:nvSpPr>
+          <p:cNvPr id="159" name="직사각형 158"/>
+          <p:cNvSpPr/>
+          <p:nvPr/>
+        </p:nvSpPr>
+        <p:spPr>
+          <a:xfrm>
+            <a:off x="1001044" y="4162833"/>
+            <a:ext cx="306916" cy="1148796"/>
+          </a:xfrm>
+          <a:prstGeom prst="rect">
+            <a:avLst/>
+          </a:prstGeom>
+          <a:solidFill>
+            <a:schemeClr val="accent3"/>
+          </a:solidFill>
+        </p:spPr>
+        <p:style>
+          <a:lnRef idx="2">
+            <a:schemeClr val="accent3">
+              <a:shade val="20000"/>
+            </a:schemeClr>
+          </a:lnRef>
+          <a:fillRef idx="1">
+            <a:schemeClr val="accent3"/>
+          </a:fillRef>
+          <a:effectRef idx="0">
+            <a:schemeClr val="accent3"/>
+          </a:effectRef>
+          <a:fontRef idx="minor">
+            <a:schemeClr val="lt1"/>
+          </a:fontRef>
+        </p:style>
+        <p:txBody>
+          <a:bodyPr/>
+          <a:p>
+            <a:pPr lvl="0">
+              <a:defRPr/>
+            </a:pPr>
+            <a:endParaRPr/>
+          </a:p>
+        </p:txBody>
+      </p:sp>
+      <p:cxnSp>
+        <p:nvCxnSpPr>
+          <p:cNvPr id="160" name="선 159"/>
+          <p:cNvCxnSpPr>
+            <a:stCxn id="159" idx="1"/>
+            <a:endCxn id="159" idx="3"/>
+          </p:cNvCxnSpPr>
+          <p:nvPr/>
+        </p:nvCxnSpPr>
+        <p:spPr>
+          <a:xfrm>
+            <a:off x="1001044" y="4737231"/>
+            <a:ext cx="306916" cy="0"/>
+          </a:xfrm>
+          <a:prstGeom prst="line">
+            <a:avLst/>
+          </a:prstGeom>
+          <a:ln>
+            <a:solidFill>
+              <a:schemeClr val="dk1"/>
+            </a:solidFill>
+          </a:ln>
+        </p:spPr>
+        <p:style>
+          <a:lnRef idx="1">
+            <a:schemeClr val="accent1"/>
+          </a:lnRef>
+          <a:fillRef idx="0">
+            <a:schemeClr val="accent1"/>
+          </a:fillRef>
+          <a:effectRef idx="0">
+            <a:schemeClr val="accent1"/>
+          </a:effectRef>
+          <a:fontRef idx="minor">
+            <a:schemeClr val="tx1"/>
+          </a:fontRef>
+        </p:style>
+      </p:cxnSp>
+      <p:cxnSp>
+        <p:nvCxnSpPr>
+          <p:cNvPr id="161" name="선 160"/>
+          <p:cNvCxnSpPr/>
+          <p:nvPr/>
+        </p:nvCxnSpPr>
+        <p:spPr>
+          <a:xfrm>
+            <a:off x="1001149" y="4450032"/>
+            <a:ext cx="306916" cy="0"/>
+          </a:xfrm>
+          <a:prstGeom prst="line">
+            <a:avLst/>
+          </a:prstGeom>
+          <a:ln>
+            <a:solidFill>
+              <a:schemeClr val="dk1"/>
+            </a:solidFill>
+          </a:ln>
+        </p:spPr>
+        <p:style>
+          <a:lnRef idx="1">
+            <a:schemeClr val="accent1"/>
+          </a:lnRef>
+          <a:fillRef idx="0">
+            <a:schemeClr val="accent1"/>
+          </a:fillRef>
+          <a:effectRef idx="0">
+            <a:schemeClr val="accent1"/>
+          </a:effectRef>
+          <a:fontRef idx="minor">
+            <a:schemeClr val="tx1"/>
+          </a:fontRef>
+        </p:style>
+      </p:cxnSp>
+      <p:cxnSp>
+        <p:nvCxnSpPr>
+          <p:cNvPr id="162" name="선 161"/>
+          <p:cNvCxnSpPr/>
+          <p:nvPr/>
+        </p:nvCxnSpPr>
+        <p:spPr>
+          <a:xfrm>
+            <a:off x="1001149" y="5024431"/>
+            <a:ext cx="306916" cy="0"/>
+          </a:xfrm>
+          <a:prstGeom prst="line">
+            <a:avLst/>
+          </a:prstGeom>
+          <a:ln>
+            <a:solidFill>
+              <a:schemeClr val="dk1"/>
+            </a:solidFill>
+          </a:ln>
+        </p:spPr>
+        <p:style>
+          <a:lnRef idx="1">
+            <a:schemeClr val="accent1"/>
+          </a:lnRef>
+          <a:fillRef idx="0">
+            <a:schemeClr val="accent1"/>
+          </a:fillRef>
+          <a:effectRef idx="0">
+            <a:schemeClr val="accent1"/>
+          </a:effectRef>
+          <a:fontRef idx="minor">
+            <a:schemeClr val="tx1"/>
+          </a:fontRef>
+        </p:style>
+      </p:cxnSp>
+      <p:sp>
+        <p:nvSpPr>
+          <p:cNvPr id="207" name="직사각형 206"/>
+          <p:cNvSpPr/>
+          <p:nvPr/>
+        </p:nvSpPr>
+        <p:spPr>
+          <a:xfrm>
+            <a:off x="1319985" y="4162834"/>
+            <a:ext cx="306916" cy="1148796"/>
+          </a:xfrm>
+          <a:prstGeom prst="rect">
+            <a:avLst/>
+          </a:prstGeom>
+          <a:solidFill>
+            <a:schemeClr val="accent3"/>
+          </a:solidFill>
+        </p:spPr>
+        <p:style>
+          <a:lnRef idx="2">
+            <a:schemeClr val="accent3">
+              <a:shade val="20000"/>
+            </a:schemeClr>
+          </a:lnRef>
+          <a:fillRef idx="1">
+            <a:schemeClr val="accent3"/>
+          </a:fillRef>
+          <a:effectRef idx="0">
+            <a:schemeClr val="accent3"/>
+          </a:effectRef>
+          <a:fontRef idx="minor">
+            <a:schemeClr val="lt1"/>
+          </a:fontRef>
+        </p:style>
+        <p:txBody>
+          <a:bodyPr/>
+          <a:p>
+            <a:pPr lvl="0">
+              <a:defRPr/>
+            </a:pPr>
+            <a:endParaRPr/>
+          </a:p>
+        </p:txBody>
+      </p:sp>
+      <p:cxnSp>
+        <p:nvCxnSpPr>
+          <p:cNvPr id="208" name="선 207"/>
+          <p:cNvCxnSpPr>
+            <a:stCxn id="207" idx="1"/>
+            <a:endCxn id="207" idx="3"/>
+          </p:cNvCxnSpPr>
+          <p:nvPr/>
+        </p:nvCxnSpPr>
+        <p:spPr>
+          <a:xfrm>
+            <a:off x="1319985" y="4737232"/>
+            <a:ext cx="306916" cy="0"/>
+          </a:xfrm>
+          <a:prstGeom prst="line">
+            <a:avLst/>
+          </a:prstGeom>
+          <a:ln>
+            <a:solidFill>
+              <a:schemeClr val="dk1"/>
+            </a:solidFill>
+          </a:ln>
+        </p:spPr>
+        <p:style>
+          <a:lnRef idx="1">
+            <a:schemeClr val="accent1"/>
+          </a:lnRef>
+          <a:fillRef idx="0">
+            <a:schemeClr val="accent1"/>
+          </a:fillRef>
+          <a:effectRef idx="0">
+            <a:schemeClr val="accent1"/>
+          </a:effectRef>
+          <a:fontRef idx="minor">
+            <a:schemeClr val="tx1"/>
+          </a:fontRef>
+        </p:style>
+      </p:cxnSp>
+      <p:cxnSp>
+        <p:nvCxnSpPr>
+          <p:cNvPr id="209" name="선 208"/>
+          <p:cNvCxnSpPr/>
+          <p:nvPr/>
+        </p:nvCxnSpPr>
+        <p:spPr>
+          <a:xfrm>
+            <a:off x="1320090" y="4450033"/>
+            <a:ext cx="306916" cy="0"/>
+          </a:xfrm>
+          <a:prstGeom prst="line">
+            <a:avLst/>
+          </a:prstGeom>
+          <a:ln>
+            <a:solidFill>
+              <a:schemeClr val="dk1"/>
+            </a:solidFill>
+          </a:ln>
+        </p:spPr>
+        <p:style>
+          <a:lnRef idx="1">
+            <a:schemeClr val="accent1"/>
+          </a:lnRef>
+          <a:fillRef idx="0">
+            <a:schemeClr val="accent1"/>
+          </a:fillRef>
+          <a:effectRef idx="0">
+            <a:schemeClr val="accent1"/>
+          </a:effectRef>
+          <a:fontRef idx="minor">
+            <a:schemeClr val="tx1"/>
+          </a:fontRef>
+        </p:style>
+      </p:cxnSp>
+      <p:cxnSp>
+        <p:nvCxnSpPr>
+          <p:cNvPr id="210" name="선 209"/>
+          <p:cNvCxnSpPr/>
+          <p:nvPr/>
+        </p:nvCxnSpPr>
+        <p:spPr>
+          <a:xfrm>
+            <a:off x="1320090" y="5024431"/>
+            <a:ext cx="306916" cy="0"/>
+          </a:xfrm>
+          <a:prstGeom prst="line">
+            <a:avLst/>
+          </a:prstGeom>
+          <a:ln>
+            <a:solidFill>
+              <a:schemeClr val="dk1"/>
+            </a:solidFill>
+          </a:ln>
+        </p:spPr>
+        <p:style>
+          <a:lnRef idx="1">
+            <a:schemeClr val="accent1"/>
+          </a:lnRef>
+          <a:fillRef idx="0">
+            <a:schemeClr val="accent1"/>
+          </a:fillRef>
+          <a:effectRef idx="0">
+            <a:schemeClr val="accent1"/>
+          </a:effectRef>
+          <a:fontRef idx="minor">
+            <a:schemeClr val="tx1"/>
+          </a:fontRef>
+        </p:style>
+      </p:cxnSp>
+      <p:sp>
+        <p:nvSpPr>
+          <p:cNvPr id="215" name="직사각형 214"/>
+          <p:cNvSpPr/>
+          <p:nvPr/>
+        </p:nvSpPr>
+        <p:spPr>
+          <a:xfrm>
+            <a:off x="1629610" y="4162834"/>
+            <a:ext cx="306916" cy="1148796"/>
+          </a:xfrm>
+          <a:prstGeom prst="rect">
+            <a:avLst/>
+          </a:prstGeom>
+          <a:solidFill>
+            <a:schemeClr val="accent3"/>
+          </a:solidFill>
+        </p:spPr>
+        <p:style>
+          <a:lnRef idx="2">
+            <a:schemeClr val="accent3">
+              <a:shade val="20000"/>
+            </a:schemeClr>
+          </a:lnRef>
+          <a:fillRef idx="1">
+            <a:schemeClr val="accent3"/>
+          </a:fillRef>
+          <a:effectRef idx="0">
+            <a:schemeClr val="accent3"/>
+          </a:effectRef>
+          <a:fontRef idx="minor">
+            <a:schemeClr val="lt1"/>
+          </a:fontRef>
+        </p:style>
+        <p:txBody>
+          <a:bodyPr/>
+          <a:p>
+            <a:pPr lvl="0">
+              <a:defRPr/>
+            </a:pPr>
+            <a:endParaRPr/>
+          </a:p>
+        </p:txBody>
+      </p:sp>
+      <p:cxnSp>
+        <p:nvCxnSpPr>
+          <p:cNvPr id="216" name="선 215"/>
+          <p:cNvCxnSpPr>
+            <a:stCxn id="215" idx="1"/>
+            <a:endCxn id="215" idx="3"/>
+          </p:cNvCxnSpPr>
+          <p:nvPr/>
+        </p:nvCxnSpPr>
+        <p:spPr>
+          <a:xfrm>
+            <a:off x="1629610" y="4737233"/>
+            <a:ext cx="306916" cy="0"/>
+          </a:xfrm>
+          <a:prstGeom prst="line">
+            <a:avLst/>
+          </a:prstGeom>
+          <a:ln>
+            <a:solidFill>
+              <a:schemeClr val="dk1"/>
+            </a:solidFill>
+          </a:ln>
+        </p:spPr>
+        <p:style>
+          <a:lnRef idx="1">
+            <a:schemeClr val="accent1"/>
+          </a:lnRef>
+          <a:fillRef idx="0">
+            <a:schemeClr val="accent1"/>
+          </a:fillRef>
+          <a:effectRef idx="0">
+            <a:schemeClr val="accent1"/>
+          </a:effectRef>
+          <a:fontRef idx="minor">
+            <a:schemeClr val="tx1"/>
+          </a:fontRef>
+        </p:style>
+      </p:cxnSp>
+      <p:cxnSp>
+        <p:nvCxnSpPr>
+          <p:cNvPr id="217" name="선 216"/>
+          <p:cNvCxnSpPr/>
+          <p:nvPr/>
+        </p:nvCxnSpPr>
+        <p:spPr>
+          <a:xfrm>
+            <a:off x="1629715" y="4450034"/>
+            <a:ext cx="306916" cy="0"/>
+          </a:xfrm>
+          <a:prstGeom prst="line">
+            <a:avLst/>
+          </a:prstGeom>
+          <a:ln>
+            <a:solidFill>
+              <a:schemeClr val="dk1"/>
+            </a:solidFill>
+          </a:ln>
+        </p:spPr>
+        <p:style>
+          <a:lnRef idx="1">
+            <a:schemeClr val="accent1"/>
+          </a:lnRef>
+          <a:fillRef idx="0">
+            <a:schemeClr val="accent1"/>
+          </a:fillRef>
+          <a:effectRef idx="0">
+            <a:schemeClr val="accent1"/>
+          </a:effectRef>
+          <a:fontRef idx="minor">
+            <a:schemeClr val="tx1"/>
+          </a:fontRef>
+        </p:style>
+      </p:cxnSp>
+      <p:cxnSp>
+        <p:nvCxnSpPr>
+          <p:cNvPr id="218" name="선 217"/>
+          <p:cNvCxnSpPr/>
+          <p:nvPr/>
+        </p:nvCxnSpPr>
+        <p:spPr>
+          <a:xfrm>
+            <a:off x="1629715" y="5024432"/>
+            <a:ext cx="306916" cy="0"/>
+          </a:xfrm>
+          <a:prstGeom prst="line">
+            <a:avLst/>
+          </a:prstGeom>
+          <a:ln>
+            <a:solidFill>
+              <a:schemeClr val="dk1"/>
+            </a:solidFill>
+          </a:ln>
+        </p:spPr>
+        <p:style>
+          <a:lnRef idx="1">
+            <a:schemeClr val="accent1"/>
+          </a:lnRef>
+          <a:fillRef idx="0">
+            <a:schemeClr val="accent1"/>
+          </a:fillRef>
+          <a:effectRef idx="0">
+            <a:schemeClr val="accent1"/>
+          </a:effectRef>
+          <a:fontRef idx="minor">
+            <a:schemeClr val="tx1"/>
+          </a:fontRef>
+        </p:style>
+      </p:cxnSp>
+      <p:sp>
+        <p:nvSpPr>
+          <p:cNvPr id="239" name="직사각형 238"/>
+          <p:cNvSpPr/>
+          <p:nvPr/>
+        </p:nvSpPr>
+        <p:spPr>
+          <a:xfrm>
+            <a:off x="1939658" y="4162835"/>
+            <a:ext cx="306916" cy="1148796"/>
+          </a:xfrm>
+          <a:prstGeom prst="rect">
+            <a:avLst/>
+          </a:prstGeom>
+          <a:solidFill>
+            <a:schemeClr val="accent3"/>
+          </a:solidFill>
+        </p:spPr>
+        <p:style>
+          <a:lnRef idx="2">
+            <a:schemeClr val="accent3">
+              <a:shade val="20000"/>
+            </a:schemeClr>
+          </a:lnRef>
+          <a:fillRef idx="1">
+            <a:schemeClr val="accent3"/>
+          </a:fillRef>
+          <a:effectRef idx="0">
+            <a:schemeClr val="accent3"/>
+          </a:effectRef>
+          <a:fontRef idx="minor">
+            <a:schemeClr val="lt1"/>
+          </a:fontRef>
+        </p:style>
+        <p:txBody>
+          <a:bodyPr/>
+          <a:p>
+            <a:pPr lvl="0">
+              <a:defRPr/>
+            </a:pPr>
+            <a:endParaRPr/>
+          </a:p>
+        </p:txBody>
+      </p:sp>
+      <p:cxnSp>
+        <p:nvCxnSpPr>
+          <p:cNvPr id="240" name="선 239"/>
+          <p:cNvCxnSpPr>
+            <a:stCxn id="239" idx="1"/>
+            <a:endCxn id="239" idx="3"/>
+          </p:cNvCxnSpPr>
+          <p:nvPr/>
+        </p:nvCxnSpPr>
+        <p:spPr>
+          <a:xfrm>
+            <a:off x="1939658" y="4737234"/>
+            <a:ext cx="306916" cy="0"/>
+          </a:xfrm>
+          <a:prstGeom prst="line">
+            <a:avLst/>
+          </a:prstGeom>
+          <a:ln>
+            <a:solidFill>
+              <a:schemeClr val="dk1"/>
+            </a:solidFill>
+          </a:ln>
+        </p:spPr>
+        <p:style>
+          <a:lnRef idx="1">
+            <a:schemeClr val="accent1"/>
+          </a:lnRef>
+          <a:fillRef idx="0">
+            <a:schemeClr val="accent1"/>
+          </a:fillRef>
+          <a:effectRef idx="0">
+            <a:schemeClr val="accent1"/>
+          </a:effectRef>
+          <a:fontRef idx="minor">
+            <a:schemeClr val="tx1"/>
+          </a:fontRef>
+        </p:style>
+      </p:cxnSp>
+      <p:cxnSp>
+        <p:nvCxnSpPr>
+          <p:cNvPr id="241" name="선 240"/>
+          <p:cNvCxnSpPr/>
+          <p:nvPr/>
+        </p:nvCxnSpPr>
+        <p:spPr>
+          <a:xfrm>
+            <a:off x="1939763" y="4450035"/>
+            <a:ext cx="306916" cy="0"/>
+          </a:xfrm>
+          <a:prstGeom prst="line">
+            <a:avLst/>
+          </a:prstGeom>
+          <a:ln>
+            <a:solidFill>
+              <a:schemeClr val="dk1"/>
+            </a:solidFill>
+          </a:ln>
+        </p:spPr>
+        <p:style>
+          <a:lnRef idx="1">
+            <a:schemeClr val="accent1"/>
+          </a:lnRef>
+          <a:fillRef idx="0">
+            <a:schemeClr val="accent1"/>
+          </a:fillRef>
+          <a:effectRef idx="0">
+            <a:schemeClr val="accent1"/>
+          </a:effectRef>
+          <a:fontRef idx="minor">
+            <a:schemeClr val="tx1"/>
+          </a:fontRef>
+        </p:style>
+      </p:cxnSp>
+      <p:cxnSp>
+        <p:nvCxnSpPr>
+          <p:cNvPr id="242" name="선 241"/>
+          <p:cNvCxnSpPr/>
+          <p:nvPr/>
+        </p:nvCxnSpPr>
+        <p:spPr>
+          <a:xfrm>
+            <a:off x="1939763" y="5024433"/>
+            <a:ext cx="306916" cy="0"/>
+          </a:xfrm>
+          <a:prstGeom prst="line">
+            <a:avLst/>
+          </a:prstGeom>
+          <a:ln>
+            <a:solidFill>
+              <a:schemeClr val="dk1"/>
+            </a:solidFill>
+          </a:ln>
+        </p:spPr>
+        <p:style>
+          <a:lnRef idx="1">
+            <a:schemeClr val="accent1"/>
+          </a:lnRef>
+          <a:fillRef idx="0">
+            <a:schemeClr val="accent1"/>
+          </a:fillRef>
+          <a:effectRef idx="0">
+            <a:schemeClr val="accent1"/>
+          </a:effectRef>
+          <a:fontRef idx="minor">
+            <a:schemeClr val="tx1"/>
+          </a:fontRef>
+        </p:style>
+      </p:cxnSp>
+      <p:sp>
+        <p:nvSpPr>
+          <p:cNvPr id="247" name="직사각형 246"/>
+          <p:cNvSpPr/>
+          <p:nvPr/>
+        </p:nvSpPr>
+        <p:spPr>
+          <a:xfrm>
+            <a:off x="2248862" y="4162836"/>
+            <a:ext cx="306916" cy="1148796"/>
+          </a:xfrm>
+          <a:prstGeom prst="rect">
+            <a:avLst/>
+          </a:prstGeom>
+          <a:solidFill>
+            <a:schemeClr val="accent3"/>
+          </a:solidFill>
+        </p:spPr>
+        <p:style>
+          <a:lnRef idx="2">
+            <a:schemeClr val="accent3">
+              <a:shade val="20000"/>
+            </a:schemeClr>
+          </a:lnRef>
+          <a:fillRef idx="1">
+            <a:schemeClr val="accent3"/>
+          </a:fillRef>
+          <a:effectRef idx="0">
+            <a:schemeClr val="accent3"/>
+          </a:effectRef>
+          <a:fontRef idx="minor">
+            <a:schemeClr val="lt1"/>
+          </a:fontRef>
+        </p:style>
+        <p:txBody>
+          <a:bodyPr/>
+          <a:p>
+            <a:pPr lvl="0">
+              <a:defRPr/>
+            </a:pPr>
+            <a:endParaRPr/>
+          </a:p>
+        </p:txBody>
+      </p:sp>
+      <p:cxnSp>
+        <p:nvCxnSpPr>
+          <p:cNvPr id="248" name="선 247"/>
+          <p:cNvCxnSpPr>
+            <a:stCxn id="247" idx="1"/>
+            <a:endCxn id="247" idx="3"/>
+          </p:cNvCxnSpPr>
+          <p:nvPr/>
+        </p:nvCxnSpPr>
+        <p:spPr>
+          <a:xfrm>
+            <a:off x="2248862" y="4737234"/>
+            <a:ext cx="306916" cy="0"/>
+          </a:xfrm>
+          <a:prstGeom prst="line">
+            <a:avLst/>
+          </a:prstGeom>
+          <a:ln>
+            <a:solidFill>
+              <a:schemeClr val="dk1"/>
+            </a:solidFill>
+          </a:ln>
+        </p:spPr>
+        <p:style>
+          <a:lnRef idx="1">
+            <a:schemeClr val="accent1"/>
+          </a:lnRef>
+          <a:fillRef idx="0">
+            <a:schemeClr val="accent1"/>
+          </a:fillRef>
+          <a:effectRef idx="0">
+            <a:schemeClr val="accent1"/>
+          </a:effectRef>
+          <a:fontRef idx="minor">
+            <a:schemeClr val="tx1"/>
+          </a:fontRef>
+        </p:style>
+      </p:cxnSp>
+      <p:cxnSp>
+        <p:nvCxnSpPr>
+          <p:cNvPr id="249" name="선 248"/>
+          <p:cNvCxnSpPr/>
+          <p:nvPr/>
+        </p:nvCxnSpPr>
+        <p:spPr>
+          <a:xfrm>
+            <a:off x="2248967" y="4450035"/>
+            <a:ext cx="306916" cy="0"/>
+          </a:xfrm>
+          <a:prstGeom prst="line">
+            <a:avLst/>
+          </a:prstGeom>
+          <a:ln>
+            <a:solidFill>
+              <a:schemeClr val="dk1"/>
+            </a:solidFill>
+          </a:ln>
+        </p:spPr>
+        <p:style>
+          <a:lnRef idx="1">
+            <a:schemeClr val="accent1"/>
+          </a:lnRef>
+          <a:fillRef idx="0">
+            <a:schemeClr val="accent1"/>
+          </a:fillRef>
+          <a:effectRef idx="0">
+            <a:schemeClr val="accent1"/>
+          </a:effectRef>
+          <a:fontRef idx="minor">
+            <a:schemeClr val="tx1"/>
+          </a:fontRef>
+        </p:style>
+      </p:cxnSp>
+      <p:cxnSp>
+        <p:nvCxnSpPr>
+          <p:cNvPr id="250" name="선 249"/>
+          <p:cNvCxnSpPr/>
+          <p:nvPr/>
+        </p:nvCxnSpPr>
+        <p:spPr>
+          <a:xfrm>
+            <a:off x="2248967" y="5024433"/>
+            <a:ext cx="306916" cy="0"/>
+          </a:xfrm>
+          <a:prstGeom prst="line">
+            <a:avLst/>
+          </a:prstGeom>
+          <a:ln>
+            <a:solidFill>
+              <a:schemeClr val="dk1"/>
+            </a:solidFill>
+          </a:ln>
+        </p:spPr>
+        <p:style>
+          <a:lnRef idx="1">
+            <a:schemeClr val="accent1"/>
+          </a:lnRef>
+          <a:fillRef idx="0">
+            <a:schemeClr val="accent1"/>
+          </a:fillRef>
+          <a:effectRef idx="0">
+            <a:schemeClr val="accent1"/>
+          </a:effectRef>
+          <a:fontRef idx="minor">
+            <a:schemeClr val="tx1"/>
+          </a:fontRef>
+        </p:style>
+      </p:cxnSp>
+      <p:sp>
+        <p:nvSpPr>
+          <p:cNvPr id="255" name="직사각형 254"/>
+          <p:cNvSpPr/>
+          <p:nvPr/>
+        </p:nvSpPr>
+        <p:spPr>
+          <a:xfrm>
+            <a:off x="2567803" y="4162836"/>
+            <a:ext cx="306916" cy="1148796"/>
+          </a:xfrm>
+          <a:prstGeom prst="rect">
+            <a:avLst/>
+          </a:prstGeom>
+          <a:solidFill>
+            <a:schemeClr val="accent3"/>
+          </a:solidFill>
+        </p:spPr>
+        <p:style>
+          <a:lnRef idx="2">
+            <a:schemeClr val="accent3">
+              <a:shade val="20000"/>
+            </a:schemeClr>
+          </a:lnRef>
+          <a:fillRef idx="1">
+            <a:schemeClr val="accent3"/>
+          </a:fillRef>
+          <a:effectRef idx="0">
+            <a:schemeClr val="accent3"/>
+          </a:effectRef>
+          <a:fontRef idx="minor">
+            <a:schemeClr val="lt1"/>
+          </a:fontRef>
+        </p:style>
+        <p:txBody>
+          <a:bodyPr/>
+          <a:p>
+            <a:pPr lvl="0">
+              <a:defRPr/>
+            </a:pPr>
+            <a:endParaRPr/>
+          </a:p>
+        </p:txBody>
+      </p:sp>
+      <p:cxnSp>
+        <p:nvCxnSpPr>
+          <p:cNvPr id="256" name="선 255"/>
+          <p:cNvCxnSpPr>
+            <a:stCxn id="255" idx="1"/>
+            <a:endCxn id="255" idx="3"/>
+          </p:cNvCxnSpPr>
+          <p:nvPr/>
+        </p:nvCxnSpPr>
+        <p:spPr>
+          <a:xfrm>
+            <a:off x="2567803" y="4737235"/>
+            <a:ext cx="306916" cy="0"/>
+          </a:xfrm>
+          <a:prstGeom prst="line">
+            <a:avLst/>
+          </a:prstGeom>
+          <a:ln>
+            <a:solidFill>
+              <a:schemeClr val="dk1"/>
+            </a:solidFill>
+          </a:ln>
+        </p:spPr>
+        <p:style>
+          <a:lnRef idx="1">
+            <a:schemeClr val="accent1"/>
+          </a:lnRef>
+          <a:fillRef idx="0">
+            <a:schemeClr val="accent1"/>
+          </a:fillRef>
+          <a:effectRef idx="0">
+            <a:schemeClr val="accent1"/>
+          </a:effectRef>
+          <a:fontRef idx="minor">
+            <a:schemeClr val="tx1"/>
+          </a:fontRef>
+        </p:style>
+      </p:cxnSp>
+      <p:cxnSp>
+        <p:nvCxnSpPr>
+          <p:cNvPr id="257" name="선 256"/>
+          <p:cNvCxnSpPr/>
+          <p:nvPr/>
+        </p:nvCxnSpPr>
+        <p:spPr>
+          <a:xfrm>
+            <a:off x="2567908" y="4450036"/>
+            <a:ext cx="306916" cy="0"/>
+          </a:xfrm>
+          <a:prstGeom prst="line">
+            <a:avLst/>
+          </a:prstGeom>
+          <a:ln>
+            <a:solidFill>
+              <a:schemeClr val="dk1"/>
+            </a:solidFill>
+          </a:ln>
+        </p:spPr>
+        <p:style>
+          <a:lnRef idx="1">
+            <a:schemeClr val="accent1"/>
+          </a:lnRef>
+          <a:fillRef idx="0">
+            <a:schemeClr val="accent1"/>
+          </a:fillRef>
+          <a:effectRef idx="0">
+            <a:schemeClr val="accent1"/>
+          </a:effectRef>
+          <a:fontRef idx="minor">
+            <a:schemeClr val="tx1"/>
+          </a:fontRef>
+        </p:style>
+      </p:cxnSp>
+      <p:cxnSp>
+        <p:nvCxnSpPr>
+          <p:cNvPr id="258" name="선 257"/>
+          <p:cNvCxnSpPr/>
+          <p:nvPr/>
+        </p:nvCxnSpPr>
+        <p:spPr>
+          <a:xfrm>
+            <a:off x="2567908" y="5024434"/>
+            <a:ext cx="306916" cy="0"/>
+          </a:xfrm>
+          <a:prstGeom prst="line">
+            <a:avLst/>
+          </a:prstGeom>
+          <a:ln>
+            <a:solidFill>
+              <a:schemeClr val="dk1"/>
+            </a:solidFill>
+          </a:ln>
+        </p:spPr>
+        <p:style>
+          <a:lnRef idx="1">
+            <a:schemeClr val="accent1"/>
+          </a:lnRef>
+          <a:fillRef idx="0">
+            <a:schemeClr val="accent1"/>
+          </a:fillRef>
+          <a:effectRef idx="0">
+            <a:schemeClr val="accent1"/>
+          </a:effectRef>
+          <a:fontRef idx="minor">
+            <a:schemeClr val="tx1"/>
+          </a:fontRef>
+        </p:style>
+      </p:cxnSp>
+      <p:sp>
+        <p:nvSpPr>
+          <p:cNvPr id="263" name="직사각형 262"/>
+          <p:cNvSpPr/>
+          <p:nvPr/>
+        </p:nvSpPr>
+        <p:spPr>
+          <a:xfrm>
+            <a:off x="2877428" y="4162837"/>
+            <a:ext cx="306916" cy="1148796"/>
+          </a:xfrm>
+          <a:prstGeom prst="rect">
+            <a:avLst/>
+          </a:prstGeom>
+          <a:solidFill>
+            <a:schemeClr val="accent3"/>
+          </a:solidFill>
+        </p:spPr>
+        <p:style>
+          <a:lnRef idx="2">
+            <a:schemeClr val="accent3">
+              <a:shade val="20000"/>
+            </a:schemeClr>
+          </a:lnRef>
+          <a:fillRef idx="1">
+            <a:schemeClr val="accent3"/>
+          </a:fillRef>
+          <a:effectRef idx="0">
+            <a:schemeClr val="accent3"/>
+          </a:effectRef>
+          <a:fontRef idx="minor">
+            <a:schemeClr val="lt1"/>
+          </a:fontRef>
+        </p:style>
+        <p:txBody>
+          <a:bodyPr/>
+          <a:p>
+            <a:pPr lvl="0">
+              <a:defRPr/>
+            </a:pPr>
+            <a:endParaRPr/>
+          </a:p>
+        </p:txBody>
+      </p:sp>
+      <p:cxnSp>
+        <p:nvCxnSpPr>
+          <p:cNvPr id="264" name="선 263"/>
+          <p:cNvCxnSpPr>
+            <a:stCxn id="263" idx="1"/>
+            <a:endCxn id="263" idx="3"/>
+          </p:cNvCxnSpPr>
+          <p:nvPr/>
+        </p:nvCxnSpPr>
+        <p:spPr>
+          <a:xfrm>
+            <a:off x="2877428" y="4737236"/>
+            <a:ext cx="306916" cy="0"/>
+          </a:xfrm>
+          <a:prstGeom prst="line">
+            <a:avLst/>
+          </a:prstGeom>
+          <a:ln>
+            <a:solidFill>
+              <a:schemeClr val="dk1"/>
+            </a:solidFill>
+          </a:ln>
+        </p:spPr>
+        <p:style>
+          <a:lnRef idx="1">
+            <a:schemeClr val="accent1"/>
+          </a:lnRef>
+          <a:fillRef idx="0">
+            <a:schemeClr val="accent1"/>
+          </a:fillRef>
+          <a:effectRef idx="0">
+            <a:schemeClr val="accent1"/>
+          </a:effectRef>
+          <a:fontRef idx="minor">
+            <a:schemeClr val="tx1"/>
+          </a:fontRef>
+        </p:style>
+      </p:cxnSp>
+      <p:cxnSp>
+        <p:nvCxnSpPr>
+          <p:cNvPr id="265" name="선 264"/>
+          <p:cNvCxnSpPr/>
+          <p:nvPr/>
+        </p:nvCxnSpPr>
+        <p:spPr>
+          <a:xfrm>
+            <a:off x="2877533" y="4450036"/>
+            <a:ext cx="306916" cy="0"/>
+          </a:xfrm>
+          <a:prstGeom prst="line">
+            <a:avLst/>
+          </a:prstGeom>
+          <a:ln>
+            <a:solidFill>
+              <a:schemeClr val="dk1"/>
+            </a:solidFill>
+          </a:ln>
+        </p:spPr>
+        <p:style>
+          <a:lnRef idx="1">
+            <a:schemeClr val="accent1"/>
+          </a:lnRef>
+          <a:fillRef idx="0">
+            <a:schemeClr val="accent1"/>
+          </a:fillRef>
+          <a:effectRef idx="0">
+            <a:schemeClr val="accent1"/>
+          </a:effectRef>
+          <a:fontRef idx="minor">
+            <a:schemeClr val="tx1"/>
+          </a:fontRef>
+        </p:style>
+      </p:cxnSp>
+      <p:cxnSp>
+        <p:nvCxnSpPr>
+          <p:cNvPr id="266" name="선 265"/>
+          <p:cNvCxnSpPr/>
+          <p:nvPr/>
+        </p:nvCxnSpPr>
+        <p:spPr>
+          <a:xfrm>
+            <a:off x="2877533" y="5024434"/>
+            <a:ext cx="306916" cy="0"/>
+          </a:xfrm>
+          <a:prstGeom prst="line">
+            <a:avLst/>
+          </a:prstGeom>
+          <a:ln>
+            <a:solidFill>
+              <a:schemeClr val="dk1"/>
+            </a:solidFill>
+          </a:ln>
+        </p:spPr>
+        <p:style>
+          <a:lnRef idx="1">
+            <a:schemeClr val="accent1"/>
+          </a:lnRef>
+          <a:fillRef idx="0">
+            <a:schemeClr val="accent1"/>
+          </a:fillRef>
+          <a:effectRef idx="0">
+            <a:schemeClr val="accent1"/>
+          </a:effectRef>
+          <a:fontRef idx="minor">
+            <a:schemeClr val="tx1"/>
+          </a:fontRef>
+        </p:style>
+      </p:cxnSp>
+      <p:sp>
+        <p:nvSpPr>
+          <p:cNvPr id="271" name="곱셈 기호 270"/>
+          <p:cNvSpPr/>
+          <p:nvPr/>
+        </p:nvSpPr>
+        <p:spPr>
+          <a:xfrm>
+            <a:off x="3399332" y="4508257"/>
+            <a:ext cx="399756" cy="457957"/>
+          </a:xfrm>
+          <a:prstGeom prst="mathMultiply">
+            <a:avLst>
+              <a:gd name="adj1" fmla="val 12991"/>
+            </a:avLst>
+          </a:prstGeom>
+          <a:solidFill>
+            <a:schemeClr val="dk1"/>
+          </a:solidFill>
+          <a:ln w="3175">
+            <a:solidFill>
+              <a:schemeClr val="accent1">
+                <a:shade val="20000"/>
+              </a:schemeClr>
+            </a:solidFill>
+          </a:ln>
+        </p:spPr>
+        <p:style>
+          <a:lnRef idx="2">
+            <a:schemeClr val="accent1">
+              <a:shade val="20000"/>
+            </a:schemeClr>
+          </a:lnRef>
+          <a:fillRef idx="1">
+            <a:schemeClr val="accent1"/>
+          </a:fillRef>
+          <a:effectRef idx="0">
+            <a:schemeClr val="accent1"/>
+          </a:effectRef>
+          <a:fontRef idx="minor">
+            <a:schemeClr val="lt1"/>
+          </a:fontRef>
+        </p:style>
+        <p:txBody>
+          <a:bodyPr/>
+          <a:p>
+            <a:pPr lvl="0">
+              <a:defRPr/>
+            </a:pPr>
+            <a:endParaRPr/>
+          </a:p>
+        </p:txBody>
+      </p:sp>
+      <p:sp>
+        <p:nvSpPr>
+          <p:cNvPr id="272" name="세로 글상자 108"/>
+          <p:cNvSpPr txBox="1"/>
+          <p:nvPr/>
+        </p:nvSpPr>
+        <p:spPr>
+          <a:xfrm>
+            <a:off x="1657975" y="3795169"/>
+            <a:ext cx="544830" cy="367665"/>
+          </a:xfrm>
+          <a:prstGeom prst="rect">
+            <a:avLst/>
+          </a:prstGeom>
+        </p:spPr>
+        <p:txBody>
+          <a:bodyPr vert="horz" wrap="square" anchor="ctr" anchorCtr="0">
+            <a:spAutoFit/>
+          </a:bodyPr>
+          <a:p>
+            <a:pPr lvl="0" algn="ctr">
+              <a:defRPr/>
+            </a:pPr>
+            <a:r>
+              <a:rPr lang="en-US" altLang="ko-KR" b="1">
+                <a:solidFill>
+                  <a:srgbClr val="ff0000"/>
+                </a:solidFill>
+              </a:rPr>
+              <a:t>W0</a:t>
+            </a:r>
+            <a:endParaRPr lang="en-US" altLang="ko-KR" b="1">
+              <a:solidFill>
+                <a:srgbClr val="ff0000"/>
+              </a:solidFill>
+            </a:endParaRPr>
+          </a:p>
+        </p:txBody>
+      </p:sp>
+      <p:sp>
+        <p:nvSpPr>
+          <p:cNvPr id="273" name="등호 272"/>
+          <p:cNvSpPr/>
+          <p:nvPr/>
+        </p:nvSpPr>
+        <p:spPr>
+          <a:xfrm>
+            <a:off x="4517140" y="4519814"/>
+            <a:ext cx="399857" cy="434843"/>
+          </a:xfrm>
+          <a:prstGeom prst="mathEqual">
+            <a:avLst>
+              <a:gd name="adj1" fmla="val 12862"/>
+              <a:gd name="adj2" fmla="val 11760"/>
+            </a:avLst>
+          </a:prstGeom>
+          <a:solidFill>
+            <a:schemeClr val="dk1"/>
+          </a:solidFill>
+          <a:ln w="3175">
+            <a:solidFill>
+              <a:schemeClr val="accent1">
+                <a:shade val="20000"/>
+              </a:schemeClr>
+            </a:solidFill>
+          </a:ln>
+        </p:spPr>
+        <p:style>
+          <a:lnRef idx="2">
+            <a:schemeClr val="accent1">
+              <a:shade val="20000"/>
+            </a:schemeClr>
+          </a:lnRef>
+          <a:fillRef idx="1">
+            <a:schemeClr val="accent1"/>
+          </a:fillRef>
+          <a:effectRef idx="0">
+            <a:schemeClr val="accent1"/>
+          </a:effectRef>
+          <a:fontRef idx="minor">
+            <a:schemeClr val="lt1"/>
+          </a:fontRef>
+        </p:style>
+        <p:txBody>
+          <a:bodyPr/>
+          <a:p>
+            <a:pPr lvl="0">
+              <a:defRPr/>
+            </a:pPr>
+            <a:endParaRPr>
+              <a:solidFill>
+                <a:schemeClr val="tx1"/>
+              </a:solidFill>
+            </a:endParaRPr>
+          </a:p>
+        </p:txBody>
+      </p:sp>
+      <p:sp>
+        <p:nvSpPr>
+          <p:cNvPr id="274" name="직사각형 273"/>
+          <p:cNvSpPr/>
+          <p:nvPr/>
+        </p:nvSpPr>
+        <p:spPr>
+          <a:xfrm>
+            <a:off x="5122670" y="4162839"/>
+            <a:ext cx="306916" cy="1148796"/>
+          </a:xfrm>
+          <a:prstGeom prst="rect">
+            <a:avLst/>
+          </a:prstGeom>
+          <a:solidFill>
+            <a:schemeClr val="accent3"/>
+          </a:solidFill>
+        </p:spPr>
+        <p:style>
+          <a:lnRef idx="2">
+            <a:schemeClr val="accent3">
+              <a:shade val="20000"/>
+            </a:schemeClr>
+          </a:lnRef>
+          <a:fillRef idx="1">
+            <a:schemeClr val="accent3"/>
+          </a:fillRef>
+          <a:effectRef idx="0">
+            <a:schemeClr val="accent3"/>
+          </a:effectRef>
+          <a:fontRef idx="minor">
+            <a:schemeClr val="lt1"/>
+          </a:fontRef>
+        </p:style>
+        <p:txBody>
+          <a:bodyPr/>
+          <a:p>
+            <a:pPr lvl="0">
+              <a:defRPr/>
+            </a:pPr>
+            <a:endParaRPr/>
+          </a:p>
+        </p:txBody>
+      </p:sp>
+      <p:cxnSp>
+        <p:nvCxnSpPr>
+          <p:cNvPr id="275" name="선 274"/>
+          <p:cNvCxnSpPr>
+            <a:stCxn id="274" idx="1"/>
+            <a:endCxn id="274" idx="3"/>
+          </p:cNvCxnSpPr>
+          <p:nvPr/>
+        </p:nvCxnSpPr>
+        <p:spPr>
+          <a:xfrm>
+            <a:off x="5122670" y="4737236"/>
+            <a:ext cx="306916" cy="0"/>
+          </a:xfrm>
+          <a:prstGeom prst="line">
+            <a:avLst/>
+          </a:prstGeom>
+          <a:ln>
+            <a:solidFill>
+              <a:schemeClr val="dk1"/>
+            </a:solidFill>
+          </a:ln>
+        </p:spPr>
+        <p:style>
+          <a:lnRef idx="1">
+            <a:schemeClr val="accent1"/>
+          </a:lnRef>
+          <a:fillRef idx="0">
+            <a:schemeClr val="accent1"/>
+          </a:fillRef>
+          <a:effectRef idx="0">
+            <a:schemeClr val="accent1"/>
+          </a:effectRef>
+          <a:fontRef idx="minor">
+            <a:schemeClr val="tx1"/>
+          </a:fontRef>
+        </p:style>
+      </p:cxnSp>
+      <p:cxnSp>
+        <p:nvCxnSpPr>
+          <p:cNvPr id="276" name="선 275"/>
+          <p:cNvCxnSpPr/>
+          <p:nvPr/>
+        </p:nvCxnSpPr>
+        <p:spPr>
+          <a:xfrm>
+            <a:off x="5122776" y="4450038"/>
+            <a:ext cx="306916" cy="0"/>
+          </a:xfrm>
+          <a:prstGeom prst="line">
+            <a:avLst/>
+          </a:prstGeom>
+          <a:ln>
+            <a:solidFill>
+              <a:schemeClr val="dk1"/>
+            </a:solidFill>
+          </a:ln>
+        </p:spPr>
+        <p:style>
+          <a:lnRef idx="1">
+            <a:schemeClr val="accent1"/>
+          </a:lnRef>
+          <a:fillRef idx="0">
+            <a:schemeClr val="accent1"/>
+          </a:fillRef>
+          <a:effectRef idx="0">
+            <a:schemeClr val="accent1"/>
+          </a:effectRef>
+          <a:fontRef idx="minor">
+            <a:schemeClr val="tx1"/>
+          </a:fontRef>
+        </p:style>
+      </p:cxnSp>
+      <p:cxnSp>
+        <p:nvCxnSpPr>
+          <p:cNvPr id="277" name="선 276"/>
+          <p:cNvCxnSpPr/>
+          <p:nvPr/>
+        </p:nvCxnSpPr>
+        <p:spPr>
+          <a:xfrm>
+            <a:off x="5122776" y="5024435"/>
+            <a:ext cx="306916" cy="0"/>
+          </a:xfrm>
+          <a:prstGeom prst="line">
+            <a:avLst/>
+          </a:prstGeom>
+          <a:ln>
+            <a:solidFill>
+              <a:schemeClr val="dk1"/>
+            </a:solidFill>
+          </a:ln>
+        </p:spPr>
+        <p:style>
+          <a:lnRef idx="1">
+            <a:schemeClr val="accent1"/>
+          </a:lnRef>
+          <a:fillRef idx="0">
+            <a:schemeClr val="accent1"/>
+          </a:fillRef>
+          <a:effectRef idx="0">
+            <a:schemeClr val="accent1"/>
+          </a:effectRef>
+          <a:fontRef idx="minor">
+            <a:schemeClr val="tx1"/>
+          </a:fontRef>
+        </p:style>
+      </p:cxnSp>
     </p:spTree>
     <p:extLst>
       <p:ext uri="{BB962C8B-B14F-4D97-AF65-F5344CB8AC3E}">
@@ -16946,7 +19133,7 @@
 </file>
 
 <file path=ppt/slides/slide5.xml><?xml version="1.0" encoding="utf-8"?>
-<p:sld xmlns:r="http://schemas.openxmlformats.org/officeDocument/2006/relationships" xmlns:c="http://schemas.openxmlformats.org/drawingml/2006/chart" xmlns:a="http://schemas.openxmlformats.org/drawingml/2006/main" xmlns:dgm="http://schemas.openxmlformats.org/drawingml/2006/diagram" xmlns:dsp="http://schemas.microsoft.com/office/drawing/2008/diagram" xmlns:p="http://schemas.openxmlformats.org/presentationml/2006/main">
+<p:sld xmlns:r="http://schemas.openxmlformats.org/officeDocument/2006/relationships" xmlns:c="http://schemas.openxmlformats.org/drawingml/2006/chart" xmlns:a="http://schemas.openxmlformats.org/drawingml/2006/main" xmlns:dgm="http://schemas.openxmlformats.org/drawingml/2006/diagram" xmlns:dsp="http://schemas.microsoft.com/office/drawing/2008/diagram" xmlns:p="http://schemas.openxmlformats.org/presentationml/2006/main" xmlns:mc="http://schemas.openxmlformats.org/markup-compatibility/2006" xmlns:a14="http://schemas.microsoft.com/office/drawing/2010/main" mc:Ignorable="a14 ">
   <p:cSld>
     <p:spTree>
       <p:nvGrpSpPr>
@@ -16970,7 +19157,7 @@
         </p:nvSpPr>
         <p:spPr>
           <a:xfrm>
-            <a:off x="870059" y="4086826"/>
+            <a:off x="1473327" y="3128539"/>
             <a:ext cx="1000684" cy="703499"/>
           </a:xfrm>
           <a:prstGeom prst="roundRect">
@@ -17033,7 +19220,7 @@
         </p:nvSpPr>
         <p:spPr>
           <a:xfrm>
-            <a:off x="2278334" y="4086826"/>
+            <a:off x="2881602" y="3128539"/>
             <a:ext cx="1000684" cy="703499"/>
           </a:xfrm>
           <a:prstGeom prst="roundRect">
@@ -17096,7 +19283,7 @@
         </p:nvSpPr>
         <p:spPr>
           <a:xfrm>
-            <a:off x="3660279" y="4086826"/>
+            <a:off x="4263547" y="3128539"/>
             <a:ext cx="1000684" cy="703499"/>
           </a:xfrm>
           <a:prstGeom prst="roundRect">
@@ -17159,7 +19346,7 @@
         </p:nvSpPr>
         <p:spPr>
           <a:xfrm>
-            <a:off x="698609" y="5093880"/>
+            <a:off x="1301877" y="4135593"/>
             <a:ext cx="1290204" cy="390525"/>
           </a:xfrm>
           <a:prstGeom prst="roundRect">
@@ -17209,7 +19396,7 @@
         </p:nvSpPr>
         <p:spPr>
           <a:xfrm>
-            <a:off x="2120229" y="5093880"/>
+            <a:off x="2723497" y="4135593"/>
             <a:ext cx="1290204" cy="390525"/>
           </a:xfrm>
           <a:prstGeom prst="roundRect">
@@ -17259,7 +19446,7 @@
         </p:nvSpPr>
         <p:spPr>
           <a:xfrm>
-            <a:off x="3541849" y="5093880"/>
+            <a:off x="4145117" y="4135593"/>
             <a:ext cx="1290204" cy="390525"/>
           </a:xfrm>
           <a:prstGeom prst="roundRect">
@@ -17311,7 +19498,7 @@
         </p:nvCxnSpPr>
         <p:spPr>
           <a:xfrm rot="5400000" flipH="1" flipV="1">
-            <a:off x="1218444" y="4941923"/>
+            <a:off x="1821712" y="3983636"/>
             <a:ext cx="303554" cy="360"/>
           </a:xfrm>
           <a:prstGeom prst="straightConnector1">
@@ -17347,7 +19534,7 @@
         </p:nvCxnSpPr>
         <p:spPr>
           <a:xfrm rot="5400000" flipH="1" flipV="1">
-            <a:off x="2613554" y="4941923"/>
+            <a:off x="3216822" y="3983636"/>
             <a:ext cx="303554" cy="360"/>
           </a:xfrm>
           <a:prstGeom prst="straightConnector1">
@@ -17383,7 +19570,7 @@
         </p:nvCxnSpPr>
         <p:spPr>
           <a:xfrm rot="5400000" flipH="1" flipV="1">
-            <a:off x="4008664" y="4941923"/>
+            <a:off x="4611932" y="3983636"/>
             <a:ext cx="303554" cy="360"/>
           </a:xfrm>
           <a:prstGeom prst="straightConnector1">
@@ -17419,7 +19606,7 @@
         </p:nvCxnSpPr>
         <p:spPr>
           <a:xfrm>
-            <a:off x="3312056" y="4438577"/>
+            <a:off x="3915324" y="3480290"/>
             <a:ext cx="341515" cy="0"/>
           </a:xfrm>
           <a:prstGeom prst="straightConnector1">
@@ -17455,7 +19642,7 @@
         </p:nvCxnSpPr>
         <p:spPr>
           <a:xfrm>
-            <a:off x="1903781" y="4438577"/>
+            <a:off x="2507049" y="3480290"/>
             <a:ext cx="341515" cy="0"/>
           </a:xfrm>
           <a:prstGeom prst="straightConnector1">
@@ -17491,7 +19678,7 @@
         </p:nvSpPr>
         <p:spPr>
           <a:xfrm>
-            <a:off x="1859475" y="4086828"/>
+            <a:off x="2462743" y="3128541"/>
             <a:ext cx="459105" cy="367665"/>
           </a:xfrm>
           <a:prstGeom prst="rect">
@@ -17530,7 +19717,7 @@
         </p:nvSpPr>
         <p:spPr>
           <a:xfrm>
-            <a:off x="3248499" y="4086828"/>
+            <a:off x="3851767" y="3128541"/>
             <a:ext cx="459105" cy="367665"/>
           </a:xfrm>
           <a:prstGeom prst="rect">
@@ -17569,7 +19756,7 @@
         </p:nvSpPr>
         <p:spPr>
           <a:xfrm>
-            <a:off x="830508" y="5811135"/>
+            <a:off x="1433776" y="4852848"/>
             <a:ext cx="997454" cy="366224"/>
           </a:xfrm>
           <a:prstGeom prst="rect">
@@ -17600,7 +19787,7 @@
         </p:nvSpPr>
         <p:spPr>
           <a:xfrm>
-            <a:off x="2245296" y="5820660"/>
+            <a:off x="2848564" y="4862373"/>
             <a:ext cx="1003202" cy="366224"/>
           </a:xfrm>
           <a:prstGeom prst="rect">
@@ -17631,7 +19818,7 @@
         </p:nvSpPr>
         <p:spPr>
           <a:xfrm>
-            <a:off x="3665832" y="5820928"/>
+            <a:off x="4269100" y="4862641"/>
             <a:ext cx="1021080" cy="364111"/>
           </a:xfrm>
           <a:prstGeom prst="rect">
@@ -17662,7 +19849,7 @@
         </p:nvCxnSpPr>
         <p:spPr>
           <a:xfrm rot="5400000" flipH="1" flipV="1">
-            <a:off x="1231969" y="5647533"/>
+            <a:off x="1835237" y="4689246"/>
             <a:ext cx="303554" cy="360"/>
           </a:xfrm>
           <a:prstGeom prst="straightConnector1">
@@ -17698,7 +19885,7 @@
         </p:nvCxnSpPr>
         <p:spPr>
           <a:xfrm rot="5400000" flipH="1" flipV="1">
-            <a:off x="2627079" y="5647533"/>
+            <a:off x="3230347" y="4689246"/>
             <a:ext cx="303554" cy="360"/>
           </a:xfrm>
           <a:prstGeom prst="straightConnector1">
@@ -17734,7 +19921,7 @@
         </p:nvCxnSpPr>
         <p:spPr>
           <a:xfrm rot="5400000" flipH="1" flipV="1">
-            <a:off x="4022189" y="5647533"/>
+            <a:off x="4625457" y="4689246"/>
             <a:ext cx="303554" cy="360"/>
           </a:xfrm>
           <a:prstGeom prst="straightConnector1">
@@ -17770,7 +19957,7 @@
         </p:nvCxnSpPr>
         <p:spPr>
           <a:xfrm rot="5400000" flipH="1" flipV="1">
-            <a:off x="1231609" y="3954595"/>
+            <a:off x="1834877" y="2996308"/>
             <a:ext cx="303554" cy="360"/>
           </a:xfrm>
           <a:prstGeom prst="straightConnector1">
@@ -17806,7 +19993,7 @@
         </p:nvCxnSpPr>
         <p:spPr>
           <a:xfrm rot="5400000" flipH="1" flipV="1">
-            <a:off x="2626718" y="3964120"/>
+            <a:off x="3229986" y="3005833"/>
             <a:ext cx="303554" cy="360"/>
           </a:xfrm>
           <a:prstGeom prst="straightConnector1">
@@ -17842,7 +20029,7 @@
         </p:nvCxnSpPr>
         <p:spPr>
           <a:xfrm rot="5400000" flipH="1" flipV="1">
-            <a:off x="4021829" y="3964120"/>
+            <a:off x="4625097" y="3005833"/>
             <a:ext cx="303554" cy="360"/>
           </a:xfrm>
           <a:prstGeom prst="straightConnector1">
@@ -17878,7 +20065,7 @@
         </p:nvSpPr>
         <p:spPr>
           <a:xfrm>
-            <a:off x="976651" y="2376926"/>
+            <a:off x="1579919" y="1418639"/>
             <a:ext cx="824158" cy="367450"/>
           </a:xfrm>
           <a:prstGeom prst="rect">
@@ -17909,7 +20096,7 @@
         </p:nvSpPr>
         <p:spPr>
           <a:xfrm>
-            <a:off x="2251116" y="2375574"/>
+            <a:off x="2854384" y="1417287"/>
             <a:ext cx="1128269" cy="358843"/>
           </a:xfrm>
           <a:prstGeom prst="rect">
@@ -17940,7 +20127,7 @@
         </p:nvSpPr>
         <p:spPr>
           <a:xfrm>
-            <a:off x="3468141" y="2373883"/>
+            <a:off x="4071409" y="1415596"/>
             <a:ext cx="1421620" cy="366255"/>
           </a:xfrm>
           <a:prstGeom prst="rect">
@@ -17971,7 +20158,7 @@
         </p:nvSpPr>
         <p:spPr>
           <a:xfrm>
-            <a:off x="870529" y="3434218"/>
+            <a:off x="1473797" y="2475931"/>
             <a:ext cx="1000684" cy="357135"/>
           </a:xfrm>
           <a:prstGeom prst="roundRect">
@@ -18034,7 +20221,7 @@
         </p:nvSpPr>
         <p:spPr>
           <a:xfrm>
-            <a:off x="2273280" y="3434218"/>
+            <a:off x="2876548" y="2475931"/>
             <a:ext cx="1000684" cy="357135"/>
           </a:xfrm>
           <a:prstGeom prst="roundRect">
@@ -18097,7 +20284,7 @@
         </p:nvSpPr>
         <p:spPr>
           <a:xfrm>
-            <a:off x="3676030" y="3433950"/>
+            <a:off x="4279298" y="2475663"/>
             <a:ext cx="1000684" cy="357135"/>
           </a:xfrm>
           <a:prstGeom prst="roundRect">
@@ -18160,7 +20347,7 @@
         </p:nvSpPr>
         <p:spPr>
           <a:xfrm>
-            <a:off x="870529" y="3047931"/>
+            <a:off x="1473797" y="2089644"/>
             <a:ext cx="1000684" cy="357135"/>
           </a:xfrm>
           <a:prstGeom prst="roundRect">
@@ -18223,7 +20410,7 @@
         </p:nvSpPr>
         <p:spPr>
           <a:xfrm>
-            <a:off x="2274042" y="3047745"/>
+            <a:off x="2877310" y="2089458"/>
             <a:ext cx="1000684" cy="357135"/>
           </a:xfrm>
           <a:prstGeom prst="roundRect">
@@ -18286,7 +20473,7 @@
         </p:nvSpPr>
         <p:spPr>
           <a:xfrm>
-            <a:off x="3668029" y="3043693"/>
+            <a:off x="4271297" y="2085406"/>
             <a:ext cx="1000684" cy="357135"/>
           </a:xfrm>
           <a:prstGeom prst="roundRect">
@@ -18349,7 +20536,7 @@
         </p:nvCxnSpPr>
         <p:spPr>
           <a:xfrm rot="5400000" flipH="1" flipV="1">
-            <a:off x="1237133" y="2876347"/>
+            <a:off x="1840401" y="1918060"/>
             <a:ext cx="303554" cy="360"/>
           </a:xfrm>
           <a:prstGeom prst="straightConnector1">
@@ -18385,7 +20572,7 @@
         </p:nvCxnSpPr>
         <p:spPr>
           <a:xfrm rot="5400000" flipH="1" flipV="1">
-            <a:off x="2632243" y="2876347"/>
+            <a:off x="3235511" y="1918060"/>
             <a:ext cx="303554" cy="360"/>
           </a:xfrm>
           <a:prstGeom prst="straightConnector1">
@@ -18421,7 +20608,7 @@
         </p:nvCxnSpPr>
         <p:spPr>
           <a:xfrm rot="5400000" flipH="1" flipV="1">
-            <a:off x="4027354" y="2876347"/>
+            <a:off x="4630622" y="1918060"/>
             <a:ext cx="303554" cy="360"/>
           </a:xfrm>
           <a:prstGeom prst="straightConnector1">
@@ -18430,6 +20617,1113 @@
           <a:ln w="28575">
             <a:solidFill>
               <a:schemeClr val="dk1"/>
+            </a:solidFill>
+            <a:tailEnd type="arrow"/>
+          </a:ln>
+        </p:spPr>
+        <p:style>
+          <a:lnRef idx="1">
+            <a:schemeClr val="accent1"/>
+          </a:lnRef>
+          <a:fillRef idx="0">
+            <a:schemeClr val="accent1"/>
+          </a:fillRef>
+          <a:effectRef idx="0">
+            <a:schemeClr val="accent1"/>
+          </a:effectRef>
+          <a:fontRef idx="minor">
+            <a:schemeClr val="tx1"/>
+          </a:fontRef>
+        </p:style>
+      </p:cxnSp>
+      <p:sp>
+        <p:nvSpPr>
+          <p:cNvPr id="49" name="가로 글상자 48"/>
+          <p:cNvSpPr txBox="1"/>
+          <p:nvPr/>
+        </p:nvSpPr>
+        <p:spPr>
+          <a:xfrm>
+            <a:off x="661635" y="674137"/>
+            <a:ext cx="1931817" cy="367665"/>
+          </a:xfrm>
+          <a:prstGeom prst="rect">
+            <a:avLst/>
+          </a:prstGeom>
+        </p:spPr>
+        <p:txBody>
+          <a:bodyPr vert="horz" wrap="square" anchor="ctr" anchorCtr="0">
+            <a:spAutoFit/>
+          </a:bodyPr>
+          <a:p>
+            <a:pPr lvl="0" algn="ctr">
+              <a:defRPr/>
+            </a:pPr>
+            <a:r>
+              <a:rPr lang="ko-KR" altLang="en-US" b="1"/>
+              <a:t>그는 집에 갔다</a:t>
+            </a:r>
+            <a:endParaRPr lang="en-US" altLang="ko-KR" b="1"/>
+          </a:p>
+        </p:txBody>
+      </p:sp>
+      <p:cxnSp>
+        <p:nvCxnSpPr>
+          <p:cNvPr id="50" name="화살표 49"/>
+          <p:cNvCxnSpPr/>
+          <p:nvPr/>
+        </p:nvCxnSpPr>
+        <p:spPr>
+          <a:xfrm>
+            <a:off x="2500739" y="823856"/>
+            <a:ext cx="294789" cy="0"/>
+          </a:xfrm>
+          <a:prstGeom prst="straightConnector1">
+            <a:avLst/>
+          </a:prstGeom>
+          <a:ln w="28575">
+            <a:solidFill>
+              <a:srgbClr val="000000"/>
+            </a:solidFill>
+            <a:tailEnd type="arrow"/>
+          </a:ln>
+        </p:spPr>
+        <p:style>
+          <a:lnRef idx="1">
+            <a:schemeClr val="accent1"/>
+          </a:lnRef>
+          <a:fillRef idx="0">
+            <a:schemeClr val="accent1"/>
+          </a:fillRef>
+          <a:effectRef idx="0">
+            <a:schemeClr val="accent1"/>
+          </a:effectRef>
+          <a:fontRef idx="minor">
+            <a:schemeClr val="tx1"/>
+          </a:fontRef>
+        </p:style>
+      </p:cxnSp>
+      <p:sp>
+        <p:nvSpPr>
+          <p:cNvPr id="52" name="가로 글상자 51"/>
+          <p:cNvSpPr txBox="1"/>
+          <p:nvPr/>
+        </p:nvSpPr>
+        <p:spPr>
+          <a:xfrm>
+            <a:off x="4217339" y="655087"/>
+            <a:ext cx="1792605" cy="367665"/>
+          </a:xfrm>
+          <a:prstGeom prst="rect">
+            <a:avLst/>
+          </a:prstGeom>
+        </p:spPr>
+        <p:txBody>
+          <a:bodyPr vert="horz" wrap="square" anchor="ctr" anchorCtr="0">
+            <a:spAutoFit/>
+          </a:bodyPr>
+          <a:p>
+            <a:pPr lvl="0" algn="ctr">
+              <a:defRPr/>
+            </a:pPr>
+            <a:r>
+              <a:rPr lang="en-US" altLang="ko-KR" b="1"/>
+              <a:t>he went home</a:t>
+            </a:r>
+            <a:endParaRPr lang="en-US" altLang="ko-KR" b="1"/>
+          </a:p>
+        </p:txBody>
+      </p:sp>
+      <p:sp>
+        <p:nvSpPr>
+          <p:cNvPr id="53" name="모서리가 둥근 직사각형 52"/>
+          <p:cNvSpPr/>
+          <p:nvPr/>
+        </p:nvSpPr>
+        <p:spPr>
+          <a:xfrm>
+            <a:off x="2881241" y="500708"/>
+            <a:ext cx="1000684" cy="703499"/>
+          </a:xfrm>
+          <a:prstGeom prst="roundRect">
+            <a:avLst>
+              <a:gd name="adj" fmla="val 16667"/>
+            </a:avLst>
+          </a:prstGeom>
+          <a:solidFill>
+            <a:srgbClr val="203a7b"/>
+          </a:solidFill>
+          <a:scene3d>
+            <a:camera prst="orthographicFront"/>
+            <a:lightRig rig="threePt" dir="t"/>
+          </a:scene3d>
+          <a:sp3d>
+            <a:bevelT/>
+          </a:sp3d>
+        </p:spPr>
+        <p:style>
+          <a:lnRef idx="2">
+            <a:schemeClr val="accent3">
+              <a:shade val="20000"/>
+            </a:schemeClr>
+          </a:lnRef>
+          <a:fillRef idx="1">
+            <a:schemeClr val="accent3"/>
+          </a:fillRef>
+          <a:effectRef idx="0">
+            <a:schemeClr val="accent3"/>
+          </a:effectRef>
+          <a:fontRef idx="minor">
+            <a:schemeClr val="lt1"/>
+          </a:fontRef>
+        </p:style>
+        <p:txBody>
+          <a:bodyPr wrap="square" anchor="ctr">
+            <a:normAutofit/>
+          </a:bodyPr>
+          <a:p>
+            <a:pPr lvl="0" algn="ctr">
+              <a:defRPr/>
+            </a:pPr>
+            <a:r>
+              <a:rPr lang="en-US" altLang="ko-KR" b="1">
+                <a:effectLst/>
+              </a:rPr>
+              <a:t>RNN</a:t>
+            </a:r>
+            <a:endParaRPr lang="en-US" altLang="ko-KR" b="1">
+              <a:effectLst/>
+            </a:endParaRPr>
+          </a:p>
+        </p:txBody>
+      </p:sp>
+      <p:cxnSp>
+        <p:nvCxnSpPr>
+          <p:cNvPr id="54" name="화살표 53"/>
+          <p:cNvCxnSpPr/>
+          <p:nvPr/>
+        </p:nvCxnSpPr>
+        <p:spPr>
+          <a:xfrm>
+            <a:off x="3967638" y="823856"/>
+            <a:ext cx="294789" cy="0"/>
+          </a:xfrm>
+          <a:prstGeom prst="straightConnector1">
+            <a:avLst/>
+          </a:prstGeom>
+          <a:ln w="28575">
+            <a:solidFill>
+              <a:srgbClr val="000000"/>
+            </a:solidFill>
+            <a:tailEnd type="arrow"/>
+          </a:ln>
+        </p:spPr>
+        <p:style>
+          <a:lnRef idx="1">
+            <a:schemeClr val="accent1"/>
+          </a:lnRef>
+          <a:fillRef idx="0">
+            <a:schemeClr val="accent1"/>
+          </a:fillRef>
+          <a:effectRef idx="0">
+            <a:schemeClr val="accent1"/>
+          </a:effectRef>
+          <a:fontRef idx="minor">
+            <a:schemeClr val="tx1"/>
+          </a:fontRef>
+        </p:style>
+      </p:cxnSp>
+      <p:sp>
+        <p:nvSpPr>
+          <p:cNvPr id="55" name="가로 글상자 54"/>
+          <p:cNvSpPr txBox="1"/>
+          <p:nvPr/>
+        </p:nvSpPr>
+        <p:spPr>
+          <a:xfrm>
+            <a:off x="6846907" y="675578"/>
+            <a:ext cx="997454" cy="366224"/>
+          </a:xfrm>
+          <a:prstGeom prst="rect">
+            <a:avLst/>
+          </a:prstGeom>
+        </p:spPr>
+        <p:txBody>
+          <a:bodyPr wrap="square">
+            <a:spAutoFit/>
+          </a:bodyPr>
+          <a:p>
+            <a:pPr lvl="0" algn="ctr">
+              <a:defRPr/>
+            </a:pPr>
+            <a:r>
+              <a:rPr lang="ko-KR" altLang="en-US" b="1"/>
+              <a:t>그는</a:t>
+            </a:r>
+            <a:endParaRPr lang="ko-KR" altLang="en-US" b="1"/>
+          </a:p>
+        </p:txBody>
+      </p:sp>
+      <p:cxnSp>
+        <p:nvCxnSpPr>
+          <p:cNvPr id="56" name="화살표 55"/>
+          <p:cNvCxnSpPr/>
+          <p:nvPr/>
+        </p:nvCxnSpPr>
+        <p:spPr>
+          <a:xfrm>
+            <a:off x="7696967" y="823856"/>
+            <a:ext cx="294789" cy="0"/>
+          </a:xfrm>
+          <a:prstGeom prst="straightConnector1">
+            <a:avLst/>
+          </a:prstGeom>
+          <a:ln w="28575">
+            <a:solidFill>
+              <a:srgbClr val="000000"/>
+            </a:solidFill>
+            <a:tailEnd type="arrow"/>
+          </a:ln>
+        </p:spPr>
+        <p:style>
+          <a:lnRef idx="1">
+            <a:schemeClr val="accent1"/>
+          </a:lnRef>
+          <a:fillRef idx="0">
+            <a:schemeClr val="accent1"/>
+          </a:fillRef>
+          <a:effectRef idx="0">
+            <a:schemeClr val="accent1"/>
+          </a:effectRef>
+          <a:fontRef idx="minor">
+            <a:schemeClr val="tx1"/>
+          </a:fontRef>
+        </p:style>
+      </p:cxnSp>
+      <p:sp>
+        <p:nvSpPr>
+          <p:cNvPr id="57" name="직사각형 56"/>
+          <p:cNvSpPr/>
+          <p:nvPr/>
+        </p:nvSpPr>
+        <p:spPr>
+          <a:xfrm>
+            <a:off x="8220808" y="640024"/>
+            <a:ext cx="2068144" cy="367665"/>
+          </a:xfrm>
+          <a:prstGeom prst="rect">
+            <a:avLst/>
+          </a:prstGeom>
+        </p:spPr>
+        <p:style>
+          <a:lnRef idx="2">
+            <a:schemeClr val="accent3">
+              <a:shade val="20000"/>
+            </a:schemeClr>
+          </a:lnRef>
+          <a:fillRef idx="1">
+            <a:schemeClr val="accent3"/>
+          </a:fillRef>
+          <a:effectRef idx="0">
+            <a:schemeClr val="accent3"/>
+          </a:effectRef>
+          <a:fontRef idx="minor">
+            <a:schemeClr val="lt1"/>
+          </a:fontRef>
+        </p:style>
+        <p:txBody>
+          <a:bodyPr/>
+          <a:p>
+            <a:pPr lvl="0">
+              <a:defRPr/>
+            </a:pPr>
+            <a:endParaRPr lang="en-US" altLang="ko-KR" sz="1600"/>
+          </a:p>
+        </p:txBody>
+      </p:sp>
+      <p:cxnSp>
+        <p:nvCxnSpPr>
+          <p:cNvPr id="59" name="선 58"/>
+          <p:cNvCxnSpPr/>
+          <p:nvPr/>
+        </p:nvCxnSpPr>
+        <p:spPr>
+          <a:xfrm rot="16200000" flipH="1">
+            <a:off x="9289147" y="823856"/>
+            <a:ext cx="367665" cy="0"/>
+          </a:xfrm>
+          <a:prstGeom prst="line">
+            <a:avLst/>
+          </a:prstGeom>
+          <a:ln w="19050">
+            <a:solidFill>
+              <a:srgbClr val="0d0d0d"/>
+            </a:solidFill>
+          </a:ln>
+        </p:spPr>
+        <p:style>
+          <a:lnRef idx="1">
+            <a:schemeClr val="accent1"/>
+          </a:lnRef>
+          <a:fillRef idx="0">
+            <a:schemeClr val="accent1"/>
+          </a:fillRef>
+          <a:effectRef idx="0">
+            <a:schemeClr val="accent1"/>
+          </a:effectRef>
+          <a:fontRef idx="minor">
+            <a:schemeClr val="tx1"/>
+          </a:fontRef>
+        </p:style>
+      </p:cxnSp>
+      <p:cxnSp>
+        <p:nvCxnSpPr>
+          <p:cNvPr id="60" name="선 59"/>
+          <p:cNvCxnSpPr/>
+          <p:nvPr/>
+        </p:nvCxnSpPr>
+        <p:spPr>
+          <a:xfrm rot="16200000" flipH="1">
+            <a:off x="8446548" y="823857"/>
+            <a:ext cx="367665" cy="0"/>
+          </a:xfrm>
+          <a:prstGeom prst="line">
+            <a:avLst/>
+          </a:prstGeom>
+          <a:ln w="19050">
+            <a:solidFill>
+              <a:srgbClr val="0d0d0d"/>
+            </a:solidFill>
+          </a:ln>
+        </p:spPr>
+        <p:style>
+          <a:lnRef idx="1">
+            <a:schemeClr val="accent1"/>
+          </a:lnRef>
+          <a:fillRef idx="0">
+            <a:schemeClr val="accent1"/>
+          </a:fillRef>
+          <a:effectRef idx="0">
+            <a:schemeClr val="accent1"/>
+          </a:effectRef>
+          <a:fontRef idx="minor">
+            <a:schemeClr val="tx1"/>
+          </a:fontRef>
+        </p:style>
+      </p:cxnSp>
+      <p:sp>
+        <p:nvSpPr>
+          <p:cNvPr id="61" name="가로 글상자 60"/>
+          <p:cNvSpPr txBox="1"/>
+          <p:nvPr/>
+        </p:nvSpPr>
+        <p:spPr>
+          <a:xfrm>
+            <a:off x="8239858" y="668655"/>
+            <a:ext cx="409572" cy="300990"/>
+          </a:xfrm>
+          <a:prstGeom prst="rect">
+            <a:avLst/>
+          </a:prstGeom>
+        </p:spPr>
+        <p:txBody>
+          <a:bodyPr vert="horz" wrap="square" anchor="ctr" anchorCtr="0">
+            <a:spAutoFit/>
+          </a:bodyPr>
+          <a:p>
+            <a:pPr lvl="0" algn="ctr">
+              <a:defRPr/>
+            </a:pPr>
+            <a:r>
+              <a:rPr lang="en-US" altLang="ko-KR" sz="1400"/>
+              <a:t>0.7</a:t>
+            </a:r>
+            <a:endParaRPr lang="en-US" altLang="ko-KR" sz="1400"/>
+          </a:p>
+        </p:txBody>
+      </p:sp>
+      <p:sp>
+        <p:nvSpPr>
+          <p:cNvPr id="62" name="가로 글상자 61"/>
+          <p:cNvSpPr txBox="1"/>
+          <p:nvPr/>
+        </p:nvSpPr>
+        <p:spPr>
+          <a:xfrm>
+            <a:off x="8661170" y="668655"/>
+            <a:ext cx="409572" cy="300990"/>
+          </a:xfrm>
+          <a:prstGeom prst="rect">
+            <a:avLst/>
+          </a:prstGeom>
+        </p:spPr>
+        <p:txBody>
+          <a:bodyPr vert="horz" wrap="square" anchor="ctr" anchorCtr="0">
+            <a:spAutoFit/>
+          </a:bodyPr>
+          <a:p>
+            <a:pPr lvl="0" algn="ctr">
+              <a:defRPr/>
+            </a:pPr>
+            <a:r>
+              <a:rPr lang="en-US" altLang="ko-KR" sz="1400"/>
+              <a:t>0.3</a:t>
+            </a:r>
+            <a:endParaRPr lang="en-US" altLang="ko-KR" sz="1400"/>
+          </a:p>
+        </p:txBody>
+      </p:sp>
+      <p:sp>
+        <p:nvSpPr>
+          <p:cNvPr id="64" name="가로 글상자 63"/>
+          <p:cNvSpPr txBox="1"/>
+          <p:nvPr/>
+        </p:nvSpPr>
+        <p:spPr>
+          <a:xfrm>
+            <a:off x="9492006" y="674137"/>
+            <a:ext cx="409572" cy="300990"/>
+          </a:xfrm>
+          <a:prstGeom prst="rect">
+            <a:avLst/>
+          </a:prstGeom>
+        </p:spPr>
+        <p:txBody>
+          <a:bodyPr vert="horz" wrap="square" anchor="ctr" anchorCtr="0">
+            <a:spAutoFit/>
+          </a:bodyPr>
+          <a:p>
+            <a:pPr lvl="0" algn="ctr">
+              <a:defRPr/>
+            </a:pPr>
+            <a:r>
+              <a:rPr lang="en-US" altLang="ko-KR" sz="1400"/>
+              <a:t>0.4</a:t>
+            </a:r>
+            <a:endParaRPr lang="en-US" altLang="ko-KR" sz="1400"/>
+          </a:p>
+        </p:txBody>
+      </p:sp>
+      <p:cxnSp>
+        <p:nvCxnSpPr>
+          <p:cNvPr id="65" name="선 64"/>
+          <p:cNvCxnSpPr/>
+          <p:nvPr/>
+        </p:nvCxnSpPr>
+        <p:spPr>
+          <a:xfrm rot="16200000" flipH="1">
+            <a:off x="9710435" y="833436"/>
+            <a:ext cx="367665" cy="0"/>
+          </a:xfrm>
+          <a:prstGeom prst="line">
+            <a:avLst/>
+          </a:prstGeom>
+          <a:ln w="19050">
+            <a:solidFill>
+              <a:srgbClr val="0d0d0d"/>
+            </a:solidFill>
+          </a:ln>
+        </p:spPr>
+        <p:style>
+          <a:lnRef idx="1">
+            <a:schemeClr val="accent1"/>
+          </a:lnRef>
+          <a:fillRef idx="0">
+            <a:schemeClr val="accent1"/>
+          </a:fillRef>
+          <a:effectRef idx="0">
+            <a:schemeClr val="accent1"/>
+          </a:effectRef>
+          <a:fontRef idx="minor">
+            <a:schemeClr val="tx1"/>
+          </a:fontRef>
+        </p:style>
+      </p:cxnSp>
+      <p:sp>
+        <p:nvSpPr>
+          <p:cNvPr id="66" name="가로 글상자 65"/>
+          <p:cNvSpPr txBox="1"/>
+          <p:nvPr/>
+        </p:nvSpPr>
+        <p:spPr>
+          <a:xfrm>
+            <a:off x="9906600" y="674137"/>
+            <a:ext cx="409572" cy="300990"/>
+          </a:xfrm>
+          <a:prstGeom prst="rect">
+            <a:avLst/>
+          </a:prstGeom>
+        </p:spPr>
+        <p:txBody>
+          <a:bodyPr vert="horz" wrap="square" anchor="ctr" anchorCtr="0">
+            <a:spAutoFit/>
+          </a:bodyPr>
+          <a:p>
+            <a:pPr lvl="0" algn="ctr">
+              <a:defRPr/>
+            </a:pPr>
+            <a:r>
+              <a:rPr lang="en-US" altLang="ko-KR" sz="1400"/>
+              <a:t>0.4</a:t>
+            </a:r>
+            <a:endParaRPr lang="en-US" altLang="ko-KR" sz="1400"/>
+          </a:p>
+        </p:txBody>
+      </p:sp>
+      <p:cxnSp>
+        <p:nvCxnSpPr>
+          <p:cNvPr id="67" name="선 66"/>
+          <p:cNvCxnSpPr/>
+          <p:nvPr/>
+        </p:nvCxnSpPr>
+        <p:spPr>
+          <a:xfrm rot="16200000" flipH="1">
+            <a:off x="8870618" y="823856"/>
+            <a:ext cx="367665" cy="0"/>
+          </a:xfrm>
+          <a:prstGeom prst="line">
+            <a:avLst/>
+          </a:prstGeom>
+          <a:ln w="19050">
+            <a:solidFill>
+              <a:srgbClr val="0d0d0d"/>
+            </a:solidFill>
+          </a:ln>
+        </p:spPr>
+        <p:style>
+          <a:lnRef idx="1">
+            <a:schemeClr val="accent1"/>
+          </a:lnRef>
+          <a:fillRef idx="0">
+            <a:schemeClr val="accent1"/>
+          </a:fillRef>
+          <a:effectRef idx="0">
+            <a:schemeClr val="accent1"/>
+          </a:effectRef>
+          <a:fontRef idx="minor">
+            <a:schemeClr val="tx1"/>
+          </a:fontRef>
+        </p:style>
+      </p:cxnSp>
+      <p:sp>
+        <p:nvSpPr>
+          <p:cNvPr id="69" name="가로 글상자 68"/>
+          <p:cNvSpPr txBox="1"/>
+          <p:nvPr/>
+        </p:nvSpPr>
+        <p:spPr>
+          <a:xfrm>
+            <a:off x="9071610" y="635317"/>
+            <a:ext cx="363855" cy="300990"/>
+          </a:xfrm>
+          <a:prstGeom prst="rect">
+            <a:avLst/>
+          </a:prstGeom>
+        </p:spPr>
+        <p:txBody>
+          <a:bodyPr vert="horz" wrap="square" anchor="ctr" anchorCtr="0">
+            <a:spAutoFit/>
+          </a:bodyPr>
+          <a:p>
+            <a:pPr lvl="0" algn="ctr">
+              <a:defRPr/>
+            </a:pPr>
+            <a:r>
+              <a:rPr lang="en-US" altLang="ko-KR" sz="1400"/>
+              <a:t>...</a:t>
+            </a:r>
+            <a:endParaRPr lang="en-US" altLang="ko-KR" sz="1400"/>
+          </a:p>
+        </p:txBody>
+      </p:sp>
+      <p:sp>
+        <p:nvSpPr>
+          <p:cNvPr id="73" name="가로 글상자 72"/>
+          <p:cNvSpPr txBox="1"/>
+          <p:nvPr/>
+        </p:nvSpPr>
+        <p:spPr>
+          <a:xfrm>
+            <a:off x="7328535" y="2087880"/>
+            <a:ext cx="516255" cy="910590"/>
+          </a:xfrm>
+          <a:prstGeom prst="rect">
+            <a:avLst/>
+          </a:prstGeom>
+        </p:spPr>
+        <p:txBody>
+          <a:bodyPr vert="horz" wrap="square" anchor="ctr" anchorCtr="0">
+            <a:spAutoFit/>
+          </a:bodyPr>
+          <a:p>
+            <a:pPr lvl="0" algn="ctr">
+              <a:defRPr/>
+            </a:pPr>
+            <a:r>
+              <a:rPr lang="en-US" altLang="ko-KR"/>
+              <a:t>2.0</a:t>
+            </a:r>
+            <a:endParaRPr lang="en-US" altLang="ko-KR"/>
+          </a:p>
+          <a:p>
+            <a:pPr lvl="0" algn="ctr">
+              <a:defRPr/>
+            </a:pPr>
+            <a:r>
+              <a:rPr lang="en-US" altLang="ko-KR"/>
+              <a:t>1.0</a:t>
+            </a:r>
+            <a:endParaRPr lang="en-US" altLang="ko-KR"/>
+          </a:p>
+          <a:p>
+            <a:pPr lvl="0" algn="ctr">
+              <a:defRPr/>
+            </a:pPr>
+            <a:r>
+              <a:rPr lang="en-US" altLang="ko-KR"/>
+              <a:t>0.1</a:t>
+            </a:r>
+            <a:endParaRPr lang="en-US" altLang="ko-KR"/>
+          </a:p>
+        </p:txBody>
+      </p:sp>
+      <p:cxnSp>
+        <p:nvCxnSpPr>
+          <p:cNvPr id="74" name="화살표 73"/>
+          <p:cNvCxnSpPr/>
+          <p:nvPr/>
+        </p:nvCxnSpPr>
+        <p:spPr>
+          <a:xfrm>
+            <a:off x="7922047" y="2543175"/>
+            <a:ext cx="272768" cy="0"/>
+          </a:xfrm>
+          <a:prstGeom prst="straightConnector1">
+            <a:avLst/>
+          </a:prstGeom>
+          <a:ln w="28575">
+            <a:solidFill>
+              <a:srgbClr val="000000"/>
+            </a:solidFill>
+            <a:tailEnd type="arrow"/>
+          </a:ln>
+        </p:spPr>
+        <p:style>
+          <a:lnRef idx="1">
+            <a:schemeClr val="accent1"/>
+          </a:lnRef>
+          <a:fillRef idx="0">
+            <a:schemeClr val="accent1"/>
+          </a:fillRef>
+          <a:effectRef idx="0">
+            <a:schemeClr val="accent1"/>
+          </a:effectRef>
+          <a:fontRef idx="minor">
+            <a:schemeClr val="tx1"/>
+          </a:fontRef>
+        </p:style>
+      </p:cxnSp>
+      <p:sp>
+        <p:nvSpPr>
+          <p:cNvPr id="75" name="양쪽 대괄호 74"/>
+          <p:cNvSpPr/>
+          <p:nvPr/>
+        </p:nvSpPr>
+        <p:spPr>
+          <a:xfrm>
+            <a:off x="7319010" y="2070017"/>
+            <a:ext cx="516255" cy="926470"/>
+          </a:xfrm>
+          <a:prstGeom prst="bracketPair">
+            <a:avLst>
+              <a:gd name="adj" fmla="val 16667"/>
+            </a:avLst>
+          </a:prstGeom>
+          <a:ln w="19050">
+            <a:solidFill>
+              <a:srgbClr val="000000"/>
+            </a:solidFill>
+          </a:ln>
+        </p:spPr>
+        <p:style>
+          <a:lnRef idx="1">
+            <a:schemeClr val="accent1"/>
+          </a:lnRef>
+          <a:fillRef idx="0">
+            <a:schemeClr val="accent1"/>
+          </a:fillRef>
+          <a:effectRef idx="0">
+            <a:schemeClr val="accent1"/>
+          </a:effectRef>
+          <a:fontRef idx="minor">
+            <a:schemeClr val="tx1"/>
+          </a:fontRef>
+        </p:style>
+        <p:txBody>
+          <a:bodyPr/>
+          <a:p>
+            <a:pPr lvl="0">
+              <a:defRPr/>
+            </a:pPr>
+            <a:endParaRPr b="1">
+              <a:solidFill>
+                <a:schemeClr val="tx1"/>
+              </a:solidFill>
+            </a:endParaRPr>
+          </a:p>
+        </p:txBody>
+      </p:sp>
+      <p:sp>
+        <p:nvSpPr>
+          <p:cNvPr id="76" name="가로 글상자 75"/>
+          <p:cNvSpPr txBox="1"/>
+          <p:nvPr/>
+        </p:nvSpPr>
+        <p:spPr>
+          <a:xfrm>
+            <a:off x="10133570" y="2070017"/>
+            <a:ext cx="641508" cy="910590"/>
+          </a:xfrm>
+          <a:prstGeom prst="rect">
+            <a:avLst/>
+          </a:prstGeom>
+        </p:spPr>
+        <p:txBody>
+          <a:bodyPr vert="horz" wrap="square" anchor="ctr" anchorCtr="0">
+            <a:spAutoFit/>
+          </a:bodyPr>
+          <a:p>
+            <a:pPr lvl="0" algn="ctr">
+              <a:defRPr/>
+            </a:pPr>
+            <a:r>
+              <a:rPr lang="en-US" altLang="ko-KR"/>
+              <a:t>0.67</a:t>
+            </a:r>
+            <a:endParaRPr lang="en-US" altLang="ko-KR"/>
+          </a:p>
+          <a:p>
+            <a:pPr lvl="0" algn="ctr">
+              <a:defRPr/>
+            </a:pPr>
+            <a:r>
+              <a:rPr lang="en-US" altLang="ko-KR"/>
+              <a:t>0.23</a:t>
+            </a:r>
+            <a:endParaRPr lang="en-US" altLang="ko-KR"/>
+          </a:p>
+          <a:p>
+            <a:pPr lvl="0" algn="ctr">
+              <a:defRPr/>
+            </a:pPr>
+            <a:r>
+              <a:rPr lang="en-US" altLang="ko-KR"/>
+              <a:t>0.1</a:t>
+            </a:r>
+            <a:endParaRPr lang="en-US" altLang="ko-KR"/>
+          </a:p>
+        </p:txBody>
+      </p:sp>
+      <p:sp>
+        <p:nvSpPr>
+          <p:cNvPr id="77" name="양쪽 대괄호 76"/>
+          <p:cNvSpPr/>
+          <p:nvPr/>
+        </p:nvSpPr>
+        <p:spPr>
+          <a:xfrm>
+            <a:off x="10124045" y="2052154"/>
+            <a:ext cx="651033" cy="926470"/>
+          </a:xfrm>
+          <a:prstGeom prst="bracketPair">
+            <a:avLst>
+              <a:gd name="adj" fmla="val 16667"/>
+            </a:avLst>
+          </a:prstGeom>
+          <a:ln w="19050">
+            <a:solidFill>
+              <a:srgbClr val="000000"/>
+            </a:solidFill>
+          </a:ln>
+        </p:spPr>
+        <p:style>
+          <a:lnRef idx="1">
+            <a:schemeClr val="accent1"/>
+          </a:lnRef>
+          <a:fillRef idx="0">
+            <a:schemeClr val="accent1"/>
+          </a:fillRef>
+          <a:effectRef idx="0">
+            <a:schemeClr val="accent1"/>
+          </a:effectRef>
+          <a:fontRef idx="minor">
+            <a:schemeClr val="tx1"/>
+          </a:fontRef>
+        </p:style>
+        <p:txBody>
+          <a:bodyPr/>
+          <a:p>
+            <a:pPr lvl="0">
+              <a:defRPr/>
+            </a:pPr>
+            <a:endParaRPr b="1">
+              <a:solidFill>
+                <a:schemeClr val="tx1"/>
+              </a:solidFill>
+            </a:endParaRPr>
+          </a:p>
+        </p:txBody>
+      </p:sp>
+      <mc:AlternateContent xmlns:mc="http://schemas.openxmlformats.org/markup-compatibility/2006">
+        <mc:Choice xmlns:a14="http://schemas.microsoft.com/office/drawing/2010/main" Requires="a14">
+          <p:sp>
+            <p:nvSpPr>
+              <p:cNvPr id="78" name="자유형 77"/>
+              <p:cNvSpPr/>
+              <p:nvPr/>
+            </p:nvSpPr>
+            <p:spPr>
+              <a:xfrm>
+                <a:off x="8233973" y="2190750"/>
+                <a:ext cx="1543050" cy="704850"/>
+              </a:xfrm>
+              <a:custGeom>
+                <a:avLst/>
+                <a:gdLst/>
+                <a:cxnLst>
+                  <a:cxn ang="3cd4">
+                    <a:pos x="hc" y="t"/>
+                  </a:cxn>
+                  <a:cxn ang="cd2">
+                    <a:pos x="l" y="vc"/>
+                  </a:cxn>
+                  <a:cxn ang="cd4">
+                    <a:pos x="hc" y="b"/>
+                  </a:cxn>
+                  <a:cxn ang="0">
+                    <a:pos x="r" y="vc"/>
+                  </a:cxn>
+                </a:cxnLst>
+                <a:rect l="l" t="t" r="r" b="b"/>
+                <a:pathLst>
+                  <a:path w="914400" h="914400">
+                    <a:moveTo>
+                      <a:pt x="0" y="0"/>
+                    </a:moveTo>
+                    <a:lnTo>
+                      <a:pt x="914400" y="0"/>
+                    </a:lnTo>
+                    <a:lnTo>
+                      <a:pt x="914400" y="914400"/>
+                    </a:lnTo>
+                    <a:lnTo>
+                      <a:pt x="0" y="914400"/>
+                    </a:lnTo>
+                    <a:close/>
+                  </a:path>
+                </a:pathLst>
+              </a:custGeom>
+            </p:spPr>
+            <p:txBody>
+              <a:bodyPr/>
+              <a:lstStyle/>
+              <a:p>
+                <a:pPr algn="l"/>
+                <a14:m xmlns:m="http://schemas.openxmlformats.org/officeDocument/2006/math" xmlns:mc="http://schemas.openxmlformats.org/markup-compatibility/2006" xmlns:ho="http://schemas.haansoft.com/office/8.0" mc:Ignorable="ho" ho:hncCreate="1">
+                  <m:oMathPara>
+                    <m:oMathParaPr>
+                      <m:jc m:val="left"/>
+                    </m:oMathParaPr>
+                    <m:oMath xmlns:m="http://schemas.openxmlformats.org/officeDocument/2006/math">
+                      <m:f>
+                        <m:fPr>
+                          <m:ctrlPr>
+                            <a:rPr sz="1800" i="1">
+                              <a:latin typeface="Cambria Math"/>
+                              <a:sym typeface="Cambria Math"/>
+                            </a:rPr>
+                          </m:ctrlPr>
+                        </m:fPr>
+                        <m:num>
+                          <m:sSup>
+                            <m:sSupPr>
+                              <m:ctrlPr>
+                                <a:rPr sz="1800" i="1">
+                                  <a:latin typeface="Cambria Math"/>
+                                  <a:sym typeface="Cambria Math"/>
+                                </a:rPr>
+                              </m:ctrlPr>
+                            </m:sSupPr>
+                            <m:e>
+                              <m:r>
+                                <a:rPr sz="1800" i="1">
+                                  <a:latin typeface="Cambria Math"/>
+                                  <a:sym typeface="Cambria Math"/>
+                                </a:rPr>
+                                <m:t>𝑒</m:t>
+                              </m:r>
+                            </m:e>
+                            <m:sup>
+                              <m:r>
+                                <a:rPr sz="1800" i="1">
+                                  <a:latin typeface="Cambria Math"/>
+                                  <a:sym typeface="Cambria Math"/>
+                                </a:rPr>
+                                <m:t>𝑧</m:t>
+                              </m:r>
+                            </m:sup>
+                          </m:sSup>
+                        </m:num>
+                        <m:den>
+                          <m:sSup>
+                            <m:sSupPr>
+                              <m:ctrlPr>
+                                <a:rPr sz="1800" i="1">
+                                  <a:latin typeface="Cambria Math"/>
+                                  <a:sym typeface="Cambria Math"/>
+                                </a:rPr>
+                              </m:ctrlPr>
+                            </m:sSupPr>
+                            <m:e>
+                              <m:r>
+                                <a:rPr sz="1800" i="1">
+                                  <a:latin typeface="Cambria Math"/>
+                                  <a:sym typeface="Cambria Math"/>
+                                </a:rPr>
+                                <m:t>𝑒</m:t>
+                              </m:r>
+                            </m:e>
+                            <m:sup>
+                              <m:r>
+                                <a:rPr sz="1800" i="1">
+                                  <a:latin typeface="Cambria Math"/>
+                                  <a:sym typeface="Cambria Math"/>
+                                </a:rPr>
+                                <m:t>2</m:t>
+                              </m:r>
+                            </m:sup>
+                          </m:sSup>
+                          <m:r>
+                            <a:rPr sz="1800" i="1">
+                              <a:latin typeface="Cambria Math"/>
+                              <a:sym typeface="Cambria Math"/>
+                            </a:rPr>
+                            <m:t>+</m:t>
+                          </m:r>
+                          <m:sSup>
+                            <m:sSupPr>
+                              <m:ctrlPr>
+                                <a:rPr sz="1800" i="1">
+                                  <a:latin typeface="Cambria Math"/>
+                                  <a:sym typeface="Cambria Math"/>
+                                </a:rPr>
+                              </m:ctrlPr>
+                            </m:sSupPr>
+                            <m:e>
+                              <m:r>
+                                <a:rPr sz="1800" i="1">
+                                  <a:latin typeface="Cambria Math"/>
+                                  <a:sym typeface="Cambria Math"/>
+                                </a:rPr>
+                                <m:t>𝑒</m:t>
+                              </m:r>
+                            </m:e>
+                            <m:sup>
+                              <m:r>
+                                <a:rPr sz="1800" i="1">
+                                  <a:latin typeface="Cambria Math"/>
+                                  <a:sym typeface="Cambria Math"/>
+                                </a:rPr>
+                                <m:t>1</m:t>
+                              </m:r>
+                            </m:sup>
+                          </m:sSup>
+                          <m:r>
+                            <a:rPr sz="1800" i="1">
+                              <a:latin typeface="Cambria Math"/>
+                              <a:sym typeface="Cambria Math"/>
+                            </a:rPr>
+                            <m:t>+</m:t>
+                          </m:r>
+                          <m:sSup>
+                            <m:sSupPr>
+                              <m:ctrlPr>
+                                <a:rPr sz="1800" i="1">
+                                  <a:latin typeface="Cambria Math"/>
+                                  <a:sym typeface="Cambria Math"/>
+                                </a:rPr>
+                              </m:ctrlPr>
+                            </m:sSupPr>
+                            <m:e>
+                              <m:r>
+                                <a:rPr sz="1800" i="1">
+                                  <a:latin typeface="Cambria Math"/>
+                                  <a:sym typeface="Cambria Math"/>
+                                </a:rPr>
+                                <m:t>𝑒</m:t>
+                              </m:r>
+                            </m:e>
+                            <m:sup>
+                              <m:r>
+                                <a:rPr sz="1800" i="1">
+                                  <a:latin typeface="Cambria Math"/>
+                                  <a:sym typeface="Cambria Math"/>
+                                </a:rPr>
+                                <m:t>0.1</m:t>
+                              </m:r>
+                            </m:sup>
+                          </m:sSup>
+                        </m:den>
+                      </m:f>
+                    </m:oMath>
+                  </m:oMathPara>
+                </a14:m>
+              </a:p>
+            </p:txBody>
+          </p:sp>
+        </mc:Choice>
+        <mc:Fallback>
+          <p:sp>
+            <p:nvSpPr>
+              <p:cNvPr id="78" name=""/>
+              <p:cNvSpPr txBox="1"/>
+              <p:nvPr/>
+            </p:nvSpPr>
+            <p:spPr>
+              <a:xfrm>
+                <a:off x="8233973" y="2190750"/>
+                <a:ext cx="1543050" cy="704850"/>
+              </a:xfrm>
+              <a:prstGeom prst="rect">
+                <a:avLst/>
+              </a:prstGeom>
+              <a:blipFill rotWithShape="1">
+                <a:blip r:embed="rId3"/>
+                <a:stretch>
+                  <a:fillRect/>
+                </a:stretch>
+              </a:blipFill>
+            </p:spPr>
+          </p:sp>
+        </mc:Fallback>
+      </mc:AlternateContent>
+      <p:cxnSp>
+        <p:nvCxnSpPr>
+          <p:cNvPr id="79" name="화살표 78"/>
+          <p:cNvCxnSpPr/>
+          <p:nvPr/>
+        </p:nvCxnSpPr>
+        <p:spPr>
+          <a:xfrm>
+            <a:off x="9702842" y="2543175"/>
+            <a:ext cx="272768" cy="0"/>
+          </a:xfrm>
+          <a:prstGeom prst="straightConnector1">
+            <a:avLst/>
+          </a:prstGeom>
+          <a:ln w="28575">
+            <a:solidFill>
+              <a:srgbClr val="000000"/>
             </a:solidFill>
             <a:tailEnd type="arrow"/>
           </a:ln>
@@ -19488,8 +22782,8 @@
         </p:nvCxnSpPr>
         <p:spPr>
           <a:xfrm rot="16200000" flipH="1">
-            <a:off x="3481917" y="3397248"/>
-            <a:ext cx="2412999" cy="0"/>
+            <a:off x="3657765" y="3573094"/>
+            <a:ext cx="2061305" cy="2"/>
           </a:xfrm>
           <a:prstGeom prst="line">
             <a:avLst/>
@@ -19674,6 +22968,1356 @@
     <p:extLst>
       <p:ext uri="{BB962C8B-B14F-4D97-AF65-F5344CB8AC3E}">
         <p14:creationId xmlns:p14="http://schemas.microsoft.com/office/powerpoint/2010/main" val="1470105894"/>
+      </p:ext>
+    </p:extLst>
+  </p:cSld>
+  <p:clrMapOvr>
+    <a:masterClrMapping/>
+  </p:clrMapOvr>
+</p:sld>
+</file>
+
+<file path=ppt/slides/slide7.xml><?xml version="1.0" encoding="utf-8"?>
+<p:sld xmlns:r="http://schemas.openxmlformats.org/officeDocument/2006/relationships" xmlns:c="http://schemas.openxmlformats.org/drawingml/2006/chart" xmlns:a="http://schemas.openxmlformats.org/drawingml/2006/main" xmlns:dgm="http://schemas.openxmlformats.org/drawingml/2006/diagram" xmlns:dsp="http://schemas.microsoft.com/office/drawing/2008/diagram" xmlns:p="http://schemas.openxmlformats.org/presentationml/2006/main">
+  <p:cSld>
+    <p:spTree>
+      <p:nvGrpSpPr>
+        <p:cNvPr id="1" name=""/>
+        <p:cNvGrpSpPr/>
+        <p:nvPr/>
+      </p:nvGrpSpPr>
+      <p:grpSpPr>
+        <a:xfrm>
+          <a:off x="0" y="0"/>
+          <a:ext cx="0" cy="0"/>
+          <a:chOff x="0" y="0"/>
+          <a:chExt cx="0" cy="0"/>
+        </a:xfrm>
+      </p:grpSpPr>
+      <p:sp>
+        <p:nvSpPr>
+          <p:cNvPr id="6" name="모서리가 둥근 직사각형 5"/>
+          <p:cNvSpPr/>
+          <p:nvPr/>
+        </p:nvSpPr>
+        <p:spPr>
+          <a:xfrm>
+            <a:off x="260760" y="2635510"/>
+            <a:ext cx="1000684" cy="703499"/>
+          </a:xfrm>
+          <a:prstGeom prst="roundRect">
+            <a:avLst>
+              <a:gd name="adj" fmla="val 16667"/>
+            </a:avLst>
+          </a:prstGeom>
+          <a:solidFill>
+            <a:srgbClr val="203a7b"/>
+          </a:solidFill>
+          <a:scene3d>
+            <a:camera prst="orthographicFront"/>
+            <a:lightRig rig="threePt" dir="t"/>
+          </a:scene3d>
+          <a:sp3d>
+            <a:bevelT/>
+          </a:sp3d>
+        </p:spPr>
+        <p:style>
+          <a:lnRef idx="2">
+            <a:schemeClr val="accent3">
+              <a:shade val="20000"/>
+            </a:schemeClr>
+          </a:lnRef>
+          <a:fillRef idx="1">
+            <a:schemeClr val="accent3"/>
+          </a:fillRef>
+          <a:effectRef idx="0">
+            <a:schemeClr val="accent3"/>
+          </a:effectRef>
+          <a:fontRef idx="minor">
+            <a:schemeClr val="lt1"/>
+          </a:fontRef>
+        </p:style>
+        <p:txBody>
+          <a:bodyPr wrap="square" anchor="ctr">
+            <a:normAutofit/>
+          </a:bodyPr>
+          <a:p>
+            <a:pPr lvl="0" algn="ctr">
+              <a:defRPr/>
+            </a:pPr>
+            <a:r>
+              <a:rPr lang="en-US" altLang="ko-KR" b="1">
+                <a:effectLst/>
+              </a:rPr>
+              <a:t>LSTM</a:t>
+            </a:r>
+            <a:endParaRPr lang="en-US" altLang="ko-KR" b="1">
+              <a:effectLst/>
+            </a:endParaRPr>
+          </a:p>
+        </p:txBody>
+      </p:sp>
+      <p:sp>
+        <p:nvSpPr>
+          <p:cNvPr id="7" name="모서리가 둥근 직사각형 6"/>
+          <p:cNvSpPr/>
+          <p:nvPr/>
+        </p:nvSpPr>
+        <p:spPr>
+          <a:xfrm>
+            <a:off x="1659510" y="2635510"/>
+            <a:ext cx="1000684" cy="703499"/>
+          </a:xfrm>
+          <a:prstGeom prst="roundRect">
+            <a:avLst>
+              <a:gd name="adj" fmla="val 16667"/>
+            </a:avLst>
+          </a:prstGeom>
+          <a:solidFill>
+            <a:srgbClr val="203a7b"/>
+          </a:solidFill>
+          <a:scene3d>
+            <a:camera prst="orthographicFront"/>
+            <a:lightRig rig="threePt" dir="t"/>
+          </a:scene3d>
+          <a:sp3d>
+            <a:bevelT/>
+          </a:sp3d>
+        </p:spPr>
+        <p:style>
+          <a:lnRef idx="2">
+            <a:schemeClr val="accent3">
+              <a:shade val="20000"/>
+            </a:schemeClr>
+          </a:lnRef>
+          <a:fillRef idx="1">
+            <a:schemeClr val="accent3"/>
+          </a:fillRef>
+          <a:effectRef idx="0">
+            <a:schemeClr val="accent3"/>
+          </a:effectRef>
+          <a:fontRef idx="minor">
+            <a:schemeClr val="lt1"/>
+          </a:fontRef>
+        </p:style>
+        <p:txBody>
+          <a:bodyPr wrap="square" anchor="ctr">
+            <a:normAutofit/>
+          </a:bodyPr>
+          <a:p>
+            <a:pPr lvl="0" algn="ctr">
+              <a:defRPr/>
+            </a:pPr>
+            <a:r>
+              <a:rPr lang="en-US" altLang="ko-KR" b="1">
+                <a:effectLst/>
+              </a:rPr>
+              <a:t>LSTM</a:t>
+            </a:r>
+            <a:endParaRPr lang="en-US" altLang="ko-KR" b="1">
+              <a:effectLst/>
+            </a:endParaRPr>
+          </a:p>
+        </p:txBody>
+      </p:sp>
+      <p:sp>
+        <p:nvSpPr>
+          <p:cNvPr id="8" name="모서리가 둥근 직사각형 7"/>
+          <p:cNvSpPr/>
+          <p:nvPr/>
+        </p:nvSpPr>
+        <p:spPr>
+          <a:xfrm>
+            <a:off x="3050980" y="2635510"/>
+            <a:ext cx="1000684" cy="703499"/>
+          </a:xfrm>
+          <a:prstGeom prst="roundRect">
+            <a:avLst>
+              <a:gd name="adj" fmla="val 16667"/>
+            </a:avLst>
+          </a:prstGeom>
+          <a:solidFill>
+            <a:srgbClr val="203a7b"/>
+          </a:solidFill>
+          <a:scene3d>
+            <a:camera prst="orthographicFront"/>
+            <a:lightRig rig="threePt" dir="t"/>
+          </a:scene3d>
+          <a:sp3d>
+            <a:bevelT/>
+          </a:sp3d>
+        </p:spPr>
+        <p:style>
+          <a:lnRef idx="2">
+            <a:schemeClr val="accent3">
+              <a:shade val="20000"/>
+            </a:schemeClr>
+          </a:lnRef>
+          <a:fillRef idx="1">
+            <a:schemeClr val="accent3"/>
+          </a:fillRef>
+          <a:effectRef idx="0">
+            <a:schemeClr val="accent3"/>
+          </a:effectRef>
+          <a:fontRef idx="minor">
+            <a:schemeClr val="lt1"/>
+          </a:fontRef>
+        </p:style>
+        <p:txBody>
+          <a:bodyPr wrap="square" anchor="ctr">
+            <a:normAutofit/>
+          </a:bodyPr>
+          <a:p>
+            <a:pPr lvl="0" algn="ctr">
+              <a:defRPr/>
+            </a:pPr>
+            <a:r>
+              <a:rPr lang="en-US" altLang="ko-KR" b="1">
+                <a:effectLst/>
+              </a:rPr>
+              <a:t>LSTM</a:t>
+            </a:r>
+            <a:endParaRPr lang="en-US" altLang="ko-KR" b="1">
+              <a:effectLst/>
+            </a:endParaRPr>
+          </a:p>
+        </p:txBody>
+      </p:sp>
+      <p:sp>
+        <p:nvSpPr>
+          <p:cNvPr id="12" name="모서리가 둥근 직사각형 11"/>
+          <p:cNvSpPr/>
+          <p:nvPr/>
+        </p:nvSpPr>
+        <p:spPr>
+          <a:xfrm>
+            <a:off x="4451975" y="2635510"/>
+            <a:ext cx="1000684" cy="703499"/>
+          </a:xfrm>
+          <a:prstGeom prst="roundRect">
+            <a:avLst>
+              <a:gd name="adj" fmla="val 16667"/>
+            </a:avLst>
+          </a:prstGeom>
+          <a:solidFill>
+            <a:srgbClr val="203a7b"/>
+          </a:solidFill>
+          <a:scene3d>
+            <a:camera prst="orthographicFront"/>
+            <a:lightRig rig="threePt" dir="t"/>
+          </a:scene3d>
+          <a:sp3d>
+            <a:bevelT/>
+          </a:sp3d>
+        </p:spPr>
+        <p:style>
+          <a:lnRef idx="2">
+            <a:schemeClr val="accent3">
+              <a:shade val="20000"/>
+            </a:schemeClr>
+          </a:lnRef>
+          <a:fillRef idx="1">
+            <a:schemeClr val="accent3"/>
+          </a:fillRef>
+          <a:effectRef idx="0">
+            <a:schemeClr val="accent3"/>
+          </a:effectRef>
+          <a:fontRef idx="minor">
+            <a:schemeClr val="lt1"/>
+          </a:fontRef>
+        </p:style>
+        <p:txBody>
+          <a:bodyPr wrap="square" anchor="ctr">
+            <a:normAutofit/>
+          </a:bodyPr>
+          <a:p>
+            <a:pPr lvl="0" algn="ctr">
+              <a:defRPr/>
+            </a:pPr>
+            <a:r>
+              <a:rPr lang="en-US" altLang="ko-KR" b="1">
+                <a:effectLst/>
+              </a:rPr>
+              <a:t>LSTM</a:t>
+            </a:r>
+            <a:endParaRPr lang="en-US" altLang="ko-KR" b="1">
+              <a:effectLst/>
+            </a:endParaRPr>
+          </a:p>
+        </p:txBody>
+      </p:sp>
+      <p:cxnSp>
+        <p:nvCxnSpPr>
+          <p:cNvPr id="14" name="화살표 13"/>
+          <p:cNvCxnSpPr/>
+          <p:nvPr/>
+        </p:nvCxnSpPr>
+        <p:spPr>
+          <a:xfrm>
+            <a:off x="4066324" y="2987262"/>
+            <a:ext cx="341515" cy="0"/>
+          </a:xfrm>
+          <a:prstGeom prst="straightConnector1">
+            <a:avLst/>
+          </a:prstGeom>
+          <a:ln w="28575">
+            <a:solidFill>
+              <a:schemeClr val="dk1"/>
+            </a:solidFill>
+            <a:tailEnd type="arrow"/>
+          </a:ln>
+        </p:spPr>
+        <p:style>
+          <a:lnRef idx="1">
+            <a:schemeClr val="accent1"/>
+          </a:lnRef>
+          <a:fillRef idx="0">
+            <a:schemeClr val="accent1"/>
+          </a:fillRef>
+          <a:effectRef idx="0">
+            <a:schemeClr val="accent1"/>
+          </a:effectRef>
+          <a:fontRef idx="minor">
+            <a:schemeClr val="tx1"/>
+          </a:fontRef>
+        </p:style>
+      </p:cxnSp>
+      <p:cxnSp>
+        <p:nvCxnSpPr>
+          <p:cNvPr id="15" name="화살표 14"/>
+          <p:cNvCxnSpPr/>
+          <p:nvPr/>
+        </p:nvCxnSpPr>
+        <p:spPr>
+          <a:xfrm>
+            <a:off x="2702757" y="2987261"/>
+            <a:ext cx="341515" cy="0"/>
+          </a:xfrm>
+          <a:prstGeom prst="straightConnector1">
+            <a:avLst/>
+          </a:prstGeom>
+          <a:ln w="28575">
+            <a:solidFill>
+              <a:schemeClr val="dk1"/>
+            </a:solidFill>
+            <a:tailEnd type="arrow"/>
+          </a:ln>
+        </p:spPr>
+        <p:style>
+          <a:lnRef idx="1">
+            <a:schemeClr val="accent1"/>
+          </a:lnRef>
+          <a:fillRef idx="0">
+            <a:schemeClr val="accent1"/>
+          </a:fillRef>
+          <a:effectRef idx="0">
+            <a:schemeClr val="accent1"/>
+          </a:effectRef>
+          <a:fontRef idx="minor">
+            <a:schemeClr val="tx1"/>
+          </a:fontRef>
+        </p:style>
+      </p:cxnSp>
+      <p:cxnSp>
+        <p:nvCxnSpPr>
+          <p:cNvPr id="16" name="화살표 15"/>
+          <p:cNvCxnSpPr/>
+          <p:nvPr/>
+        </p:nvCxnSpPr>
+        <p:spPr>
+          <a:xfrm>
+            <a:off x="1294482" y="2987261"/>
+            <a:ext cx="341515" cy="0"/>
+          </a:xfrm>
+          <a:prstGeom prst="straightConnector1">
+            <a:avLst/>
+          </a:prstGeom>
+          <a:ln w="28575">
+            <a:solidFill>
+              <a:schemeClr val="dk1"/>
+            </a:solidFill>
+            <a:tailEnd type="arrow"/>
+          </a:ln>
+        </p:spPr>
+        <p:style>
+          <a:lnRef idx="1">
+            <a:schemeClr val="accent1"/>
+          </a:lnRef>
+          <a:fillRef idx="0">
+            <a:schemeClr val="accent1"/>
+          </a:fillRef>
+          <a:effectRef idx="0">
+            <a:schemeClr val="accent1"/>
+          </a:effectRef>
+          <a:fontRef idx="minor">
+            <a:schemeClr val="tx1"/>
+          </a:fontRef>
+        </p:style>
+      </p:cxnSp>
+      <p:sp>
+        <p:nvSpPr>
+          <p:cNvPr id="17" name="세로 글상자 108"/>
+          <p:cNvSpPr txBox="1"/>
+          <p:nvPr/>
+        </p:nvSpPr>
+        <p:spPr>
+          <a:xfrm>
+            <a:off x="1250176" y="2635512"/>
+            <a:ext cx="459105" cy="367665"/>
+          </a:xfrm>
+          <a:prstGeom prst="rect">
+            <a:avLst/>
+          </a:prstGeom>
+        </p:spPr>
+        <p:txBody>
+          <a:bodyPr vert="horz" wrap="square" anchor="ctr" anchorCtr="0">
+            <a:spAutoFit/>
+          </a:bodyPr>
+          <a:p>
+            <a:pPr lvl="0" algn="ctr">
+              <a:defRPr/>
+            </a:pPr>
+            <a:r>
+              <a:rPr lang="en-US" altLang="ko-KR" b="1">
+                <a:solidFill>
+                  <a:srgbClr val="ff0000"/>
+                </a:solidFill>
+              </a:rPr>
+              <a:t>h1</a:t>
+            </a:r>
+            <a:endParaRPr lang="en-US" altLang="ko-KR" b="1">
+              <a:solidFill>
+                <a:srgbClr val="ff0000"/>
+              </a:solidFill>
+            </a:endParaRPr>
+          </a:p>
+        </p:txBody>
+      </p:sp>
+      <p:sp>
+        <p:nvSpPr>
+          <p:cNvPr id="18" name="세로 글상자 108"/>
+          <p:cNvSpPr txBox="1"/>
+          <p:nvPr/>
+        </p:nvSpPr>
+        <p:spPr>
+          <a:xfrm>
+            <a:off x="2639200" y="2635512"/>
+            <a:ext cx="459105" cy="367665"/>
+          </a:xfrm>
+          <a:prstGeom prst="rect">
+            <a:avLst/>
+          </a:prstGeom>
+        </p:spPr>
+        <p:txBody>
+          <a:bodyPr vert="horz" wrap="square" anchor="ctr" anchorCtr="0">
+            <a:spAutoFit/>
+          </a:bodyPr>
+          <a:p>
+            <a:pPr lvl="0" algn="ctr">
+              <a:defRPr/>
+            </a:pPr>
+            <a:r>
+              <a:rPr lang="en-US" altLang="ko-KR" b="1">
+                <a:solidFill>
+                  <a:srgbClr val="ff0000"/>
+                </a:solidFill>
+              </a:rPr>
+              <a:t>h2</a:t>
+            </a:r>
+            <a:endParaRPr lang="en-US" altLang="ko-KR" b="1">
+              <a:solidFill>
+                <a:srgbClr val="ff0000"/>
+              </a:solidFill>
+            </a:endParaRPr>
+          </a:p>
+        </p:txBody>
+      </p:sp>
+      <p:sp>
+        <p:nvSpPr>
+          <p:cNvPr id="19" name="세로 글상자 108"/>
+          <p:cNvSpPr txBox="1"/>
+          <p:nvPr/>
+        </p:nvSpPr>
+        <p:spPr>
+          <a:xfrm>
+            <a:off x="4036404" y="2635512"/>
+            <a:ext cx="459105" cy="367665"/>
+          </a:xfrm>
+          <a:prstGeom prst="rect">
+            <a:avLst/>
+          </a:prstGeom>
+        </p:spPr>
+        <p:txBody>
+          <a:bodyPr vert="horz" wrap="square" anchor="ctr" anchorCtr="0">
+            <a:spAutoFit/>
+          </a:bodyPr>
+          <a:p>
+            <a:pPr lvl="0" algn="ctr">
+              <a:defRPr/>
+            </a:pPr>
+            <a:r>
+              <a:rPr lang="en-US" altLang="ko-KR" b="1">
+                <a:solidFill>
+                  <a:srgbClr val="ff0000"/>
+                </a:solidFill>
+              </a:rPr>
+              <a:t>h3</a:t>
+            </a:r>
+            <a:endParaRPr lang="en-US" altLang="ko-KR" b="1">
+              <a:solidFill>
+                <a:srgbClr val="ff0000"/>
+              </a:solidFill>
+            </a:endParaRPr>
+          </a:p>
+        </p:txBody>
+      </p:sp>
+      <p:sp>
+        <p:nvSpPr>
+          <p:cNvPr id="20" name="세로 글상자 108"/>
+          <p:cNvSpPr txBox="1"/>
+          <p:nvPr/>
+        </p:nvSpPr>
+        <p:spPr>
+          <a:xfrm>
+            <a:off x="5433609" y="2635512"/>
+            <a:ext cx="459105" cy="367665"/>
+          </a:xfrm>
+          <a:prstGeom prst="rect">
+            <a:avLst/>
+          </a:prstGeom>
+        </p:spPr>
+        <p:txBody>
+          <a:bodyPr vert="horz" wrap="square" anchor="ctr" anchorCtr="0">
+            <a:spAutoFit/>
+          </a:bodyPr>
+          <a:p>
+            <a:pPr lvl="0" algn="ctr">
+              <a:defRPr/>
+            </a:pPr>
+            <a:r>
+              <a:rPr lang="en-US" altLang="ko-KR" b="1">
+                <a:solidFill>
+                  <a:srgbClr val="ff0000"/>
+                </a:solidFill>
+              </a:rPr>
+              <a:t>h4</a:t>
+            </a:r>
+            <a:endParaRPr lang="en-US" altLang="ko-KR" b="1">
+              <a:solidFill>
+                <a:srgbClr val="ff0000"/>
+              </a:solidFill>
+            </a:endParaRPr>
+          </a:p>
+        </p:txBody>
+      </p:sp>
+      <p:cxnSp>
+        <p:nvCxnSpPr>
+          <p:cNvPr id="21" name="화살표 20"/>
+          <p:cNvCxnSpPr/>
+          <p:nvPr/>
+        </p:nvCxnSpPr>
+        <p:spPr>
+          <a:xfrm>
+            <a:off x="5492404" y="3003177"/>
+            <a:ext cx="341515" cy="0"/>
+          </a:xfrm>
+          <a:prstGeom prst="straightConnector1">
+            <a:avLst/>
+          </a:prstGeom>
+          <a:ln w="28575">
+            <a:solidFill>
+              <a:schemeClr val="dk1"/>
+            </a:solidFill>
+            <a:tailEnd type="arrow"/>
+          </a:ln>
+        </p:spPr>
+        <p:style>
+          <a:lnRef idx="1">
+            <a:schemeClr val="accent1"/>
+          </a:lnRef>
+          <a:fillRef idx="0">
+            <a:schemeClr val="accent1"/>
+          </a:fillRef>
+          <a:effectRef idx="0">
+            <a:schemeClr val="accent1"/>
+          </a:effectRef>
+          <a:fontRef idx="minor">
+            <a:schemeClr val="tx1"/>
+          </a:fontRef>
+        </p:style>
+      </p:cxnSp>
+      <p:sp>
+        <p:nvSpPr>
+          <p:cNvPr id="22" name="가로 글상자 21"/>
+          <p:cNvSpPr txBox="1"/>
+          <p:nvPr/>
+        </p:nvSpPr>
+        <p:spPr>
+          <a:xfrm>
+            <a:off x="5663162" y="2765327"/>
+            <a:ext cx="1084939" cy="367665"/>
+          </a:xfrm>
+          <a:prstGeom prst="rect">
+            <a:avLst/>
+          </a:prstGeom>
+        </p:spPr>
+        <p:txBody>
+          <a:bodyPr vert="horz" wrap="square" anchor="ctr" anchorCtr="0">
+            <a:spAutoFit/>
+          </a:bodyPr>
+          <a:p>
+            <a:pPr lvl="0" algn="ctr">
+              <a:defRPr/>
+            </a:pPr>
+            <a:r>
+              <a:rPr lang="en-US" altLang="ko-KR" b="1"/>
+              <a:t>. . .</a:t>
+            </a:r>
+            <a:endParaRPr lang="en-US" altLang="ko-KR" b="1"/>
+          </a:p>
+        </p:txBody>
+      </p:sp>
+      <p:cxnSp>
+        <p:nvCxnSpPr>
+          <p:cNvPr id="25" name="화살표 24"/>
+          <p:cNvCxnSpPr/>
+          <p:nvPr/>
+        </p:nvCxnSpPr>
+        <p:spPr>
+          <a:xfrm>
+            <a:off x="6577343" y="3003177"/>
+            <a:ext cx="341515" cy="0"/>
+          </a:xfrm>
+          <a:prstGeom prst="straightConnector1">
+            <a:avLst/>
+          </a:prstGeom>
+          <a:ln w="28575">
+            <a:solidFill>
+              <a:schemeClr val="dk1"/>
+            </a:solidFill>
+            <a:tailEnd type="arrow"/>
+          </a:ln>
+        </p:spPr>
+        <p:style>
+          <a:lnRef idx="1">
+            <a:schemeClr val="accent1"/>
+          </a:lnRef>
+          <a:fillRef idx="0">
+            <a:schemeClr val="accent1"/>
+          </a:fillRef>
+          <a:effectRef idx="0">
+            <a:schemeClr val="accent1"/>
+          </a:effectRef>
+          <a:fontRef idx="minor">
+            <a:schemeClr val="tx1"/>
+          </a:fontRef>
+        </p:style>
+      </p:cxnSp>
+    </p:spTree>
+    <p:extLst>
+      <p:ext uri="{BB962C8B-B14F-4D97-AF65-F5344CB8AC3E}">
+        <p14:creationId xmlns:p14="http://schemas.microsoft.com/office/powerpoint/2010/main" val="323260754"/>
+      </p:ext>
+    </p:extLst>
+  </p:cSld>
+  <p:clrMapOvr>
+    <a:masterClrMapping/>
+  </p:clrMapOvr>
+</p:sld>
+</file>
+
+<file path=ppt/slides/slide8.xml><?xml version="1.0" encoding="utf-8"?>
+<p:sld xmlns:r="http://schemas.openxmlformats.org/officeDocument/2006/relationships" xmlns:c="http://schemas.openxmlformats.org/drawingml/2006/chart" xmlns:a="http://schemas.openxmlformats.org/drawingml/2006/main" xmlns:dgm="http://schemas.openxmlformats.org/drawingml/2006/diagram" xmlns:dsp="http://schemas.microsoft.com/office/drawing/2008/diagram" xmlns:p="http://schemas.openxmlformats.org/presentationml/2006/main">
+  <p:cSld>
+    <p:spTree>
+      <p:nvGrpSpPr>
+        <p:cNvPr id="1" name=""/>
+        <p:cNvGrpSpPr/>
+        <p:nvPr/>
+      </p:nvGrpSpPr>
+      <p:grpSpPr>
+        <a:xfrm>
+          <a:off x="0" y="0"/>
+          <a:ext cx="0" cy="0"/>
+          <a:chOff x="0" y="0"/>
+          <a:chExt cx="0" cy="0"/>
+        </a:xfrm>
+      </p:grpSpPr>
+      <p:sp>
+        <p:nvSpPr>
+          <p:cNvPr id="2" name="제목 1"/>
+          <p:cNvSpPr>
+            <a:spLocks noGrp="1"/>
+          </p:cNvSpPr>
+          <p:nvPr>
+            <p:ph type="title" idx="0"/>
+          </p:nvPr>
+        </p:nvSpPr>
+        <p:spPr/>
+        <p:txBody>
+          <a:bodyPr/>
+          <a:p>
+            <a:pPr lvl="0">
+              <a:defRPr/>
+            </a:pPr>
+            <a:r>
+              <a:rPr lang="ko-KR" altLang="en-US"/>
+              <a:t/>
+            </a:r>
+            <a:endParaRPr lang="ko-KR" altLang="en-US"/>
+          </a:p>
+        </p:txBody>
+      </p:sp>
+      <p:sp>
+        <p:nvSpPr>
+          <p:cNvPr id="3" name="내용 개체 틀 2"/>
+          <p:cNvSpPr>
+            <a:spLocks noGrp="1"/>
+          </p:cNvSpPr>
+          <p:nvPr>
+            <p:ph idx="1"/>
+          </p:nvPr>
+        </p:nvSpPr>
+        <p:spPr/>
+        <p:txBody>
+          <a:bodyPr/>
+          <a:p>
+            <a:pPr lvl="0">
+              <a:defRPr/>
+            </a:pPr>
+            <a:r>
+              <a:rPr lang="ko-KR" altLang="en-US"/>
+              <a:t/>
+            </a:r>
+            <a:endParaRPr lang="ko-KR" altLang="en-US"/>
+          </a:p>
+        </p:txBody>
+      </p:sp>
+      <p:sp>
+        <p:nvSpPr>
+          <p:cNvPr id="4" name="모서리가 둥근 직사각형 3"/>
+          <p:cNvSpPr/>
+          <p:nvPr/>
+        </p:nvSpPr>
+        <p:spPr>
+          <a:xfrm>
+            <a:off x="312085" y="5204836"/>
+            <a:ext cx="5542833" cy="397053"/>
+          </a:xfrm>
+          <a:prstGeom prst="roundRect">
+            <a:avLst>
+              <a:gd name="adj" fmla="val 16667"/>
+            </a:avLst>
+          </a:prstGeom>
+          <a:solidFill>
+            <a:schemeClr val="accent1"/>
+          </a:solidFill>
+          <a:scene3d>
+            <a:camera prst="orthographicFront"/>
+            <a:lightRig rig="threePt" dir="t"/>
+          </a:scene3d>
+          <a:sp3d>
+            <a:bevelT/>
+          </a:sp3d>
+        </p:spPr>
+        <p:style>
+          <a:lnRef idx="2">
+            <a:schemeClr val="accent3">
+              <a:shade val="20000"/>
+            </a:schemeClr>
+          </a:lnRef>
+          <a:fillRef idx="1">
+            <a:schemeClr val="accent3"/>
+          </a:fillRef>
+          <a:effectRef idx="0">
+            <a:schemeClr val="accent3"/>
+          </a:effectRef>
+          <a:fontRef idx="minor">
+            <a:schemeClr val="lt1"/>
+          </a:fontRef>
+        </p:style>
+        <p:txBody>
+          <a:bodyPr wrap="square" anchor="ctr">
+            <a:normAutofit lnSpcReduction="10000"/>
+          </a:bodyPr>
+          <a:p>
+            <a:pPr lvl="0" algn="ctr">
+              <a:defRPr/>
+            </a:pPr>
+            <a:r>
+              <a:rPr lang="en-US" altLang="ko-KR" i="1">
+                <a:effectLst/>
+              </a:rPr>
+              <a:t>Softmax</a:t>
+            </a:r>
+            <a:endParaRPr lang="en-US" altLang="ko-KR" i="1">
+              <a:effectLst/>
+            </a:endParaRPr>
+          </a:p>
+        </p:txBody>
+      </p:sp>
+      <p:sp>
+        <p:nvSpPr>
+          <p:cNvPr id="5" name="직사각형 4"/>
+          <p:cNvSpPr/>
+          <p:nvPr/>
+        </p:nvSpPr>
+        <p:spPr>
+          <a:xfrm>
+            <a:off x="3619654" y="4054475"/>
+            <a:ext cx="304195" cy="1140836"/>
+          </a:xfrm>
+          <a:prstGeom prst="rect">
+            <a:avLst/>
+          </a:prstGeom>
+          <a:ln>
+            <a:solidFill>
+              <a:schemeClr val="accent3">
+                <a:shade val="20000"/>
+              </a:schemeClr>
+            </a:solidFill>
+            <a:prstDash val="sysDash"/>
+          </a:ln>
+        </p:spPr>
+        <p:style>
+          <a:lnRef idx="2">
+            <a:schemeClr val="accent3">
+              <a:shade val="20000"/>
+            </a:schemeClr>
+          </a:lnRef>
+          <a:fillRef idx="1">
+            <a:schemeClr val="accent3"/>
+          </a:fillRef>
+          <a:effectRef idx="0">
+            <a:schemeClr val="accent3"/>
+          </a:effectRef>
+          <a:fontRef idx="minor">
+            <a:schemeClr val="lt1"/>
+          </a:fontRef>
+        </p:style>
+        <p:txBody>
+          <a:bodyPr/>
+          <a:p>
+            <a:pPr lvl="0">
+              <a:defRPr/>
+            </a:pPr>
+            <a:endParaRPr/>
+          </a:p>
+        </p:txBody>
+      </p:sp>
+      <p:sp>
+        <p:nvSpPr>
+          <p:cNvPr id="6" name="직사각형 5"/>
+          <p:cNvSpPr/>
+          <p:nvPr/>
+        </p:nvSpPr>
+        <p:spPr>
+          <a:xfrm>
+            <a:off x="2226890" y="4362878"/>
+            <a:ext cx="304195" cy="833919"/>
+          </a:xfrm>
+          <a:prstGeom prst="rect">
+            <a:avLst/>
+          </a:prstGeom>
+          <a:ln>
+            <a:solidFill>
+              <a:schemeClr val="accent3">
+                <a:shade val="20000"/>
+              </a:schemeClr>
+            </a:solidFill>
+            <a:prstDash val="sysDash"/>
+          </a:ln>
+        </p:spPr>
+        <p:style>
+          <a:lnRef idx="2">
+            <a:schemeClr val="accent3">
+              <a:shade val="20000"/>
+            </a:schemeClr>
+          </a:lnRef>
+          <a:fillRef idx="1">
+            <a:schemeClr val="accent3"/>
+          </a:fillRef>
+          <a:effectRef idx="0">
+            <a:schemeClr val="accent3"/>
+          </a:effectRef>
+          <a:fontRef idx="minor">
+            <a:schemeClr val="lt1"/>
+          </a:fontRef>
+        </p:style>
+        <p:txBody>
+          <a:bodyPr/>
+          <a:p>
+            <a:pPr lvl="0">
+              <a:defRPr/>
+            </a:pPr>
+            <a:endParaRPr/>
+          </a:p>
+        </p:txBody>
+      </p:sp>
+      <p:sp>
+        <p:nvSpPr>
+          <p:cNvPr id="7" name="직사각형 6"/>
+          <p:cNvSpPr/>
+          <p:nvPr/>
+        </p:nvSpPr>
+        <p:spPr>
+          <a:xfrm>
+            <a:off x="824600" y="4789116"/>
+            <a:ext cx="304195" cy="403195"/>
+          </a:xfrm>
+          <a:prstGeom prst="rect">
+            <a:avLst/>
+          </a:prstGeom>
+          <a:ln>
+            <a:solidFill>
+              <a:schemeClr val="accent3">
+                <a:shade val="20000"/>
+              </a:schemeClr>
+            </a:solidFill>
+            <a:prstDash val="sysDash"/>
+          </a:ln>
+        </p:spPr>
+        <p:style>
+          <a:lnRef idx="2">
+            <a:schemeClr val="accent3">
+              <a:shade val="20000"/>
+            </a:schemeClr>
+          </a:lnRef>
+          <a:fillRef idx="1">
+            <a:schemeClr val="accent3"/>
+          </a:fillRef>
+          <a:effectRef idx="0">
+            <a:schemeClr val="accent3"/>
+          </a:effectRef>
+          <a:fontRef idx="minor">
+            <a:schemeClr val="lt1"/>
+          </a:fontRef>
+        </p:style>
+        <p:txBody>
+          <a:bodyPr/>
+          <a:p>
+            <a:pPr lvl="0">
+              <a:defRPr/>
+            </a:pPr>
+            <a:endParaRPr/>
+          </a:p>
+        </p:txBody>
+      </p:sp>
+      <p:sp>
+        <p:nvSpPr>
+          <p:cNvPr id="8" name="직사각형 7"/>
+          <p:cNvSpPr/>
+          <p:nvPr/>
+        </p:nvSpPr>
+        <p:spPr>
+          <a:xfrm>
+            <a:off x="5012419" y="4558663"/>
+            <a:ext cx="304195" cy="643419"/>
+          </a:xfrm>
+          <a:prstGeom prst="rect">
+            <a:avLst/>
+          </a:prstGeom>
+          <a:ln>
+            <a:solidFill>
+              <a:schemeClr val="accent3">
+                <a:shade val="20000"/>
+              </a:schemeClr>
+            </a:solidFill>
+            <a:prstDash val="sysDash"/>
+          </a:ln>
+        </p:spPr>
+        <p:style>
+          <a:lnRef idx="2">
+            <a:schemeClr val="accent3">
+              <a:shade val="20000"/>
+            </a:schemeClr>
+          </a:lnRef>
+          <a:fillRef idx="1">
+            <a:schemeClr val="accent3"/>
+          </a:fillRef>
+          <a:effectRef idx="0">
+            <a:schemeClr val="accent3"/>
+          </a:effectRef>
+          <a:fontRef idx="minor">
+            <a:schemeClr val="lt1"/>
+          </a:fontRef>
+        </p:style>
+        <p:txBody>
+          <a:bodyPr/>
+          <a:p>
+            <a:pPr lvl="0">
+              <a:defRPr/>
+            </a:pPr>
+            <a:endParaRPr/>
+          </a:p>
+        </p:txBody>
+      </p:sp>
+      <p:sp>
+        <p:nvSpPr>
+          <p:cNvPr id="9" name="가로 글상자 8"/>
+          <p:cNvSpPr txBox="1"/>
+          <p:nvPr/>
+        </p:nvSpPr>
+        <p:spPr>
+          <a:xfrm>
+            <a:off x="771737" y="4457045"/>
+            <a:ext cx="448022" cy="339090"/>
+          </a:xfrm>
+          <a:prstGeom prst="rect">
+            <a:avLst/>
+          </a:prstGeom>
+        </p:spPr>
+        <p:txBody>
+          <a:bodyPr vert="horz" wrap="square" anchor="ctr" anchorCtr="0">
+            <a:spAutoFit/>
+          </a:bodyPr>
+          <a:p>
+            <a:pPr lvl="0" algn="ctr">
+              <a:defRPr/>
+            </a:pPr>
+            <a:r>
+              <a:rPr lang="en-US" altLang="ko-KR" sz="1600" b="1"/>
+              <a:t>0.1</a:t>
+            </a:r>
+            <a:endParaRPr lang="en-US" altLang="ko-KR" sz="1600" b="1"/>
+          </a:p>
+        </p:txBody>
+      </p:sp>
+      <p:sp>
+        <p:nvSpPr>
+          <p:cNvPr id="10" name="가로 글상자 9"/>
+          <p:cNvSpPr txBox="1"/>
+          <p:nvPr/>
+        </p:nvSpPr>
+        <p:spPr>
+          <a:xfrm>
+            <a:off x="4978605" y="4216820"/>
+            <a:ext cx="448022" cy="339090"/>
+          </a:xfrm>
+          <a:prstGeom prst="rect">
+            <a:avLst/>
+          </a:prstGeom>
+        </p:spPr>
+        <p:txBody>
+          <a:bodyPr vert="horz" wrap="square" anchor="ctr" anchorCtr="0">
+            <a:spAutoFit/>
+          </a:bodyPr>
+          <a:p>
+            <a:pPr lvl="0" algn="ctr">
+              <a:defRPr/>
+            </a:pPr>
+            <a:r>
+              <a:rPr lang="en-US" altLang="ko-KR" sz="1600" b="1"/>
+              <a:t>0.2</a:t>
+            </a:r>
+            <a:endParaRPr lang="en-US" altLang="ko-KR" sz="1600" b="1"/>
+          </a:p>
+        </p:txBody>
+      </p:sp>
+      <p:sp>
+        <p:nvSpPr>
+          <p:cNvPr id="11" name="가로 글상자 10"/>
+          <p:cNvSpPr txBox="1"/>
+          <p:nvPr/>
+        </p:nvSpPr>
+        <p:spPr>
+          <a:xfrm>
+            <a:off x="2188098" y="4042838"/>
+            <a:ext cx="448022" cy="339090"/>
+          </a:xfrm>
+          <a:prstGeom prst="rect">
+            <a:avLst/>
+          </a:prstGeom>
+        </p:spPr>
+        <p:txBody>
+          <a:bodyPr vert="horz" wrap="square" anchor="ctr" anchorCtr="0">
+            <a:spAutoFit/>
+          </a:bodyPr>
+          <a:p>
+            <a:pPr lvl="0" algn="ctr">
+              <a:defRPr/>
+            </a:pPr>
+            <a:r>
+              <a:rPr lang="en-US" altLang="ko-KR" sz="1600" b="1"/>
+              <a:t>0.3</a:t>
+            </a:r>
+            <a:endParaRPr lang="en-US" altLang="ko-KR" sz="1600" b="1"/>
+          </a:p>
+        </p:txBody>
+      </p:sp>
+      <p:sp>
+        <p:nvSpPr>
+          <p:cNvPr id="12" name="가로 글상자 11"/>
+          <p:cNvSpPr txBox="1"/>
+          <p:nvPr/>
+        </p:nvSpPr>
+        <p:spPr>
+          <a:xfrm>
+            <a:off x="3576416" y="3724910"/>
+            <a:ext cx="448022" cy="339090"/>
+          </a:xfrm>
+          <a:prstGeom prst="rect">
+            <a:avLst/>
+          </a:prstGeom>
+        </p:spPr>
+        <p:txBody>
+          <a:bodyPr vert="horz" wrap="square" anchor="ctr" anchorCtr="0">
+            <a:spAutoFit/>
+          </a:bodyPr>
+          <a:p>
+            <a:pPr lvl="0" algn="ctr">
+              <a:defRPr/>
+            </a:pPr>
+            <a:r>
+              <a:rPr lang="en-US" altLang="ko-KR" sz="1600" b="1"/>
+              <a:t>0.4</a:t>
+            </a:r>
+            <a:endParaRPr lang="en-US" altLang="ko-KR" sz="1600" b="1"/>
+          </a:p>
+        </p:txBody>
+      </p:sp>
+      <p:sp>
+        <p:nvSpPr>
+          <p:cNvPr id="13" name="세로 글상자 108"/>
+          <p:cNvSpPr txBox="1"/>
+          <p:nvPr/>
+        </p:nvSpPr>
+        <p:spPr>
+          <a:xfrm>
+            <a:off x="766195" y="5675973"/>
+            <a:ext cx="459105" cy="367665"/>
+          </a:xfrm>
+          <a:prstGeom prst="rect">
+            <a:avLst/>
+          </a:prstGeom>
+        </p:spPr>
+        <p:txBody>
+          <a:bodyPr vert="horz" wrap="square" anchor="ctr" anchorCtr="0">
+            <a:spAutoFit/>
+          </a:bodyPr>
+          <a:p>
+            <a:pPr lvl="0" algn="ctr">
+              <a:defRPr/>
+            </a:pPr>
+            <a:r>
+              <a:rPr lang="en-US" altLang="ko-KR" b="1">
+                <a:solidFill>
+                  <a:srgbClr val="ff0000"/>
+                </a:solidFill>
+              </a:rPr>
+              <a:t>h1</a:t>
+            </a:r>
+            <a:endParaRPr lang="en-US" altLang="ko-KR" b="1">
+              <a:solidFill>
+                <a:srgbClr val="ff0000"/>
+              </a:solidFill>
+            </a:endParaRPr>
+          </a:p>
+        </p:txBody>
+      </p:sp>
+      <p:sp>
+        <p:nvSpPr>
+          <p:cNvPr id="14" name="가로 글상자 13"/>
+          <p:cNvSpPr txBox="1"/>
+          <p:nvPr/>
+        </p:nvSpPr>
+        <p:spPr>
+          <a:xfrm>
+            <a:off x="2531085" y="6280496"/>
+            <a:ext cx="1126095" cy="367665"/>
+          </a:xfrm>
+          <a:prstGeom prst="rect">
+            <a:avLst/>
+          </a:prstGeom>
+        </p:spPr>
+        <p:txBody>
+          <a:bodyPr vert="horz" wrap="square" anchor="ctr" anchorCtr="0">
+            <a:spAutoFit/>
+          </a:bodyPr>
+          <a:p>
+            <a:pPr lvl="0" algn="ctr">
+              <a:defRPr/>
+            </a:pPr>
+            <a:r>
+              <a:rPr lang="en-US" altLang="ko-KR" b="1"/>
+              <a:t>Source</a:t>
+            </a:r>
+            <a:endParaRPr lang="en-US" altLang="ko-KR" b="1"/>
+          </a:p>
+        </p:txBody>
+      </p:sp>
+      <p:sp>
+        <p:nvSpPr>
+          <p:cNvPr id="15" name="세로 글상자 108"/>
+          <p:cNvSpPr txBox="1"/>
+          <p:nvPr/>
+        </p:nvSpPr>
+        <p:spPr>
+          <a:xfrm>
+            <a:off x="2149435" y="5675973"/>
+            <a:ext cx="459105" cy="367665"/>
+          </a:xfrm>
+          <a:prstGeom prst="rect">
+            <a:avLst/>
+          </a:prstGeom>
+        </p:spPr>
+        <p:txBody>
+          <a:bodyPr vert="horz" wrap="square" anchor="ctr" anchorCtr="0">
+            <a:spAutoFit/>
+          </a:bodyPr>
+          <a:p>
+            <a:pPr lvl="0" algn="ctr">
+              <a:defRPr/>
+            </a:pPr>
+            <a:r>
+              <a:rPr lang="en-US" altLang="ko-KR" b="1">
+                <a:solidFill>
+                  <a:srgbClr val="ff0000"/>
+                </a:solidFill>
+              </a:rPr>
+              <a:t>h2</a:t>
+            </a:r>
+            <a:endParaRPr lang="en-US" altLang="ko-KR" b="1">
+              <a:solidFill>
+                <a:srgbClr val="ff0000"/>
+              </a:solidFill>
+            </a:endParaRPr>
+          </a:p>
+        </p:txBody>
+      </p:sp>
+      <p:sp>
+        <p:nvSpPr>
+          <p:cNvPr id="16" name="세로 글상자 108"/>
+          <p:cNvSpPr txBox="1"/>
+          <p:nvPr/>
+        </p:nvSpPr>
+        <p:spPr>
+          <a:xfrm>
+            <a:off x="3551724" y="5675973"/>
+            <a:ext cx="459105" cy="367665"/>
+          </a:xfrm>
+          <a:prstGeom prst="rect">
+            <a:avLst/>
+          </a:prstGeom>
+        </p:spPr>
+        <p:txBody>
+          <a:bodyPr vert="horz" wrap="square" anchor="ctr" anchorCtr="0">
+            <a:spAutoFit/>
+          </a:bodyPr>
+          <a:p>
+            <a:pPr lvl="0" algn="ctr">
+              <a:defRPr/>
+            </a:pPr>
+            <a:r>
+              <a:rPr lang="en-US" altLang="ko-KR" b="1">
+                <a:solidFill>
+                  <a:srgbClr val="ff0000"/>
+                </a:solidFill>
+              </a:rPr>
+              <a:t>h3</a:t>
+            </a:r>
+            <a:endParaRPr lang="en-US" altLang="ko-KR" b="1">
+              <a:solidFill>
+                <a:srgbClr val="ff0000"/>
+              </a:solidFill>
+            </a:endParaRPr>
+          </a:p>
+        </p:txBody>
+      </p:sp>
+      <p:sp>
+        <p:nvSpPr>
+          <p:cNvPr id="17" name="세로 글상자 108"/>
+          <p:cNvSpPr txBox="1"/>
+          <p:nvPr/>
+        </p:nvSpPr>
+        <p:spPr>
+          <a:xfrm>
+            <a:off x="4954014" y="5675973"/>
+            <a:ext cx="459105" cy="367665"/>
+          </a:xfrm>
+          <a:prstGeom prst="rect">
+            <a:avLst/>
+          </a:prstGeom>
+        </p:spPr>
+        <p:txBody>
+          <a:bodyPr vert="horz" wrap="square" anchor="ctr" anchorCtr="0">
+            <a:spAutoFit/>
+          </a:bodyPr>
+          <a:p>
+            <a:pPr lvl="0" algn="ctr">
+              <a:defRPr/>
+            </a:pPr>
+            <a:r>
+              <a:rPr lang="en-US" altLang="ko-KR" b="1">
+                <a:solidFill>
+                  <a:srgbClr val="ff0000"/>
+                </a:solidFill>
+              </a:rPr>
+              <a:t>h4</a:t>
+            </a:r>
+            <a:endParaRPr lang="en-US" altLang="ko-KR" b="1">
+              <a:solidFill>
+                <a:srgbClr val="ff0000"/>
+              </a:solidFill>
+            </a:endParaRPr>
+          </a:p>
+        </p:txBody>
+      </p:sp>
+      <p:sp>
+        <p:nvSpPr>
+          <p:cNvPr id="18" name="왼쪽 중괄호 17"/>
+          <p:cNvSpPr/>
+          <p:nvPr/>
+        </p:nvSpPr>
+        <p:spPr>
+          <a:xfrm rot="16200000">
+            <a:off x="2916739" y="3951499"/>
+            <a:ext cx="307737" cy="4492014"/>
+          </a:xfrm>
+          <a:prstGeom prst="leftBrace">
+            <a:avLst>
+              <a:gd name="adj1" fmla="val 8333"/>
+              <a:gd name="adj2" fmla="val 50000"/>
+            </a:avLst>
+          </a:prstGeom>
+          <a:ln>
+            <a:solidFill>
+              <a:schemeClr val="accent3"/>
+            </a:solidFill>
+          </a:ln>
+        </p:spPr>
+        <p:style>
+          <a:lnRef idx="1">
+            <a:schemeClr val="accent1"/>
+          </a:lnRef>
+          <a:fillRef idx="0">
+            <a:schemeClr val="accent1"/>
+          </a:fillRef>
+          <a:effectRef idx="0">
+            <a:schemeClr val="accent1"/>
+          </a:effectRef>
+          <a:fontRef idx="minor">
+            <a:schemeClr val="tx1"/>
+          </a:fontRef>
+        </p:style>
+        <p:txBody>
+          <a:bodyPr/>
+          <a:p>
+            <a:pPr lvl="0">
+              <a:defRPr/>
+            </a:pPr>
+            <a:endParaRPr>
+              <a:solidFill>
+                <a:schemeClr val="tx1"/>
+              </a:solidFill>
+            </a:endParaRPr>
+          </a:p>
+        </p:txBody>
+      </p:sp>
+    </p:spTree>
+    <p:extLst>
+      <p:ext uri="{BB962C8B-B14F-4D97-AF65-F5344CB8AC3E}">
+        <p14:creationId xmlns:p14="http://schemas.microsoft.com/office/powerpoint/2010/main" val="3154627449"/>
       </p:ext>
     </p:extLst>
   </p:cSld>

--- a/Project2_Review/Figure만들기.pptx
+++ b/Project2_Review/Figure만들기.pptx
@@ -15134,6 +15134,13 @@
           <a:solidFill>
             <a:schemeClr val="accent2"/>
           </a:solidFill>
+          <a:ln w="28575">
+            <a:solidFill>
+              <a:schemeClr val="accent3">
+                <a:shade val="20000"/>
+              </a:schemeClr>
+            </a:solidFill>
+          </a:ln>
         </p:spPr>
         <p:style>
           <a:lnRef idx="2">
@@ -15178,7 +15185,7 @@
           <a:prstGeom prst="line">
             <a:avLst/>
           </a:prstGeom>
-          <a:ln>
+          <a:ln w="28575">
             <a:solidFill>
               <a:schemeClr val="dk1"/>
             </a:solidFill>
@@ -15213,7 +15220,7 @@
           <a:prstGeom prst="line">
             <a:avLst/>
           </a:prstGeom>
-          <a:ln>
+          <a:ln w="28575">
             <a:solidFill>
               <a:schemeClr val="dk1"/>
             </a:solidFill>
@@ -15248,7 +15255,7 @@
           <a:prstGeom prst="line">
             <a:avLst/>
           </a:prstGeom>
-          <a:ln>
+          <a:ln w="28575">
             <a:solidFill>
               <a:schemeClr val="dk1"/>
             </a:solidFill>
@@ -15472,7 +15479,7 @@
         </p:nvSpPr>
         <p:spPr>
           <a:xfrm>
-            <a:off x="7556234" y="973984"/>
+            <a:off x="7413359" y="973984"/>
             <a:ext cx="1706880" cy="367665"/>
           </a:xfrm>
           <a:prstGeom prst="rect">
@@ -15511,7 +15518,7 @@
         </p:nvSpPr>
         <p:spPr>
           <a:xfrm>
-            <a:off x="6948204" y="563512"/>
+            <a:off x="6805329" y="563512"/>
             <a:ext cx="306916" cy="1148796"/>
           </a:xfrm>
           <a:prstGeom prst="rect">
@@ -15520,6 +15527,13 @@
           <a:solidFill>
             <a:schemeClr val="accent2"/>
           </a:solidFill>
+          <a:ln w="28575">
+            <a:solidFill>
+              <a:schemeClr val="accent3">
+                <a:shade val="20000"/>
+              </a:schemeClr>
+            </a:solidFill>
+          </a:ln>
         </p:spPr>
         <p:style>
           <a:lnRef idx="2">
@@ -15558,13 +15572,13 @@
         </p:nvCxnSpPr>
         <p:spPr>
           <a:xfrm>
-            <a:off x="6948204" y="1137910"/>
+            <a:off x="6805329" y="1137910"/>
             <a:ext cx="306916" cy="0"/>
           </a:xfrm>
           <a:prstGeom prst="line">
             <a:avLst/>
           </a:prstGeom>
-          <a:ln>
+          <a:ln w="28575">
             <a:solidFill>
               <a:schemeClr val="dk1"/>
             </a:solidFill>
@@ -15593,13 +15607,13 @@
         </p:nvCxnSpPr>
         <p:spPr>
           <a:xfrm>
-            <a:off x="6948309" y="850711"/>
+            <a:off x="6805434" y="850711"/>
             <a:ext cx="306916" cy="0"/>
           </a:xfrm>
           <a:prstGeom prst="line">
             <a:avLst/>
           </a:prstGeom>
-          <a:ln>
+          <a:ln w="28575">
             <a:solidFill>
               <a:schemeClr val="dk1"/>
             </a:solidFill>
@@ -15628,13 +15642,13 @@
         </p:nvCxnSpPr>
         <p:spPr>
           <a:xfrm>
-            <a:off x="6948309" y="1425109"/>
+            <a:off x="6805434" y="1425109"/>
             <a:ext cx="306916" cy="0"/>
           </a:xfrm>
           <a:prstGeom prst="line">
             <a:avLst/>
           </a:prstGeom>
-          <a:ln>
+          <a:ln w="28575">
             <a:solidFill>
               <a:schemeClr val="dk1"/>
             </a:solidFill>
@@ -15663,7 +15677,7 @@
         </p:nvSpPr>
         <p:spPr>
           <a:xfrm>
-            <a:off x="6948309" y="1712308"/>
+            <a:off x="6805434" y="1712308"/>
             <a:ext cx="306916" cy="1148796"/>
           </a:xfrm>
           <a:prstGeom prst="rect">
@@ -15672,6 +15686,13 @@
           <a:solidFill>
             <a:schemeClr val="accent3"/>
           </a:solidFill>
+          <a:ln w="28575">
+            <a:solidFill>
+              <a:schemeClr val="accent3">
+                <a:shade val="20000"/>
+              </a:schemeClr>
+            </a:solidFill>
+          </a:ln>
         </p:spPr>
         <p:style>
           <a:lnRef idx="2">
@@ -15710,13 +15731,13 @@
         </p:nvCxnSpPr>
         <p:spPr>
           <a:xfrm>
-            <a:off x="6948309" y="2286705"/>
+            <a:off x="6805434" y="2286705"/>
             <a:ext cx="306916" cy="0"/>
           </a:xfrm>
           <a:prstGeom prst="line">
             <a:avLst/>
           </a:prstGeom>
-          <a:ln>
+          <a:ln w="28575">
             <a:solidFill>
               <a:schemeClr val="dk1"/>
             </a:solidFill>
@@ -15745,13 +15766,13 @@
         </p:nvCxnSpPr>
         <p:spPr>
           <a:xfrm>
-            <a:off x="6948415" y="1999507"/>
+            <a:off x="6805540" y="1999507"/>
             <a:ext cx="306916" cy="0"/>
           </a:xfrm>
           <a:prstGeom prst="line">
             <a:avLst/>
           </a:prstGeom>
-          <a:ln>
+          <a:ln w="28575">
             <a:solidFill>
               <a:schemeClr val="dk1"/>
             </a:solidFill>
@@ -15780,13 +15801,13 @@
         </p:nvCxnSpPr>
         <p:spPr>
           <a:xfrm>
-            <a:off x="6948415" y="2573904"/>
+            <a:off x="6805540" y="2573904"/>
             <a:ext cx="306916" cy="0"/>
           </a:xfrm>
           <a:prstGeom prst="line">
             <a:avLst/>
           </a:prstGeom>
-          <a:ln>
+          <a:ln w="28575">
             <a:solidFill>
               <a:schemeClr val="dk1"/>
             </a:solidFill>
@@ -15815,7 +15836,7 @@
         </p:nvSpPr>
         <p:spPr>
           <a:xfrm>
-            <a:off x="7517130" y="2137249"/>
+            <a:off x="7374255" y="2137249"/>
             <a:ext cx="459105" cy="367665"/>
           </a:xfrm>
           <a:prstGeom prst="rect">
@@ -16213,6 +16234,13 @@
           <a:solidFill>
             <a:schemeClr val="accent2"/>
           </a:solidFill>
+          <a:ln w="28575">
+            <a:solidFill>
+              <a:schemeClr val="accent3">
+                <a:shade val="20000"/>
+              </a:schemeClr>
+            </a:solidFill>
+          </a:ln>
         </p:spPr>
         <p:style>
           <a:lnRef idx="2">
@@ -16257,7 +16285,7 @@
           <a:prstGeom prst="line">
             <a:avLst/>
           </a:prstGeom>
-          <a:ln>
+          <a:ln w="28575">
             <a:solidFill>
               <a:schemeClr val="dk1"/>
             </a:solidFill>
@@ -16292,7 +16320,7 @@
           <a:prstGeom prst="line">
             <a:avLst/>
           </a:prstGeom>
-          <a:ln>
+          <a:ln w="28575">
             <a:solidFill>
               <a:schemeClr val="dk1"/>
             </a:solidFill>
@@ -16327,7 +16355,7 @@
           <a:prstGeom prst="line">
             <a:avLst/>
           </a:prstGeom>
-          <a:ln>
+          <a:ln w="28575">
             <a:solidFill>
               <a:schemeClr val="dk1"/>
             </a:solidFill>
@@ -16502,6 +16530,13 @@
           <a:solidFill>
             <a:schemeClr val="accent2"/>
           </a:solidFill>
+          <a:ln w="28575">
+            <a:solidFill>
+              <a:schemeClr val="accent3">
+                <a:shade val="20000"/>
+              </a:schemeClr>
+            </a:solidFill>
+          </a:ln>
         </p:spPr>
         <p:style>
           <a:lnRef idx="2">
@@ -16546,7 +16581,7 @@
           <a:prstGeom prst="line">
             <a:avLst/>
           </a:prstGeom>
-          <a:ln>
+          <a:ln w="28575">
             <a:solidFill>
               <a:schemeClr val="dk1"/>
             </a:solidFill>
@@ -16581,7 +16616,7 @@
           <a:prstGeom prst="line">
             <a:avLst/>
           </a:prstGeom>
-          <a:ln>
+          <a:ln w="28575">
             <a:solidFill>
               <a:schemeClr val="dk1"/>
             </a:solidFill>
@@ -16616,7 +16651,7 @@
           <a:prstGeom prst="line">
             <a:avLst/>
           </a:prstGeom>
-          <a:ln>
+          <a:ln w="28575">
             <a:solidFill>
               <a:schemeClr val="dk1"/>
             </a:solidFill>
@@ -16791,6 +16826,13 @@
           <a:solidFill>
             <a:schemeClr val="accent2"/>
           </a:solidFill>
+          <a:ln w="28575">
+            <a:solidFill>
+              <a:schemeClr val="accent3">
+                <a:shade val="20000"/>
+              </a:schemeClr>
+            </a:solidFill>
+          </a:ln>
         </p:spPr>
         <p:style>
           <a:lnRef idx="2">
@@ -16835,7 +16877,7 @@
           <a:prstGeom prst="line">
             <a:avLst/>
           </a:prstGeom>
-          <a:ln>
+          <a:ln w="28575">
             <a:solidFill>
               <a:schemeClr val="dk1"/>
             </a:solidFill>
@@ -16870,7 +16912,7 @@
           <a:prstGeom prst="line">
             <a:avLst/>
           </a:prstGeom>
-          <a:ln>
+          <a:ln w="28575">
             <a:solidFill>
               <a:schemeClr val="dk1"/>
             </a:solidFill>
@@ -16905,7 +16947,7 @@
           <a:prstGeom prst="line">
             <a:avLst/>
           </a:prstGeom>
-          <a:ln>
+          <a:ln w="28575">
             <a:solidFill>
               <a:schemeClr val="dk1"/>
             </a:solidFill>
@@ -17135,7 +17177,7 @@
         </p:nvSpPr>
         <p:spPr>
           <a:xfrm>
-            <a:off x="7290901" y="574751"/>
+            <a:off x="7148026" y="574751"/>
             <a:ext cx="229552" cy="1137557"/>
           </a:xfrm>
           <a:prstGeom prst="rightBrace">
@@ -17181,7 +17223,7 @@
         </p:nvSpPr>
         <p:spPr>
           <a:xfrm>
-            <a:off x="7287578" y="1728595"/>
+            <a:off x="7144703" y="1728595"/>
             <a:ext cx="229552" cy="1137557"/>
           </a:xfrm>
           <a:prstGeom prst="rightBrace">
@@ -17227,7 +17269,7 @@
         </p:nvSpPr>
         <p:spPr>
           <a:xfrm>
-            <a:off x="6872320" y="195847"/>
+            <a:off x="6729445" y="195847"/>
             <a:ext cx="459105" cy="367665"/>
           </a:xfrm>
           <a:prstGeom prst="rect">
@@ -17275,6 +17317,13 @@
           <a:solidFill>
             <a:schemeClr val="accent2"/>
           </a:solidFill>
+          <a:ln w="28575">
+            <a:solidFill>
+              <a:schemeClr val="accent3">
+                <a:shade val="20000"/>
+              </a:schemeClr>
+            </a:solidFill>
+          </a:ln>
         </p:spPr>
         <p:style>
           <a:lnRef idx="2">
@@ -17319,7 +17368,7 @@
           <a:prstGeom prst="line">
             <a:avLst/>
           </a:prstGeom>
-          <a:ln>
+          <a:ln w="28575">
             <a:solidFill>
               <a:schemeClr val="dk1"/>
             </a:solidFill>
@@ -17354,7 +17403,7 @@
           <a:prstGeom prst="line">
             <a:avLst/>
           </a:prstGeom>
-          <a:ln>
+          <a:ln w="28575">
             <a:solidFill>
               <a:schemeClr val="dk1"/>
             </a:solidFill>
@@ -17389,7 +17438,7 @@
           <a:prstGeom prst="line">
             <a:avLst/>
           </a:prstGeom>
-          <a:ln>
+          <a:ln w="28575">
             <a:solidFill>
               <a:schemeClr val="dk1"/>
             </a:solidFill>
@@ -17427,6 +17476,13 @@
           <a:solidFill>
             <a:schemeClr val="accent3"/>
           </a:solidFill>
+          <a:ln w="28575">
+            <a:solidFill>
+              <a:schemeClr val="accent3">
+                <a:shade val="20000"/>
+              </a:schemeClr>
+            </a:solidFill>
+          </a:ln>
         </p:spPr>
         <p:style>
           <a:lnRef idx="2">
@@ -17471,7 +17527,7 @@
           <a:prstGeom prst="line">
             <a:avLst/>
           </a:prstGeom>
-          <a:ln>
+          <a:ln w="28575">
             <a:solidFill>
               <a:schemeClr val="dk1"/>
             </a:solidFill>
@@ -17506,7 +17562,7 @@
           <a:prstGeom prst="line">
             <a:avLst/>
           </a:prstGeom>
-          <a:ln>
+          <a:ln w="28575">
             <a:solidFill>
               <a:schemeClr val="dk1"/>
             </a:solidFill>
@@ -17541,7 +17597,7 @@
           <a:prstGeom prst="line">
             <a:avLst/>
           </a:prstGeom>
-          <a:ln>
+          <a:ln w="28575">
             <a:solidFill>
               <a:schemeClr val="dk1"/>
             </a:solidFill>
@@ -17618,6 +17674,13 @@
           <a:solidFill>
             <a:schemeClr val="accent3"/>
           </a:solidFill>
+          <a:ln w="28575">
+            <a:solidFill>
+              <a:schemeClr val="accent3">
+                <a:shade val="20000"/>
+              </a:schemeClr>
+            </a:solidFill>
+          </a:ln>
         </p:spPr>
         <p:style>
           <a:lnRef idx="2">
@@ -17662,7 +17725,7 @@
           <a:prstGeom prst="line">
             <a:avLst/>
           </a:prstGeom>
-          <a:ln>
+          <a:ln w="28575">
             <a:solidFill>
               <a:schemeClr val="dk1"/>
             </a:solidFill>
@@ -17697,7 +17760,7 @@
           <a:prstGeom prst="line">
             <a:avLst/>
           </a:prstGeom>
-          <a:ln>
+          <a:ln w="28575">
             <a:solidFill>
               <a:schemeClr val="dk1"/>
             </a:solidFill>
@@ -17732,7 +17795,7 @@
           <a:prstGeom prst="line">
             <a:avLst/>
           </a:prstGeom>
-          <a:ln>
+          <a:ln w="28575">
             <a:solidFill>
               <a:schemeClr val="dk1"/>
             </a:solidFill>
@@ -17770,6 +17833,13 @@
           <a:solidFill>
             <a:schemeClr val="accent3"/>
           </a:solidFill>
+          <a:ln w="28575">
+            <a:solidFill>
+              <a:schemeClr val="accent3">
+                <a:shade val="20000"/>
+              </a:schemeClr>
+            </a:solidFill>
+          </a:ln>
         </p:spPr>
         <p:style>
           <a:lnRef idx="2">
@@ -17814,7 +17884,7 @@
           <a:prstGeom prst="line">
             <a:avLst/>
           </a:prstGeom>
-          <a:ln>
+          <a:ln w="28575">
             <a:solidFill>
               <a:schemeClr val="dk1"/>
             </a:solidFill>
@@ -17849,7 +17919,7 @@
           <a:prstGeom prst="line">
             <a:avLst/>
           </a:prstGeom>
-          <a:ln>
+          <a:ln w="28575">
             <a:solidFill>
               <a:schemeClr val="dk1"/>
             </a:solidFill>
@@ -17884,7 +17954,7 @@
           <a:prstGeom prst="line">
             <a:avLst/>
           </a:prstGeom>
-          <a:ln>
+          <a:ln w="28575">
             <a:solidFill>
               <a:schemeClr val="dk1"/>
             </a:solidFill>
@@ -17922,6 +17992,13 @@
           <a:solidFill>
             <a:schemeClr val="accent3"/>
           </a:solidFill>
+          <a:ln w="28575">
+            <a:solidFill>
+              <a:schemeClr val="accent3">
+                <a:shade val="20000"/>
+              </a:schemeClr>
+            </a:solidFill>
+          </a:ln>
         </p:spPr>
         <p:style>
           <a:lnRef idx="2">
@@ -17966,7 +18043,7 @@
           <a:prstGeom prst="line">
             <a:avLst/>
           </a:prstGeom>
-          <a:ln>
+          <a:ln w="28575">
             <a:solidFill>
               <a:schemeClr val="dk1"/>
             </a:solidFill>
@@ -18001,7 +18078,7 @@
           <a:prstGeom prst="line">
             <a:avLst/>
           </a:prstGeom>
-          <a:ln>
+          <a:ln w="28575">
             <a:solidFill>
               <a:schemeClr val="dk1"/>
             </a:solidFill>
@@ -18036,7 +18113,7 @@
           <a:prstGeom prst="line">
             <a:avLst/>
           </a:prstGeom>
-          <a:ln>
+          <a:ln w="28575">
             <a:solidFill>
               <a:schemeClr val="dk1"/>
             </a:solidFill>
@@ -18074,6 +18151,13 @@
           <a:solidFill>
             <a:schemeClr val="accent3"/>
           </a:solidFill>
+          <a:ln w="28575">
+            <a:solidFill>
+              <a:schemeClr val="accent3">
+                <a:shade val="20000"/>
+              </a:schemeClr>
+            </a:solidFill>
+          </a:ln>
         </p:spPr>
         <p:style>
           <a:lnRef idx="2">
@@ -18118,7 +18202,7 @@
           <a:prstGeom prst="line">
             <a:avLst/>
           </a:prstGeom>
-          <a:ln>
+          <a:ln w="28575">
             <a:solidFill>
               <a:schemeClr val="dk1"/>
             </a:solidFill>
@@ -18153,7 +18237,7 @@
           <a:prstGeom prst="line">
             <a:avLst/>
           </a:prstGeom>
-          <a:ln>
+          <a:ln w="28575">
             <a:solidFill>
               <a:schemeClr val="dk1"/>
             </a:solidFill>
@@ -18188,7 +18272,7 @@
           <a:prstGeom prst="line">
             <a:avLst/>
           </a:prstGeom>
-          <a:ln>
+          <a:ln w="28575">
             <a:solidFill>
               <a:schemeClr val="dk1"/>
             </a:solidFill>
@@ -18226,6 +18310,13 @@
           <a:solidFill>
             <a:schemeClr val="accent3"/>
           </a:solidFill>
+          <a:ln w="28575">
+            <a:solidFill>
+              <a:schemeClr val="accent3">
+                <a:shade val="20000"/>
+              </a:schemeClr>
+            </a:solidFill>
+          </a:ln>
         </p:spPr>
         <p:style>
           <a:lnRef idx="2">
@@ -18270,7 +18361,7 @@
           <a:prstGeom prst="line">
             <a:avLst/>
           </a:prstGeom>
-          <a:ln>
+          <a:ln w="28575">
             <a:solidFill>
               <a:schemeClr val="dk1"/>
             </a:solidFill>
@@ -18305,7 +18396,7 @@
           <a:prstGeom prst="line">
             <a:avLst/>
           </a:prstGeom>
-          <a:ln>
+          <a:ln w="28575">
             <a:solidFill>
               <a:schemeClr val="dk1"/>
             </a:solidFill>
@@ -18340,7 +18431,7 @@
           <a:prstGeom prst="line">
             <a:avLst/>
           </a:prstGeom>
-          <a:ln>
+          <a:ln w="28575">
             <a:solidFill>
               <a:schemeClr val="dk1"/>
             </a:solidFill>
@@ -18378,6 +18469,13 @@
           <a:solidFill>
             <a:schemeClr val="accent3"/>
           </a:solidFill>
+          <a:ln w="28575">
+            <a:solidFill>
+              <a:schemeClr val="accent3">
+                <a:shade val="20000"/>
+              </a:schemeClr>
+            </a:solidFill>
+          </a:ln>
         </p:spPr>
         <p:style>
           <a:lnRef idx="2">
@@ -18422,7 +18520,7 @@
           <a:prstGeom prst="line">
             <a:avLst/>
           </a:prstGeom>
-          <a:ln>
+          <a:ln w="28575">
             <a:solidFill>
               <a:schemeClr val="dk1"/>
             </a:solidFill>
@@ -18457,7 +18555,7 @@
           <a:prstGeom prst="line">
             <a:avLst/>
           </a:prstGeom>
-          <a:ln>
+          <a:ln w="28575">
             <a:solidFill>
               <a:schemeClr val="dk1"/>
             </a:solidFill>
@@ -18492,7 +18590,7 @@
           <a:prstGeom prst="line">
             <a:avLst/>
           </a:prstGeom>
-          <a:ln>
+          <a:ln w="28575">
             <a:solidFill>
               <a:schemeClr val="dk1"/>
             </a:solidFill>
@@ -18521,7 +18619,7 @@
         </p:nvSpPr>
         <p:spPr>
           <a:xfrm>
-            <a:off x="2567803" y="4162836"/>
+            <a:off x="2558278" y="4162836"/>
             <a:ext cx="306916" cy="1148796"/>
           </a:xfrm>
           <a:prstGeom prst="rect">
@@ -18530,6 +18628,13 @@
           <a:solidFill>
             <a:schemeClr val="accent3"/>
           </a:solidFill>
+          <a:ln w="28575">
+            <a:solidFill>
+              <a:schemeClr val="accent3">
+                <a:shade val="20000"/>
+              </a:schemeClr>
+            </a:solidFill>
+          </a:ln>
         </p:spPr>
         <p:style>
           <a:lnRef idx="2">
@@ -18568,13 +18673,13 @@
         </p:nvCxnSpPr>
         <p:spPr>
           <a:xfrm>
-            <a:off x="2567803" y="4737235"/>
+            <a:off x="2558278" y="4737235"/>
             <a:ext cx="306916" cy="0"/>
           </a:xfrm>
           <a:prstGeom prst="line">
             <a:avLst/>
           </a:prstGeom>
-          <a:ln>
+          <a:ln w="28575">
             <a:solidFill>
               <a:schemeClr val="dk1"/>
             </a:solidFill>
@@ -18603,13 +18708,13 @@
         </p:nvCxnSpPr>
         <p:spPr>
           <a:xfrm>
-            <a:off x="2567908" y="4450036"/>
+            <a:off x="2558383" y="4450036"/>
             <a:ext cx="306916" cy="0"/>
           </a:xfrm>
           <a:prstGeom prst="line">
             <a:avLst/>
           </a:prstGeom>
-          <a:ln>
+          <a:ln w="28575">
             <a:solidFill>
               <a:schemeClr val="dk1"/>
             </a:solidFill>
@@ -18638,13 +18743,13 @@
         </p:nvCxnSpPr>
         <p:spPr>
           <a:xfrm>
-            <a:off x="2567908" y="5024434"/>
+            <a:off x="2558383" y="5024434"/>
             <a:ext cx="306916" cy="0"/>
           </a:xfrm>
           <a:prstGeom prst="line">
             <a:avLst/>
           </a:prstGeom>
-          <a:ln>
+          <a:ln w="28575">
             <a:solidFill>
               <a:schemeClr val="dk1"/>
             </a:solidFill>
@@ -18673,7 +18778,7 @@
         </p:nvSpPr>
         <p:spPr>
           <a:xfrm>
-            <a:off x="2877428" y="4162837"/>
+            <a:off x="2867903" y="4162837"/>
             <a:ext cx="306916" cy="1148796"/>
           </a:xfrm>
           <a:prstGeom prst="rect">
@@ -18682,6 +18787,13 @@
           <a:solidFill>
             <a:schemeClr val="accent3"/>
           </a:solidFill>
+          <a:ln w="28575">
+            <a:solidFill>
+              <a:schemeClr val="accent3">
+                <a:shade val="20000"/>
+              </a:schemeClr>
+            </a:solidFill>
+          </a:ln>
         </p:spPr>
         <p:style>
           <a:lnRef idx="2">
@@ -18720,13 +18832,13 @@
         </p:nvCxnSpPr>
         <p:spPr>
           <a:xfrm>
-            <a:off x="2877428" y="4737236"/>
+            <a:off x="2867903" y="4737236"/>
             <a:ext cx="306916" cy="0"/>
           </a:xfrm>
           <a:prstGeom prst="line">
             <a:avLst/>
           </a:prstGeom>
-          <a:ln>
+          <a:ln w="28575">
             <a:solidFill>
               <a:schemeClr val="dk1"/>
             </a:solidFill>
@@ -18755,13 +18867,13 @@
         </p:nvCxnSpPr>
         <p:spPr>
           <a:xfrm>
-            <a:off x="2877533" y="4450036"/>
+            <a:off x="2868008" y="4450036"/>
             <a:ext cx="306916" cy="0"/>
           </a:xfrm>
           <a:prstGeom prst="line">
             <a:avLst/>
           </a:prstGeom>
-          <a:ln>
+          <a:ln w="28575">
             <a:solidFill>
               <a:schemeClr val="dk1"/>
             </a:solidFill>
@@ -18790,13 +18902,13 @@
         </p:nvCxnSpPr>
         <p:spPr>
           <a:xfrm>
-            <a:off x="2877533" y="5024434"/>
+            <a:off x="2868008" y="5024434"/>
             <a:ext cx="306916" cy="0"/>
           </a:xfrm>
           <a:prstGeom prst="line">
             <a:avLst/>
           </a:prstGeom>
-          <a:ln>
+          <a:ln w="28575">
             <a:solidFill>
               <a:schemeClr val="dk1"/>
             </a:solidFill>
@@ -18984,6 +19096,13 @@
           <a:solidFill>
             <a:schemeClr val="accent3"/>
           </a:solidFill>
+          <a:ln w="28575">
+            <a:solidFill>
+              <a:schemeClr val="accent3">
+                <a:shade val="20000"/>
+              </a:schemeClr>
+            </a:solidFill>
+          </a:ln>
         </p:spPr>
         <p:style>
           <a:lnRef idx="2">
@@ -19028,7 +19147,7 @@
           <a:prstGeom prst="line">
             <a:avLst/>
           </a:prstGeom>
-          <a:ln>
+          <a:ln w="28575">
             <a:solidFill>
               <a:schemeClr val="dk1"/>
             </a:solidFill>
@@ -19063,7 +19182,7 @@
           <a:prstGeom prst="line">
             <a:avLst/>
           </a:prstGeom>
-          <a:ln>
+          <a:ln w="28575">
             <a:solidFill>
               <a:schemeClr val="dk1"/>
             </a:solidFill>
@@ -19098,7 +19217,7 @@
           <a:prstGeom prst="line">
             <a:avLst/>
           </a:prstGeom>
-          <a:ln>
+          <a:ln w="28575">
             <a:solidFill>
               <a:schemeClr val="dk1"/>
             </a:solidFill>
